--- a/Presentation/פרזנטציה פרויקט ויזואליזציה.pptx
+++ b/Presentation/פרזנטציה פרויקט ויזואליזציה.pptx
@@ -762,6 +762,18 @@
   <p:clrMapOvr>
     <a:masterClrMapping/>
   </p:clrMapOvr>
+  <mc:AlternateContent xmlns:mc="http://schemas.openxmlformats.org/markup-compatibility/2006">
+    <mc:Choice xmlns:p14="http://schemas.microsoft.com/office/powerpoint/2010/main" Requires="p14">
+      <p:transition spd="slow" p14:dur="1200">
+        <p14:prism/>
+      </p:transition>
+    </mc:Choice>
+    <mc:Fallback>
+      <p:transition spd="slow">
+        <p:fade/>
+      </p:transition>
+    </mc:Fallback>
+  </mc:AlternateContent>
 </p:sldLayout>
 </file>
 
@@ -860,6 +872,18 @@
   <p:clrMapOvr>
     <a:masterClrMapping/>
   </p:clrMapOvr>
+  <mc:AlternateContent xmlns:mc="http://schemas.openxmlformats.org/markup-compatibility/2006">
+    <mc:Choice xmlns:p14="http://schemas.microsoft.com/office/powerpoint/2010/main" Requires="p14">
+      <p:transition spd="slow" p14:dur="1200">
+        <p14:prism/>
+      </p:transition>
+    </mc:Choice>
+    <mc:Fallback>
+      <p:transition spd="slow">
+        <p:fade/>
+      </p:transition>
+    </mc:Fallback>
+  </mc:AlternateContent>
 </p:sldLayout>
 </file>
 
@@ -968,6 +992,18 @@
   <p:clrMapOvr>
     <a:masterClrMapping/>
   </p:clrMapOvr>
+  <mc:AlternateContent xmlns:mc="http://schemas.openxmlformats.org/markup-compatibility/2006">
+    <mc:Choice xmlns:p14="http://schemas.microsoft.com/office/powerpoint/2010/main" Requires="p14">
+      <p:transition spd="slow" p14:dur="1200">
+        <p14:prism/>
+      </p:transition>
+    </mc:Choice>
+    <mc:Fallback>
+      <p:transition spd="slow">
+        <p:fade/>
+      </p:transition>
+    </mc:Fallback>
+  </mc:AlternateContent>
 </p:sldLayout>
 </file>
 
@@ -1066,6 +1102,18 @@
   <p:clrMapOvr>
     <a:masterClrMapping/>
   </p:clrMapOvr>
+  <mc:AlternateContent xmlns:mc="http://schemas.openxmlformats.org/markup-compatibility/2006">
+    <mc:Choice xmlns:p14="http://schemas.microsoft.com/office/powerpoint/2010/main" Requires="p14">
+      <p:transition spd="slow" p14:dur="1200">
+        <p14:prism/>
+      </p:transition>
+    </mc:Choice>
+    <mc:Fallback>
+      <p:transition spd="slow">
+        <p:fade/>
+      </p:transition>
+    </mc:Fallback>
+  </mc:AlternateContent>
 </p:sldLayout>
 </file>
 
@@ -1187,6 +1235,18 @@
   <p:clrMapOvr>
     <a:masterClrMapping/>
   </p:clrMapOvr>
+  <mc:AlternateContent xmlns:mc="http://schemas.openxmlformats.org/markup-compatibility/2006">
+    <mc:Choice xmlns:p14="http://schemas.microsoft.com/office/powerpoint/2010/main" Requires="p14">
+      <p:transition spd="slow" p14:dur="1200">
+        <p14:prism/>
+      </p:transition>
+    </mc:Choice>
+    <mc:Fallback>
+      <p:transition spd="slow">
+        <p:fade/>
+      </p:transition>
+    </mc:Fallback>
+  </mc:AlternateContent>
 </p:sldLayout>
 </file>
 
@@ -1402,6 +1462,18 @@
   <p:clrMapOvr>
     <a:masterClrMapping/>
   </p:clrMapOvr>
+  <mc:AlternateContent xmlns:mc="http://schemas.openxmlformats.org/markup-compatibility/2006">
+    <mc:Choice xmlns:p14="http://schemas.microsoft.com/office/powerpoint/2010/main" Requires="p14">
+      <p:transition spd="slow" p14:dur="1200">
+        <p14:prism/>
+      </p:transition>
+    </mc:Choice>
+    <mc:Fallback>
+      <p:transition spd="slow">
+        <p:fade/>
+      </p:transition>
+    </mc:Fallback>
+  </mc:AlternateContent>
 </p:sldLayout>
 </file>
 
@@ -1756,6 +1828,18 @@
   <p:clrMapOvr>
     <a:masterClrMapping/>
   </p:clrMapOvr>
+  <mc:AlternateContent xmlns:mc="http://schemas.openxmlformats.org/markup-compatibility/2006">
+    <mc:Choice xmlns:p14="http://schemas.microsoft.com/office/powerpoint/2010/main" Requires="p14">
+      <p:transition spd="slow" p14:dur="1200">
+        <p14:prism/>
+      </p:transition>
+    </mc:Choice>
+    <mc:Fallback>
+      <p:transition spd="slow">
+        <p:fade/>
+      </p:transition>
+    </mc:Fallback>
+  </mc:AlternateContent>
 </p:sldLayout>
 </file>
 
@@ -1803,6 +1887,18 @@
   <p:clrMapOvr>
     <a:masterClrMapping/>
   </p:clrMapOvr>
+  <mc:AlternateContent xmlns:mc="http://schemas.openxmlformats.org/markup-compatibility/2006">
+    <mc:Choice xmlns:p14="http://schemas.microsoft.com/office/powerpoint/2010/main" Requires="p14">
+      <p:transition spd="slow" p14:dur="1200">
+        <p14:prism/>
+      </p:transition>
+    </mc:Choice>
+    <mc:Fallback>
+      <p:transition spd="slow">
+        <p:fade/>
+      </p:transition>
+    </mc:Fallback>
+  </mc:AlternateContent>
 </p:sldLayout>
 </file>
 
@@ -1828,6 +1924,18 @@
   <p:clrMapOvr>
     <a:masterClrMapping/>
   </p:clrMapOvr>
+  <mc:AlternateContent xmlns:mc="http://schemas.openxmlformats.org/markup-compatibility/2006">
+    <mc:Choice xmlns:p14="http://schemas.microsoft.com/office/powerpoint/2010/main" Requires="p14">
+      <p:transition spd="slow" p14:dur="1200">
+        <p14:prism/>
+      </p:transition>
+    </mc:Choice>
+    <mc:Fallback>
+      <p:transition spd="slow">
+        <p:fade/>
+      </p:transition>
+    </mc:Fallback>
+  </mc:AlternateContent>
 </p:sldLayout>
 </file>
 
@@ -2033,6 +2141,18 @@
   <p:clrMapOvr>
     <a:masterClrMapping/>
   </p:clrMapOvr>
+  <mc:AlternateContent xmlns:mc="http://schemas.openxmlformats.org/markup-compatibility/2006">
+    <mc:Choice xmlns:p14="http://schemas.microsoft.com/office/powerpoint/2010/main" Requires="p14">
+      <p:transition spd="slow" p14:dur="1200">
+        <p14:prism/>
+      </p:transition>
+    </mc:Choice>
+    <mc:Fallback>
+      <p:transition spd="slow">
+        <p:fade/>
+      </p:transition>
+    </mc:Fallback>
+  </mc:AlternateContent>
 </p:sldLayout>
 </file>
 
@@ -2215,6 +2335,18 @@
   <p:clrMapOvr>
     <a:masterClrMapping/>
   </p:clrMapOvr>
+  <mc:AlternateContent xmlns:mc="http://schemas.openxmlformats.org/markup-compatibility/2006">
+    <mc:Choice xmlns:p14="http://schemas.microsoft.com/office/powerpoint/2010/main" Requires="p14">
+      <p:transition spd="slow" p14:dur="1200">
+        <p14:prism/>
+      </p:transition>
+    </mc:Choice>
+    <mc:Fallback>
+      <p:transition spd="slow">
+        <p:fade/>
+      </p:transition>
+    </mc:Fallback>
+  </mc:AlternateContent>
 </p:sldLayout>
 </file>
 
@@ -2381,6 +2513,18 @@
     <p:sldLayoutId id="2147483658" r:id="rId10"/>
     <p:sldLayoutId id="2147483659" r:id="rId11"/>
   </p:sldLayoutIdLst>
+  <mc:AlternateContent xmlns:mc="http://schemas.openxmlformats.org/markup-compatibility/2006">
+    <mc:Choice xmlns:p14="http://schemas.microsoft.com/office/powerpoint/2010/main" Requires="p14">
+      <p:transition spd="slow" p14:dur="1200">
+        <p14:prism/>
+      </p:transition>
+    </mc:Choice>
+    <mc:Fallback>
+      <p:transition spd="slow">
+        <p:fade/>
+      </p:transition>
+    </mc:Fallback>
+  </mc:AlternateContent>
   <p:txStyles>
     <p:titleStyle>
       <a:lvl1pPr algn="l" rtl="0" fontAlgn="base">
@@ -2988,6 +3132,18 @@
   <p:clrMapOvr>
     <a:masterClrMapping/>
   </p:clrMapOvr>
+  <mc:AlternateContent xmlns:mc="http://schemas.openxmlformats.org/markup-compatibility/2006">
+    <mc:Choice xmlns:p14="http://schemas.microsoft.com/office/powerpoint/2010/main" Requires="p14">
+      <p:transition spd="slow" p14:dur="1200">
+        <p14:prism/>
+      </p:transition>
+    </mc:Choice>
+    <mc:Fallback>
+      <p:transition spd="slow">
+        <p:fade/>
+      </p:transition>
+    </mc:Fallback>
+  </mc:AlternateContent>
 </p:sld>
 </file>
 
@@ -3100,12 +3256,63 @@
           </a:prstGeom>
         </p:spPr>
       </p:pic>
+      <p:sp>
+        <p:nvSpPr>
+          <p:cNvPr id="15" name="תיבת טקסט 14">
+            <a:extLst>
+              <a:ext uri="{FF2B5EF4-FFF2-40B4-BE49-F238E27FC236}">
+                <a16:creationId xmlns:a16="http://schemas.microsoft.com/office/drawing/2014/main" id="{951178B2-1A8B-B49D-7021-257082DE6929}"/>
+              </a:ext>
+            </a:extLst>
+          </p:cNvPr>
+          <p:cNvSpPr txBox="1"/>
+          <p:nvPr/>
+        </p:nvSpPr>
+        <p:spPr>
+          <a:xfrm>
+            <a:off x="1732611" y="4834026"/>
+            <a:ext cx="7172156" cy="646331"/>
+          </a:xfrm>
+          <a:prstGeom prst="rect">
+            <a:avLst/>
+          </a:prstGeom>
+          <a:noFill/>
+        </p:spPr>
+        <p:txBody>
+          <a:bodyPr wrap="none" rtlCol="0">
+            <a:spAutoFit/>
+          </a:bodyPr>
+          <a:lstStyle/>
+          <a:p>
+            <a:pPr algn="r" rtl="1"/>
+            <a:r>
+              <a:rPr lang="he-IL" b="1" dirty="0"/>
+              <a:t>תאריך, עיר, קו אורך, קו רוחב, מספר מחבלים, מספר הרוגים, מספר פצועים,</a:t>
+            </a:r>
+            <a:br>
+              <a:rPr lang="en-US" b="1" dirty="0"/>
+            </a:br>
+            <a:r>
+              <a:rPr lang="he-IL" b="1" dirty="0"/>
+              <a:t>האם פיגוע </a:t>
+            </a:r>
+            <a:r>
+              <a:rPr lang="he-IL" b="1" dirty="0" err="1"/>
+              <a:t>הוצלח</a:t>
+            </a:r>
+            <a:r>
+              <a:rPr lang="he-IL" b="1" dirty="0"/>
+              <a:t>, סוג נשק, קבוצה שאליה שייך המחבל ועוד</a:t>
+            </a:r>
+          </a:p>
+        </p:txBody>
+      </p:sp>
       <p:pic>
         <p:nvPicPr>
-          <p:cNvPr id="12" name="תמונה 11">
+          <p:cNvPr id="3" name="תמונה 2">
             <a:extLst>
               <a:ext uri="{FF2B5EF4-FFF2-40B4-BE49-F238E27FC236}">
-                <a16:creationId xmlns:a16="http://schemas.microsoft.com/office/drawing/2014/main" id="{FDF7436D-7C3F-0BA4-7B90-A1BADB6C8DC4}"/>
+                <a16:creationId xmlns:a16="http://schemas.microsoft.com/office/drawing/2014/main" id="{1A26993B-A91D-4C05-9C65-D29A2ADBA301}"/>
               </a:ext>
             </a:extLst>
           </p:cNvPr>
@@ -3122,70 +3329,481 @@
         </p:blipFill>
         <p:spPr>
           <a:xfrm>
-            <a:off x="3829536" y="3559239"/>
-            <a:ext cx="4811682" cy="410753"/>
+            <a:off x="2593628" y="3701816"/>
+            <a:ext cx="6311139" cy="513697"/>
           </a:xfrm>
           <a:prstGeom prst="rect">
             <a:avLst/>
           </a:prstGeom>
         </p:spPr>
       </p:pic>
-      <p:sp>
-        <p:nvSpPr>
-          <p:cNvPr id="15" name="תיבת טקסט 14">
+      <p:pic>
+        <p:nvPicPr>
+          <p:cNvPr id="12" name="תמונה 11">
             <a:extLst>
               <a:ext uri="{FF2B5EF4-FFF2-40B4-BE49-F238E27FC236}">
-                <a16:creationId xmlns:a16="http://schemas.microsoft.com/office/drawing/2014/main" id="{951178B2-1A8B-B49D-7021-257082DE6929}"/>
+                <a16:creationId xmlns:a16="http://schemas.microsoft.com/office/drawing/2014/main" id="{FDF7436D-7C3F-0BA4-7B90-A1BADB6C8DC4}"/>
               </a:ext>
             </a:extLst>
           </p:cNvPr>
-          <p:cNvSpPr txBox="1"/>
+          <p:cNvPicPr>
+            <a:picLocks noChangeAspect="1"/>
+          </p:cNvPicPr>
           <p:nvPr/>
-        </p:nvSpPr>
+        </p:nvPicPr>
+        <p:blipFill>
+          <a:blip r:embed="rId5"/>
+          <a:stretch>
+            <a:fillRect/>
+          </a:stretch>
+        </p:blipFill>
         <p:spPr>
           <a:xfrm>
-            <a:off x="1494145" y="4313348"/>
-            <a:ext cx="7172156" cy="646331"/>
+            <a:off x="1959901" y="3661775"/>
+            <a:ext cx="6955690" cy="593778"/>
           </a:xfrm>
           <a:prstGeom prst="rect">
             <a:avLst/>
           </a:prstGeom>
-          <a:noFill/>
         </p:spPr>
-        <p:txBody>
-          <a:bodyPr wrap="none" rtlCol="0">
-            <a:spAutoFit/>
-          </a:bodyPr>
-          <a:lstStyle/>
-          <a:p>
-            <a:pPr algn="r" rtl="1"/>
-            <a:r>
-              <a:rPr lang="he-IL" b="1" dirty="0"/>
-              <a:t>תאריך, עיר, קו אורך, קו רוחב, מספר מחבלים, מספר הרוגים, מספר פצועים,</a:t>
-            </a:r>
-            <a:br>
-              <a:rPr lang="en-US" b="1" dirty="0"/>
-            </a:br>
-            <a:r>
-              <a:rPr lang="he-IL" b="1" dirty="0"/>
-              <a:t>האם פיגוע </a:t>
-            </a:r>
-            <a:r>
-              <a:rPr lang="he-IL" b="1" dirty="0" err="1"/>
-              <a:t>הוצלח</a:t>
-            </a:r>
-            <a:r>
-              <a:rPr lang="he-IL" b="1" dirty="0"/>
-              <a:t>, סוג נשק, קבוצה שאליה שייך המחבל ועוד</a:t>
-            </a:r>
-          </a:p>
-        </p:txBody>
-      </p:sp>
+      </p:pic>
     </p:spTree>
   </p:cSld>
   <p:clrMapOvr>
     <a:masterClrMapping/>
   </p:clrMapOvr>
+  <mc:AlternateContent xmlns:mc="http://schemas.openxmlformats.org/markup-compatibility/2006">
+    <mc:Choice xmlns:p14="http://schemas.microsoft.com/office/powerpoint/2010/main" Requires="p14">
+      <p:transition spd="slow" p14:dur="1200">
+        <p14:prism/>
+      </p:transition>
+    </mc:Choice>
+    <mc:Fallback>
+      <p:transition spd="slow">
+        <p:fade/>
+      </p:transition>
+    </mc:Fallback>
+  </mc:AlternateContent>
+  <p:timing>
+    <p:tnLst>
+      <p:par>
+        <p:cTn id="1" dur="indefinite" restart="never" nodeType="tmRoot">
+          <p:childTnLst>
+            <p:seq concurrent="1" nextAc="seek">
+              <p:cTn id="2" dur="indefinite" nodeType="mainSeq">
+                <p:childTnLst>
+                  <p:par>
+                    <p:cTn id="3" fill="hold">
+                      <p:stCondLst>
+                        <p:cond delay="indefinite"/>
+                      </p:stCondLst>
+                      <p:childTnLst>
+                        <p:par>
+                          <p:cTn id="4" fill="hold">
+                            <p:stCondLst>
+                              <p:cond delay="0"/>
+                            </p:stCondLst>
+                            <p:childTnLst>
+                              <p:par>
+                                <p:cTn id="5" presetID="26" presetClass="entr" presetSubtype="0" fill="hold" nodeType="clickEffect">
+                                  <p:stCondLst>
+                                    <p:cond delay="0"/>
+                                  </p:stCondLst>
+                                  <p:childTnLst>
+                                    <p:set>
+                                      <p:cBhvr>
+                                        <p:cTn id="6" dur="1" fill="hold">
+                                          <p:stCondLst>
+                                            <p:cond delay="0"/>
+                                          </p:stCondLst>
+                                        </p:cTn>
+                                        <p:tgtEl>
+                                          <p:spTgt spid="12"/>
+                                        </p:tgtEl>
+                                        <p:attrNameLst>
+                                          <p:attrName>style.visibility</p:attrName>
+                                        </p:attrNameLst>
+                                      </p:cBhvr>
+                                      <p:to>
+                                        <p:strVal val="visible"/>
+                                      </p:to>
+                                    </p:set>
+                                    <p:animEffect transition="in" filter="wipe(down)">
+                                      <p:cBhvr>
+                                        <p:cTn id="7" dur="580">
+                                          <p:stCondLst>
+                                            <p:cond delay="0"/>
+                                          </p:stCondLst>
+                                        </p:cTn>
+                                        <p:tgtEl>
+                                          <p:spTgt spid="12"/>
+                                        </p:tgtEl>
+                                      </p:cBhvr>
+                                    </p:animEffect>
+                                    <p:anim calcmode="lin" valueType="num">
+                                      <p:cBhvr>
+                                        <p:cTn id="8" dur="1822" tmFilter="0,0; 0.14,0.36; 0.43,0.73; 0.71,0.91; 1.0,1.0">
+                                          <p:stCondLst>
+                                            <p:cond delay="0"/>
+                                          </p:stCondLst>
+                                        </p:cTn>
+                                        <p:tgtEl>
+                                          <p:spTgt spid="12"/>
+                                        </p:tgtEl>
+                                        <p:attrNameLst>
+                                          <p:attrName>ppt_x</p:attrName>
+                                        </p:attrNameLst>
+                                      </p:cBhvr>
+                                      <p:tavLst>
+                                        <p:tav tm="0">
+                                          <p:val>
+                                            <p:strVal val="#ppt_x-0.25"/>
+                                          </p:val>
+                                        </p:tav>
+                                        <p:tav tm="100000">
+                                          <p:val>
+                                            <p:strVal val="#ppt_x"/>
+                                          </p:val>
+                                        </p:tav>
+                                      </p:tavLst>
+                                    </p:anim>
+                                    <p:anim calcmode="lin" valueType="num">
+                                      <p:cBhvr>
+                                        <p:cTn id="9" dur="664" tmFilter="0.0,0.0; 0.25,0.07; 0.50,0.2; 0.75,0.467; 1.0,1.0">
+                                          <p:stCondLst>
+                                            <p:cond delay="0"/>
+                                          </p:stCondLst>
+                                        </p:cTn>
+                                        <p:tgtEl>
+                                          <p:spTgt spid="12"/>
+                                        </p:tgtEl>
+                                        <p:attrNameLst>
+                                          <p:attrName>ppt_y</p:attrName>
+                                        </p:attrNameLst>
+                                      </p:cBhvr>
+                                      <p:tavLst>
+                                        <p:tav tm="0" fmla="#ppt_y-sin(pi*$)/3">
+                                          <p:val>
+                                            <p:fltVal val="0.5"/>
+                                          </p:val>
+                                        </p:tav>
+                                        <p:tav tm="100000">
+                                          <p:val>
+                                            <p:fltVal val="1"/>
+                                          </p:val>
+                                        </p:tav>
+                                      </p:tavLst>
+                                    </p:anim>
+                                    <p:anim calcmode="lin" valueType="num">
+                                      <p:cBhvr>
+                                        <p:cTn id="10" dur="664" tmFilter="0, 0; 0.125,0.2665; 0.25,0.4; 0.375,0.465; 0.5,0.5;  0.625,0.535; 0.75,0.6; 0.875,0.7335; 1,1">
+                                          <p:stCondLst>
+                                            <p:cond delay="664"/>
+                                          </p:stCondLst>
+                                        </p:cTn>
+                                        <p:tgtEl>
+                                          <p:spTgt spid="12"/>
+                                        </p:tgtEl>
+                                        <p:attrNameLst>
+                                          <p:attrName>ppt_y</p:attrName>
+                                        </p:attrNameLst>
+                                      </p:cBhvr>
+                                      <p:tavLst>
+                                        <p:tav tm="0" fmla="#ppt_y-sin(pi*$)/9">
+                                          <p:val>
+                                            <p:fltVal val="0"/>
+                                          </p:val>
+                                        </p:tav>
+                                        <p:tav tm="100000">
+                                          <p:val>
+                                            <p:fltVal val="1"/>
+                                          </p:val>
+                                        </p:tav>
+                                      </p:tavLst>
+                                    </p:anim>
+                                    <p:anim calcmode="lin" valueType="num">
+                                      <p:cBhvr>
+                                        <p:cTn id="11" dur="332" tmFilter="0, 0; 0.125,0.2665; 0.25,0.4; 0.375,0.465; 0.5,0.5;  0.625,0.535; 0.75,0.6; 0.875,0.7335; 1,1">
+                                          <p:stCondLst>
+                                            <p:cond delay="1324"/>
+                                          </p:stCondLst>
+                                        </p:cTn>
+                                        <p:tgtEl>
+                                          <p:spTgt spid="12"/>
+                                        </p:tgtEl>
+                                        <p:attrNameLst>
+                                          <p:attrName>ppt_y</p:attrName>
+                                        </p:attrNameLst>
+                                      </p:cBhvr>
+                                      <p:tavLst>
+                                        <p:tav tm="0" fmla="#ppt_y-sin(pi*$)/27">
+                                          <p:val>
+                                            <p:fltVal val="0"/>
+                                          </p:val>
+                                        </p:tav>
+                                        <p:tav tm="100000">
+                                          <p:val>
+                                            <p:fltVal val="1"/>
+                                          </p:val>
+                                        </p:tav>
+                                      </p:tavLst>
+                                    </p:anim>
+                                    <p:anim calcmode="lin" valueType="num">
+                                      <p:cBhvr>
+                                        <p:cTn id="12" dur="164" tmFilter="0, 0; 0.125,0.2665; 0.25,0.4; 0.375,0.465; 0.5,0.5;  0.625,0.535; 0.75,0.6; 0.875,0.7335; 1,1">
+                                          <p:stCondLst>
+                                            <p:cond delay="1656"/>
+                                          </p:stCondLst>
+                                        </p:cTn>
+                                        <p:tgtEl>
+                                          <p:spTgt spid="12"/>
+                                        </p:tgtEl>
+                                        <p:attrNameLst>
+                                          <p:attrName>ppt_y</p:attrName>
+                                        </p:attrNameLst>
+                                      </p:cBhvr>
+                                      <p:tavLst>
+                                        <p:tav tm="0" fmla="#ppt_y-sin(pi*$)/81">
+                                          <p:val>
+                                            <p:fltVal val="0"/>
+                                          </p:val>
+                                        </p:tav>
+                                        <p:tav tm="100000">
+                                          <p:val>
+                                            <p:fltVal val="1"/>
+                                          </p:val>
+                                        </p:tav>
+                                      </p:tavLst>
+                                    </p:anim>
+                                    <p:animScale>
+                                      <p:cBhvr>
+                                        <p:cTn id="13" dur="26">
+                                          <p:stCondLst>
+                                            <p:cond delay="650"/>
+                                          </p:stCondLst>
+                                        </p:cTn>
+                                        <p:tgtEl>
+                                          <p:spTgt spid="12"/>
+                                        </p:tgtEl>
+                                      </p:cBhvr>
+                                      <p:to x="100000" y="60000"/>
+                                    </p:animScale>
+                                    <p:animScale>
+                                      <p:cBhvr>
+                                        <p:cTn id="14" dur="166" decel="50000">
+                                          <p:stCondLst>
+                                            <p:cond delay="676"/>
+                                          </p:stCondLst>
+                                        </p:cTn>
+                                        <p:tgtEl>
+                                          <p:spTgt spid="12"/>
+                                        </p:tgtEl>
+                                      </p:cBhvr>
+                                      <p:to x="100000" y="100000"/>
+                                    </p:animScale>
+                                    <p:animScale>
+                                      <p:cBhvr>
+                                        <p:cTn id="15" dur="26">
+                                          <p:stCondLst>
+                                            <p:cond delay="1312"/>
+                                          </p:stCondLst>
+                                        </p:cTn>
+                                        <p:tgtEl>
+                                          <p:spTgt spid="12"/>
+                                        </p:tgtEl>
+                                      </p:cBhvr>
+                                      <p:to x="100000" y="80000"/>
+                                    </p:animScale>
+                                    <p:animScale>
+                                      <p:cBhvr>
+                                        <p:cTn id="16" dur="166" decel="50000">
+                                          <p:stCondLst>
+                                            <p:cond delay="1338"/>
+                                          </p:stCondLst>
+                                        </p:cTn>
+                                        <p:tgtEl>
+                                          <p:spTgt spid="12"/>
+                                        </p:tgtEl>
+                                      </p:cBhvr>
+                                      <p:to x="100000" y="100000"/>
+                                    </p:animScale>
+                                    <p:animScale>
+                                      <p:cBhvr>
+                                        <p:cTn id="17" dur="26">
+                                          <p:stCondLst>
+                                            <p:cond delay="1642"/>
+                                          </p:stCondLst>
+                                        </p:cTn>
+                                        <p:tgtEl>
+                                          <p:spTgt spid="12"/>
+                                        </p:tgtEl>
+                                      </p:cBhvr>
+                                      <p:to x="100000" y="90000"/>
+                                    </p:animScale>
+                                    <p:animScale>
+                                      <p:cBhvr>
+                                        <p:cTn id="18" dur="166" decel="50000">
+                                          <p:stCondLst>
+                                            <p:cond delay="1668"/>
+                                          </p:stCondLst>
+                                        </p:cTn>
+                                        <p:tgtEl>
+                                          <p:spTgt spid="12"/>
+                                        </p:tgtEl>
+                                      </p:cBhvr>
+                                      <p:to x="100000" y="100000"/>
+                                    </p:animScale>
+                                    <p:animScale>
+                                      <p:cBhvr>
+                                        <p:cTn id="19" dur="26">
+                                          <p:stCondLst>
+                                            <p:cond delay="1808"/>
+                                          </p:stCondLst>
+                                        </p:cTn>
+                                        <p:tgtEl>
+                                          <p:spTgt spid="12"/>
+                                        </p:tgtEl>
+                                      </p:cBhvr>
+                                      <p:to x="100000" y="95000"/>
+                                    </p:animScale>
+                                    <p:animScale>
+                                      <p:cBhvr>
+                                        <p:cTn id="20" dur="166" decel="50000">
+                                          <p:stCondLst>
+                                            <p:cond delay="1834"/>
+                                          </p:stCondLst>
+                                        </p:cTn>
+                                        <p:tgtEl>
+                                          <p:spTgt spid="12"/>
+                                        </p:tgtEl>
+                                      </p:cBhvr>
+                                      <p:to x="100000" y="100000"/>
+                                    </p:animScale>
+                                  </p:childTnLst>
+                                </p:cTn>
+                              </p:par>
+                            </p:childTnLst>
+                          </p:cTn>
+                        </p:par>
+                      </p:childTnLst>
+                    </p:cTn>
+                  </p:par>
+                  <p:par>
+                    <p:cTn id="21" fill="hold">
+                      <p:stCondLst>
+                        <p:cond delay="indefinite"/>
+                      </p:stCondLst>
+                      <p:childTnLst>
+                        <p:par>
+                          <p:cTn id="22" fill="hold">
+                            <p:stCondLst>
+                              <p:cond delay="0"/>
+                            </p:stCondLst>
+                            <p:childTnLst>
+                              <p:par>
+                                <p:cTn id="23" presetID="2" presetClass="entr" presetSubtype="4" fill="hold" grpId="0" nodeType="clickEffect">
+                                  <p:stCondLst>
+                                    <p:cond delay="0"/>
+                                  </p:stCondLst>
+                                  <p:childTnLst>
+                                    <p:set>
+                                      <p:cBhvr>
+                                        <p:cTn id="24" dur="1" fill="hold">
+                                          <p:stCondLst>
+                                            <p:cond delay="0"/>
+                                          </p:stCondLst>
+                                        </p:cTn>
+                                        <p:tgtEl>
+                                          <p:spTgt spid="15"/>
+                                        </p:tgtEl>
+                                        <p:attrNameLst>
+                                          <p:attrName>style.visibility</p:attrName>
+                                        </p:attrNameLst>
+                                      </p:cBhvr>
+                                      <p:to>
+                                        <p:strVal val="visible"/>
+                                      </p:to>
+                                    </p:set>
+                                    <p:anim calcmode="lin" valueType="num">
+                                      <p:cBhvr additive="base">
+                                        <p:cTn id="25" dur="500" fill="hold"/>
+                                        <p:tgtEl>
+                                          <p:spTgt spid="15"/>
+                                        </p:tgtEl>
+                                        <p:attrNameLst>
+                                          <p:attrName>ppt_x</p:attrName>
+                                        </p:attrNameLst>
+                                      </p:cBhvr>
+                                      <p:tavLst>
+                                        <p:tav tm="0">
+                                          <p:val>
+                                            <p:strVal val="#ppt_x"/>
+                                          </p:val>
+                                        </p:tav>
+                                        <p:tav tm="100000">
+                                          <p:val>
+                                            <p:strVal val="#ppt_x"/>
+                                          </p:val>
+                                        </p:tav>
+                                      </p:tavLst>
+                                    </p:anim>
+                                    <p:anim calcmode="lin" valueType="num">
+                                      <p:cBhvr additive="base">
+                                        <p:cTn id="26" dur="500" fill="hold"/>
+                                        <p:tgtEl>
+                                          <p:spTgt spid="15"/>
+                                        </p:tgtEl>
+                                        <p:attrNameLst>
+                                          <p:attrName>ppt_y</p:attrName>
+                                        </p:attrNameLst>
+                                      </p:cBhvr>
+                                      <p:tavLst>
+                                        <p:tav tm="0">
+                                          <p:val>
+                                            <p:strVal val="1+#ppt_h/2"/>
+                                          </p:val>
+                                        </p:tav>
+                                        <p:tav tm="100000">
+                                          <p:val>
+                                            <p:strVal val="#ppt_y"/>
+                                          </p:val>
+                                        </p:tav>
+                                      </p:tavLst>
+                                    </p:anim>
+                                  </p:childTnLst>
+                                </p:cTn>
+                              </p:par>
+                            </p:childTnLst>
+                          </p:cTn>
+                        </p:par>
+                      </p:childTnLst>
+                    </p:cTn>
+                  </p:par>
+                </p:childTnLst>
+              </p:cTn>
+              <p:prevCondLst>
+                <p:cond evt="onPrev" delay="0">
+                  <p:tgtEl>
+                    <p:sldTgt/>
+                  </p:tgtEl>
+                </p:cond>
+              </p:prevCondLst>
+              <p:nextCondLst>
+                <p:cond evt="onNext" delay="0">
+                  <p:tgtEl>
+                    <p:sldTgt/>
+                  </p:tgtEl>
+                </p:cond>
+              </p:nextCondLst>
+            </p:seq>
+          </p:childTnLst>
+        </p:cTn>
+      </p:par>
+    </p:tnLst>
+    <p:bldLst>
+      <p:bldP spid="15" grpId="0"/>
+    </p:bldLst>
+  </p:timing>
 </p:sld>
 </file>
 
@@ -3351,6 +3969,18 @@
   <p:clrMapOvr>
     <a:masterClrMapping/>
   </p:clrMapOvr>
+  <mc:AlternateContent xmlns:mc="http://schemas.openxmlformats.org/markup-compatibility/2006">
+    <mc:Choice xmlns:p14="http://schemas.microsoft.com/office/powerpoint/2010/main" Requires="p14">
+      <p:transition spd="slow" p14:dur="1200">
+        <p14:prism/>
+      </p:transition>
+    </mc:Choice>
+    <mc:Fallback>
+      <p:transition spd="slow">
+        <p:fade/>
+      </p:transition>
+    </mc:Fallback>
+  </mc:AlternateContent>
 </p:sld>
 </file>
 
@@ -4683,6 +5313,18 @@
   <p:clrMapOvr>
     <a:masterClrMapping/>
   </p:clrMapOvr>
+  <mc:AlternateContent xmlns:mc="http://schemas.openxmlformats.org/markup-compatibility/2006">
+    <mc:Choice xmlns:p14="http://schemas.microsoft.com/office/powerpoint/2010/main" Requires="p14">
+      <p:transition spd="slow" p14:dur="1200">
+        <p14:prism/>
+      </p:transition>
+    </mc:Choice>
+    <mc:Fallback>
+      <p:transition spd="slow">
+        <p:fade/>
+      </p:transition>
+    </mc:Fallback>
+  </mc:AlternateContent>
 </p:sld>
 </file>
 
@@ -6015,6 +6657,18 @@
   <p:clrMapOvr>
     <a:masterClrMapping/>
   </p:clrMapOvr>
+  <mc:AlternateContent xmlns:mc="http://schemas.openxmlformats.org/markup-compatibility/2006">
+    <mc:Choice xmlns:p14="http://schemas.microsoft.com/office/powerpoint/2010/main" Requires="p14">
+      <p:transition spd="slow" p14:dur="1200">
+        <p14:prism/>
+      </p:transition>
+    </mc:Choice>
+    <mc:Fallback>
+      <p:transition spd="slow">
+        <p:fade/>
+      </p:transition>
+    </mc:Fallback>
+  </mc:AlternateContent>
 </p:sld>
 </file>
 
@@ -7347,6 +8001,18 @@
   <p:clrMapOvr>
     <a:masterClrMapping/>
   </p:clrMapOvr>
+  <mc:AlternateContent xmlns:mc="http://schemas.openxmlformats.org/markup-compatibility/2006">
+    <mc:Choice xmlns:p14="http://schemas.microsoft.com/office/powerpoint/2010/main" Requires="p14">
+      <p:transition spd="slow" p14:dur="1200">
+        <p14:prism/>
+      </p:transition>
+    </mc:Choice>
+    <mc:Fallback>
+      <p:transition spd="slow">
+        <p:fade/>
+      </p:transition>
+    </mc:Fallback>
+  </mc:AlternateContent>
 </p:sld>
 </file>
 
@@ -7432,6 +8098,18 @@
   <p:clrMapOvr>
     <a:masterClrMapping/>
   </p:clrMapOvr>
+  <mc:AlternateContent xmlns:mc="http://schemas.openxmlformats.org/markup-compatibility/2006">
+    <mc:Choice xmlns:p14="http://schemas.microsoft.com/office/powerpoint/2010/main" Requires="p14">
+      <p:transition spd="slow" p14:dur="1200">
+        <p14:prism/>
+      </p:transition>
+    </mc:Choice>
+    <mc:Fallback>
+      <p:transition spd="slow">
+        <p:fade/>
+      </p:transition>
+    </mc:Fallback>
+  </mc:AlternateContent>
 </p:sld>
 </file>
 

--- a/Presentation/פרזנטציה פרויקט ויזואליזציה.pptx
+++ b/Presentation/פרזנטציה פרויקט ויזואליזציה.pptx
@@ -5,10 +5,10 @@
     <p:sldMasterId id="2147483648" r:id="rId1"/>
   </p:sldMasterIdLst>
   <p:notesMasterIdLst>
-    <p:notesMasterId r:id="rId9"/>
+    <p:notesMasterId r:id="rId10"/>
   </p:notesMasterIdLst>
   <p:handoutMasterIdLst>
-    <p:handoutMasterId r:id="rId10"/>
+    <p:handoutMasterId r:id="rId11"/>
   </p:handoutMasterIdLst>
   <p:sldIdLst>
     <p:sldId id="256" r:id="rId2"/>
@@ -17,7 +17,8 @@
     <p:sldId id="259" r:id="rId5"/>
     <p:sldId id="260" r:id="rId6"/>
     <p:sldId id="261" r:id="rId7"/>
-    <p:sldId id="258" r:id="rId8"/>
+    <p:sldId id="263" r:id="rId8"/>
+    <p:sldId id="265" r:id="rId9"/>
   </p:sldIdLst>
   <p:sldSz cx="9144000" cy="6858000" type="screen4x3"/>
   <p:notesSz cx="6858000" cy="9144000"/>
@@ -8019,18 +8020,6 @@
 <file path=ppt/slides/slide7.xml><?xml version="1.0" encoding="utf-8"?>
 <p:sld xmlns:a="http://schemas.openxmlformats.org/drawingml/2006/main" xmlns:r="http://schemas.openxmlformats.org/officeDocument/2006/relationships" xmlns:p="http://schemas.openxmlformats.org/presentationml/2006/main">
   <p:cSld>
-    <p:bg>
-      <p:bgPr>
-        <a:blipFill dpi="0" rotWithShape="0">
-          <a:blip r:embed="rId2"/>
-          <a:srcRect/>
-          <a:stretch>
-            <a:fillRect/>
-          </a:stretch>
-        </a:blipFill>
-        <a:effectLst/>
-      </p:bgPr>
-    </p:bg>
     <p:spTree>
       <p:nvGrpSpPr>
         <p:cNvPr id="1" name=""/>
@@ -8047,9 +8036,15 @@
       </p:grpSpPr>
       <p:sp>
         <p:nvSpPr>
-          <p:cNvPr id="114690" name="Rectangle 2"/>
+          <p:cNvPr id="2" name="כותרת 1">
+            <a:extLst>
+              <a:ext uri="{FF2B5EF4-FFF2-40B4-BE49-F238E27FC236}">
+                <a16:creationId xmlns:a16="http://schemas.microsoft.com/office/drawing/2014/main" id="{15A8477D-9A26-101F-79D4-2C7DEE9D74D7}"/>
+              </a:ext>
+            </a:extLst>
+          </p:cNvPr>
           <p:cNvSpPr>
-            <a:spLocks noGrp="1" noChangeArrowheads="1"/>
+            <a:spLocks noGrp="1"/>
           </p:cNvSpPr>
           <p:nvPr>
             <p:ph type="title"/>
@@ -8057,43 +8052,271 @@
         </p:nvSpPr>
         <p:spPr>
           <a:xfrm>
-            <a:off x="1908175" y="188913"/>
-            <a:ext cx="7056438" cy="723900"/>
+            <a:off x="2555776" y="403225"/>
+            <a:ext cx="4032448" cy="939701"/>
           </a:xfrm>
         </p:spPr>
         <p:txBody>
           <a:bodyPr/>
           <a:lstStyle/>
           <a:p>
-            <a:endParaRPr lang="en-US" dirty="0"/>
+            <a:pPr algn="ctr"/>
+            <a:r>
+              <a:rPr lang="en-US" sz="5400" b="1" dirty="0"/>
+              <a:t>Dashboard</a:t>
+            </a:r>
+            <a:endParaRPr lang="en-US" b="1" dirty="0"/>
           </a:p>
         </p:txBody>
       </p:sp>
       <p:sp>
         <p:nvSpPr>
-          <p:cNvPr id="114691" name="Rectangle 3"/>
+          <p:cNvPr id="3" name="מציין מיקום תוכן 2">
+            <a:extLst>
+              <a:ext uri="{FF2B5EF4-FFF2-40B4-BE49-F238E27FC236}">
+                <a16:creationId xmlns:a16="http://schemas.microsoft.com/office/drawing/2014/main" id="{4AD3EE39-0A55-F859-A1E9-1B7C094600E4}"/>
+              </a:ext>
+            </a:extLst>
+          </p:cNvPr>
           <p:cNvSpPr>
-            <a:spLocks noGrp="1" noChangeArrowheads="1"/>
+            <a:spLocks noGrp="1"/>
           </p:cNvSpPr>
           <p:nvPr>
-            <p:ph type="body" idx="1"/>
+            <p:ph idx="1"/>
           </p:nvPr>
         </p:nvSpPr>
         <p:spPr>
           <a:xfrm>
-            <a:off x="1908175" y="981075"/>
-            <a:ext cx="7056438" cy="5473700"/>
+            <a:off x="900113" y="2348879"/>
+            <a:ext cx="7343775" cy="2952329"/>
           </a:xfrm>
         </p:spPr>
         <p:txBody>
           <a:bodyPr/>
           <a:lstStyle/>
           <a:p>
-            <a:endParaRPr lang="en-US"/>
+            <a:endParaRPr lang="en-US" dirty="0"/>
+          </a:p>
+        </p:txBody>
+      </p:sp>
+      <p:pic>
+        <p:nvPicPr>
+          <p:cNvPr id="1026" name="Picture 2" descr="Building your first Streamlit app for non-python users | by Adam Morton |  Snowflake Builders Blog: Data Engineers, App Developers, AI/ML, &amp; Data  Science | Medium">
+            <a:hlinkClick r:id="rId2"/>
+            <a:extLst>
+              <a:ext uri="{FF2B5EF4-FFF2-40B4-BE49-F238E27FC236}">
+                <a16:creationId xmlns:a16="http://schemas.microsoft.com/office/drawing/2014/main" id="{4EF06839-915A-70A9-96AC-FB475F43909F}"/>
+              </a:ext>
+            </a:extLst>
+          </p:cNvPr>
+          <p:cNvPicPr>
+            <a:picLocks noChangeAspect="1" noChangeArrowheads="1"/>
+          </p:cNvPicPr>
+          <p:nvPr/>
+        </p:nvPicPr>
+        <p:blipFill>
+          <a:blip r:embed="rId3">
+            <a:extLst>
+              <a:ext uri="{28A0092B-C50C-407E-A947-70E740481C1C}">
+                <a14:useLocalDpi xmlns:a14="http://schemas.microsoft.com/office/drawing/2010/main" val="0"/>
+              </a:ext>
+            </a:extLst>
+          </a:blip>
+          <a:srcRect/>
+          <a:stretch>
+            <a:fillRect/>
+          </a:stretch>
+        </p:blipFill>
+        <p:spPr bwMode="auto">
+          <a:xfrm>
+            <a:off x="719572" y="1700808"/>
+            <a:ext cx="7704856" cy="4026322"/>
+          </a:xfrm>
+          <a:prstGeom prst="rect">
+            <a:avLst/>
+          </a:prstGeom>
+          <a:noFill/>
+          <a:extLst>
+            <a:ext uri="{909E8E84-426E-40DD-AFC4-6F175D3DCCD1}">
+              <a14:hiddenFill xmlns:a14="http://schemas.microsoft.com/office/drawing/2010/main">
+                <a:solidFill>
+                  <a:srgbClr val="FFFFFF"/>
+                </a:solidFill>
+              </a14:hiddenFill>
+            </a:ext>
+          </a:extLst>
+        </p:spPr>
+      </p:pic>
+    </p:spTree>
+    <p:extLst>
+      <p:ext uri="{BB962C8B-B14F-4D97-AF65-F5344CB8AC3E}">
+        <p14:creationId xmlns:p14="http://schemas.microsoft.com/office/powerpoint/2010/main" val="2104904782"/>
+      </p:ext>
+    </p:extLst>
+  </p:cSld>
+  <p:clrMapOvr>
+    <a:masterClrMapping/>
+  </p:clrMapOvr>
+  <mc:AlternateContent xmlns:mc="http://schemas.openxmlformats.org/markup-compatibility/2006">
+    <mc:Choice xmlns:p14="http://schemas.microsoft.com/office/powerpoint/2010/main" Requires="p14">
+      <p:transition spd="slow" p14:dur="1200">
+        <p14:prism/>
+      </p:transition>
+    </mc:Choice>
+    <mc:Fallback>
+      <p:transition spd="slow">
+        <p:fade/>
+      </p:transition>
+    </mc:Fallback>
+  </mc:AlternateContent>
+</p:sld>
+</file>
+
+<file path=ppt/slides/slide8.xml><?xml version="1.0" encoding="utf-8"?>
+<p:sld xmlns:a="http://schemas.openxmlformats.org/drawingml/2006/main" xmlns:r="http://schemas.openxmlformats.org/officeDocument/2006/relationships" xmlns:p="http://schemas.openxmlformats.org/presentationml/2006/main">
+  <p:cSld>
+    <p:spTree>
+      <p:nvGrpSpPr>
+        <p:cNvPr id="1" name="">
+          <a:extLst>
+            <a:ext uri="{FF2B5EF4-FFF2-40B4-BE49-F238E27FC236}">
+              <a16:creationId xmlns:a16="http://schemas.microsoft.com/office/drawing/2014/main" id="{8641BA87-9E37-3DCF-0F44-3445AC66CA29}"/>
+            </a:ext>
+          </a:extLst>
+        </p:cNvPr>
+        <p:cNvGrpSpPr/>
+        <p:nvPr/>
+      </p:nvGrpSpPr>
+      <p:grpSpPr>
+        <a:xfrm>
+          <a:off x="0" y="0"/>
+          <a:ext cx="0" cy="0"/>
+          <a:chOff x="0" y="0"/>
+          <a:chExt cx="0" cy="0"/>
+        </a:xfrm>
+      </p:grpSpPr>
+      <p:sp>
+        <p:nvSpPr>
+          <p:cNvPr id="6" name="Text Box 127">
+            <a:extLst>
+              <a:ext uri="{FF2B5EF4-FFF2-40B4-BE49-F238E27FC236}">
+                <a16:creationId xmlns:a16="http://schemas.microsoft.com/office/drawing/2014/main" id="{ECF2FDC8-531E-E43E-0FE1-AEB69712B3BC}"/>
+              </a:ext>
+            </a:extLst>
+          </p:cNvPr>
+          <p:cNvSpPr txBox="1">
+            <a:spLocks noChangeArrowheads="1"/>
+          </p:cNvSpPr>
+          <p:nvPr/>
+        </p:nvSpPr>
+        <p:spPr bwMode="auto">
+          <a:xfrm>
+            <a:off x="107504" y="1916832"/>
+            <a:ext cx="5012194" cy="1145540"/>
+          </a:xfrm>
+          <a:prstGeom prst="rect">
+            <a:avLst/>
+          </a:prstGeom>
+          <a:noFill/>
+          <a:ln>
+            <a:noFill/>
+          </a:ln>
+          <a:effectLst/>
+          <a:extLst>
+            <a:ext uri="{909E8E84-426E-40DD-AFC4-6F175D3DCCD1}">
+              <a14:hiddenFill xmlns:a14="http://schemas.microsoft.com/office/drawing/2010/main">
+                <a:solidFill>
+                  <a:srgbClr val="FFFFFE"/>
+                </a:solidFill>
+              </a14:hiddenFill>
+            </a:ext>
+            <a:ext uri="{91240B29-F687-4F45-9708-019B960494DF}">
+              <a14:hiddenLine xmlns:a14="http://schemas.microsoft.com/office/drawing/2010/main" w="9525" algn="in">
+                <a:solidFill>
+                  <a:srgbClr val="212120"/>
+                </a:solidFill>
+                <a:miter lim="800000"/>
+                <a:headEnd/>
+                <a:tailEnd/>
+              </a14:hiddenLine>
+            </a:ext>
+            <a:ext uri="{AF507438-7753-43E0-B8FC-AC1667EBCBE1}">
+              <a14:hiddenEffects xmlns:a14="http://schemas.microsoft.com/office/drawing/2010/main">
+                <a:effectLst/>
+              </a14:hiddenEffects>
+            </a:ext>
+          </a:extLst>
+        </p:spPr>
+        <p:txBody>
+          <a:bodyPr rot="0" vert="horz" wrap="square" lIns="36576" tIns="36576" rIns="36576" bIns="36576" anchor="t" anchorCtr="0" upright="1">
+            <a:noAutofit/>
+          </a:bodyPr>
+          <a:lstStyle/>
+          <a:p>
+            <a:pPr algn="ctr">
+              <a:spcBef>
+                <a:spcPts val="1200"/>
+              </a:spcBef>
+              <a:spcAft>
+                <a:spcPts val="300"/>
+              </a:spcAft>
+            </a:pPr>
+            <a:r>
+              <a:rPr lang="he-IL" sz="7200" b="1" kern="1600" dirty="0">
+                <a:ln w="12700">
+                  <a:solidFill>
+                    <a:schemeClr val="tx2"/>
+                  </a:solidFill>
+                  <a:prstDash val="solid"/>
+                </a:ln>
+                <a:pattFill prst="ltDnDiag">
+                  <a:fgClr>
+                    <a:schemeClr val="accent5">
+                      <a:lumMod val="60000"/>
+                      <a:lumOff val="40000"/>
+                    </a:schemeClr>
+                  </a:fgClr>
+                  <a:bgClr>
+                    <a:schemeClr val="bg1"/>
+                  </a:bgClr>
+                </a:pattFill>
+                <a:latin typeface="Verdana" panose="020B0604030504040204" pitchFamily="34" charset="0"/>
+                <a:ea typeface="Batang" panose="02030600000101010101" pitchFamily="18" charset="-127"/>
+                <a:cs typeface="Segoe UI Semibold" panose="020B0702040204020203" pitchFamily="34" charset="0"/>
+              </a:rPr>
+              <a:t>שאלות?</a:t>
+            </a:r>
+            <a:endParaRPr lang="en-US" sz="5400" b="1" kern="1600" dirty="0">
+              <a:ln w="12700">
+                <a:solidFill>
+                  <a:schemeClr val="tx2"/>
+                </a:solidFill>
+                <a:prstDash val="solid"/>
+              </a:ln>
+              <a:pattFill prst="ltDnDiag">
+                <a:fgClr>
+                  <a:schemeClr val="accent5">
+                    <a:lumMod val="60000"/>
+                    <a:lumOff val="40000"/>
+                  </a:schemeClr>
+                </a:fgClr>
+                <a:bgClr>
+                  <a:schemeClr val="bg1"/>
+                </a:bgClr>
+              </a:pattFill>
+              <a:latin typeface="Verdana" panose="020B0604030504040204" pitchFamily="34" charset="0"/>
+              <a:ea typeface="Batang" panose="02030600000101010101" pitchFamily="18" charset="-127"/>
+              <a:cs typeface="Arial" panose="020B0604020202020204" pitchFamily="34" charset="0"/>
+            </a:endParaRPr>
           </a:p>
         </p:txBody>
       </p:sp>
     </p:spTree>
+    <p:extLst>
+      <p:ext uri="{BB962C8B-B14F-4D97-AF65-F5344CB8AC3E}">
+        <p14:creationId xmlns:p14="http://schemas.microsoft.com/office/powerpoint/2010/main" val="4147274174"/>
+      </p:ext>
+    </p:extLst>
   </p:cSld>
   <p:clrMapOvr>
     <a:masterClrMapping/>

--- a/Presentation/פרזנטציה פרויקט ויזואליזציה.pptx
+++ b/Presentation/פרזנטציה פרויקט ויזואליזציה.pptx
@@ -5,22 +5,24 @@
     <p:sldMasterId id="2147483648" r:id="rId1"/>
   </p:sldMasterIdLst>
   <p:notesMasterIdLst>
-    <p:notesMasterId r:id="rId10"/>
+    <p:notesMasterId r:id="rId12"/>
   </p:notesMasterIdLst>
   <p:handoutMasterIdLst>
-    <p:handoutMasterId r:id="rId11"/>
+    <p:handoutMasterId r:id="rId13"/>
   </p:handoutMasterIdLst>
   <p:sldIdLst>
     <p:sldId id="256" r:id="rId2"/>
     <p:sldId id="257" r:id="rId3"/>
     <p:sldId id="262" r:id="rId4"/>
     <p:sldId id="259" r:id="rId5"/>
-    <p:sldId id="260" r:id="rId6"/>
-    <p:sldId id="261" r:id="rId7"/>
-    <p:sldId id="263" r:id="rId8"/>
-    <p:sldId id="265" r:id="rId9"/>
+    <p:sldId id="266" r:id="rId6"/>
+    <p:sldId id="267" r:id="rId7"/>
+    <p:sldId id="260" r:id="rId8"/>
+    <p:sldId id="261" r:id="rId9"/>
+    <p:sldId id="263" r:id="rId10"/>
+    <p:sldId id="265" r:id="rId11"/>
   </p:sldIdLst>
-  <p:sldSz cx="9144000" cy="6858000" type="screen4x3"/>
+  <p:sldSz cx="12192000" cy="6858000"/>
   <p:notesSz cx="6858000" cy="9144000"/>
   <p:defaultTextStyle>
     <a:defPPr>
@@ -150,12 +152,12 @@
   <p:extLst>
     <p:ext uri="{EFAFB233-063F-42B5-8137-9DF3F51BA10A}">
       <p15:sldGuideLst xmlns:p15="http://schemas.microsoft.com/office/powerpoint/2012/main">
-        <p15:guide id="1" orient="horz" pos="2160">
+        <p15:guide id="1" orient="horz" pos="2160" userDrawn="1">
           <p15:clr>
             <a:srgbClr val="A4A3A4"/>
           </p15:clr>
         </p15:guide>
-        <p15:guide id="2" pos="2880">
+        <p15:guide id="2" pos="3840" userDrawn="1">
           <p15:clr>
             <a:srgbClr val="A4A3A4"/>
           </p15:clr>
@@ -339,8 +341,8 @@
         </p:nvSpPr>
         <p:spPr bwMode="auto">
           <a:xfrm>
-            <a:off x="1143000" y="685800"/>
-            <a:ext cx="4572000" cy="3429000"/>
+            <a:off x="381000" y="685800"/>
+            <a:ext cx="6096000" cy="3429000"/>
           </a:xfrm>
           <a:prstGeom prst="rect">
             <a:avLst/>
@@ -688,8 +690,8 @@
         </p:nvSpPr>
         <p:spPr>
           <a:xfrm>
-            <a:off x="250825" y="1989138"/>
-            <a:ext cx="4176713" cy="893762"/>
+            <a:off x="334434" y="1989138"/>
+            <a:ext cx="5568951" cy="893762"/>
           </a:xfrm>
           <a:effectLst>
             <a:outerShdw dist="17961" dir="2700000" algn="ctr" rotWithShape="0">
@@ -728,8 +730,8 @@
         </p:nvSpPr>
         <p:spPr>
           <a:xfrm>
-            <a:off x="250825" y="2781300"/>
-            <a:ext cx="4176713" cy="503238"/>
+            <a:off x="334434" y="2781300"/>
+            <a:ext cx="5568951" cy="503238"/>
           </a:xfrm>
           <a:effectLst>
             <a:outerShdw dist="17961" dir="2700000" algn="ctr" rotWithShape="0">
@@ -763,13 +765,13 @@
   <p:clrMapOvr>
     <a:masterClrMapping/>
   </p:clrMapOvr>
-  <mc:AlternateContent xmlns:mc="http://schemas.openxmlformats.org/markup-compatibility/2006">
-    <mc:Choice xmlns:p14="http://schemas.microsoft.com/office/powerpoint/2010/main" Requires="p14">
+  <mc:AlternateContent xmlns:mc="http://schemas.openxmlformats.org/markup-compatibility/2006" xmlns:p14="http://schemas.microsoft.com/office/powerpoint/2010/main">
+    <mc:Choice Requires="p14">
       <p:transition spd="slow" p14:dur="1200">
         <p14:prism/>
       </p:transition>
     </mc:Choice>
-    <mc:Fallback>
+    <mc:Fallback xmlns="">
       <p:transition spd="slow">
         <p:fade/>
       </p:transition>
@@ -873,13 +875,13 @@
   <p:clrMapOvr>
     <a:masterClrMapping/>
   </p:clrMapOvr>
-  <mc:AlternateContent xmlns:mc="http://schemas.openxmlformats.org/markup-compatibility/2006">
-    <mc:Choice xmlns:p14="http://schemas.microsoft.com/office/powerpoint/2010/main" Requires="p14">
+  <mc:AlternateContent xmlns:mc="http://schemas.openxmlformats.org/markup-compatibility/2006" xmlns:p14="http://schemas.microsoft.com/office/powerpoint/2010/main">
+    <mc:Choice Requires="p14">
       <p:transition spd="slow" p14:dur="1200">
         <p14:prism/>
       </p:transition>
     </mc:Choice>
-    <mc:Fallback>
+    <mc:Fallback xmlns="">
       <p:transition spd="slow">
         <p:fade/>
       </p:transition>
@@ -917,8 +919,8 @@
         </p:nvSpPr>
         <p:spPr>
           <a:xfrm>
-            <a:off x="6408738" y="188913"/>
-            <a:ext cx="1835150" cy="6265862"/>
+            <a:off x="8544984" y="188913"/>
+            <a:ext cx="2446867" cy="6265862"/>
           </a:xfrm>
         </p:spPr>
         <p:txBody>
@@ -944,8 +946,8 @@
         </p:nvSpPr>
         <p:spPr>
           <a:xfrm>
-            <a:off x="900113" y="188913"/>
-            <a:ext cx="5356225" cy="6265862"/>
+            <a:off x="1200152" y="188913"/>
+            <a:ext cx="7141633" cy="6265862"/>
           </a:xfrm>
         </p:spPr>
         <p:txBody>
@@ -993,13 +995,13 @@
   <p:clrMapOvr>
     <a:masterClrMapping/>
   </p:clrMapOvr>
-  <mc:AlternateContent xmlns:mc="http://schemas.openxmlformats.org/markup-compatibility/2006">
-    <mc:Choice xmlns:p14="http://schemas.microsoft.com/office/powerpoint/2010/main" Requires="p14">
+  <mc:AlternateContent xmlns:mc="http://schemas.openxmlformats.org/markup-compatibility/2006" xmlns:p14="http://schemas.microsoft.com/office/powerpoint/2010/main">
+    <mc:Choice Requires="p14">
       <p:transition spd="slow" p14:dur="1200">
         <p14:prism/>
       </p:transition>
     </mc:Choice>
-    <mc:Fallback>
+    <mc:Fallback xmlns="">
       <p:transition spd="slow">
         <p:fade/>
       </p:transition>
@@ -1103,13 +1105,13 @@
   <p:clrMapOvr>
     <a:masterClrMapping/>
   </p:clrMapOvr>
-  <mc:AlternateContent xmlns:mc="http://schemas.openxmlformats.org/markup-compatibility/2006">
-    <mc:Choice xmlns:p14="http://schemas.microsoft.com/office/powerpoint/2010/main" Requires="p14">
+  <mc:AlternateContent xmlns:mc="http://schemas.openxmlformats.org/markup-compatibility/2006" xmlns:p14="http://schemas.microsoft.com/office/powerpoint/2010/main">
+    <mc:Choice Requires="p14">
       <p:transition spd="slow" p14:dur="1200">
         <p14:prism/>
       </p:transition>
     </mc:Choice>
-    <mc:Fallback>
+    <mc:Fallback xmlns="">
       <p:transition spd="slow">
         <p:fade/>
       </p:transition>
@@ -1147,8 +1149,8 @@
         </p:nvSpPr>
         <p:spPr>
           <a:xfrm>
-            <a:off x="722313" y="4406900"/>
-            <a:ext cx="7772400" cy="1362075"/>
+            <a:off x="963084" y="4406901"/>
+            <a:ext cx="10363200" cy="1362075"/>
           </a:xfrm>
         </p:spPr>
         <p:txBody>
@@ -1178,8 +1180,8 @@
         </p:nvSpPr>
         <p:spPr>
           <a:xfrm>
-            <a:off x="722313" y="2906713"/>
-            <a:ext cx="7772400" cy="1500187"/>
+            <a:off x="963084" y="2906713"/>
+            <a:ext cx="10363200" cy="1500187"/>
           </a:xfrm>
         </p:spPr>
         <p:txBody>
@@ -1236,13 +1238,13 @@
   <p:clrMapOvr>
     <a:masterClrMapping/>
   </p:clrMapOvr>
-  <mc:AlternateContent xmlns:mc="http://schemas.openxmlformats.org/markup-compatibility/2006">
-    <mc:Choice xmlns:p14="http://schemas.microsoft.com/office/powerpoint/2010/main" Requires="p14">
+  <mc:AlternateContent xmlns:mc="http://schemas.openxmlformats.org/markup-compatibility/2006" xmlns:p14="http://schemas.microsoft.com/office/powerpoint/2010/main">
+    <mc:Choice Requires="p14">
       <p:transition spd="slow" p14:dur="1200">
         <p14:prism/>
       </p:transition>
     </mc:Choice>
-    <mc:Fallback>
+    <mc:Fallback xmlns="">
       <p:transition spd="slow">
         <p:fade/>
       </p:transition>
@@ -1302,8 +1304,8 @@
         </p:nvSpPr>
         <p:spPr>
           <a:xfrm>
-            <a:off x="900113" y="981075"/>
-            <a:ext cx="3595687" cy="5473700"/>
+            <a:off x="1200152" y="981075"/>
+            <a:ext cx="4794249" cy="5473700"/>
           </a:xfrm>
         </p:spPr>
         <p:txBody>
@@ -1386,8 +1388,8 @@
         </p:nvSpPr>
         <p:spPr>
           <a:xfrm>
-            <a:off x="4648200" y="981075"/>
-            <a:ext cx="3595688" cy="5473700"/>
+            <a:off x="6197600" y="981075"/>
+            <a:ext cx="4794251" cy="5473700"/>
           </a:xfrm>
         </p:spPr>
         <p:txBody>
@@ -1463,13 +1465,13 @@
   <p:clrMapOvr>
     <a:masterClrMapping/>
   </p:clrMapOvr>
-  <mc:AlternateContent xmlns:mc="http://schemas.openxmlformats.org/markup-compatibility/2006">
-    <mc:Choice xmlns:p14="http://schemas.microsoft.com/office/powerpoint/2010/main" Requires="p14">
+  <mc:AlternateContent xmlns:mc="http://schemas.openxmlformats.org/markup-compatibility/2006" xmlns:p14="http://schemas.microsoft.com/office/powerpoint/2010/main">
+    <mc:Choice Requires="p14">
       <p:transition spd="slow" p14:dur="1200">
         <p14:prism/>
       </p:transition>
     </mc:Choice>
-    <mc:Fallback>
+    <mc:Fallback xmlns="">
       <p:transition spd="slow">
         <p:fade/>
       </p:transition>
@@ -1507,8 +1509,8 @@
         </p:nvSpPr>
         <p:spPr>
           <a:xfrm>
-            <a:off x="457200" y="274638"/>
-            <a:ext cx="8229600" cy="1143000"/>
+            <a:off x="609600" y="274638"/>
+            <a:ext cx="10972800" cy="1143000"/>
           </a:xfrm>
         </p:spPr>
         <p:txBody>
@@ -1538,8 +1540,8 @@
         </p:nvSpPr>
         <p:spPr>
           <a:xfrm>
-            <a:off x="457200" y="1535113"/>
-            <a:ext cx="4040188" cy="639762"/>
+            <a:off x="609600" y="1535113"/>
+            <a:ext cx="5386917" cy="639762"/>
           </a:xfrm>
         </p:spPr>
         <p:txBody>
@@ -1603,8 +1605,8 @@
         </p:nvSpPr>
         <p:spPr>
           <a:xfrm>
-            <a:off x="457200" y="2174875"/>
-            <a:ext cx="4040188" cy="3951288"/>
+            <a:off x="609600" y="2174875"/>
+            <a:ext cx="5386917" cy="3951288"/>
           </a:xfrm>
         </p:spPr>
         <p:txBody>
@@ -1687,8 +1689,8 @@
         </p:nvSpPr>
         <p:spPr>
           <a:xfrm>
-            <a:off x="4645025" y="1535113"/>
-            <a:ext cx="4041775" cy="639762"/>
+            <a:off x="6193368" y="1535113"/>
+            <a:ext cx="5389033" cy="639762"/>
           </a:xfrm>
         </p:spPr>
         <p:txBody>
@@ -1752,8 +1754,8 @@
         </p:nvSpPr>
         <p:spPr>
           <a:xfrm>
-            <a:off x="4645025" y="2174875"/>
-            <a:ext cx="4041775" cy="3951288"/>
+            <a:off x="6193368" y="2174875"/>
+            <a:ext cx="5389033" cy="3951288"/>
           </a:xfrm>
         </p:spPr>
         <p:txBody>
@@ -1829,13 +1831,13 @@
   <p:clrMapOvr>
     <a:masterClrMapping/>
   </p:clrMapOvr>
-  <mc:AlternateContent xmlns:mc="http://schemas.openxmlformats.org/markup-compatibility/2006">
-    <mc:Choice xmlns:p14="http://schemas.microsoft.com/office/powerpoint/2010/main" Requires="p14">
+  <mc:AlternateContent xmlns:mc="http://schemas.openxmlformats.org/markup-compatibility/2006" xmlns:p14="http://schemas.microsoft.com/office/powerpoint/2010/main">
+    <mc:Choice Requires="p14">
       <p:transition spd="slow" p14:dur="1200">
         <p14:prism/>
       </p:transition>
     </mc:Choice>
-    <mc:Fallback>
+    <mc:Fallback xmlns="">
       <p:transition spd="slow">
         <p:fade/>
       </p:transition>
@@ -1888,13 +1890,13 @@
   <p:clrMapOvr>
     <a:masterClrMapping/>
   </p:clrMapOvr>
-  <mc:AlternateContent xmlns:mc="http://schemas.openxmlformats.org/markup-compatibility/2006">
-    <mc:Choice xmlns:p14="http://schemas.microsoft.com/office/powerpoint/2010/main" Requires="p14">
+  <mc:AlternateContent xmlns:mc="http://schemas.openxmlformats.org/markup-compatibility/2006" xmlns:p14="http://schemas.microsoft.com/office/powerpoint/2010/main">
+    <mc:Choice Requires="p14">
       <p:transition spd="slow" p14:dur="1200">
         <p14:prism/>
       </p:transition>
     </mc:Choice>
-    <mc:Fallback>
+    <mc:Fallback xmlns="">
       <p:transition spd="slow">
         <p:fade/>
       </p:transition>
@@ -1925,13 +1927,13 @@
   <p:clrMapOvr>
     <a:masterClrMapping/>
   </p:clrMapOvr>
-  <mc:AlternateContent xmlns:mc="http://schemas.openxmlformats.org/markup-compatibility/2006">
-    <mc:Choice xmlns:p14="http://schemas.microsoft.com/office/powerpoint/2010/main" Requires="p14">
+  <mc:AlternateContent xmlns:mc="http://schemas.openxmlformats.org/markup-compatibility/2006" xmlns:p14="http://schemas.microsoft.com/office/powerpoint/2010/main">
+    <mc:Choice Requires="p14">
       <p:transition spd="slow" p14:dur="1200">
         <p14:prism/>
       </p:transition>
     </mc:Choice>
-    <mc:Fallback>
+    <mc:Fallback xmlns="">
       <p:transition spd="slow">
         <p:fade/>
       </p:transition>
@@ -1969,8 +1971,8 @@
         </p:nvSpPr>
         <p:spPr>
           <a:xfrm>
-            <a:off x="457200" y="273050"/>
-            <a:ext cx="3008313" cy="1162050"/>
+            <a:off x="609601" y="273050"/>
+            <a:ext cx="4011084" cy="1162050"/>
           </a:xfrm>
         </p:spPr>
         <p:txBody>
@@ -2000,8 +2002,8 @@
         </p:nvSpPr>
         <p:spPr>
           <a:xfrm>
-            <a:off x="3575050" y="273050"/>
-            <a:ext cx="5111750" cy="5853113"/>
+            <a:off x="4766733" y="273051"/>
+            <a:ext cx="6815667" cy="5853113"/>
           </a:xfrm>
         </p:spPr>
         <p:txBody>
@@ -2084,8 +2086,8 @@
         </p:nvSpPr>
         <p:spPr>
           <a:xfrm>
-            <a:off x="457200" y="1435100"/>
-            <a:ext cx="3008313" cy="4691063"/>
+            <a:off x="609601" y="1435101"/>
+            <a:ext cx="4011084" cy="4691063"/>
           </a:xfrm>
         </p:spPr>
         <p:txBody>
@@ -2142,13 +2144,13 @@
   <p:clrMapOvr>
     <a:masterClrMapping/>
   </p:clrMapOvr>
-  <mc:AlternateContent xmlns:mc="http://schemas.openxmlformats.org/markup-compatibility/2006">
-    <mc:Choice xmlns:p14="http://schemas.microsoft.com/office/powerpoint/2010/main" Requires="p14">
+  <mc:AlternateContent xmlns:mc="http://schemas.openxmlformats.org/markup-compatibility/2006" xmlns:p14="http://schemas.microsoft.com/office/powerpoint/2010/main">
+    <mc:Choice Requires="p14">
       <p:transition spd="slow" p14:dur="1200">
         <p14:prism/>
       </p:transition>
     </mc:Choice>
-    <mc:Fallback>
+    <mc:Fallback xmlns="">
       <p:transition spd="slow">
         <p:fade/>
       </p:transition>
@@ -2186,8 +2188,8 @@
         </p:nvSpPr>
         <p:spPr>
           <a:xfrm>
-            <a:off x="1792288" y="4800600"/>
-            <a:ext cx="5486400" cy="566738"/>
+            <a:off x="2389717" y="4800600"/>
+            <a:ext cx="7315200" cy="566738"/>
           </a:xfrm>
         </p:spPr>
         <p:txBody>
@@ -2217,8 +2219,8 @@
         </p:nvSpPr>
         <p:spPr>
           <a:xfrm>
-            <a:off x="1792288" y="612775"/>
-            <a:ext cx="5486400" cy="4114800"/>
+            <a:off x="2389717" y="612775"/>
+            <a:ext cx="7315200" cy="4114800"/>
           </a:xfrm>
         </p:spPr>
         <p:txBody>
@@ -2278,8 +2280,8 @@
         </p:nvSpPr>
         <p:spPr>
           <a:xfrm>
-            <a:off x="1792288" y="5367338"/>
-            <a:ext cx="5486400" cy="804862"/>
+            <a:off x="2389717" y="5367338"/>
+            <a:ext cx="7315200" cy="804862"/>
           </a:xfrm>
         </p:spPr>
         <p:txBody>
@@ -2336,13 +2338,13 @@
   <p:clrMapOvr>
     <a:masterClrMapping/>
   </p:clrMapOvr>
-  <mc:AlternateContent xmlns:mc="http://schemas.openxmlformats.org/markup-compatibility/2006">
-    <mc:Choice xmlns:p14="http://schemas.microsoft.com/office/powerpoint/2010/main" Requires="p14">
+  <mc:AlternateContent xmlns:mc="http://schemas.openxmlformats.org/markup-compatibility/2006" xmlns:p14="http://schemas.microsoft.com/office/powerpoint/2010/main">
+    <mc:Choice Requires="p14">
       <p:transition spd="slow" p14:dur="1200">
         <p14:prism/>
       </p:transition>
     </mc:Choice>
-    <mc:Fallback>
+    <mc:Fallback xmlns="">
       <p:transition spd="slow">
         <p:fade/>
       </p:transition>
@@ -2392,8 +2394,8 @@
         </p:nvSpPr>
         <p:spPr bwMode="auto">
           <a:xfrm>
-            <a:off x="1619250" y="188913"/>
-            <a:ext cx="6192838" cy="508000"/>
+            <a:off x="2159000" y="188913"/>
+            <a:ext cx="8257117" cy="508000"/>
           </a:xfrm>
           <a:prstGeom prst="rect">
             <a:avLst/>
@@ -2439,8 +2441,8 @@
         </p:nvSpPr>
         <p:spPr bwMode="auto">
           <a:xfrm>
-            <a:off x="900113" y="981075"/>
-            <a:ext cx="7343775" cy="5473700"/>
+            <a:off x="1200151" y="981075"/>
+            <a:ext cx="9791700" cy="5473700"/>
           </a:xfrm>
           <a:prstGeom prst="rect">
             <a:avLst/>
@@ -2514,13 +2516,13 @@
     <p:sldLayoutId id="2147483658" r:id="rId10"/>
     <p:sldLayoutId id="2147483659" r:id="rId11"/>
   </p:sldLayoutIdLst>
-  <mc:AlternateContent xmlns:mc="http://schemas.openxmlformats.org/markup-compatibility/2006">
-    <mc:Choice xmlns:p14="http://schemas.microsoft.com/office/powerpoint/2010/main" Requires="p14">
+  <mc:AlternateContent xmlns:mc="http://schemas.openxmlformats.org/markup-compatibility/2006" xmlns:p14="http://schemas.microsoft.com/office/powerpoint/2010/main">
+    <mc:Choice Requires="p14">
       <p:transition spd="slow" p14:dur="1200">
         <p14:prism/>
       </p:transition>
     </mc:Choice>
-    <mc:Fallback>
+    <mc:Fallback xmlns="">
       <p:transition spd="slow">
         <p:fade/>
       </p:transition>
@@ -2928,8 +2930,8 @@
         </p:nvSpPr>
         <p:spPr bwMode="auto">
           <a:xfrm>
-            <a:off x="-152162" y="1916832"/>
-            <a:ext cx="6400800" cy="1145540"/>
+            <a:off x="119336" y="2060848"/>
+            <a:ext cx="6984776" cy="1145540"/>
           </a:xfrm>
           <a:prstGeom prst="rect">
             <a:avLst/>
@@ -2979,7 +2981,7 @@
               </a:spcAft>
             </a:pPr>
             <a:r>
-              <a:rPr lang="he-IL" sz="2800" b="1" kern="1600" dirty="0">
+              <a:rPr lang="he-IL" sz="4800" b="1" kern="1600" dirty="0">
                 <a:ln w="12700">
                   <a:solidFill>
                     <a:schemeClr val="tx2"/>
@@ -3003,7 +3005,7 @@
               </a:rPr>
               <a:t>מתקפות טרור בישראל לאורך השנים 1970-2017</a:t>
             </a:r>
-            <a:endParaRPr lang="en-US" b="1" kern="1600" dirty="0">
+            <a:endParaRPr lang="en-US" sz="4800" b="1" kern="1600" dirty="0">
               <a:ln w="12700">
                 <a:solidFill>
                   <a:schemeClr val="tx2"/>
@@ -3044,7 +3046,7 @@
         </p:nvSpPr>
         <p:spPr bwMode="auto">
           <a:xfrm>
-            <a:off x="3190455" y="6524425"/>
+            <a:off x="6096000" y="6532880"/>
             <a:ext cx="6048672" cy="325120"/>
           </a:xfrm>
           <a:prstGeom prst="rect">
@@ -3133,13 +3135,177 @@
   <p:clrMapOvr>
     <a:masterClrMapping/>
   </p:clrMapOvr>
-  <mc:AlternateContent xmlns:mc="http://schemas.openxmlformats.org/markup-compatibility/2006">
-    <mc:Choice xmlns:p14="http://schemas.microsoft.com/office/powerpoint/2010/main" Requires="p14">
+  <mc:AlternateContent xmlns:mc="http://schemas.openxmlformats.org/markup-compatibility/2006" xmlns:p14="http://schemas.microsoft.com/office/powerpoint/2010/main">
+    <mc:Choice Requires="p14">
       <p:transition spd="slow" p14:dur="1200">
         <p14:prism/>
       </p:transition>
     </mc:Choice>
-    <mc:Fallback>
+    <mc:Fallback xmlns="">
+      <p:transition spd="slow">
+        <p:fade/>
+      </p:transition>
+    </mc:Fallback>
+  </mc:AlternateContent>
+</p:sld>
+</file>
+
+<file path=ppt/slides/slide10.xml><?xml version="1.0" encoding="utf-8"?>
+<p:sld xmlns:a="http://schemas.openxmlformats.org/drawingml/2006/main" xmlns:r="http://schemas.openxmlformats.org/officeDocument/2006/relationships" xmlns:p="http://schemas.openxmlformats.org/presentationml/2006/main">
+  <p:cSld>
+    <p:spTree>
+      <p:nvGrpSpPr>
+        <p:cNvPr id="1" name="">
+          <a:extLst>
+            <a:ext uri="{FF2B5EF4-FFF2-40B4-BE49-F238E27FC236}">
+              <a16:creationId xmlns:a16="http://schemas.microsoft.com/office/drawing/2014/main" id="{8641BA87-9E37-3DCF-0F44-3445AC66CA29}"/>
+            </a:ext>
+          </a:extLst>
+        </p:cNvPr>
+        <p:cNvGrpSpPr/>
+        <p:nvPr/>
+      </p:nvGrpSpPr>
+      <p:grpSpPr>
+        <a:xfrm>
+          <a:off x="0" y="0"/>
+          <a:ext cx="0" cy="0"/>
+          <a:chOff x="0" y="0"/>
+          <a:chExt cx="0" cy="0"/>
+        </a:xfrm>
+      </p:grpSpPr>
+      <p:sp>
+        <p:nvSpPr>
+          <p:cNvPr id="6" name="Text Box 127">
+            <a:extLst>
+              <a:ext uri="{FF2B5EF4-FFF2-40B4-BE49-F238E27FC236}">
+                <a16:creationId xmlns:a16="http://schemas.microsoft.com/office/drawing/2014/main" id="{ECF2FDC8-531E-E43E-0FE1-AEB69712B3BC}"/>
+              </a:ext>
+            </a:extLst>
+          </p:cNvPr>
+          <p:cNvSpPr txBox="1">
+            <a:spLocks noChangeArrowheads="1"/>
+          </p:cNvSpPr>
+          <p:nvPr/>
+        </p:nvSpPr>
+        <p:spPr bwMode="auto">
+          <a:xfrm>
+            <a:off x="1631504" y="1916832"/>
+            <a:ext cx="5012194" cy="1145540"/>
+          </a:xfrm>
+          <a:prstGeom prst="rect">
+            <a:avLst/>
+          </a:prstGeom>
+          <a:noFill/>
+          <a:ln>
+            <a:noFill/>
+          </a:ln>
+          <a:effectLst/>
+          <a:extLst>
+            <a:ext uri="{909E8E84-426E-40DD-AFC4-6F175D3DCCD1}">
+              <a14:hiddenFill xmlns:a14="http://schemas.microsoft.com/office/drawing/2010/main">
+                <a:solidFill>
+                  <a:srgbClr val="FFFFFE"/>
+                </a:solidFill>
+              </a14:hiddenFill>
+            </a:ext>
+            <a:ext uri="{91240B29-F687-4F45-9708-019B960494DF}">
+              <a14:hiddenLine xmlns:a14="http://schemas.microsoft.com/office/drawing/2010/main" w="9525" algn="in">
+                <a:solidFill>
+                  <a:srgbClr val="212120"/>
+                </a:solidFill>
+                <a:miter lim="800000"/>
+                <a:headEnd/>
+                <a:tailEnd/>
+              </a14:hiddenLine>
+            </a:ext>
+            <a:ext uri="{AF507438-7753-43E0-B8FC-AC1667EBCBE1}">
+              <a14:hiddenEffects xmlns:a14="http://schemas.microsoft.com/office/drawing/2010/main">
+                <a:effectLst/>
+              </a14:hiddenEffects>
+            </a:ext>
+          </a:extLst>
+        </p:spPr>
+        <p:txBody>
+          <a:bodyPr rot="0" vert="horz" wrap="square" lIns="36576" tIns="36576" rIns="36576" bIns="36576" anchor="t" anchorCtr="0" upright="1">
+            <a:noAutofit/>
+          </a:bodyPr>
+          <a:lstStyle/>
+          <a:p>
+            <a:pPr algn="ctr">
+              <a:spcBef>
+                <a:spcPts val="1200"/>
+              </a:spcBef>
+              <a:spcAft>
+                <a:spcPts val="300"/>
+              </a:spcAft>
+            </a:pPr>
+            <a:r>
+              <a:rPr lang="he-IL" sz="7200" b="1" kern="1600" dirty="0">
+                <a:ln w="12700">
+                  <a:solidFill>
+                    <a:schemeClr val="tx2"/>
+                  </a:solidFill>
+                  <a:prstDash val="solid"/>
+                </a:ln>
+                <a:pattFill prst="ltDnDiag">
+                  <a:fgClr>
+                    <a:schemeClr val="accent5">
+                      <a:lumMod val="60000"/>
+                      <a:lumOff val="40000"/>
+                    </a:schemeClr>
+                  </a:fgClr>
+                  <a:bgClr>
+                    <a:schemeClr val="bg1"/>
+                  </a:bgClr>
+                </a:pattFill>
+                <a:latin typeface="Verdana" panose="020B0604030504040204" pitchFamily="34" charset="0"/>
+                <a:ea typeface="Batang" panose="02030600000101010101" pitchFamily="18" charset="-127"/>
+                <a:cs typeface="Segoe UI Semibold" panose="020B0702040204020203" pitchFamily="34" charset="0"/>
+              </a:rPr>
+              <a:t>שאלות?</a:t>
+            </a:r>
+            <a:endParaRPr lang="en-US" sz="5400" b="1" kern="1600" dirty="0">
+              <a:ln w="12700">
+                <a:solidFill>
+                  <a:schemeClr val="tx2"/>
+                </a:solidFill>
+                <a:prstDash val="solid"/>
+              </a:ln>
+              <a:pattFill prst="ltDnDiag">
+                <a:fgClr>
+                  <a:schemeClr val="accent5">
+                    <a:lumMod val="60000"/>
+                    <a:lumOff val="40000"/>
+                  </a:schemeClr>
+                </a:fgClr>
+                <a:bgClr>
+                  <a:schemeClr val="bg1"/>
+                </a:bgClr>
+              </a:pattFill>
+              <a:latin typeface="Verdana" panose="020B0604030504040204" pitchFamily="34" charset="0"/>
+              <a:ea typeface="Batang" panose="02030600000101010101" pitchFamily="18" charset="-127"/>
+              <a:cs typeface="Arial" panose="020B0604020202020204" pitchFamily="34" charset="0"/>
+            </a:endParaRPr>
+          </a:p>
+        </p:txBody>
+      </p:sp>
+    </p:spTree>
+    <p:extLst>
+      <p:ext uri="{BB962C8B-B14F-4D97-AF65-F5344CB8AC3E}">
+        <p14:creationId xmlns:p14="http://schemas.microsoft.com/office/powerpoint/2010/main" val="4147274174"/>
+      </p:ext>
+    </p:extLst>
+  </p:cSld>
+  <p:clrMapOvr>
+    <a:masterClrMapping/>
+  </p:clrMapOvr>
+  <mc:AlternateContent xmlns:mc="http://schemas.openxmlformats.org/markup-compatibility/2006" xmlns:p14="http://schemas.microsoft.com/office/powerpoint/2010/main">
+    <mc:Choice Requires="p14">
+      <p:transition spd="slow" p14:dur="1200">
+        <p14:prism/>
+      </p:transition>
+    </mc:Choice>
+    <mc:Fallback xmlns="">
       <p:transition spd="slow">
         <p:fade/>
       </p:transition>
@@ -3177,7 +3343,7 @@
         </p:nvSpPr>
         <p:spPr>
           <a:xfrm>
-            <a:off x="1403350" y="0"/>
+            <a:off x="2927351" y="0"/>
             <a:ext cx="4321175" cy="649288"/>
           </a:xfrm>
         </p:spPr>
@@ -3219,8 +3385,8 @@
         </p:blipFill>
         <p:spPr>
           <a:xfrm>
-            <a:off x="179512" y="1700808"/>
-            <a:ext cx="6335009" cy="1543265"/>
+            <a:off x="335360" y="1700808"/>
+            <a:ext cx="6733118" cy="1640248"/>
           </a:xfrm>
           <a:prstGeom prst="rect">
             <a:avLst/>
@@ -3249,8 +3415,8 @@
         </p:blipFill>
         <p:spPr>
           <a:xfrm>
-            <a:off x="179512" y="1081336"/>
-            <a:ext cx="1314633" cy="685896"/>
+            <a:off x="335360" y="1081335"/>
+            <a:ext cx="1397249" cy="729000"/>
           </a:xfrm>
           <a:prstGeom prst="rect">
             <a:avLst/>
@@ -3271,7 +3437,7 @@
         </p:nvSpPr>
         <p:spPr>
           <a:xfrm>
-            <a:off x="1732611" y="4834026"/>
+            <a:off x="4140518" y="4971050"/>
             <a:ext cx="7172156" cy="646331"/>
           </a:xfrm>
           <a:prstGeom prst="rect">
@@ -3330,7 +3496,7 @@
         </p:blipFill>
         <p:spPr>
           <a:xfrm>
-            <a:off x="2593628" y="3701816"/>
+            <a:off x="5001536" y="3838840"/>
             <a:ext cx="6311139" cy="513697"/>
           </a:xfrm>
           <a:prstGeom prst="rect">
@@ -3360,7 +3526,7 @@
         </p:blipFill>
         <p:spPr>
           <a:xfrm>
-            <a:off x="1959901" y="3661775"/>
+            <a:off x="4367808" y="3798798"/>
             <a:ext cx="6955690" cy="593778"/>
           </a:xfrm>
           <a:prstGeom prst="rect">
@@ -3373,13 +3539,13 @@
   <p:clrMapOvr>
     <a:masterClrMapping/>
   </p:clrMapOvr>
-  <mc:AlternateContent xmlns:mc="http://schemas.openxmlformats.org/markup-compatibility/2006">
-    <mc:Choice xmlns:p14="http://schemas.microsoft.com/office/powerpoint/2010/main" Requires="p14">
+  <mc:AlternateContent xmlns:mc="http://schemas.openxmlformats.org/markup-compatibility/2006" xmlns:p14="http://schemas.microsoft.com/office/powerpoint/2010/main">
+    <mc:Choice Requires="p14">
       <p:transition spd="slow" p14:dur="1200">
         <p14:prism/>
       </p:transition>
     </mc:Choice>
-    <mc:Fallback>
+    <mc:Fallback xmlns="">
       <p:transition spd="slow">
         <p:fade/>
       </p:transition>
@@ -3849,22 +4015,23 @@
         </p:nvSpPr>
         <p:spPr>
           <a:xfrm>
-            <a:off x="3995936" y="332656"/>
-            <a:ext cx="3239889" cy="723900"/>
+            <a:off x="3773859" y="192940"/>
+            <a:ext cx="3924201" cy="723900"/>
           </a:xfrm>
         </p:spPr>
         <p:txBody>
           <a:bodyPr/>
           <a:lstStyle/>
           <a:p>
-            <a:r>
-              <a:rPr lang="he-IL" sz="3600" b="1" dirty="0">
+            <a:pPr algn="ctr"/>
+            <a:r>
+              <a:rPr lang="he-IL" sz="4000" b="1" dirty="0">
                 <a:latin typeface="Segoe UI Black" panose="020B0A02040204020203" pitchFamily="34" charset="0"/>
                 <a:ea typeface="Segoe UI Black" panose="020B0A02040204020203" pitchFamily="34" charset="0"/>
               </a:rPr>
               <a:t>דוגמה מהנתונים</a:t>
             </a:r>
-            <a:endParaRPr lang="en-US" sz="3600" b="1" dirty="0">
+            <a:endParaRPr lang="en-US" sz="4000" b="1" dirty="0">
               <a:latin typeface="Segoe UI Black" panose="020B0A02040204020203" pitchFamily="34" charset="0"/>
               <a:ea typeface="Segoe UI Black" panose="020B0A02040204020203" pitchFamily="34" charset="0"/>
             </a:endParaRPr>
@@ -3893,7 +4060,7 @@
         </p:blipFill>
         <p:spPr>
           <a:xfrm>
-            <a:off x="312653" y="1048688"/>
+            <a:off x="1631504" y="1067472"/>
             <a:ext cx="8518694" cy="940152"/>
           </a:xfrm>
           <a:prstGeom prst="rect">
@@ -3923,8 +4090,8 @@
         </p:blipFill>
         <p:spPr>
           <a:xfrm>
-            <a:off x="755576" y="2204864"/>
-            <a:ext cx="2243123" cy="3345835"/>
+            <a:off x="1631504" y="2176303"/>
+            <a:ext cx="2603163" cy="3882869"/>
           </a:xfrm>
           <a:prstGeom prst="rect">
             <a:avLst/>
@@ -3952,7 +4119,7 @@
         </p:blipFill>
         <p:spPr>
           <a:xfrm>
-            <a:off x="4211960" y="2204864"/>
+            <a:off x="6117750" y="2204865"/>
             <a:ext cx="4032448" cy="4460195"/>
           </a:xfrm>
           <a:prstGeom prst="rect">
@@ -3970,13 +4137,13 @@
   <p:clrMapOvr>
     <a:masterClrMapping/>
   </p:clrMapOvr>
-  <mc:AlternateContent xmlns:mc="http://schemas.openxmlformats.org/markup-compatibility/2006">
-    <mc:Choice xmlns:p14="http://schemas.microsoft.com/office/powerpoint/2010/main" Requires="p14">
+  <mc:AlternateContent xmlns:mc="http://schemas.openxmlformats.org/markup-compatibility/2006" xmlns:p14="http://schemas.microsoft.com/office/powerpoint/2010/main">
+    <mc:Choice Requires="p14">
       <p:transition spd="slow" p14:dur="1200">
         <p14:prism/>
       </p:transition>
     </mc:Choice>
-    <mc:Fallback>
+    <mc:Fallback xmlns="">
       <p:transition spd="slow">
         <p:fade/>
       </p:transition>
@@ -4010,1297 +4177,393 @@
       </p:grpSpPr>
       <p:sp>
         <p:nvSpPr>
-          <p:cNvPr id="36866" name="Rectangle 2">
+          <p:cNvPr id="2" name="Title 1">
             <a:extLst>
               <a:ext uri="{FF2B5EF4-FFF2-40B4-BE49-F238E27FC236}">
-                <a16:creationId xmlns:a16="http://schemas.microsoft.com/office/drawing/2014/main" id="{5715AC2F-2628-6C67-F920-2805820EE243}"/>
+                <a16:creationId xmlns:a16="http://schemas.microsoft.com/office/drawing/2014/main" id="{D19AB5EE-91C1-1F91-CFB7-140D6CC14454}"/>
               </a:ext>
             </a:extLst>
           </p:cNvPr>
-          <p:cNvSpPr>
-            <a:spLocks noGrp="1" noChangeArrowheads="1"/>
+          <p:cNvSpPr txBox="1">
+            <a:spLocks/>
           </p:cNvSpPr>
-          <p:nvPr>
-            <p:ph type="title"/>
-          </p:nvPr>
+          <p:nvPr/>
         </p:nvSpPr>
-        <p:spPr>
+        <p:spPr bwMode="auto">
           <a:xfrm>
-            <a:off x="1403350" y="0"/>
-            <a:ext cx="4321175" cy="649288"/>
+            <a:off x="2059813" y="1844824"/>
+            <a:ext cx="8072374" cy="953162"/>
           </a:xfrm>
+          <a:prstGeom prst="rect">
+            <a:avLst/>
+          </a:prstGeom>
+          <a:noFill/>
+          <a:ln w="9525">
+            <a:noFill/>
+            <a:miter lim="800000"/>
+            <a:headEnd/>
+            <a:tailEnd/>
+          </a:ln>
+          <a:effectLst>
+            <a:outerShdw dist="17961" dir="2700000" algn="ctr" rotWithShape="0">
+              <a:schemeClr val="bg1"/>
+            </a:outerShdw>
+          </a:effectLst>
         </p:spPr>
         <p:txBody>
-          <a:bodyPr/>
-          <a:lstStyle/>
-          <a:p>
-            <a:r>
-              <a:rPr lang="en-US" sz="3600" b="1" dirty="0">
-                <a:latin typeface="Tahoma" charset="0"/>
-              </a:rPr>
-              <a:t>Task 1</a:t>
-            </a:r>
-            <a:endParaRPr lang="uk-UA" sz="3600" b="1" dirty="0">
-              <a:latin typeface="Tahoma" charset="0"/>
+          <a:bodyPr vert="horz" wrap="square" lIns="91440" tIns="45720" rIns="91440" bIns="45720" numCol="1" anchor="ctr" anchorCtr="0" compatLnSpc="1">
+            <a:prstTxWarp prst="textNoShape">
+              <a:avLst/>
+            </a:prstTxWarp>
+            <a:noAutofit/>
+          </a:bodyPr>
+          <a:lstStyle>
+            <a:lvl1pPr algn="l" rtl="0" fontAlgn="base">
+              <a:spcBef>
+                <a:spcPct val="0"/>
+              </a:spcBef>
+              <a:spcAft>
+                <a:spcPct val="0"/>
+              </a:spcAft>
+              <a:defRPr sz="3200">
+                <a:solidFill>
+                  <a:schemeClr val="tx2"/>
+                </a:solidFill>
+                <a:latin typeface="+mj-lt"/>
+                <a:ea typeface="+mj-ea"/>
+                <a:cs typeface="+mj-cs"/>
+              </a:defRPr>
+            </a:lvl1pPr>
+            <a:lvl2pPr algn="l" rtl="0" fontAlgn="base">
+              <a:spcBef>
+                <a:spcPct val="0"/>
+              </a:spcBef>
+              <a:spcAft>
+                <a:spcPct val="0"/>
+              </a:spcAft>
+              <a:defRPr sz="3200">
+                <a:solidFill>
+                  <a:schemeClr val="tx2"/>
+                </a:solidFill>
+                <a:latin typeface="Arial" charset="0"/>
+              </a:defRPr>
+            </a:lvl2pPr>
+            <a:lvl3pPr algn="l" rtl="0" fontAlgn="base">
+              <a:spcBef>
+                <a:spcPct val="0"/>
+              </a:spcBef>
+              <a:spcAft>
+                <a:spcPct val="0"/>
+              </a:spcAft>
+              <a:defRPr sz="3200">
+                <a:solidFill>
+                  <a:schemeClr val="tx2"/>
+                </a:solidFill>
+                <a:latin typeface="Arial" charset="0"/>
+              </a:defRPr>
+            </a:lvl3pPr>
+            <a:lvl4pPr algn="l" rtl="0" fontAlgn="base">
+              <a:spcBef>
+                <a:spcPct val="0"/>
+              </a:spcBef>
+              <a:spcAft>
+                <a:spcPct val="0"/>
+              </a:spcAft>
+              <a:defRPr sz="3200">
+                <a:solidFill>
+                  <a:schemeClr val="tx2"/>
+                </a:solidFill>
+                <a:latin typeface="Arial" charset="0"/>
+              </a:defRPr>
+            </a:lvl4pPr>
+            <a:lvl5pPr algn="l" rtl="0" fontAlgn="base">
+              <a:spcBef>
+                <a:spcPct val="0"/>
+              </a:spcBef>
+              <a:spcAft>
+                <a:spcPct val="0"/>
+              </a:spcAft>
+              <a:defRPr sz="3200">
+                <a:solidFill>
+                  <a:schemeClr val="tx2"/>
+                </a:solidFill>
+                <a:latin typeface="Arial" charset="0"/>
+              </a:defRPr>
+            </a:lvl5pPr>
+            <a:lvl6pPr marL="457200" algn="l" rtl="0" fontAlgn="base">
+              <a:spcBef>
+                <a:spcPct val="0"/>
+              </a:spcBef>
+              <a:spcAft>
+                <a:spcPct val="0"/>
+              </a:spcAft>
+              <a:defRPr sz="3200">
+                <a:solidFill>
+                  <a:schemeClr val="tx2"/>
+                </a:solidFill>
+                <a:latin typeface="Arial" charset="0"/>
+              </a:defRPr>
+            </a:lvl6pPr>
+            <a:lvl7pPr marL="914400" algn="l" rtl="0" fontAlgn="base">
+              <a:spcBef>
+                <a:spcPct val="0"/>
+              </a:spcBef>
+              <a:spcAft>
+                <a:spcPct val="0"/>
+              </a:spcAft>
+              <a:defRPr sz="3200">
+                <a:solidFill>
+                  <a:schemeClr val="tx2"/>
+                </a:solidFill>
+                <a:latin typeface="Arial" charset="0"/>
+              </a:defRPr>
+            </a:lvl7pPr>
+            <a:lvl8pPr marL="1371600" algn="l" rtl="0" fontAlgn="base">
+              <a:spcBef>
+                <a:spcPct val="0"/>
+              </a:spcBef>
+              <a:spcAft>
+                <a:spcPct val="0"/>
+              </a:spcAft>
+              <a:defRPr sz="3200">
+                <a:solidFill>
+                  <a:schemeClr val="tx2"/>
+                </a:solidFill>
+                <a:latin typeface="Arial" charset="0"/>
+              </a:defRPr>
+            </a:lvl8pPr>
+            <a:lvl9pPr marL="1828800" algn="l" rtl="0" fontAlgn="base">
+              <a:spcBef>
+                <a:spcPct val="0"/>
+              </a:spcBef>
+              <a:spcAft>
+                <a:spcPct val="0"/>
+              </a:spcAft>
+              <a:defRPr sz="3200">
+                <a:solidFill>
+                  <a:schemeClr val="tx2"/>
+                </a:solidFill>
+                <a:latin typeface="Arial" charset="0"/>
+              </a:defRPr>
+            </a:lvl9pPr>
+          </a:lstStyle>
+          <a:p>
+            <a:pPr algn="ctr" rtl="1">
+              <a:lnSpc>
+                <a:spcPct val="90000"/>
+              </a:lnSpc>
+            </a:pPr>
+            <a:r>
+              <a:rPr lang="he-IL" sz="5400" b="1" kern="0" dirty="0">
+                <a:latin typeface="Aharoni" panose="02010803020104030203" pitchFamily="2" charset="-79"/>
+                <a:cs typeface="Aharoni" panose="02010803020104030203" pitchFamily="2" charset="-79"/>
+              </a:rPr>
+              <a:t>שאלה 1: התפלגות תקיפות הטרור בישראל לפי אזורים שונים </a:t>
+            </a:r>
+            <a:endParaRPr lang="en-IL" sz="5400" b="1" kern="0" dirty="0">
+              <a:latin typeface="Aharoni" panose="02010803020104030203" pitchFamily="2" charset="-79"/>
+              <a:cs typeface="Aharoni" panose="02010803020104030203" pitchFamily="2" charset="-79"/>
             </a:endParaRPr>
           </a:p>
         </p:txBody>
       </p:sp>
       <p:sp>
         <p:nvSpPr>
-          <p:cNvPr id="36867" name="Rectangle 3">
+          <p:cNvPr id="3" name="Subtitle 2">
             <a:extLst>
               <a:ext uri="{FF2B5EF4-FFF2-40B4-BE49-F238E27FC236}">
-                <a16:creationId xmlns:a16="http://schemas.microsoft.com/office/drawing/2014/main" id="{AE7BF15B-F8A7-952B-85B5-B891E0269454}"/>
+                <a16:creationId xmlns:a16="http://schemas.microsoft.com/office/drawing/2014/main" id="{8688B6B4-4776-2AE9-451A-AD269869E0EB}"/>
               </a:ext>
             </a:extLst>
           </p:cNvPr>
-          <p:cNvSpPr>
-            <a:spLocks noGrp="1" noChangeArrowheads="1"/>
+          <p:cNvSpPr txBox="1">
+            <a:spLocks/>
           </p:cNvSpPr>
-          <p:nvPr>
-            <p:ph type="body" idx="1"/>
-          </p:nvPr>
+          <p:nvPr/>
         </p:nvSpPr>
-        <p:spPr>
+        <p:spPr bwMode="auto">
           <a:xfrm>
-            <a:off x="1187450" y="981075"/>
-            <a:ext cx="6502400" cy="4900613"/>
+            <a:off x="3359696" y="3573017"/>
+            <a:ext cx="5941394" cy="553189"/>
           </a:xfrm>
+          <a:prstGeom prst="rect">
+            <a:avLst/>
+          </a:prstGeom>
+          <a:noFill/>
+          <a:ln w="9525">
+            <a:noFill/>
+            <a:miter lim="800000"/>
+            <a:headEnd/>
+            <a:tailEnd/>
+          </a:ln>
+          <a:effectLst/>
         </p:spPr>
         <p:txBody>
-          <a:bodyPr/>
-          <a:lstStyle/>
-          <a:p>
-            <a:pPr>
+          <a:bodyPr vert="horz" wrap="square" lIns="91440" tIns="45720" rIns="91440" bIns="45720" numCol="1" anchor="t" anchorCtr="0" compatLnSpc="1">
+            <a:prstTxWarp prst="textNoShape">
+              <a:avLst/>
+            </a:prstTxWarp>
+            <a:noAutofit/>
+          </a:bodyPr>
+          <a:lstStyle>
+            <a:lvl1pPr marL="342900" indent="-342900" algn="l" rtl="0" fontAlgn="base">
+              <a:spcBef>
+                <a:spcPct val="20000"/>
+              </a:spcBef>
+              <a:spcAft>
+                <a:spcPct val="0"/>
+              </a:spcAft>
+              <a:buChar char="•"/>
+              <a:defRPr sz="2800">
+                <a:solidFill>
+                  <a:schemeClr val="tx2"/>
+                </a:solidFill>
+                <a:latin typeface="+mn-lt"/>
+                <a:ea typeface="+mn-ea"/>
+                <a:cs typeface="+mn-cs"/>
+              </a:defRPr>
+            </a:lvl1pPr>
+            <a:lvl2pPr marL="742950" indent="-285750" algn="l" rtl="0" fontAlgn="base">
+              <a:spcBef>
+                <a:spcPct val="20000"/>
+              </a:spcBef>
+              <a:spcAft>
+                <a:spcPct val="0"/>
+              </a:spcAft>
+              <a:buChar char="–"/>
+              <a:defRPr sz="2400" b="1">
+                <a:solidFill>
+                  <a:schemeClr val="tx2"/>
+                </a:solidFill>
+                <a:latin typeface="+mn-lt"/>
+              </a:defRPr>
+            </a:lvl2pPr>
+            <a:lvl3pPr marL="1143000" indent="-228600" algn="l" rtl="0" fontAlgn="base">
+              <a:spcBef>
+                <a:spcPct val="20000"/>
+              </a:spcBef>
+              <a:spcAft>
+                <a:spcPct val="0"/>
+              </a:spcAft>
+              <a:buChar char="•"/>
+              <a:defRPr sz="2400">
+                <a:solidFill>
+                  <a:schemeClr val="tx2"/>
+                </a:solidFill>
+                <a:latin typeface="+mn-lt"/>
+              </a:defRPr>
+            </a:lvl3pPr>
+            <a:lvl4pPr marL="1600200" indent="-228600" algn="l" rtl="0" fontAlgn="base">
+              <a:spcBef>
+                <a:spcPct val="20000"/>
+              </a:spcBef>
+              <a:spcAft>
+                <a:spcPct val="0"/>
+              </a:spcAft>
+              <a:buChar char="–"/>
+              <a:defRPr sz="2000">
+                <a:solidFill>
+                  <a:schemeClr val="tx2"/>
+                </a:solidFill>
+                <a:latin typeface="+mn-lt"/>
+              </a:defRPr>
+            </a:lvl4pPr>
+            <a:lvl5pPr marL="2057400" indent="-228600" algn="l" rtl="0" fontAlgn="base">
+              <a:spcBef>
+                <a:spcPct val="20000"/>
+              </a:spcBef>
+              <a:spcAft>
+                <a:spcPct val="0"/>
+              </a:spcAft>
+              <a:buChar char="»"/>
+              <a:defRPr sz="2000">
+                <a:solidFill>
+                  <a:schemeClr val="tx2"/>
+                </a:solidFill>
+                <a:latin typeface="+mn-lt"/>
+              </a:defRPr>
+            </a:lvl5pPr>
+            <a:lvl6pPr marL="2514600" indent="-228600" algn="l" rtl="0" fontAlgn="base">
+              <a:spcBef>
+                <a:spcPct val="20000"/>
+              </a:spcBef>
+              <a:spcAft>
+                <a:spcPct val="0"/>
+              </a:spcAft>
+              <a:buChar char="»"/>
+              <a:defRPr sz="2000">
+                <a:solidFill>
+                  <a:schemeClr val="tx2"/>
+                </a:solidFill>
+                <a:latin typeface="+mn-lt"/>
+              </a:defRPr>
+            </a:lvl6pPr>
+            <a:lvl7pPr marL="2971800" indent="-228600" algn="l" rtl="0" fontAlgn="base">
+              <a:spcBef>
+                <a:spcPct val="20000"/>
+              </a:spcBef>
+              <a:spcAft>
+                <a:spcPct val="0"/>
+              </a:spcAft>
+              <a:buChar char="»"/>
+              <a:defRPr sz="2000">
+                <a:solidFill>
+                  <a:schemeClr val="tx2"/>
+                </a:solidFill>
+                <a:latin typeface="+mn-lt"/>
+              </a:defRPr>
+            </a:lvl7pPr>
+            <a:lvl8pPr marL="3429000" indent="-228600" algn="l" rtl="0" fontAlgn="base">
+              <a:spcBef>
+                <a:spcPct val="20000"/>
+              </a:spcBef>
+              <a:spcAft>
+                <a:spcPct val="0"/>
+              </a:spcAft>
+              <a:buChar char="»"/>
+              <a:defRPr sz="2000">
+                <a:solidFill>
+                  <a:schemeClr val="tx2"/>
+                </a:solidFill>
+                <a:latin typeface="+mn-lt"/>
+              </a:defRPr>
+            </a:lvl8pPr>
+            <a:lvl9pPr marL="3886200" indent="-228600" algn="l" rtl="0" fontAlgn="base">
+              <a:spcBef>
+                <a:spcPct val="20000"/>
+              </a:spcBef>
+              <a:spcAft>
+                <a:spcPct val="0"/>
+              </a:spcAft>
+              <a:buChar char="»"/>
+              <a:defRPr sz="2000">
+                <a:solidFill>
+                  <a:schemeClr val="tx2"/>
+                </a:solidFill>
+                <a:latin typeface="+mn-lt"/>
+              </a:defRPr>
+            </a:lvl9pPr>
+          </a:lstStyle>
+          <a:p>
+            <a:pPr algn="ctr" rtl="1">
               <a:lnSpc>
                 <a:spcPct val="90000"/>
               </a:lnSpc>
+              <a:spcBef>
+                <a:spcPts val="1000"/>
+              </a:spcBef>
             </a:pPr>
             <a:r>
-              <a:rPr lang="en-US" altLang="ko-KR" sz="2000" dirty="0">
-                <a:latin typeface="Verdana" pitchFamily="34" charset="0"/>
-                <a:ea typeface="굴림" charset="-127"/>
-              </a:rPr>
-              <a:t>Your Text here</a:t>
-            </a:r>
-          </a:p>
-          <a:p>
-            <a:pPr>
-              <a:lnSpc>
-                <a:spcPct val="90000"/>
-              </a:lnSpc>
-            </a:pPr>
-            <a:endParaRPr lang="en-US" altLang="ko-KR" sz="2000" dirty="0">
-              <a:latin typeface="Verdana" pitchFamily="34" charset="0"/>
-              <a:ea typeface="굴림" charset="-127"/>
+              <a:rPr lang="he-IL" kern="0" dirty="0">
+                <a:latin typeface="Aharoni" panose="02010803020104030203" pitchFamily="2" charset="-79"/>
+                <a:cs typeface="Aharoni" panose="02010803020104030203" pitchFamily="2" charset="-79"/>
+              </a:rPr>
+              <a:t>מטרה עיקרית – זיהוי מיקומים הדורשים הערכות ביטחונית מוגברת</a:t>
+            </a:r>
+            <a:endParaRPr lang="en-IL" kern="0" dirty="0">
+              <a:latin typeface="Aharoni" panose="02010803020104030203" pitchFamily="2" charset="-79"/>
+              <a:cs typeface="Aharoni" panose="02010803020104030203" pitchFamily="2" charset="-79"/>
             </a:endParaRPr>
-          </a:p>
-          <a:p>
-            <a:pPr>
-              <a:lnSpc>
-                <a:spcPct val="90000"/>
-              </a:lnSpc>
-            </a:pPr>
-            <a:r>
-              <a:rPr lang="ru-RU" altLang="ko-KR" sz="2000" dirty="0" err="1">
-                <a:latin typeface="Verdana" pitchFamily="34" charset="0"/>
-                <a:ea typeface="굴림" charset="-127"/>
-              </a:rPr>
-              <a:t>Lorem</a:t>
-            </a:r>
-            <a:r>
-              <a:rPr lang="ru-RU" altLang="ko-KR" sz="2000" dirty="0">
-                <a:latin typeface="Verdana" pitchFamily="34" charset="0"/>
-                <a:ea typeface="굴림" charset="-127"/>
-              </a:rPr>
-              <a:t> </a:t>
-            </a:r>
-            <a:r>
-              <a:rPr lang="ru-RU" altLang="ko-KR" sz="2000" dirty="0" err="1">
-                <a:latin typeface="Verdana" pitchFamily="34" charset="0"/>
-                <a:ea typeface="굴림" charset="-127"/>
-              </a:rPr>
-              <a:t>ipsum</a:t>
-            </a:r>
-            <a:r>
-              <a:rPr lang="ru-RU" altLang="ko-KR" sz="2000" dirty="0">
-                <a:latin typeface="Verdana" pitchFamily="34" charset="0"/>
-                <a:ea typeface="굴림" charset="-127"/>
-              </a:rPr>
-              <a:t> </a:t>
-            </a:r>
-            <a:r>
-              <a:rPr lang="ru-RU" altLang="ko-KR" sz="2000" dirty="0" err="1">
-                <a:latin typeface="Verdana" pitchFamily="34" charset="0"/>
-                <a:ea typeface="굴림" charset="-127"/>
-              </a:rPr>
-              <a:t>dolor</a:t>
-            </a:r>
-            <a:r>
-              <a:rPr lang="ru-RU" altLang="ko-KR" sz="2000" dirty="0">
-                <a:latin typeface="Verdana" pitchFamily="34" charset="0"/>
-                <a:ea typeface="굴림" charset="-127"/>
-              </a:rPr>
-              <a:t> </a:t>
-            </a:r>
-            <a:r>
-              <a:rPr lang="ru-RU" altLang="ko-KR" sz="2000" dirty="0" err="1">
-                <a:latin typeface="Verdana" pitchFamily="34" charset="0"/>
-                <a:ea typeface="굴림" charset="-127"/>
-              </a:rPr>
-              <a:t>sit</a:t>
-            </a:r>
-            <a:r>
-              <a:rPr lang="ru-RU" altLang="ko-KR" sz="2000" dirty="0">
-                <a:latin typeface="Verdana" pitchFamily="34" charset="0"/>
-                <a:ea typeface="굴림" charset="-127"/>
-              </a:rPr>
-              <a:t> </a:t>
-            </a:r>
-            <a:r>
-              <a:rPr lang="ru-RU" altLang="ko-KR" sz="2000" dirty="0" err="1">
-                <a:latin typeface="Verdana" pitchFamily="34" charset="0"/>
-                <a:ea typeface="굴림" charset="-127"/>
-              </a:rPr>
-              <a:t>amet</a:t>
-            </a:r>
-            <a:r>
-              <a:rPr lang="ru-RU" altLang="ko-KR" sz="2000" dirty="0">
-                <a:latin typeface="Verdana" pitchFamily="34" charset="0"/>
-                <a:ea typeface="굴림" charset="-127"/>
-              </a:rPr>
-              <a:t>, </a:t>
-            </a:r>
-            <a:r>
-              <a:rPr lang="ru-RU" altLang="ko-KR" sz="2000" dirty="0" err="1">
-                <a:latin typeface="Verdana" pitchFamily="34" charset="0"/>
-                <a:ea typeface="굴림" charset="-127"/>
-              </a:rPr>
-              <a:t>consectetuer</a:t>
-            </a:r>
-            <a:r>
-              <a:rPr lang="ru-RU" altLang="ko-KR" sz="2000" dirty="0">
-                <a:latin typeface="Verdana" pitchFamily="34" charset="0"/>
-                <a:ea typeface="굴림" charset="-127"/>
-              </a:rPr>
-              <a:t> </a:t>
-            </a:r>
-            <a:r>
-              <a:rPr lang="ru-RU" altLang="ko-KR" sz="2000" dirty="0" err="1">
-                <a:latin typeface="Verdana" pitchFamily="34" charset="0"/>
-                <a:ea typeface="굴림" charset="-127"/>
-              </a:rPr>
-              <a:t>adipiscing</a:t>
-            </a:r>
-            <a:r>
-              <a:rPr lang="ru-RU" altLang="ko-KR" sz="2000" dirty="0">
-                <a:latin typeface="Verdana" pitchFamily="34" charset="0"/>
-                <a:ea typeface="굴림" charset="-127"/>
-              </a:rPr>
-              <a:t> </a:t>
-            </a:r>
-            <a:r>
-              <a:rPr lang="ru-RU" altLang="ko-KR" sz="2000" dirty="0" err="1">
-                <a:latin typeface="Verdana" pitchFamily="34" charset="0"/>
-                <a:ea typeface="굴림" charset="-127"/>
-              </a:rPr>
-              <a:t>elit</a:t>
-            </a:r>
-            <a:r>
-              <a:rPr lang="ru-RU" altLang="ko-KR" sz="2000" dirty="0">
-                <a:latin typeface="Verdana" pitchFamily="34" charset="0"/>
-                <a:ea typeface="굴림" charset="-127"/>
-              </a:rPr>
-              <a:t>, </a:t>
-            </a:r>
-            <a:r>
-              <a:rPr lang="ru-RU" altLang="ko-KR" sz="2000" dirty="0" err="1">
-                <a:latin typeface="Verdana" pitchFamily="34" charset="0"/>
-                <a:ea typeface="굴림" charset="-127"/>
-              </a:rPr>
-              <a:t>sed</a:t>
-            </a:r>
-            <a:r>
-              <a:rPr lang="ru-RU" altLang="ko-KR" sz="2000" dirty="0">
-                <a:latin typeface="Verdana" pitchFamily="34" charset="0"/>
-                <a:ea typeface="굴림" charset="-127"/>
-              </a:rPr>
-              <a:t> </a:t>
-            </a:r>
-            <a:r>
-              <a:rPr lang="ru-RU" altLang="ko-KR" sz="2000" dirty="0" err="1">
-                <a:latin typeface="Verdana" pitchFamily="34" charset="0"/>
-                <a:ea typeface="굴림" charset="-127"/>
-              </a:rPr>
-              <a:t>diam</a:t>
-            </a:r>
-            <a:r>
-              <a:rPr lang="ru-RU" altLang="ko-KR" sz="2000" dirty="0">
-                <a:latin typeface="Verdana" pitchFamily="34" charset="0"/>
-                <a:ea typeface="굴림" charset="-127"/>
-              </a:rPr>
-              <a:t> </a:t>
-            </a:r>
-            <a:r>
-              <a:rPr lang="ru-RU" altLang="ko-KR" sz="2000" dirty="0" err="1">
-                <a:latin typeface="Verdana" pitchFamily="34" charset="0"/>
-                <a:ea typeface="굴림" charset="-127"/>
-              </a:rPr>
-              <a:t>nonummy</a:t>
-            </a:r>
-            <a:r>
-              <a:rPr lang="ru-RU" altLang="ko-KR" sz="2000" dirty="0">
-                <a:latin typeface="Verdana" pitchFamily="34" charset="0"/>
-                <a:ea typeface="굴림" charset="-127"/>
-              </a:rPr>
-              <a:t> </a:t>
-            </a:r>
-            <a:r>
-              <a:rPr lang="ru-RU" altLang="ko-KR" sz="2000" dirty="0" err="1">
-                <a:latin typeface="Verdana" pitchFamily="34" charset="0"/>
-                <a:ea typeface="굴림" charset="-127"/>
-              </a:rPr>
-              <a:t>nibh</a:t>
-            </a:r>
-            <a:r>
-              <a:rPr lang="ru-RU" altLang="ko-KR" sz="2000" dirty="0">
-                <a:latin typeface="Verdana" pitchFamily="34" charset="0"/>
-                <a:ea typeface="굴림" charset="-127"/>
-              </a:rPr>
-              <a:t> </a:t>
-            </a:r>
-            <a:r>
-              <a:rPr lang="ru-RU" altLang="ko-KR" sz="2000" dirty="0" err="1">
-                <a:latin typeface="Verdana" pitchFamily="34" charset="0"/>
-                <a:ea typeface="굴림" charset="-127"/>
-              </a:rPr>
-              <a:t>euismod</a:t>
-            </a:r>
-            <a:r>
-              <a:rPr lang="ru-RU" altLang="ko-KR" sz="2000" dirty="0">
-                <a:latin typeface="Verdana" pitchFamily="34" charset="0"/>
-                <a:ea typeface="굴림" charset="-127"/>
-              </a:rPr>
-              <a:t> </a:t>
-            </a:r>
-            <a:r>
-              <a:rPr lang="ru-RU" altLang="ko-KR" sz="2000" dirty="0" err="1">
-                <a:latin typeface="Verdana" pitchFamily="34" charset="0"/>
-                <a:ea typeface="굴림" charset="-127"/>
-              </a:rPr>
-              <a:t>tincidunt</a:t>
-            </a:r>
-            <a:r>
-              <a:rPr lang="ru-RU" altLang="ko-KR" sz="2000" dirty="0">
-                <a:latin typeface="Verdana" pitchFamily="34" charset="0"/>
-                <a:ea typeface="굴림" charset="-127"/>
-              </a:rPr>
-              <a:t> </a:t>
-            </a:r>
-            <a:r>
-              <a:rPr lang="ru-RU" altLang="ko-KR" sz="2000" dirty="0" err="1">
-                <a:latin typeface="Verdana" pitchFamily="34" charset="0"/>
-                <a:ea typeface="굴림" charset="-127"/>
-              </a:rPr>
-              <a:t>ut</a:t>
-            </a:r>
-            <a:r>
-              <a:rPr lang="ru-RU" altLang="ko-KR" sz="2000" dirty="0">
-                <a:latin typeface="Verdana" pitchFamily="34" charset="0"/>
-                <a:ea typeface="굴림" charset="-127"/>
-              </a:rPr>
-              <a:t> </a:t>
-            </a:r>
-            <a:r>
-              <a:rPr lang="ru-RU" altLang="ko-KR" sz="2000" dirty="0" err="1">
-                <a:latin typeface="Verdana" pitchFamily="34" charset="0"/>
-                <a:ea typeface="굴림" charset="-127"/>
-              </a:rPr>
-              <a:t>laoreet</a:t>
-            </a:r>
-            <a:r>
-              <a:rPr lang="ru-RU" altLang="ko-KR" sz="2000" dirty="0">
-                <a:latin typeface="Verdana" pitchFamily="34" charset="0"/>
-                <a:ea typeface="굴림" charset="-127"/>
-              </a:rPr>
-              <a:t> </a:t>
-            </a:r>
-            <a:r>
-              <a:rPr lang="ru-RU" altLang="ko-KR" sz="2000" dirty="0" err="1">
-                <a:latin typeface="Verdana" pitchFamily="34" charset="0"/>
-                <a:ea typeface="굴림" charset="-127"/>
-              </a:rPr>
-              <a:t>dolore</a:t>
-            </a:r>
-            <a:r>
-              <a:rPr lang="ru-RU" altLang="ko-KR" sz="2000" dirty="0">
-                <a:latin typeface="Verdana" pitchFamily="34" charset="0"/>
-                <a:ea typeface="굴림" charset="-127"/>
-              </a:rPr>
-              <a:t> </a:t>
-            </a:r>
-            <a:r>
-              <a:rPr lang="ru-RU" altLang="ko-KR" sz="2000" dirty="0" err="1">
-                <a:latin typeface="Verdana" pitchFamily="34" charset="0"/>
-                <a:ea typeface="굴림" charset="-127"/>
-              </a:rPr>
-              <a:t>magna</a:t>
-            </a:r>
-            <a:r>
-              <a:rPr lang="ru-RU" altLang="ko-KR" sz="2000" dirty="0">
-                <a:latin typeface="Verdana" pitchFamily="34" charset="0"/>
-                <a:ea typeface="굴림" charset="-127"/>
-              </a:rPr>
-              <a:t> </a:t>
-            </a:r>
-            <a:r>
-              <a:rPr lang="ru-RU" altLang="ko-KR" sz="2000" dirty="0" err="1">
-                <a:latin typeface="Verdana" pitchFamily="34" charset="0"/>
-                <a:ea typeface="굴림" charset="-127"/>
-              </a:rPr>
-              <a:t>aliquam</a:t>
-            </a:r>
-            <a:r>
-              <a:rPr lang="ru-RU" altLang="ko-KR" sz="2000" dirty="0">
-                <a:latin typeface="Verdana" pitchFamily="34" charset="0"/>
-                <a:ea typeface="굴림" charset="-127"/>
-              </a:rPr>
-              <a:t> </a:t>
-            </a:r>
-            <a:r>
-              <a:rPr lang="ru-RU" altLang="ko-KR" sz="2000" dirty="0" err="1">
-                <a:latin typeface="Verdana" pitchFamily="34" charset="0"/>
-                <a:ea typeface="굴림" charset="-127"/>
-              </a:rPr>
-              <a:t>erat</a:t>
-            </a:r>
-            <a:r>
-              <a:rPr lang="ru-RU" altLang="ko-KR" sz="2000" dirty="0">
-                <a:latin typeface="Verdana" pitchFamily="34" charset="0"/>
-                <a:ea typeface="굴림" charset="-127"/>
-              </a:rPr>
-              <a:t> </a:t>
-            </a:r>
-            <a:r>
-              <a:rPr lang="ru-RU" altLang="ko-KR" sz="2000" dirty="0" err="1">
-                <a:latin typeface="Verdana" pitchFamily="34" charset="0"/>
-                <a:ea typeface="굴림" charset="-127"/>
-              </a:rPr>
-              <a:t>volutpat</a:t>
-            </a:r>
-            <a:r>
-              <a:rPr lang="ru-RU" altLang="ko-KR" sz="2000" dirty="0">
-                <a:latin typeface="Verdana" pitchFamily="34" charset="0"/>
-                <a:ea typeface="굴림" charset="-127"/>
-              </a:rPr>
-              <a:t>. </a:t>
-            </a:r>
-            <a:r>
-              <a:rPr lang="ru-RU" altLang="ko-KR" sz="2000" dirty="0" err="1">
-                <a:latin typeface="Verdana" pitchFamily="34" charset="0"/>
-                <a:ea typeface="굴림" charset="-127"/>
-              </a:rPr>
-              <a:t>Ut</a:t>
-            </a:r>
-            <a:r>
-              <a:rPr lang="ru-RU" altLang="ko-KR" sz="2000" dirty="0">
-                <a:latin typeface="Verdana" pitchFamily="34" charset="0"/>
-                <a:ea typeface="굴림" charset="-127"/>
-              </a:rPr>
-              <a:t> </a:t>
-            </a:r>
-            <a:r>
-              <a:rPr lang="ru-RU" altLang="ko-KR" sz="2000" dirty="0" err="1">
-                <a:latin typeface="Verdana" pitchFamily="34" charset="0"/>
-                <a:ea typeface="굴림" charset="-127"/>
-              </a:rPr>
-              <a:t>wisi</a:t>
-            </a:r>
-            <a:r>
-              <a:rPr lang="ru-RU" altLang="ko-KR" sz="2000" dirty="0">
-                <a:latin typeface="Verdana" pitchFamily="34" charset="0"/>
-                <a:ea typeface="굴림" charset="-127"/>
-              </a:rPr>
-              <a:t> </a:t>
-            </a:r>
-            <a:r>
-              <a:rPr lang="ru-RU" altLang="ko-KR" sz="2000" dirty="0" err="1">
-                <a:latin typeface="Verdana" pitchFamily="34" charset="0"/>
-                <a:ea typeface="굴림" charset="-127"/>
-              </a:rPr>
-              <a:t>enim</a:t>
-            </a:r>
-            <a:r>
-              <a:rPr lang="ru-RU" altLang="ko-KR" sz="2000" dirty="0">
-                <a:latin typeface="Verdana" pitchFamily="34" charset="0"/>
-                <a:ea typeface="굴림" charset="-127"/>
-              </a:rPr>
-              <a:t> </a:t>
-            </a:r>
-            <a:r>
-              <a:rPr lang="ru-RU" altLang="ko-KR" sz="2000" dirty="0" err="1">
-                <a:latin typeface="Verdana" pitchFamily="34" charset="0"/>
-                <a:ea typeface="굴림" charset="-127"/>
-              </a:rPr>
-              <a:t>ad</a:t>
-            </a:r>
-            <a:r>
-              <a:rPr lang="ru-RU" altLang="ko-KR" sz="2000" dirty="0">
-                <a:latin typeface="Verdana" pitchFamily="34" charset="0"/>
-                <a:ea typeface="굴림" charset="-127"/>
-              </a:rPr>
-              <a:t> </a:t>
-            </a:r>
-            <a:r>
-              <a:rPr lang="ru-RU" altLang="ko-KR" sz="2000" dirty="0" err="1">
-                <a:latin typeface="Verdana" pitchFamily="34" charset="0"/>
-                <a:ea typeface="굴림" charset="-127"/>
-              </a:rPr>
-              <a:t>minim</a:t>
-            </a:r>
-            <a:r>
-              <a:rPr lang="ru-RU" altLang="ko-KR" sz="2000" dirty="0">
-                <a:latin typeface="Verdana" pitchFamily="34" charset="0"/>
-                <a:ea typeface="굴림" charset="-127"/>
-              </a:rPr>
-              <a:t> </a:t>
-            </a:r>
-            <a:r>
-              <a:rPr lang="ru-RU" altLang="ko-KR" sz="2000" dirty="0" err="1">
-                <a:latin typeface="Verdana" pitchFamily="34" charset="0"/>
-                <a:ea typeface="굴림" charset="-127"/>
-              </a:rPr>
-              <a:t>veniam</a:t>
-            </a:r>
-            <a:r>
-              <a:rPr lang="ru-RU" altLang="ko-KR" sz="2000" dirty="0">
-                <a:latin typeface="Verdana" pitchFamily="34" charset="0"/>
-                <a:ea typeface="굴림" charset="-127"/>
-              </a:rPr>
-              <a:t>, </a:t>
-            </a:r>
-            <a:r>
-              <a:rPr lang="ru-RU" altLang="ko-KR" sz="2000" dirty="0" err="1">
-                <a:latin typeface="Verdana" pitchFamily="34" charset="0"/>
-                <a:ea typeface="굴림" charset="-127"/>
-              </a:rPr>
-              <a:t>quis</a:t>
-            </a:r>
-            <a:r>
-              <a:rPr lang="ru-RU" altLang="ko-KR" sz="2000" dirty="0">
-                <a:latin typeface="Verdana" pitchFamily="34" charset="0"/>
-                <a:ea typeface="굴림" charset="-127"/>
-              </a:rPr>
-              <a:t> </a:t>
-            </a:r>
-            <a:r>
-              <a:rPr lang="ru-RU" altLang="ko-KR" sz="2000" dirty="0" err="1">
-                <a:latin typeface="Verdana" pitchFamily="34" charset="0"/>
-                <a:ea typeface="굴림" charset="-127"/>
-              </a:rPr>
-              <a:t>nostrud</a:t>
-            </a:r>
-            <a:r>
-              <a:rPr lang="ru-RU" altLang="ko-KR" sz="2000" dirty="0">
-                <a:latin typeface="Verdana" pitchFamily="34" charset="0"/>
-                <a:ea typeface="굴림" charset="-127"/>
-              </a:rPr>
-              <a:t> </a:t>
-            </a:r>
-            <a:r>
-              <a:rPr lang="ru-RU" altLang="ko-KR" sz="2000" dirty="0" err="1">
-                <a:latin typeface="Verdana" pitchFamily="34" charset="0"/>
-                <a:ea typeface="굴림" charset="-127"/>
-              </a:rPr>
-              <a:t>exerci</a:t>
-            </a:r>
-            <a:r>
-              <a:rPr lang="ru-RU" altLang="ko-KR" sz="2000" dirty="0">
-                <a:latin typeface="Verdana" pitchFamily="34" charset="0"/>
-                <a:ea typeface="굴림" charset="-127"/>
-              </a:rPr>
-              <a:t> </a:t>
-            </a:r>
-            <a:r>
-              <a:rPr lang="ru-RU" altLang="ko-KR" sz="2000" dirty="0" err="1">
-                <a:latin typeface="Verdana" pitchFamily="34" charset="0"/>
-                <a:ea typeface="굴림" charset="-127"/>
-              </a:rPr>
-              <a:t>tation</a:t>
-            </a:r>
-            <a:r>
-              <a:rPr lang="ru-RU" altLang="ko-KR" sz="2000" dirty="0">
-                <a:latin typeface="Verdana" pitchFamily="34" charset="0"/>
-                <a:ea typeface="굴림" charset="-127"/>
-              </a:rPr>
-              <a:t> </a:t>
-            </a:r>
-            <a:r>
-              <a:rPr lang="ru-RU" altLang="ko-KR" sz="2000" dirty="0" err="1">
-                <a:latin typeface="Verdana" pitchFamily="34" charset="0"/>
-                <a:ea typeface="굴림" charset="-127"/>
-              </a:rPr>
-              <a:t>ullamcorper</a:t>
-            </a:r>
-            <a:r>
-              <a:rPr lang="ru-RU" altLang="ko-KR" sz="2000" dirty="0">
-                <a:latin typeface="Verdana" pitchFamily="34" charset="0"/>
-                <a:ea typeface="굴림" charset="-127"/>
-              </a:rPr>
-              <a:t> </a:t>
-            </a:r>
-            <a:r>
-              <a:rPr lang="ru-RU" altLang="ko-KR" sz="2000" dirty="0" err="1">
-                <a:latin typeface="Verdana" pitchFamily="34" charset="0"/>
-                <a:ea typeface="굴림" charset="-127"/>
-              </a:rPr>
-              <a:t>suscipit</a:t>
-            </a:r>
-            <a:r>
-              <a:rPr lang="ru-RU" altLang="ko-KR" sz="2000" dirty="0">
-                <a:latin typeface="Verdana" pitchFamily="34" charset="0"/>
-                <a:ea typeface="굴림" charset="-127"/>
-              </a:rPr>
-              <a:t> </a:t>
-            </a:r>
-            <a:r>
-              <a:rPr lang="ru-RU" altLang="ko-KR" sz="2000" dirty="0" err="1">
-                <a:latin typeface="Verdana" pitchFamily="34" charset="0"/>
-                <a:ea typeface="굴림" charset="-127"/>
-              </a:rPr>
-              <a:t>lobortis</a:t>
-            </a:r>
-            <a:r>
-              <a:rPr lang="ru-RU" altLang="ko-KR" sz="2000" dirty="0">
-                <a:latin typeface="Verdana" pitchFamily="34" charset="0"/>
-                <a:ea typeface="굴림" charset="-127"/>
-              </a:rPr>
-              <a:t> </a:t>
-            </a:r>
-            <a:r>
-              <a:rPr lang="ru-RU" altLang="ko-KR" sz="2000" dirty="0" err="1">
-                <a:latin typeface="Verdana" pitchFamily="34" charset="0"/>
-                <a:ea typeface="굴림" charset="-127"/>
-              </a:rPr>
-              <a:t>nisl</a:t>
-            </a:r>
-            <a:r>
-              <a:rPr lang="ru-RU" altLang="ko-KR" sz="2000" dirty="0">
-                <a:latin typeface="Verdana" pitchFamily="34" charset="0"/>
-                <a:ea typeface="굴림" charset="-127"/>
-              </a:rPr>
-              <a:t> </a:t>
-            </a:r>
-            <a:r>
-              <a:rPr lang="ru-RU" altLang="ko-KR" sz="2000" dirty="0" err="1">
-                <a:latin typeface="Verdana" pitchFamily="34" charset="0"/>
-                <a:ea typeface="굴림" charset="-127"/>
-              </a:rPr>
-              <a:t>ut</a:t>
-            </a:r>
-            <a:r>
-              <a:rPr lang="ru-RU" altLang="ko-KR" sz="2000" dirty="0">
-                <a:latin typeface="Verdana" pitchFamily="34" charset="0"/>
-                <a:ea typeface="굴림" charset="-127"/>
-              </a:rPr>
-              <a:t> </a:t>
-            </a:r>
-            <a:r>
-              <a:rPr lang="ru-RU" altLang="ko-KR" sz="2000" dirty="0" err="1">
-                <a:latin typeface="Verdana" pitchFamily="34" charset="0"/>
-                <a:ea typeface="굴림" charset="-127"/>
-              </a:rPr>
-              <a:t>aliquip</a:t>
-            </a:r>
-            <a:r>
-              <a:rPr lang="ru-RU" altLang="ko-KR" sz="2000" dirty="0">
-                <a:latin typeface="Verdana" pitchFamily="34" charset="0"/>
-                <a:ea typeface="굴림" charset="-127"/>
-              </a:rPr>
-              <a:t> </a:t>
-            </a:r>
-            <a:r>
-              <a:rPr lang="ru-RU" altLang="ko-KR" sz="2000" dirty="0" err="1">
-                <a:latin typeface="Verdana" pitchFamily="34" charset="0"/>
-                <a:ea typeface="굴림" charset="-127"/>
-              </a:rPr>
-              <a:t>ex</a:t>
-            </a:r>
-            <a:r>
-              <a:rPr lang="ru-RU" altLang="ko-KR" sz="2000" dirty="0">
-                <a:latin typeface="Verdana" pitchFamily="34" charset="0"/>
-                <a:ea typeface="굴림" charset="-127"/>
-              </a:rPr>
-              <a:t> </a:t>
-            </a:r>
-            <a:r>
-              <a:rPr lang="ru-RU" altLang="ko-KR" sz="2000" dirty="0" err="1">
-                <a:latin typeface="Verdana" pitchFamily="34" charset="0"/>
-                <a:ea typeface="굴림" charset="-127"/>
-              </a:rPr>
-              <a:t>ea</a:t>
-            </a:r>
-            <a:r>
-              <a:rPr lang="ru-RU" altLang="ko-KR" sz="2000" dirty="0">
-                <a:latin typeface="Verdana" pitchFamily="34" charset="0"/>
-                <a:ea typeface="굴림" charset="-127"/>
-              </a:rPr>
-              <a:t> </a:t>
-            </a:r>
-            <a:r>
-              <a:rPr lang="ru-RU" altLang="ko-KR" sz="2000" dirty="0" err="1">
-                <a:latin typeface="Verdana" pitchFamily="34" charset="0"/>
-                <a:ea typeface="굴림" charset="-127"/>
-              </a:rPr>
-              <a:t>commodo</a:t>
-            </a:r>
-            <a:r>
-              <a:rPr lang="ru-RU" altLang="ko-KR" sz="2000" dirty="0">
-                <a:latin typeface="Verdana" pitchFamily="34" charset="0"/>
-                <a:ea typeface="굴림" charset="-127"/>
-              </a:rPr>
-              <a:t> </a:t>
-            </a:r>
-            <a:r>
-              <a:rPr lang="ru-RU" altLang="ko-KR" sz="2000" dirty="0" err="1">
-                <a:latin typeface="Verdana" pitchFamily="34" charset="0"/>
-                <a:ea typeface="굴림" charset="-127"/>
-              </a:rPr>
-              <a:t>consequat</a:t>
-            </a:r>
-            <a:r>
-              <a:rPr lang="ru-RU" altLang="ko-KR" sz="2000" dirty="0">
-                <a:latin typeface="Verdana" pitchFamily="34" charset="0"/>
-                <a:ea typeface="굴림" charset="-127"/>
-              </a:rPr>
-              <a:t>. </a:t>
-            </a:r>
-            <a:endParaRPr lang="en-US" altLang="ko-KR" sz="2000" dirty="0">
-              <a:latin typeface="Verdana" pitchFamily="34" charset="0"/>
-              <a:ea typeface="굴림" charset="-127"/>
-            </a:endParaRPr>
-          </a:p>
-          <a:p>
-            <a:pPr>
-              <a:lnSpc>
-                <a:spcPct val="90000"/>
-              </a:lnSpc>
-            </a:pPr>
-            <a:endParaRPr lang="en-US" altLang="ko-KR" sz="2000" dirty="0">
-              <a:latin typeface="Verdana" pitchFamily="34" charset="0"/>
-              <a:ea typeface="굴림" charset="-127"/>
-            </a:endParaRPr>
-          </a:p>
-          <a:p>
-            <a:pPr>
-              <a:lnSpc>
-                <a:spcPct val="90000"/>
-              </a:lnSpc>
-            </a:pPr>
-            <a:r>
-              <a:rPr lang="ru-RU" altLang="ko-KR" sz="2000" dirty="0" err="1">
-                <a:latin typeface="Verdana" pitchFamily="34" charset="0"/>
-                <a:ea typeface="굴림" charset="-127"/>
-              </a:rPr>
-              <a:t>Duis</a:t>
-            </a:r>
-            <a:r>
-              <a:rPr lang="ru-RU" altLang="ko-KR" sz="2000" dirty="0">
-                <a:latin typeface="Verdana" pitchFamily="34" charset="0"/>
-                <a:ea typeface="굴림" charset="-127"/>
-              </a:rPr>
-              <a:t> </a:t>
-            </a:r>
-            <a:r>
-              <a:rPr lang="ru-RU" altLang="ko-KR" sz="2000" dirty="0" err="1">
-                <a:latin typeface="Verdana" pitchFamily="34" charset="0"/>
-                <a:ea typeface="굴림" charset="-127"/>
-              </a:rPr>
-              <a:t>autem</a:t>
-            </a:r>
-            <a:r>
-              <a:rPr lang="ru-RU" altLang="ko-KR" sz="2000" dirty="0">
-                <a:latin typeface="Verdana" pitchFamily="34" charset="0"/>
-                <a:ea typeface="굴림" charset="-127"/>
-              </a:rPr>
-              <a:t> </a:t>
-            </a:r>
-            <a:r>
-              <a:rPr lang="ru-RU" altLang="ko-KR" sz="2000" dirty="0" err="1">
-                <a:latin typeface="Verdana" pitchFamily="34" charset="0"/>
-                <a:ea typeface="굴림" charset="-127"/>
-              </a:rPr>
-              <a:t>vel</a:t>
-            </a:r>
-            <a:r>
-              <a:rPr lang="ru-RU" altLang="ko-KR" sz="2000" dirty="0">
-                <a:latin typeface="Verdana" pitchFamily="34" charset="0"/>
-                <a:ea typeface="굴림" charset="-127"/>
-              </a:rPr>
-              <a:t> </a:t>
-            </a:r>
-            <a:r>
-              <a:rPr lang="ru-RU" altLang="ko-KR" sz="2000" dirty="0" err="1">
-                <a:latin typeface="Verdana" pitchFamily="34" charset="0"/>
-                <a:ea typeface="굴림" charset="-127"/>
-              </a:rPr>
-              <a:t>eum</a:t>
-            </a:r>
-            <a:r>
-              <a:rPr lang="ru-RU" altLang="ko-KR" sz="2000" dirty="0">
-                <a:latin typeface="Verdana" pitchFamily="34" charset="0"/>
-                <a:ea typeface="굴림" charset="-127"/>
-              </a:rPr>
-              <a:t> </a:t>
-            </a:r>
-            <a:r>
-              <a:rPr lang="ru-RU" altLang="ko-KR" sz="2000" dirty="0" err="1">
-                <a:latin typeface="Verdana" pitchFamily="34" charset="0"/>
-                <a:ea typeface="굴림" charset="-127"/>
-              </a:rPr>
-              <a:t>iriure</a:t>
-            </a:r>
-            <a:r>
-              <a:rPr lang="ru-RU" altLang="ko-KR" sz="2000" dirty="0">
-                <a:latin typeface="Verdana" pitchFamily="34" charset="0"/>
-                <a:ea typeface="굴림" charset="-127"/>
-              </a:rPr>
-              <a:t> </a:t>
-            </a:r>
-            <a:r>
-              <a:rPr lang="ru-RU" altLang="ko-KR" sz="2000" dirty="0" err="1">
-                <a:latin typeface="Verdana" pitchFamily="34" charset="0"/>
-                <a:ea typeface="굴림" charset="-127"/>
-              </a:rPr>
-              <a:t>dolor</a:t>
-            </a:r>
-            <a:r>
-              <a:rPr lang="ru-RU" altLang="ko-KR" sz="2000" dirty="0">
-                <a:latin typeface="Verdana" pitchFamily="34" charset="0"/>
-                <a:ea typeface="굴림" charset="-127"/>
-              </a:rPr>
-              <a:t> </a:t>
-            </a:r>
-            <a:r>
-              <a:rPr lang="ru-RU" altLang="ko-KR" sz="2000" dirty="0" err="1">
-                <a:latin typeface="Verdana" pitchFamily="34" charset="0"/>
-                <a:ea typeface="굴림" charset="-127"/>
-              </a:rPr>
-              <a:t>in</a:t>
-            </a:r>
-            <a:r>
-              <a:rPr lang="ru-RU" altLang="ko-KR" sz="2000" dirty="0">
-                <a:latin typeface="Verdana" pitchFamily="34" charset="0"/>
-                <a:ea typeface="굴림" charset="-127"/>
-              </a:rPr>
-              <a:t> </a:t>
-            </a:r>
-            <a:r>
-              <a:rPr lang="ru-RU" altLang="ko-KR" sz="2000" dirty="0" err="1">
-                <a:latin typeface="Verdana" pitchFamily="34" charset="0"/>
-                <a:ea typeface="굴림" charset="-127"/>
-              </a:rPr>
-              <a:t>hendrerit</a:t>
-            </a:r>
-            <a:r>
-              <a:rPr lang="ru-RU" altLang="ko-KR" sz="2000" dirty="0">
-                <a:latin typeface="Verdana" pitchFamily="34" charset="0"/>
-                <a:ea typeface="굴림" charset="-127"/>
-              </a:rPr>
-              <a:t> </a:t>
-            </a:r>
-            <a:r>
-              <a:rPr lang="ru-RU" altLang="ko-KR" sz="2000" dirty="0" err="1">
-                <a:latin typeface="Verdana" pitchFamily="34" charset="0"/>
-                <a:ea typeface="굴림" charset="-127"/>
-              </a:rPr>
-              <a:t>in</a:t>
-            </a:r>
-            <a:r>
-              <a:rPr lang="ru-RU" altLang="ko-KR" sz="2000" dirty="0">
-                <a:latin typeface="Verdana" pitchFamily="34" charset="0"/>
-                <a:ea typeface="굴림" charset="-127"/>
-              </a:rPr>
-              <a:t> </a:t>
-            </a:r>
-            <a:r>
-              <a:rPr lang="ru-RU" altLang="ko-KR" sz="2000" dirty="0" err="1">
-                <a:latin typeface="Verdana" pitchFamily="34" charset="0"/>
-                <a:ea typeface="굴림" charset="-127"/>
-              </a:rPr>
-              <a:t>vulputate</a:t>
-            </a:r>
-            <a:r>
-              <a:rPr lang="ru-RU" altLang="ko-KR" sz="2000" dirty="0">
-                <a:latin typeface="Verdana" pitchFamily="34" charset="0"/>
-                <a:ea typeface="굴림" charset="-127"/>
-              </a:rPr>
-              <a:t> </a:t>
-            </a:r>
-            <a:r>
-              <a:rPr lang="ru-RU" altLang="ko-KR" sz="2000" dirty="0" err="1">
-                <a:latin typeface="Verdana" pitchFamily="34" charset="0"/>
-                <a:ea typeface="굴림" charset="-127"/>
-              </a:rPr>
-              <a:t>velit</a:t>
-            </a:r>
-            <a:r>
-              <a:rPr lang="ru-RU" altLang="ko-KR" sz="2000" dirty="0">
-                <a:latin typeface="Verdana" pitchFamily="34" charset="0"/>
-                <a:ea typeface="굴림" charset="-127"/>
-              </a:rPr>
-              <a:t> </a:t>
-            </a:r>
-            <a:r>
-              <a:rPr lang="ru-RU" altLang="ko-KR" sz="2000" dirty="0" err="1">
-                <a:latin typeface="Verdana" pitchFamily="34" charset="0"/>
-                <a:ea typeface="굴림" charset="-127"/>
-              </a:rPr>
-              <a:t>esse</a:t>
-            </a:r>
-            <a:r>
-              <a:rPr lang="ru-RU" altLang="ko-KR" sz="2000" dirty="0">
-                <a:latin typeface="Verdana" pitchFamily="34" charset="0"/>
-                <a:ea typeface="굴림" charset="-127"/>
-              </a:rPr>
-              <a:t> </a:t>
-            </a:r>
-            <a:r>
-              <a:rPr lang="ru-RU" altLang="ko-KR" sz="2000" dirty="0" err="1">
-                <a:latin typeface="Verdana" pitchFamily="34" charset="0"/>
-                <a:ea typeface="굴림" charset="-127"/>
-              </a:rPr>
-              <a:t>molestie</a:t>
-            </a:r>
-            <a:r>
-              <a:rPr lang="ru-RU" altLang="ko-KR" sz="2000" dirty="0">
-                <a:latin typeface="Verdana" pitchFamily="34" charset="0"/>
-                <a:ea typeface="굴림" charset="-127"/>
-              </a:rPr>
-              <a:t> </a:t>
-            </a:r>
-            <a:r>
-              <a:rPr lang="ru-RU" altLang="ko-KR" sz="2000" dirty="0" err="1">
-                <a:latin typeface="Verdana" pitchFamily="34" charset="0"/>
-                <a:ea typeface="굴림" charset="-127"/>
-              </a:rPr>
-              <a:t>consequat</a:t>
-            </a:r>
-            <a:r>
-              <a:rPr lang="ru-RU" altLang="ko-KR" sz="2000" dirty="0">
-                <a:latin typeface="Verdana" pitchFamily="34" charset="0"/>
-                <a:ea typeface="굴림" charset="-127"/>
-              </a:rPr>
-              <a:t>, </a:t>
-            </a:r>
-            <a:r>
-              <a:rPr lang="ru-RU" altLang="ko-KR" sz="2000" dirty="0" err="1">
-                <a:latin typeface="Verdana" pitchFamily="34" charset="0"/>
-                <a:ea typeface="굴림" charset="-127"/>
-              </a:rPr>
-              <a:t>vel</a:t>
-            </a:r>
-            <a:r>
-              <a:rPr lang="ru-RU" altLang="ko-KR" sz="2000" dirty="0">
-                <a:latin typeface="Verdana" pitchFamily="34" charset="0"/>
-                <a:ea typeface="굴림" charset="-127"/>
-              </a:rPr>
-              <a:t> </a:t>
-            </a:r>
-            <a:r>
-              <a:rPr lang="ru-RU" altLang="ko-KR" sz="2000" dirty="0" err="1">
-                <a:latin typeface="Verdana" pitchFamily="34" charset="0"/>
-                <a:ea typeface="굴림" charset="-127"/>
-              </a:rPr>
-              <a:t>illum</a:t>
-            </a:r>
-            <a:r>
-              <a:rPr lang="ru-RU" altLang="ko-KR" sz="2000" dirty="0">
-                <a:latin typeface="Verdana" pitchFamily="34" charset="0"/>
-                <a:ea typeface="굴림" charset="-127"/>
-              </a:rPr>
-              <a:t> </a:t>
-            </a:r>
-            <a:r>
-              <a:rPr lang="ru-RU" altLang="ko-KR" sz="2000" dirty="0" err="1">
-                <a:latin typeface="Verdana" pitchFamily="34" charset="0"/>
-                <a:ea typeface="굴림" charset="-127"/>
-              </a:rPr>
-              <a:t>dolore</a:t>
-            </a:r>
-            <a:r>
-              <a:rPr lang="ru-RU" altLang="ko-KR" sz="2000" dirty="0">
-                <a:latin typeface="Verdana" pitchFamily="34" charset="0"/>
-                <a:ea typeface="굴림" charset="-127"/>
-              </a:rPr>
-              <a:t> </a:t>
-            </a:r>
-            <a:r>
-              <a:rPr lang="ru-RU" altLang="ko-KR" sz="2000" dirty="0" err="1">
-                <a:latin typeface="Verdana" pitchFamily="34" charset="0"/>
-                <a:ea typeface="굴림" charset="-127"/>
-              </a:rPr>
-              <a:t>eu</a:t>
-            </a:r>
-            <a:r>
-              <a:rPr lang="ru-RU" altLang="ko-KR" sz="2000" dirty="0">
-                <a:latin typeface="Verdana" pitchFamily="34" charset="0"/>
-                <a:ea typeface="굴림" charset="-127"/>
-              </a:rPr>
-              <a:t> </a:t>
-            </a:r>
-            <a:r>
-              <a:rPr lang="ru-RU" altLang="ko-KR" sz="2000" dirty="0" err="1">
-                <a:latin typeface="Verdana" pitchFamily="34" charset="0"/>
-                <a:ea typeface="굴림" charset="-127"/>
-              </a:rPr>
-              <a:t>feugiat</a:t>
-            </a:r>
-            <a:r>
-              <a:rPr lang="ru-RU" altLang="ko-KR" sz="2000" dirty="0">
-                <a:latin typeface="Verdana" pitchFamily="34" charset="0"/>
-                <a:ea typeface="굴림" charset="-127"/>
-              </a:rPr>
-              <a:t> </a:t>
-            </a:r>
-            <a:r>
-              <a:rPr lang="ru-RU" altLang="ko-KR" sz="2000" dirty="0" err="1">
-                <a:latin typeface="Verdana" pitchFamily="34" charset="0"/>
-                <a:ea typeface="굴림" charset="-127"/>
-              </a:rPr>
-              <a:t>nulla</a:t>
-            </a:r>
-            <a:r>
-              <a:rPr lang="ru-RU" altLang="ko-KR" sz="2000" dirty="0">
-                <a:latin typeface="Verdana" pitchFamily="34" charset="0"/>
-                <a:ea typeface="굴림" charset="-127"/>
-              </a:rPr>
-              <a:t> </a:t>
-            </a:r>
-            <a:r>
-              <a:rPr lang="ru-RU" altLang="ko-KR" sz="2000" dirty="0" err="1">
-                <a:latin typeface="Verdana" pitchFamily="34" charset="0"/>
-                <a:ea typeface="굴림" charset="-127"/>
-              </a:rPr>
-              <a:t>facilisis</a:t>
-            </a:r>
-            <a:r>
-              <a:rPr lang="ru-RU" altLang="ko-KR" sz="2000" dirty="0">
-                <a:latin typeface="Verdana" pitchFamily="34" charset="0"/>
-                <a:ea typeface="굴림" charset="-127"/>
-              </a:rPr>
-              <a:t> </a:t>
-            </a:r>
-            <a:r>
-              <a:rPr lang="ru-RU" altLang="ko-KR" sz="2000" dirty="0" err="1">
-                <a:latin typeface="Verdana" pitchFamily="34" charset="0"/>
-                <a:ea typeface="굴림" charset="-127"/>
-              </a:rPr>
-              <a:t>at</a:t>
-            </a:r>
-            <a:r>
-              <a:rPr lang="ru-RU" altLang="ko-KR" sz="2000" dirty="0">
-                <a:latin typeface="Verdana" pitchFamily="34" charset="0"/>
-                <a:ea typeface="굴림" charset="-127"/>
-              </a:rPr>
-              <a:t> </a:t>
-            </a:r>
-            <a:r>
-              <a:rPr lang="ru-RU" altLang="ko-KR" sz="2000" dirty="0" err="1">
-                <a:latin typeface="Verdana" pitchFamily="34" charset="0"/>
-                <a:ea typeface="굴림" charset="-127"/>
-              </a:rPr>
-              <a:t>vero</a:t>
-            </a:r>
-            <a:r>
-              <a:rPr lang="ru-RU" altLang="ko-KR" sz="2000" dirty="0">
-                <a:latin typeface="Verdana" pitchFamily="34" charset="0"/>
-                <a:ea typeface="굴림" charset="-127"/>
-              </a:rPr>
-              <a:t> </a:t>
-            </a:r>
-            <a:r>
-              <a:rPr lang="ru-RU" altLang="ko-KR" sz="2000" dirty="0" err="1">
-                <a:latin typeface="Verdana" pitchFamily="34" charset="0"/>
-                <a:ea typeface="굴림" charset="-127"/>
-              </a:rPr>
-              <a:t>eros</a:t>
-            </a:r>
-            <a:r>
-              <a:rPr lang="ru-RU" altLang="ko-KR" sz="2000" dirty="0">
-                <a:latin typeface="Verdana" pitchFamily="34" charset="0"/>
-                <a:ea typeface="굴림" charset="-127"/>
-              </a:rPr>
-              <a:t> </a:t>
-            </a:r>
-            <a:r>
-              <a:rPr lang="ru-RU" altLang="ko-KR" sz="2000" dirty="0" err="1">
-                <a:latin typeface="Verdana" pitchFamily="34" charset="0"/>
-                <a:ea typeface="굴림" charset="-127"/>
-              </a:rPr>
-              <a:t>et</a:t>
-            </a:r>
-            <a:r>
-              <a:rPr lang="ru-RU" altLang="ko-KR" sz="2000" dirty="0">
-                <a:latin typeface="Verdana" pitchFamily="34" charset="0"/>
-                <a:ea typeface="굴림" charset="-127"/>
-              </a:rPr>
-              <a:t> </a:t>
-            </a:r>
-            <a:r>
-              <a:rPr lang="ru-RU" altLang="ko-KR" sz="2000" dirty="0" err="1">
-                <a:latin typeface="Verdana" pitchFamily="34" charset="0"/>
-                <a:ea typeface="굴림" charset="-127"/>
-              </a:rPr>
-              <a:t>accumsan</a:t>
-            </a:r>
-            <a:r>
-              <a:rPr lang="ru-RU" altLang="ko-KR" sz="2000" dirty="0">
-                <a:latin typeface="Verdana" pitchFamily="34" charset="0"/>
-                <a:ea typeface="굴림" charset="-127"/>
-              </a:rPr>
-              <a:t> </a:t>
-            </a:r>
-            <a:r>
-              <a:rPr lang="ru-RU" altLang="ko-KR" sz="2000" dirty="0" err="1">
-                <a:latin typeface="Verdana" pitchFamily="34" charset="0"/>
-                <a:ea typeface="굴림" charset="-127"/>
-              </a:rPr>
-              <a:t>et</a:t>
-            </a:r>
-            <a:r>
-              <a:rPr lang="ru-RU" altLang="ko-KR" sz="2000" dirty="0">
-                <a:latin typeface="Verdana" pitchFamily="34" charset="0"/>
-                <a:ea typeface="굴림" charset="-127"/>
-              </a:rPr>
-              <a:t> </a:t>
-            </a:r>
-            <a:r>
-              <a:rPr lang="ru-RU" altLang="ko-KR" sz="2000" dirty="0" err="1">
-                <a:latin typeface="Verdana" pitchFamily="34" charset="0"/>
-                <a:ea typeface="굴림" charset="-127"/>
-              </a:rPr>
-              <a:t>iusto</a:t>
-            </a:r>
-            <a:r>
-              <a:rPr lang="ru-RU" altLang="ko-KR" sz="2000" dirty="0">
-                <a:latin typeface="Verdana" pitchFamily="34" charset="0"/>
-                <a:ea typeface="굴림" charset="-127"/>
-              </a:rPr>
-              <a:t> </a:t>
-            </a:r>
-            <a:r>
-              <a:rPr lang="ru-RU" altLang="ko-KR" sz="2000" dirty="0" err="1">
-                <a:latin typeface="Verdana" pitchFamily="34" charset="0"/>
-                <a:ea typeface="굴림" charset="-127"/>
-              </a:rPr>
-              <a:t>odio</a:t>
-            </a:r>
-            <a:r>
-              <a:rPr lang="ru-RU" altLang="ko-KR" sz="2000" dirty="0">
-                <a:latin typeface="Verdana" pitchFamily="34" charset="0"/>
-                <a:ea typeface="굴림" charset="-127"/>
-              </a:rPr>
-              <a:t> </a:t>
-            </a:r>
-            <a:r>
-              <a:rPr lang="ru-RU" altLang="ko-KR" sz="2000" dirty="0" err="1">
-                <a:latin typeface="Verdana" pitchFamily="34" charset="0"/>
-                <a:ea typeface="굴림" charset="-127"/>
-              </a:rPr>
-              <a:t>dignissim</a:t>
-            </a:r>
-            <a:r>
-              <a:rPr lang="ru-RU" altLang="ko-KR" sz="2000" dirty="0">
-                <a:latin typeface="Verdana" pitchFamily="34" charset="0"/>
-                <a:ea typeface="굴림" charset="-127"/>
-              </a:rPr>
-              <a:t> </a:t>
-            </a:r>
-            <a:r>
-              <a:rPr lang="ru-RU" altLang="ko-KR" sz="2000" dirty="0" err="1">
-                <a:latin typeface="Verdana" pitchFamily="34" charset="0"/>
-                <a:ea typeface="굴림" charset="-127"/>
-              </a:rPr>
-              <a:t>qui</a:t>
-            </a:r>
-            <a:r>
-              <a:rPr lang="ru-RU" altLang="ko-KR" sz="2000" dirty="0">
-                <a:latin typeface="Verdana" pitchFamily="34" charset="0"/>
-                <a:ea typeface="굴림" charset="-127"/>
-              </a:rPr>
-              <a:t> </a:t>
-            </a:r>
-            <a:r>
-              <a:rPr lang="ru-RU" altLang="ko-KR" sz="2000" dirty="0" err="1">
-                <a:latin typeface="Verdana" pitchFamily="34" charset="0"/>
-                <a:ea typeface="굴림" charset="-127"/>
-              </a:rPr>
-              <a:t>blandit</a:t>
-            </a:r>
-            <a:r>
-              <a:rPr lang="ru-RU" altLang="ko-KR" sz="2000" dirty="0">
-                <a:latin typeface="Verdana" pitchFamily="34" charset="0"/>
-                <a:ea typeface="굴림" charset="-127"/>
-              </a:rPr>
-              <a:t> </a:t>
-            </a:r>
-            <a:r>
-              <a:rPr lang="ru-RU" altLang="ko-KR" sz="2000" dirty="0" err="1">
-                <a:latin typeface="Verdana" pitchFamily="34" charset="0"/>
-                <a:ea typeface="굴림" charset="-127"/>
-              </a:rPr>
-              <a:t>praesent</a:t>
-            </a:r>
-            <a:r>
-              <a:rPr lang="ru-RU" altLang="ko-KR" sz="2000" dirty="0">
-                <a:latin typeface="Verdana" pitchFamily="34" charset="0"/>
-                <a:ea typeface="굴림" charset="-127"/>
-              </a:rPr>
-              <a:t> </a:t>
-            </a:r>
-            <a:r>
-              <a:rPr lang="ru-RU" altLang="ko-KR" sz="2000" dirty="0" err="1">
-                <a:latin typeface="Verdana" pitchFamily="34" charset="0"/>
-                <a:ea typeface="굴림" charset="-127"/>
-              </a:rPr>
-              <a:t>luptatum</a:t>
-            </a:r>
-            <a:r>
-              <a:rPr lang="ru-RU" altLang="ko-KR" sz="2000" dirty="0">
-                <a:latin typeface="Verdana" pitchFamily="34" charset="0"/>
-                <a:ea typeface="굴림" charset="-127"/>
-              </a:rPr>
-              <a:t> </a:t>
-            </a:r>
-            <a:r>
-              <a:rPr lang="ru-RU" altLang="ko-KR" sz="2000" dirty="0" err="1">
-                <a:latin typeface="Verdana" pitchFamily="34" charset="0"/>
-                <a:ea typeface="굴림" charset="-127"/>
-              </a:rPr>
-              <a:t>zzril</a:t>
-            </a:r>
-            <a:r>
-              <a:rPr lang="ru-RU" altLang="ko-KR" sz="2000" dirty="0">
-                <a:latin typeface="Verdana" pitchFamily="34" charset="0"/>
-                <a:ea typeface="굴림" charset="-127"/>
-              </a:rPr>
-              <a:t> </a:t>
-            </a:r>
-            <a:r>
-              <a:rPr lang="ru-RU" altLang="ko-KR" sz="2000" dirty="0" err="1">
-                <a:latin typeface="Verdana" pitchFamily="34" charset="0"/>
-                <a:ea typeface="굴림" charset="-127"/>
-              </a:rPr>
-              <a:t>delenit</a:t>
-            </a:r>
-            <a:r>
-              <a:rPr lang="ru-RU" altLang="ko-KR" sz="2000" dirty="0">
-                <a:latin typeface="Verdana" pitchFamily="34" charset="0"/>
-                <a:ea typeface="굴림" charset="-127"/>
-              </a:rPr>
-              <a:t> </a:t>
-            </a:r>
-            <a:r>
-              <a:rPr lang="ru-RU" altLang="ko-KR" sz="2000" dirty="0" err="1">
-                <a:latin typeface="Verdana" pitchFamily="34" charset="0"/>
-                <a:ea typeface="굴림" charset="-127"/>
-              </a:rPr>
-              <a:t>augue</a:t>
-            </a:r>
-            <a:r>
-              <a:rPr lang="ru-RU" altLang="ko-KR" sz="2000" dirty="0">
-                <a:latin typeface="Verdana" pitchFamily="34" charset="0"/>
-                <a:ea typeface="굴림" charset="-127"/>
-              </a:rPr>
-              <a:t> </a:t>
-            </a:r>
-            <a:r>
-              <a:rPr lang="ru-RU" altLang="ko-KR" sz="2000" dirty="0" err="1">
-                <a:latin typeface="Verdana" pitchFamily="34" charset="0"/>
-                <a:ea typeface="굴림" charset="-127"/>
-              </a:rPr>
-              <a:t>duis</a:t>
-            </a:r>
-            <a:r>
-              <a:rPr lang="ru-RU" altLang="ko-KR" sz="2000" dirty="0">
-                <a:latin typeface="Verdana" pitchFamily="34" charset="0"/>
-                <a:ea typeface="굴림" charset="-127"/>
-              </a:rPr>
-              <a:t> </a:t>
-            </a:r>
-            <a:r>
-              <a:rPr lang="ru-RU" altLang="ko-KR" sz="2000" dirty="0" err="1">
-                <a:latin typeface="Verdana" pitchFamily="34" charset="0"/>
-                <a:ea typeface="굴림" charset="-127"/>
-              </a:rPr>
-              <a:t>dolore</a:t>
-            </a:r>
-            <a:r>
-              <a:rPr lang="ru-RU" altLang="ko-KR" sz="2000" dirty="0">
-                <a:latin typeface="Verdana" pitchFamily="34" charset="0"/>
-                <a:ea typeface="굴림" charset="-127"/>
-              </a:rPr>
-              <a:t> </a:t>
-            </a:r>
-            <a:r>
-              <a:rPr lang="ru-RU" altLang="ko-KR" sz="2000" dirty="0" err="1">
-                <a:latin typeface="Verdana" pitchFamily="34" charset="0"/>
-                <a:ea typeface="굴림" charset="-127"/>
-              </a:rPr>
-              <a:t>te</a:t>
-            </a:r>
-            <a:r>
-              <a:rPr lang="ru-RU" altLang="ko-KR" sz="2000" dirty="0">
-                <a:latin typeface="Verdana" pitchFamily="34" charset="0"/>
-                <a:ea typeface="굴림" charset="-127"/>
-              </a:rPr>
-              <a:t> </a:t>
-            </a:r>
-            <a:r>
-              <a:rPr lang="ru-RU" altLang="ko-KR" sz="2000" dirty="0" err="1">
-                <a:latin typeface="Verdana" pitchFamily="34" charset="0"/>
-                <a:ea typeface="굴림" charset="-127"/>
-              </a:rPr>
-              <a:t>feugait</a:t>
-            </a:r>
-            <a:r>
-              <a:rPr lang="ru-RU" altLang="ko-KR" sz="2000" dirty="0">
-                <a:latin typeface="Verdana" pitchFamily="34" charset="0"/>
-                <a:ea typeface="굴림" charset="-127"/>
-              </a:rPr>
-              <a:t> </a:t>
-            </a:r>
-            <a:r>
-              <a:rPr lang="ru-RU" altLang="ko-KR" sz="2000" dirty="0" err="1">
-                <a:latin typeface="Verdana" pitchFamily="34" charset="0"/>
-                <a:ea typeface="굴림" charset="-127"/>
-              </a:rPr>
-              <a:t>nulla</a:t>
-            </a:r>
-            <a:r>
-              <a:rPr lang="ru-RU" altLang="ko-KR" sz="2000" dirty="0">
-                <a:latin typeface="Verdana" pitchFamily="34" charset="0"/>
-                <a:ea typeface="굴림" charset="-127"/>
-              </a:rPr>
-              <a:t> </a:t>
-            </a:r>
-            <a:r>
-              <a:rPr lang="ru-RU" altLang="ko-KR" sz="2000" dirty="0" err="1">
-                <a:latin typeface="Verdana" pitchFamily="34" charset="0"/>
-                <a:ea typeface="굴림" charset="-127"/>
-              </a:rPr>
-              <a:t>facilisi</a:t>
-            </a:r>
-            <a:r>
-              <a:rPr lang="ru-RU" altLang="ko-KR" sz="2000" dirty="0">
-                <a:latin typeface="Verdana" pitchFamily="34" charset="0"/>
-                <a:ea typeface="굴림" charset="-127"/>
-              </a:rPr>
-              <a:t>. </a:t>
-            </a:r>
-            <a:endParaRPr lang="uk-UA" sz="2000" dirty="0"/>
           </a:p>
         </p:txBody>
       </p:sp>
@@ -5314,13 +4577,13 @@
   <p:clrMapOvr>
     <a:masterClrMapping/>
   </p:clrMapOvr>
-  <mc:AlternateContent xmlns:mc="http://schemas.openxmlformats.org/markup-compatibility/2006">
-    <mc:Choice xmlns:p14="http://schemas.microsoft.com/office/powerpoint/2010/main" Requires="p14">
+  <mc:AlternateContent xmlns:mc="http://schemas.openxmlformats.org/markup-compatibility/2006" xmlns:p14="http://schemas.microsoft.com/office/powerpoint/2010/main">
+    <mc:Choice Requires="p14">
       <p:transition spd="slow" p14:dur="1200">
         <p14:prism/>
       </p:transition>
     </mc:Choice>
-    <mc:Fallback>
+    <mc:Fallback xmlns="">
       <p:transition spd="slow">
         <p:fade/>
       </p:transition>
@@ -5330,6 +4593,555 @@
 </file>
 
 <file path=ppt/slides/slide5.xml><?xml version="1.0" encoding="utf-8"?>
+<p:sld xmlns:a="http://schemas.openxmlformats.org/drawingml/2006/main" xmlns:r="http://schemas.openxmlformats.org/officeDocument/2006/relationships" xmlns:p="http://schemas.openxmlformats.org/presentationml/2006/main">
+  <p:cSld>
+    <p:spTree>
+      <p:nvGrpSpPr>
+        <p:cNvPr id="1" name="">
+          <a:extLst>
+            <a:ext uri="{FF2B5EF4-FFF2-40B4-BE49-F238E27FC236}">
+              <a16:creationId xmlns:a16="http://schemas.microsoft.com/office/drawing/2014/main" id="{8B676345-CB80-FD07-AC88-AF2418C2F748}"/>
+            </a:ext>
+          </a:extLst>
+        </p:cNvPr>
+        <p:cNvGrpSpPr/>
+        <p:nvPr/>
+      </p:nvGrpSpPr>
+      <p:grpSpPr>
+        <a:xfrm>
+          <a:off x="0" y="0"/>
+          <a:ext cx="0" cy="0"/>
+          <a:chOff x="0" y="0"/>
+          <a:chExt cx="0" cy="0"/>
+        </a:xfrm>
+      </p:grpSpPr>
+      <p:sp>
+        <p:nvSpPr>
+          <p:cNvPr id="9" name="Title 1">
+            <a:extLst>
+              <a:ext uri="{FF2B5EF4-FFF2-40B4-BE49-F238E27FC236}">
+                <a16:creationId xmlns:a16="http://schemas.microsoft.com/office/drawing/2014/main" id="{3BC3FC6A-629D-10E9-C72A-29680A95ADE4}"/>
+              </a:ext>
+            </a:extLst>
+          </p:cNvPr>
+          <p:cNvSpPr>
+            <a:spLocks noGrp="1"/>
+          </p:cNvSpPr>
+          <p:nvPr>
+            <p:ph type="title"/>
+          </p:nvPr>
+        </p:nvSpPr>
+        <p:spPr>
+          <a:xfrm>
+            <a:off x="9260885" y="1062963"/>
+            <a:ext cx="2372868" cy="895975"/>
+          </a:xfrm>
+        </p:spPr>
+        <p:txBody>
+          <a:bodyPr>
+            <a:normAutofit fontScale="90000"/>
+          </a:bodyPr>
+          <a:lstStyle/>
+          <a:p>
+            <a:pPr algn="r" rtl="1"/>
+            <a:r>
+              <a:rPr lang="he-IL" sz="6000" dirty="0">
+                <a:latin typeface="Aharoni" panose="02010803020104030203" pitchFamily="2" charset="-79"/>
+                <a:cs typeface="Aharoni" panose="02010803020104030203" pitchFamily="2" charset="-79"/>
+              </a:rPr>
+              <a:t>חלופה 1</a:t>
+            </a:r>
+            <a:endParaRPr lang="en-IL" sz="6000" dirty="0">
+              <a:latin typeface="Aharoni" panose="02010803020104030203" pitchFamily="2" charset="-79"/>
+              <a:cs typeface="Aharoni" panose="02010803020104030203" pitchFamily="2" charset="-79"/>
+            </a:endParaRPr>
+          </a:p>
+        </p:txBody>
+      </p:sp>
+      <p:pic>
+        <p:nvPicPr>
+          <p:cNvPr id="10" name="Content Placeholder 4" descr="A graph with blue and white bars&#10;&#10;AI-generated content may be incorrect.">
+            <a:extLst>
+              <a:ext uri="{FF2B5EF4-FFF2-40B4-BE49-F238E27FC236}">
+                <a16:creationId xmlns:a16="http://schemas.microsoft.com/office/drawing/2014/main" id="{1594775E-FF17-5723-07DF-713AF62D6B35}"/>
+              </a:ext>
+            </a:extLst>
+          </p:cNvPr>
+          <p:cNvPicPr>
+            <a:picLocks noGrp="1" noChangeAspect="1"/>
+          </p:cNvPicPr>
+          <p:nvPr>
+            <p:ph idx="1"/>
+          </p:nvPr>
+        </p:nvPicPr>
+        <p:blipFill>
+          <a:blip r:embed="rId2"/>
+          <a:stretch>
+            <a:fillRect/>
+          </a:stretch>
+        </p:blipFill>
+        <p:spPr>
+          <a:xfrm>
+            <a:off x="104255" y="1297544"/>
+            <a:ext cx="7356205" cy="4635593"/>
+          </a:xfrm>
+        </p:spPr>
+      </p:pic>
+      <p:sp>
+        <p:nvSpPr>
+          <p:cNvPr id="11" name="TextBox 5">
+            <a:extLst>
+              <a:ext uri="{FF2B5EF4-FFF2-40B4-BE49-F238E27FC236}">
+                <a16:creationId xmlns:a16="http://schemas.microsoft.com/office/drawing/2014/main" id="{40F07DB5-BCBB-888A-858A-50BB43A5BFC6}"/>
+              </a:ext>
+            </a:extLst>
+          </p:cNvPr>
+          <p:cNvSpPr txBox="1"/>
+          <p:nvPr/>
+        </p:nvSpPr>
+        <p:spPr>
+          <a:xfrm>
+            <a:off x="6960096" y="2636579"/>
+            <a:ext cx="4849818" cy="2923877"/>
+          </a:xfrm>
+          <a:prstGeom prst="rect">
+            <a:avLst/>
+          </a:prstGeom>
+          <a:noFill/>
+        </p:spPr>
+        <p:txBody>
+          <a:bodyPr wrap="square" rtlCol="0">
+            <a:spAutoFit/>
+          </a:bodyPr>
+          <a:lstStyle/>
+          <a:p>
+            <a:pPr marL="0" algn="r" defTabSz="914400" rtl="1" eaLnBrk="1" latinLnBrk="0" hangingPunct="1"/>
+            <a:r>
+              <a:rPr lang="he-IL" sz="2000" dirty="0">
+                <a:latin typeface="Aharoni" panose="02010803020104030203" pitchFamily="2" charset="-79"/>
+                <a:cs typeface="Aharoni" panose="02010803020104030203" pitchFamily="2" charset="-79"/>
+              </a:rPr>
+              <a:t> </a:t>
+            </a:r>
+            <a:r>
+              <a:rPr lang="he-IL" sz="2800" dirty="0">
+                <a:latin typeface="Aharoni" panose="02010803020104030203" pitchFamily="2" charset="-79"/>
+                <a:cs typeface="Aharoni" panose="02010803020104030203" pitchFamily="2" charset="-79"/>
+              </a:rPr>
+              <a:t>יתרונות –</a:t>
+            </a:r>
+          </a:p>
+          <a:p>
+            <a:pPr marL="285750" indent="-285750" algn="r" defTabSz="914400" rtl="1" eaLnBrk="1" latinLnBrk="0" hangingPunct="1">
+              <a:buFont typeface="Wingdings" pitchFamily="2" charset="2"/>
+              <a:buChar char="ü"/>
+            </a:pPr>
+            <a:r>
+              <a:rPr lang="he-IL" sz="2200" dirty="0">
+                <a:latin typeface="Aharoni" panose="02010803020104030203" pitchFamily="2" charset="-79"/>
+                <a:cs typeface="Aharoni" panose="02010803020104030203" pitchFamily="2" charset="-79"/>
+              </a:rPr>
+              <a:t>נוח להשוואת תדירות הפיגועים בין ערים</a:t>
+            </a:r>
+          </a:p>
+          <a:p>
+            <a:pPr marL="285750" indent="-285750" algn="r" defTabSz="914400" rtl="1" eaLnBrk="1" latinLnBrk="0" hangingPunct="1">
+              <a:buFont typeface="Wingdings" pitchFamily="2" charset="2"/>
+              <a:buChar char="ü"/>
+            </a:pPr>
+            <a:r>
+              <a:rPr lang="he-IL" sz="2200" dirty="0">
+                <a:latin typeface="Aharoni" panose="02010803020104030203" pitchFamily="2" charset="-79"/>
+                <a:cs typeface="Aharoni" panose="02010803020104030203" pitchFamily="2" charset="-79"/>
+              </a:rPr>
+              <a:t>ניתן להבחין בכמות הפיגועים בכל עיר</a:t>
+            </a:r>
+          </a:p>
+          <a:p>
+            <a:pPr algn="r" defTabSz="914400" rtl="1" eaLnBrk="1" latinLnBrk="0" hangingPunct="1"/>
+            <a:endParaRPr lang="he-IL" sz="2000" dirty="0">
+              <a:latin typeface="Aharoni" panose="02010803020104030203" pitchFamily="2" charset="-79"/>
+              <a:cs typeface="Aharoni" panose="02010803020104030203" pitchFamily="2" charset="-79"/>
+            </a:endParaRPr>
+          </a:p>
+          <a:p>
+            <a:pPr algn="r" defTabSz="914400" rtl="1" eaLnBrk="1" latinLnBrk="0" hangingPunct="1"/>
+            <a:r>
+              <a:rPr lang="he-IL" sz="2800" dirty="0">
+                <a:latin typeface="Aharoni" panose="02010803020104030203" pitchFamily="2" charset="-79"/>
+                <a:cs typeface="Aharoni" panose="02010803020104030203" pitchFamily="2" charset="-79"/>
+              </a:rPr>
+              <a:t>חסרונות –</a:t>
+            </a:r>
+          </a:p>
+          <a:p>
+            <a:pPr marL="285750" indent="-285750" algn="r" defTabSz="914400" rtl="1" eaLnBrk="1" latinLnBrk="0" hangingPunct="1">
+              <a:buFont typeface="System Font Regular"/>
+              <a:buChar char="X"/>
+            </a:pPr>
+            <a:r>
+              <a:rPr lang="he-IL" sz="2200" dirty="0">
+                <a:latin typeface="Aharoni" panose="02010803020104030203" pitchFamily="2" charset="-79"/>
+                <a:cs typeface="Aharoni" panose="02010803020104030203" pitchFamily="2" charset="-79"/>
+              </a:rPr>
+              <a:t>הגבלת כמות ערים הניתנת להצגה</a:t>
+            </a:r>
+          </a:p>
+          <a:p>
+            <a:pPr marL="285750" indent="-285750" algn="r" defTabSz="914400" rtl="1" eaLnBrk="1" latinLnBrk="0" hangingPunct="1">
+              <a:buFont typeface="System Font Regular"/>
+              <a:buChar char="X"/>
+            </a:pPr>
+            <a:r>
+              <a:rPr lang="he-IL" sz="2200" dirty="0">
+                <a:latin typeface="Aharoni" panose="02010803020104030203" pitchFamily="2" charset="-79"/>
+                <a:cs typeface="Aharoni" panose="02010803020104030203" pitchFamily="2" charset="-79"/>
+              </a:rPr>
+              <a:t>קושי בהבנת המיקום הגאוגרפי</a:t>
+            </a:r>
+          </a:p>
+          <a:p>
+            <a:pPr marL="0" algn="r" defTabSz="914400" rtl="1" eaLnBrk="1" latinLnBrk="0" hangingPunct="1"/>
+            <a:endParaRPr lang="en-IL" sz="2000" dirty="0">
+              <a:latin typeface="Aharoni" panose="02010803020104030203" pitchFamily="2" charset="-79"/>
+              <a:cs typeface="Aharoni" panose="02010803020104030203" pitchFamily="2" charset="-79"/>
+            </a:endParaRPr>
+          </a:p>
+        </p:txBody>
+      </p:sp>
+      <p:cxnSp>
+        <p:nvCxnSpPr>
+          <p:cNvPr id="12" name="Straight Connector 9">
+            <a:extLst>
+              <a:ext uri="{FF2B5EF4-FFF2-40B4-BE49-F238E27FC236}">
+                <a16:creationId xmlns:a16="http://schemas.microsoft.com/office/drawing/2014/main" id="{00DCFEA5-9476-9744-E9C3-1499C133EA06}"/>
+              </a:ext>
+            </a:extLst>
+          </p:cNvPr>
+          <p:cNvCxnSpPr>
+            <a:cxnSpLocks/>
+          </p:cNvCxnSpPr>
+          <p:nvPr/>
+        </p:nvCxnSpPr>
+        <p:spPr>
+          <a:xfrm>
+            <a:off x="7925861" y="2164501"/>
+            <a:ext cx="3707892" cy="0"/>
+          </a:xfrm>
+          <a:prstGeom prst="line">
+            <a:avLst/>
+          </a:prstGeom>
+          <a:ln/>
+        </p:spPr>
+        <p:style>
+          <a:lnRef idx="3">
+            <a:schemeClr val="dk1"/>
+          </a:lnRef>
+          <a:fillRef idx="0">
+            <a:schemeClr val="dk1"/>
+          </a:fillRef>
+          <a:effectRef idx="2">
+            <a:schemeClr val="dk1"/>
+          </a:effectRef>
+          <a:fontRef idx="minor">
+            <a:schemeClr val="tx1"/>
+          </a:fontRef>
+        </p:style>
+      </p:cxnSp>
+    </p:spTree>
+    <p:extLst>
+      <p:ext uri="{BB962C8B-B14F-4D97-AF65-F5344CB8AC3E}">
+        <p14:creationId xmlns:p14="http://schemas.microsoft.com/office/powerpoint/2010/main" val="1583654230"/>
+      </p:ext>
+    </p:extLst>
+  </p:cSld>
+  <p:clrMapOvr>
+    <a:masterClrMapping/>
+  </p:clrMapOvr>
+  <mc:AlternateContent xmlns:mc="http://schemas.openxmlformats.org/markup-compatibility/2006" xmlns:p14="http://schemas.microsoft.com/office/powerpoint/2010/main">
+    <mc:Choice Requires="p14">
+      <p:transition spd="slow" p14:dur="1200">
+        <p14:prism/>
+      </p:transition>
+    </mc:Choice>
+    <mc:Fallback xmlns="">
+      <p:transition spd="slow">
+        <p:fade/>
+      </p:transition>
+    </mc:Fallback>
+  </mc:AlternateContent>
+</p:sld>
+</file>
+
+<file path=ppt/slides/slide6.xml><?xml version="1.0" encoding="utf-8"?>
+<p:sld xmlns:a="http://schemas.openxmlformats.org/drawingml/2006/main" xmlns:r="http://schemas.openxmlformats.org/officeDocument/2006/relationships" xmlns:p="http://schemas.openxmlformats.org/presentationml/2006/main">
+  <p:cSld>
+    <p:spTree>
+      <p:nvGrpSpPr>
+        <p:cNvPr id="1" name="">
+          <a:extLst>
+            <a:ext uri="{FF2B5EF4-FFF2-40B4-BE49-F238E27FC236}">
+              <a16:creationId xmlns:a16="http://schemas.microsoft.com/office/drawing/2014/main" id="{6093D7FF-E082-DD1D-C6CF-D63D8F636990}"/>
+            </a:ext>
+          </a:extLst>
+        </p:cNvPr>
+        <p:cNvGrpSpPr/>
+        <p:nvPr/>
+      </p:nvGrpSpPr>
+      <p:grpSpPr>
+        <a:xfrm>
+          <a:off x="0" y="0"/>
+          <a:ext cx="0" cy="0"/>
+          <a:chOff x="0" y="0"/>
+          <a:chExt cx="0" cy="0"/>
+        </a:xfrm>
+      </p:grpSpPr>
+      <p:sp>
+        <p:nvSpPr>
+          <p:cNvPr id="4" name="Title 1">
+            <a:extLst>
+              <a:ext uri="{FF2B5EF4-FFF2-40B4-BE49-F238E27FC236}">
+                <a16:creationId xmlns:a16="http://schemas.microsoft.com/office/drawing/2014/main" id="{F84E00A1-35D3-7512-7E89-021591C02F08}"/>
+              </a:ext>
+            </a:extLst>
+          </p:cNvPr>
+          <p:cNvSpPr>
+            <a:spLocks noGrp="1"/>
+          </p:cNvSpPr>
+          <p:nvPr>
+            <p:ph type="title"/>
+          </p:nvPr>
+        </p:nvSpPr>
+        <p:spPr>
+          <a:xfrm>
+            <a:off x="7700028" y="885772"/>
+            <a:ext cx="2380488" cy="1036320"/>
+          </a:xfrm>
+        </p:spPr>
+        <p:txBody>
+          <a:bodyPr/>
+          <a:lstStyle/>
+          <a:p>
+            <a:pPr algn="r" rtl="1"/>
+            <a:r>
+              <a:rPr lang="he-IL" sz="5400" dirty="0">
+                <a:latin typeface="Aharoni" panose="02010803020104030203" pitchFamily="2" charset="-79"/>
+                <a:cs typeface="Aharoni" panose="02010803020104030203" pitchFamily="2" charset="-79"/>
+              </a:rPr>
+              <a:t>חלופה 2</a:t>
+            </a:r>
+            <a:endParaRPr lang="en-IL" sz="5400" dirty="0">
+              <a:latin typeface="Aharoni" panose="02010803020104030203" pitchFamily="2" charset="-79"/>
+              <a:cs typeface="Aharoni" panose="02010803020104030203" pitchFamily="2" charset="-79"/>
+            </a:endParaRPr>
+          </a:p>
+        </p:txBody>
+      </p:sp>
+      <p:pic>
+        <p:nvPicPr>
+          <p:cNvPr id="5" name="Content Placeholder 4" descr="A diagram of a diagram with red circles&#10;&#10;AI-generated content may be incorrect.">
+            <a:extLst>
+              <a:ext uri="{FF2B5EF4-FFF2-40B4-BE49-F238E27FC236}">
+                <a16:creationId xmlns:a16="http://schemas.microsoft.com/office/drawing/2014/main" id="{4BC4BD46-612E-AC69-477E-4D7C0B565E99}"/>
+              </a:ext>
+            </a:extLst>
+          </p:cNvPr>
+          <p:cNvPicPr>
+            <a:picLocks noGrp="1" noChangeAspect="1"/>
+          </p:cNvPicPr>
+          <p:nvPr>
+            <p:ph idx="1"/>
+          </p:nvPr>
+        </p:nvPicPr>
+        <p:blipFill>
+          <a:blip r:embed="rId2"/>
+          <a:stretch>
+            <a:fillRect/>
+          </a:stretch>
+        </p:blipFill>
+        <p:spPr>
+          <a:xfrm>
+            <a:off x="1729998" y="0"/>
+            <a:ext cx="3717930" cy="6858000"/>
+          </a:xfrm>
+        </p:spPr>
+      </p:pic>
+      <p:sp>
+        <p:nvSpPr>
+          <p:cNvPr id="6" name="TextBox 5">
+            <a:extLst>
+              <a:ext uri="{FF2B5EF4-FFF2-40B4-BE49-F238E27FC236}">
+                <a16:creationId xmlns:a16="http://schemas.microsoft.com/office/drawing/2014/main" id="{94BBBC19-E42B-975C-BB74-971ACD8C24E9}"/>
+              </a:ext>
+            </a:extLst>
+          </p:cNvPr>
+          <p:cNvSpPr txBox="1"/>
+          <p:nvPr/>
+        </p:nvSpPr>
+        <p:spPr>
+          <a:xfrm>
+            <a:off x="4799856" y="2551837"/>
+            <a:ext cx="6900672" cy="2739211"/>
+          </a:xfrm>
+          <a:prstGeom prst="rect">
+            <a:avLst/>
+          </a:prstGeom>
+          <a:noFill/>
+        </p:spPr>
+        <p:txBody>
+          <a:bodyPr wrap="square" rtlCol="0">
+            <a:spAutoFit/>
+          </a:bodyPr>
+          <a:lstStyle/>
+          <a:p>
+            <a:pPr marL="0" algn="r" rtl="1"/>
+            <a:r>
+              <a:rPr lang="he-IL" sz="2800" dirty="0">
+                <a:latin typeface="Aharoni" panose="02010803020104030203" pitchFamily="2" charset="-79"/>
+                <a:cs typeface="Aharoni" panose="02010803020104030203" pitchFamily="2" charset="-79"/>
+              </a:rPr>
+              <a:t>יתרונות –</a:t>
+            </a:r>
+          </a:p>
+          <a:p>
+            <a:pPr marL="285750" indent="-285750" algn="r" rtl="1">
+              <a:buFont typeface="Wingdings" pitchFamily="2" charset="2"/>
+              <a:buChar char="ü"/>
+            </a:pPr>
+            <a:r>
+              <a:rPr lang="he-IL" sz="2200" dirty="0">
+                <a:latin typeface="Aharoni" panose="02010803020104030203" pitchFamily="2" charset="-79"/>
+                <a:cs typeface="Aharoni" panose="02010803020104030203" pitchFamily="2" charset="-79"/>
+              </a:rPr>
+              <a:t>זיהוי הקשר בין המיקומים הגאוגרפים</a:t>
+            </a:r>
+          </a:p>
+          <a:p>
+            <a:pPr marL="285750" indent="-285750" algn="r" rtl="1">
+              <a:buFont typeface="Wingdings" pitchFamily="2" charset="2"/>
+              <a:buChar char="ü"/>
+            </a:pPr>
+            <a:r>
+              <a:rPr lang="he-IL" sz="2200" dirty="0">
+                <a:latin typeface="Aharoni" panose="02010803020104030203" pitchFamily="2" charset="-79"/>
+                <a:cs typeface="Aharoni" panose="02010803020104030203" pitchFamily="2" charset="-79"/>
+              </a:rPr>
+              <a:t>זיהוי מהיר של כמות הפיגועים בעזרת הצבע</a:t>
+            </a:r>
+          </a:p>
+          <a:p>
+            <a:pPr marL="285750" indent="-285750" algn="r" rtl="1">
+              <a:buFont typeface="Wingdings" pitchFamily="2" charset="2"/>
+              <a:buChar char="ü"/>
+            </a:pPr>
+            <a:endParaRPr lang="he-IL" sz="2800" dirty="0">
+              <a:latin typeface="Aharoni" panose="02010803020104030203" pitchFamily="2" charset="-79"/>
+              <a:cs typeface="Aharoni" panose="02010803020104030203" pitchFamily="2" charset="-79"/>
+            </a:endParaRPr>
+          </a:p>
+          <a:p>
+            <a:pPr algn="r" rtl="1"/>
+            <a:r>
+              <a:rPr lang="he-IL" sz="2800" dirty="0">
+                <a:latin typeface="Aharoni" panose="02010803020104030203" pitchFamily="2" charset="-79"/>
+                <a:cs typeface="Aharoni" panose="02010803020104030203" pitchFamily="2" charset="-79"/>
+              </a:rPr>
+              <a:t>חסרונות –</a:t>
+            </a:r>
+          </a:p>
+          <a:p>
+            <a:pPr marL="285750" indent="-285750" algn="r" rtl="1">
+              <a:buFont typeface="Wingdings" pitchFamily="2" charset="2"/>
+              <a:buChar char="ü"/>
+            </a:pPr>
+            <a:r>
+              <a:rPr lang="he-IL" sz="2200" dirty="0">
+                <a:latin typeface="Aharoni" panose="02010803020104030203" pitchFamily="2" charset="-79"/>
+                <a:cs typeface="Aharoni" panose="02010803020104030203" pitchFamily="2" charset="-79"/>
+              </a:rPr>
+              <a:t>קושי בהבנת נתון מספרי מדויק של כמות הפיגועים</a:t>
+            </a:r>
+          </a:p>
+          <a:p>
+            <a:pPr marL="285750" indent="-285750" algn="r" defTabSz="914400" rtl="1" eaLnBrk="1" latinLnBrk="0" hangingPunct="1">
+              <a:buFont typeface="System Font Regular"/>
+              <a:buChar char="X"/>
+            </a:pPr>
+            <a:r>
+              <a:rPr lang="he-IL" sz="2200" dirty="0">
+                <a:latin typeface="Aharoni" panose="02010803020104030203" pitchFamily="2" charset="-79"/>
+                <a:cs typeface="Aharoni" panose="02010803020104030203" pitchFamily="2" charset="-79"/>
+              </a:rPr>
+              <a:t>הגבלת כמות ערים הניתנת להצגה</a:t>
+            </a:r>
+          </a:p>
+        </p:txBody>
+      </p:sp>
+      <p:cxnSp>
+        <p:nvCxnSpPr>
+          <p:cNvPr id="7" name="Straight Connector 6">
+            <a:extLst>
+              <a:ext uri="{FF2B5EF4-FFF2-40B4-BE49-F238E27FC236}">
+                <a16:creationId xmlns:a16="http://schemas.microsoft.com/office/drawing/2014/main" id="{7C6F95FF-8BB1-3516-C2F6-412389474BB2}"/>
+              </a:ext>
+            </a:extLst>
+          </p:cNvPr>
+          <p:cNvCxnSpPr>
+            <a:cxnSpLocks/>
+          </p:cNvCxnSpPr>
+          <p:nvPr/>
+        </p:nvCxnSpPr>
+        <p:spPr>
+          <a:xfrm>
+            <a:off x="6201936" y="2164501"/>
+            <a:ext cx="5376672" cy="0"/>
+          </a:xfrm>
+          <a:prstGeom prst="line">
+            <a:avLst/>
+          </a:prstGeom>
+          <a:ln/>
+        </p:spPr>
+        <p:style>
+          <a:lnRef idx="3">
+            <a:schemeClr val="dk1"/>
+          </a:lnRef>
+          <a:fillRef idx="0">
+            <a:schemeClr val="dk1"/>
+          </a:fillRef>
+          <a:effectRef idx="2">
+            <a:schemeClr val="dk1"/>
+          </a:effectRef>
+          <a:fontRef idx="minor">
+            <a:schemeClr val="tx1"/>
+          </a:fontRef>
+        </p:style>
+      </p:cxnSp>
+    </p:spTree>
+    <p:extLst>
+      <p:ext uri="{BB962C8B-B14F-4D97-AF65-F5344CB8AC3E}">
+        <p14:creationId xmlns:p14="http://schemas.microsoft.com/office/powerpoint/2010/main" val="1584555396"/>
+      </p:ext>
+    </p:extLst>
+  </p:cSld>
+  <p:clrMapOvr>
+    <a:masterClrMapping/>
+  </p:clrMapOvr>
+  <mc:AlternateContent xmlns:mc="http://schemas.openxmlformats.org/markup-compatibility/2006" xmlns:p14="http://schemas.microsoft.com/office/powerpoint/2010/main">
+    <mc:Choice Requires="p14">
+      <p:transition spd="slow" p14:dur="1200">
+        <p14:prism/>
+      </p:transition>
+    </mc:Choice>
+    <mc:Fallback xmlns="">
+      <p:transition spd="slow">
+        <p:fade/>
+      </p:transition>
+    </mc:Fallback>
+  </mc:AlternateContent>
+</p:sld>
+</file>
+
+<file path=ppt/slides/slide7.xml><?xml version="1.0" encoding="utf-8"?>
 <p:sld xmlns:a="http://schemas.openxmlformats.org/drawingml/2006/main" xmlns:r="http://schemas.openxmlformats.org/officeDocument/2006/relationships" xmlns:p="http://schemas.openxmlformats.org/presentationml/2006/main">
   <p:cSld>
     <p:spTree>
@@ -5370,7 +5182,7 @@
         </p:nvSpPr>
         <p:spPr>
           <a:xfrm>
-            <a:off x="1403350" y="0"/>
+            <a:off x="2927351" y="0"/>
             <a:ext cx="4321175" cy="649288"/>
           </a:xfrm>
         </p:spPr>
@@ -5408,7 +5220,7 @@
         </p:nvSpPr>
         <p:spPr>
           <a:xfrm>
-            <a:off x="1187450" y="981075"/>
+            <a:off x="2711450" y="981076"/>
             <a:ext cx="6502400" cy="4900613"/>
           </a:xfrm>
         </p:spPr>
@@ -6658,13 +6470,13 @@
   <p:clrMapOvr>
     <a:masterClrMapping/>
   </p:clrMapOvr>
-  <mc:AlternateContent xmlns:mc="http://schemas.openxmlformats.org/markup-compatibility/2006">
-    <mc:Choice xmlns:p14="http://schemas.microsoft.com/office/powerpoint/2010/main" Requires="p14">
+  <mc:AlternateContent xmlns:mc="http://schemas.openxmlformats.org/markup-compatibility/2006" xmlns:p14="http://schemas.microsoft.com/office/powerpoint/2010/main">
+    <mc:Choice Requires="p14">
       <p:transition spd="slow" p14:dur="1200">
         <p14:prism/>
       </p:transition>
     </mc:Choice>
-    <mc:Fallback>
+    <mc:Fallback xmlns="">
       <p:transition spd="slow">
         <p:fade/>
       </p:transition>
@@ -6673,7 +6485,7 @@
 </p:sld>
 </file>
 
-<file path=ppt/slides/slide6.xml><?xml version="1.0" encoding="utf-8"?>
+<file path=ppt/slides/slide8.xml><?xml version="1.0" encoding="utf-8"?>
 <p:sld xmlns:a="http://schemas.openxmlformats.org/drawingml/2006/main" xmlns:r="http://schemas.openxmlformats.org/officeDocument/2006/relationships" xmlns:p="http://schemas.openxmlformats.org/presentationml/2006/main">
   <p:cSld>
     <p:spTree>
@@ -6714,7 +6526,7 @@
         </p:nvSpPr>
         <p:spPr>
           <a:xfrm>
-            <a:off x="1403350" y="0"/>
+            <a:off x="2927351" y="0"/>
             <a:ext cx="4321175" cy="649288"/>
           </a:xfrm>
         </p:spPr>
@@ -6752,7 +6564,7 @@
         </p:nvSpPr>
         <p:spPr>
           <a:xfrm>
-            <a:off x="1187450" y="981075"/>
+            <a:off x="2711450" y="981076"/>
             <a:ext cx="6502400" cy="4900613"/>
           </a:xfrm>
         </p:spPr>
@@ -8002,13 +7814,13 @@
   <p:clrMapOvr>
     <a:masterClrMapping/>
   </p:clrMapOvr>
-  <mc:AlternateContent xmlns:mc="http://schemas.openxmlformats.org/markup-compatibility/2006">
-    <mc:Choice xmlns:p14="http://schemas.microsoft.com/office/powerpoint/2010/main" Requires="p14">
+  <mc:AlternateContent xmlns:mc="http://schemas.openxmlformats.org/markup-compatibility/2006" xmlns:p14="http://schemas.microsoft.com/office/powerpoint/2010/main">
+    <mc:Choice Requires="p14">
       <p:transition spd="slow" p14:dur="1200">
         <p14:prism/>
       </p:transition>
     </mc:Choice>
-    <mc:Fallback>
+    <mc:Fallback xmlns="">
       <p:transition spd="slow">
         <p:fade/>
       </p:transition>
@@ -8017,7 +7829,7 @@
 </p:sld>
 </file>
 
-<file path=ppt/slides/slide7.xml><?xml version="1.0" encoding="utf-8"?>
+<file path=ppt/slides/slide9.xml><?xml version="1.0" encoding="utf-8"?>
 <p:sld xmlns:a="http://schemas.openxmlformats.org/drawingml/2006/main" xmlns:r="http://schemas.openxmlformats.org/officeDocument/2006/relationships" xmlns:p="http://schemas.openxmlformats.org/presentationml/2006/main">
   <p:cSld>
     <p:spTree>
@@ -8052,7 +7864,7 @@
         </p:nvSpPr>
         <p:spPr>
           <a:xfrm>
-            <a:off x="2555776" y="403225"/>
+            <a:off x="4079776" y="403226"/>
             <a:ext cx="4032448" cy="939701"/>
           </a:xfrm>
         </p:spPr>
@@ -8087,7 +7899,7 @@
         </p:nvSpPr>
         <p:spPr>
           <a:xfrm>
-            <a:off x="900113" y="2348879"/>
+            <a:off x="2424114" y="2348880"/>
             <a:ext cx="7343775" cy="2952329"/>
           </a:xfrm>
         </p:spPr>
@@ -8129,7 +7941,7 @@
         </p:blipFill>
         <p:spPr bwMode="auto">
           <a:xfrm>
-            <a:off x="719572" y="1700808"/>
+            <a:off x="2243572" y="1700808"/>
             <a:ext cx="7704856" cy="4026322"/>
           </a:xfrm>
           <a:prstGeom prst="rect">
@@ -8157,177 +7969,13 @@
   <p:clrMapOvr>
     <a:masterClrMapping/>
   </p:clrMapOvr>
-  <mc:AlternateContent xmlns:mc="http://schemas.openxmlformats.org/markup-compatibility/2006">
-    <mc:Choice xmlns:p14="http://schemas.microsoft.com/office/powerpoint/2010/main" Requires="p14">
+  <mc:AlternateContent xmlns:mc="http://schemas.openxmlformats.org/markup-compatibility/2006" xmlns:p14="http://schemas.microsoft.com/office/powerpoint/2010/main">
+    <mc:Choice Requires="p14">
       <p:transition spd="slow" p14:dur="1200">
         <p14:prism/>
       </p:transition>
     </mc:Choice>
-    <mc:Fallback>
-      <p:transition spd="slow">
-        <p:fade/>
-      </p:transition>
-    </mc:Fallback>
-  </mc:AlternateContent>
-</p:sld>
-</file>
-
-<file path=ppt/slides/slide8.xml><?xml version="1.0" encoding="utf-8"?>
-<p:sld xmlns:a="http://schemas.openxmlformats.org/drawingml/2006/main" xmlns:r="http://schemas.openxmlformats.org/officeDocument/2006/relationships" xmlns:p="http://schemas.openxmlformats.org/presentationml/2006/main">
-  <p:cSld>
-    <p:spTree>
-      <p:nvGrpSpPr>
-        <p:cNvPr id="1" name="">
-          <a:extLst>
-            <a:ext uri="{FF2B5EF4-FFF2-40B4-BE49-F238E27FC236}">
-              <a16:creationId xmlns:a16="http://schemas.microsoft.com/office/drawing/2014/main" id="{8641BA87-9E37-3DCF-0F44-3445AC66CA29}"/>
-            </a:ext>
-          </a:extLst>
-        </p:cNvPr>
-        <p:cNvGrpSpPr/>
-        <p:nvPr/>
-      </p:nvGrpSpPr>
-      <p:grpSpPr>
-        <a:xfrm>
-          <a:off x="0" y="0"/>
-          <a:ext cx="0" cy="0"/>
-          <a:chOff x="0" y="0"/>
-          <a:chExt cx="0" cy="0"/>
-        </a:xfrm>
-      </p:grpSpPr>
-      <p:sp>
-        <p:nvSpPr>
-          <p:cNvPr id="6" name="Text Box 127">
-            <a:extLst>
-              <a:ext uri="{FF2B5EF4-FFF2-40B4-BE49-F238E27FC236}">
-                <a16:creationId xmlns:a16="http://schemas.microsoft.com/office/drawing/2014/main" id="{ECF2FDC8-531E-E43E-0FE1-AEB69712B3BC}"/>
-              </a:ext>
-            </a:extLst>
-          </p:cNvPr>
-          <p:cNvSpPr txBox="1">
-            <a:spLocks noChangeArrowheads="1"/>
-          </p:cNvSpPr>
-          <p:nvPr/>
-        </p:nvSpPr>
-        <p:spPr bwMode="auto">
-          <a:xfrm>
-            <a:off x="107504" y="1916832"/>
-            <a:ext cx="5012194" cy="1145540"/>
-          </a:xfrm>
-          <a:prstGeom prst="rect">
-            <a:avLst/>
-          </a:prstGeom>
-          <a:noFill/>
-          <a:ln>
-            <a:noFill/>
-          </a:ln>
-          <a:effectLst/>
-          <a:extLst>
-            <a:ext uri="{909E8E84-426E-40DD-AFC4-6F175D3DCCD1}">
-              <a14:hiddenFill xmlns:a14="http://schemas.microsoft.com/office/drawing/2010/main">
-                <a:solidFill>
-                  <a:srgbClr val="FFFFFE"/>
-                </a:solidFill>
-              </a14:hiddenFill>
-            </a:ext>
-            <a:ext uri="{91240B29-F687-4F45-9708-019B960494DF}">
-              <a14:hiddenLine xmlns:a14="http://schemas.microsoft.com/office/drawing/2010/main" w="9525" algn="in">
-                <a:solidFill>
-                  <a:srgbClr val="212120"/>
-                </a:solidFill>
-                <a:miter lim="800000"/>
-                <a:headEnd/>
-                <a:tailEnd/>
-              </a14:hiddenLine>
-            </a:ext>
-            <a:ext uri="{AF507438-7753-43E0-B8FC-AC1667EBCBE1}">
-              <a14:hiddenEffects xmlns:a14="http://schemas.microsoft.com/office/drawing/2010/main">
-                <a:effectLst/>
-              </a14:hiddenEffects>
-            </a:ext>
-          </a:extLst>
-        </p:spPr>
-        <p:txBody>
-          <a:bodyPr rot="0" vert="horz" wrap="square" lIns="36576" tIns="36576" rIns="36576" bIns="36576" anchor="t" anchorCtr="0" upright="1">
-            <a:noAutofit/>
-          </a:bodyPr>
-          <a:lstStyle/>
-          <a:p>
-            <a:pPr algn="ctr">
-              <a:spcBef>
-                <a:spcPts val="1200"/>
-              </a:spcBef>
-              <a:spcAft>
-                <a:spcPts val="300"/>
-              </a:spcAft>
-            </a:pPr>
-            <a:r>
-              <a:rPr lang="he-IL" sz="7200" b="1" kern="1600" dirty="0">
-                <a:ln w="12700">
-                  <a:solidFill>
-                    <a:schemeClr val="tx2"/>
-                  </a:solidFill>
-                  <a:prstDash val="solid"/>
-                </a:ln>
-                <a:pattFill prst="ltDnDiag">
-                  <a:fgClr>
-                    <a:schemeClr val="accent5">
-                      <a:lumMod val="60000"/>
-                      <a:lumOff val="40000"/>
-                    </a:schemeClr>
-                  </a:fgClr>
-                  <a:bgClr>
-                    <a:schemeClr val="bg1"/>
-                  </a:bgClr>
-                </a:pattFill>
-                <a:latin typeface="Verdana" panose="020B0604030504040204" pitchFamily="34" charset="0"/>
-                <a:ea typeface="Batang" panose="02030600000101010101" pitchFamily="18" charset="-127"/>
-                <a:cs typeface="Segoe UI Semibold" panose="020B0702040204020203" pitchFamily="34" charset="0"/>
-              </a:rPr>
-              <a:t>שאלות?</a:t>
-            </a:r>
-            <a:endParaRPr lang="en-US" sz="5400" b="1" kern="1600" dirty="0">
-              <a:ln w="12700">
-                <a:solidFill>
-                  <a:schemeClr val="tx2"/>
-                </a:solidFill>
-                <a:prstDash val="solid"/>
-              </a:ln>
-              <a:pattFill prst="ltDnDiag">
-                <a:fgClr>
-                  <a:schemeClr val="accent5">
-                    <a:lumMod val="60000"/>
-                    <a:lumOff val="40000"/>
-                  </a:schemeClr>
-                </a:fgClr>
-                <a:bgClr>
-                  <a:schemeClr val="bg1"/>
-                </a:bgClr>
-              </a:pattFill>
-              <a:latin typeface="Verdana" panose="020B0604030504040204" pitchFamily="34" charset="0"/>
-              <a:ea typeface="Batang" panose="02030600000101010101" pitchFamily="18" charset="-127"/>
-              <a:cs typeface="Arial" panose="020B0604020202020204" pitchFamily="34" charset="0"/>
-            </a:endParaRPr>
-          </a:p>
-        </p:txBody>
-      </p:sp>
-    </p:spTree>
-    <p:extLst>
-      <p:ext uri="{BB962C8B-B14F-4D97-AF65-F5344CB8AC3E}">
-        <p14:creationId xmlns:p14="http://schemas.microsoft.com/office/powerpoint/2010/main" val="4147274174"/>
-      </p:ext>
-    </p:extLst>
-  </p:cSld>
-  <p:clrMapOvr>
-    <a:masterClrMapping/>
-  </p:clrMapOvr>
-  <mc:AlternateContent xmlns:mc="http://schemas.openxmlformats.org/markup-compatibility/2006">
-    <mc:Choice xmlns:p14="http://schemas.microsoft.com/office/powerpoint/2010/main" Requires="p14">
-      <p:transition spd="slow" p14:dur="1200">
-        <p14:prism/>
-      </p:transition>
-    </mc:Choice>
-    <mc:Fallback>
+    <mc:Fallback xmlns="">
       <p:transition spd="slow">
         <p:fade/>
       </p:transition>

--- a/Presentation/פרזנטציה פרויקט ויזואליזציה.pptx
+++ b/Presentation/פרזנטציה פרויקט ויזואליזציה.pptx
@@ -3388,9 +3388,22 @@
             <a:off x="335360" y="1700808"/>
             <a:ext cx="6733118" cy="1640248"/>
           </a:xfrm>
-          <a:prstGeom prst="rect">
-            <a:avLst/>
+          <a:prstGeom prst="roundRect">
+            <a:avLst>
+              <a:gd name="adj" fmla="val 8594"/>
+            </a:avLst>
           </a:prstGeom>
+          <a:solidFill>
+            <a:srgbClr val="FFFFFF">
+              <a:shade val="85000"/>
+            </a:srgbClr>
+          </a:solidFill>
+          <a:ln>
+            <a:noFill/>
+          </a:ln>
+          <a:effectLst>
+            <a:reflection blurRad="12700" stA="38000" endPos="28000" dist="5000" dir="5400000" sy="-100000" algn="bl" rotWithShape="0"/>
+          </a:effectLst>
         </p:spPr>
       </p:pic>
       <p:pic>
@@ -3415,12 +3428,25 @@
         </p:blipFill>
         <p:spPr>
           <a:xfrm>
-            <a:off x="335360" y="1081335"/>
+            <a:off x="335360" y="1124744"/>
             <a:ext cx="1397249" cy="729000"/>
           </a:xfrm>
-          <a:prstGeom prst="rect">
-            <a:avLst/>
+          <a:prstGeom prst="roundRect">
+            <a:avLst>
+              <a:gd name="adj" fmla="val 8594"/>
+            </a:avLst>
           </a:prstGeom>
+          <a:solidFill>
+            <a:srgbClr val="FFFFFF">
+              <a:shade val="85000"/>
+            </a:srgbClr>
+          </a:solidFill>
+          <a:ln>
+            <a:noFill/>
+          </a:ln>
+          <a:effectLst>
+            <a:reflection blurRad="12700" stA="38000" endPos="28000" dist="5000" dir="5400000" sy="-100000" algn="bl" rotWithShape="0"/>
+          </a:effectLst>
         </p:spPr>
       </p:pic>
       <p:sp>
@@ -3852,30 +3878,123 @@
                             </p:childTnLst>
                           </p:cTn>
                         </p:par>
+                        <p:par>
+                          <p:cTn id="21" fill="hold">
+                            <p:stCondLst>
+                              <p:cond delay="2000"/>
+                            </p:stCondLst>
+                            <p:childTnLst>
+                              <p:par>
+                                <p:cTn id="22" presetID="32" presetClass="emph" presetSubtype="0" fill="hold" nodeType="afterEffect">
+                                  <p:stCondLst>
+                                    <p:cond delay="0"/>
+                                  </p:stCondLst>
+                                  <p:childTnLst>
+                                    <p:animRot by="120000">
+                                      <p:cBhvr>
+                                        <p:cTn id="23" dur="100" fill="hold">
+                                          <p:stCondLst>
+                                            <p:cond delay="0"/>
+                                          </p:stCondLst>
+                                        </p:cTn>
+                                        <p:tgtEl>
+                                          <p:spTgt spid="12"/>
+                                        </p:tgtEl>
+                                        <p:attrNameLst>
+                                          <p:attrName>r</p:attrName>
+                                        </p:attrNameLst>
+                                      </p:cBhvr>
+                                    </p:animRot>
+                                    <p:animRot by="-240000">
+                                      <p:cBhvr>
+                                        <p:cTn id="24" dur="200" fill="hold">
+                                          <p:stCondLst>
+                                            <p:cond delay="200"/>
+                                          </p:stCondLst>
+                                        </p:cTn>
+                                        <p:tgtEl>
+                                          <p:spTgt spid="12"/>
+                                        </p:tgtEl>
+                                        <p:attrNameLst>
+                                          <p:attrName>r</p:attrName>
+                                        </p:attrNameLst>
+                                      </p:cBhvr>
+                                    </p:animRot>
+                                    <p:animRot by="240000">
+                                      <p:cBhvr>
+                                        <p:cTn id="25" dur="200" fill="hold">
+                                          <p:stCondLst>
+                                            <p:cond delay="400"/>
+                                          </p:stCondLst>
+                                        </p:cTn>
+                                        <p:tgtEl>
+                                          <p:spTgt spid="12"/>
+                                        </p:tgtEl>
+                                        <p:attrNameLst>
+                                          <p:attrName>r</p:attrName>
+                                        </p:attrNameLst>
+                                      </p:cBhvr>
+                                    </p:animRot>
+                                    <p:animRot by="-240000">
+                                      <p:cBhvr>
+                                        <p:cTn id="26" dur="200" fill="hold">
+                                          <p:stCondLst>
+                                            <p:cond delay="600"/>
+                                          </p:stCondLst>
+                                        </p:cTn>
+                                        <p:tgtEl>
+                                          <p:spTgt spid="12"/>
+                                        </p:tgtEl>
+                                        <p:attrNameLst>
+                                          <p:attrName>r</p:attrName>
+                                        </p:attrNameLst>
+                                      </p:cBhvr>
+                                    </p:animRot>
+                                    <p:animRot by="120000">
+                                      <p:cBhvr>
+                                        <p:cTn id="27" dur="200" fill="hold">
+                                          <p:stCondLst>
+                                            <p:cond delay="800"/>
+                                          </p:stCondLst>
+                                        </p:cTn>
+                                        <p:tgtEl>
+                                          <p:spTgt spid="12"/>
+                                        </p:tgtEl>
+                                        <p:attrNameLst>
+                                          <p:attrName>r</p:attrName>
+                                        </p:attrNameLst>
+                                      </p:cBhvr>
+                                    </p:animRot>
+                                  </p:childTnLst>
+                                </p:cTn>
+                              </p:par>
+                            </p:childTnLst>
+                          </p:cTn>
+                        </p:par>
                       </p:childTnLst>
                     </p:cTn>
                   </p:par>
                   <p:par>
-                    <p:cTn id="21" fill="hold">
+                    <p:cTn id="28" fill="hold">
                       <p:stCondLst>
                         <p:cond delay="indefinite"/>
                       </p:stCondLst>
                       <p:childTnLst>
                         <p:par>
-                          <p:cTn id="22" fill="hold">
+                          <p:cTn id="29" fill="hold">
                             <p:stCondLst>
                               <p:cond delay="0"/>
                             </p:stCondLst>
                             <p:childTnLst>
                               <p:par>
-                                <p:cTn id="23" presetID="2" presetClass="entr" presetSubtype="4" fill="hold" grpId="0" nodeType="clickEffect">
+                                <p:cTn id="30" presetID="2" presetClass="entr" presetSubtype="4" fill="hold" grpId="0" nodeType="clickEffect">
                                   <p:stCondLst>
                                     <p:cond delay="0"/>
                                   </p:stCondLst>
                                   <p:childTnLst>
                                     <p:set>
                                       <p:cBhvr>
-                                        <p:cTn id="24" dur="1" fill="hold">
+                                        <p:cTn id="31" dur="1" fill="hold">
                                           <p:stCondLst>
                                             <p:cond delay="0"/>
                                           </p:stCondLst>
@@ -3893,7 +4012,7 @@
                                     </p:set>
                                     <p:anim calcmode="lin" valueType="num">
                                       <p:cBhvr additive="base">
-                                        <p:cTn id="25" dur="500" fill="hold"/>
+                                        <p:cTn id="32" dur="500" fill="hold"/>
                                         <p:tgtEl>
                                           <p:spTgt spid="15"/>
                                         </p:tgtEl>
@@ -3916,7 +4035,7 @@
                                     </p:anim>
                                     <p:anim calcmode="lin" valueType="num">
                                       <p:cBhvr additive="base">
-                                        <p:cTn id="26" dur="500" fill="hold"/>
+                                        <p:cTn id="33" dur="500" fill="hold"/>
                                         <p:tgtEl>
                                           <p:spTgt spid="15"/>
                                         </p:tgtEl>
@@ -4066,6 +4185,16 @@
           <a:prstGeom prst="rect">
             <a:avLst/>
           </a:prstGeom>
+          <a:ln>
+            <a:noFill/>
+          </a:ln>
+          <a:effectLst>
+            <a:outerShdw blurRad="292100" dist="139700" dir="2700000" algn="tl" rotWithShape="0">
+              <a:srgbClr val="333333">
+                <a:alpha val="65000"/>
+              </a:srgbClr>
+            </a:outerShdw>
+          </a:effectLst>
         </p:spPr>
       </p:pic>
       <p:pic>
@@ -4096,6 +4225,16 @@
           <a:prstGeom prst="rect">
             <a:avLst/>
           </a:prstGeom>
+          <a:ln>
+            <a:noFill/>
+          </a:ln>
+          <a:effectLst>
+            <a:outerShdw blurRad="292100" dist="139700" dir="2700000" algn="tl" rotWithShape="0">
+              <a:srgbClr val="333333">
+                <a:alpha val="65000"/>
+              </a:srgbClr>
+            </a:outerShdw>
+          </a:effectLst>
         </p:spPr>
       </p:pic>
       <p:pic>
@@ -4125,6 +4264,16 @@
           <a:prstGeom prst="rect">
             <a:avLst/>
           </a:prstGeom>
+          <a:ln>
+            <a:noFill/>
+          </a:ln>
+          <a:effectLst>
+            <a:outerShdw blurRad="292100" dist="139700" dir="2700000" algn="tl" rotWithShape="0">
+              <a:srgbClr val="333333">
+                <a:alpha val="65000"/>
+              </a:srgbClr>
+            </a:outerShdw>
+          </a:effectLst>
         </p:spPr>
       </p:pic>
     </p:spTree>
@@ -4685,6 +4834,19 @@
             <a:off x="104255" y="1297544"/>
             <a:ext cx="7356205" cy="4635593"/>
           </a:xfrm>
+          <a:prstGeom prst="rect">
+            <a:avLst/>
+          </a:prstGeom>
+          <a:ln>
+            <a:noFill/>
+          </a:ln>
+          <a:effectLst>
+            <a:outerShdw blurRad="292100" dist="139700" dir="2700000" algn="tl" rotWithShape="0">
+              <a:srgbClr val="333333">
+                <a:alpha val="65000"/>
+              </a:srgbClr>
+            </a:outerShdw>
+          </a:effectLst>
         </p:spPr>
       </p:pic>
       <p:sp>
@@ -4964,6 +5126,19 @@
             <a:off x="1729998" y="0"/>
             <a:ext cx="3717930" cy="6858000"/>
           </a:xfrm>
+          <a:prstGeom prst="rect">
+            <a:avLst/>
+          </a:prstGeom>
+          <a:ln>
+            <a:noFill/>
+          </a:ln>
+          <a:effectLst>
+            <a:outerShdw blurRad="292100" dist="139700" dir="2700000" algn="tl" rotWithShape="0">
+              <a:srgbClr val="333333">
+                <a:alpha val="65000"/>
+              </a:srgbClr>
+            </a:outerShdw>
+          </a:effectLst>
         </p:spPr>
       </p:pic>
       <p:sp>

--- a/Presentation/פרזנטציה פרויקט ויזואליזציה.pptx
+++ b/Presentation/פרזנטציה פרויקט ויזואליזציה.pptx
@@ -5,10 +5,10 @@
     <p:sldMasterId id="2147483648" r:id="rId1"/>
   </p:sldMasterIdLst>
   <p:notesMasterIdLst>
-    <p:notesMasterId r:id="rId12"/>
+    <p:notesMasterId r:id="rId14"/>
   </p:notesMasterIdLst>
   <p:handoutMasterIdLst>
-    <p:handoutMasterId r:id="rId13"/>
+    <p:handoutMasterId r:id="rId15"/>
   </p:handoutMasterIdLst>
   <p:sldIdLst>
     <p:sldId id="256" r:id="rId2"/>
@@ -18,9 +18,11 @@
     <p:sldId id="266" r:id="rId6"/>
     <p:sldId id="267" r:id="rId7"/>
     <p:sldId id="260" r:id="rId8"/>
-    <p:sldId id="261" r:id="rId9"/>
-    <p:sldId id="263" r:id="rId10"/>
-    <p:sldId id="265" r:id="rId11"/>
+    <p:sldId id="269" r:id="rId9"/>
+    <p:sldId id="268" r:id="rId10"/>
+    <p:sldId id="270" r:id="rId11"/>
+    <p:sldId id="263" r:id="rId12"/>
+    <p:sldId id="265" r:id="rId13"/>
   </p:sldIdLst>
   <p:sldSz cx="12192000" cy="6858000"/>
   <p:notesSz cx="6858000" cy="9144000"/>
@@ -3151,6 +3153,592 @@
 </file>
 
 <file path=ppt/slides/slide10.xml><?xml version="1.0" encoding="utf-8"?>
+<p:sld xmlns:a="http://schemas.openxmlformats.org/drawingml/2006/main" xmlns:r="http://schemas.openxmlformats.org/officeDocument/2006/relationships" xmlns:p="http://schemas.openxmlformats.org/presentationml/2006/main">
+  <p:cSld>
+    <p:spTree>
+      <p:nvGrpSpPr>
+        <p:cNvPr id="1" name=""/>
+        <p:cNvGrpSpPr/>
+        <p:nvPr/>
+      </p:nvGrpSpPr>
+      <p:grpSpPr>
+        <a:xfrm>
+          <a:off x="0" y="0"/>
+          <a:ext cx="0" cy="0"/>
+          <a:chOff x="0" y="0"/>
+          <a:chExt cx="0" cy="0"/>
+        </a:xfrm>
+      </p:grpSpPr>
+      <p:sp>
+        <p:nvSpPr>
+          <p:cNvPr id="2" name="Title 1">
+            <a:extLst>
+              <a:ext uri="{FF2B5EF4-FFF2-40B4-BE49-F238E27FC236}">
+                <a16:creationId xmlns:a16="http://schemas.microsoft.com/office/drawing/2014/main" id="{C8788649-498C-E58E-3483-F109891281AF}"/>
+              </a:ext>
+            </a:extLst>
+          </p:cNvPr>
+          <p:cNvSpPr txBox="1">
+            <a:spLocks/>
+          </p:cNvSpPr>
+          <p:nvPr/>
+        </p:nvSpPr>
+        <p:spPr bwMode="auto">
+          <a:xfrm>
+            <a:off x="7844044" y="682815"/>
+            <a:ext cx="2380488" cy="1036320"/>
+          </a:xfrm>
+          <a:prstGeom prst="rect">
+            <a:avLst/>
+          </a:prstGeom>
+          <a:noFill/>
+          <a:ln w="9525">
+            <a:noFill/>
+            <a:miter lim="800000"/>
+            <a:headEnd/>
+            <a:tailEnd/>
+          </a:ln>
+          <a:effectLst>
+            <a:outerShdw dist="17961" dir="2700000" algn="ctr" rotWithShape="0">
+              <a:schemeClr val="bg1"/>
+            </a:outerShdw>
+          </a:effectLst>
+        </p:spPr>
+        <p:txBody>
+          <a:bodyPr vert="horz" wrap="square" lIns="91440" tIns="45720" rIns="91440" bIns="45720" numCol="1" anchor="ctr" anchorCtr="0" compatLnSpc="1">
+            <a:prstTxWarp prst="textNoShape">
+              <a:avLst/>
+            </a:prstTxWarp>
+          </a:bodyPr>
+          <a:lstStyle>
+            <a:lvl1pPr algn="l" rtl="0" fontAlgn="base">
+              <a:spcBef>
+                <a:spcPct val="0"/>
+              </a:spcBef>
+              <a:spcAft>
+                <a:spcPct val="0"/>
+              </a:spcAft>
+              <a:defRPr sz="3200">
+                <a:solidFill>
+                  <a:schemeClr val="tx2"/>
+                </a:solidFill>
+                <a:latin typeface="+mj-lt"/>
+                <a:ea typeface="+mj-ea"/>
+                <a:cs typeface="+mj-cs"/>
+              </a:defRPr>
+            </a:lvl1pPr>
+            <a:lvl2pPr algn="l" rtl="0" fontAlgn="base">
+              <a:spcBef>
+                <a:spcPct val="0"/>
+              </a:spcBef>
+              <a:spcAft>
+                <a:spcPct val="0"/>
+              </a:spcAft>
+              <a:defRPr sz="3200">
+                <a:solidFill>
+                  <a:schemeClr val="tx2"/>
+                </a:solidFill>
+                <a:latin typeface="Arial" charset="0"/>
+              </a:defRPr>
+            </a:lvl2pPr>
+            <a:lvl3pPr algn="l" rtl="0" fontAlgn="base">
+              <a:spcBef>
+                <a:spcPct val="0"/>
+              </a:spcBef>
+              <a:spcAft>
+                <a:spcPct val="0"/>
+              </a:spcAft>
+              <a:defRPr sz="3200">
+                <a:solidFill>
+                  <a:schemeClr val="tx2"/>
+                </a:solidFill>
+                <a:latin typeface="Arial" charset="0"/>
+              </a:defRPr>
+            </a:lvl3pPr>
+            <a:lvl4pPr algn="l" rtl="0" fontAlgn="base">
+              <a:spcBef>
+                <a:spcPct val="0"/>
+              </a:spcBef>
+              <a:spcAft>
+                <a:spcPct val="0"/>
+              </a:spcAft>
+              <a:defRPr sz="3200">
+                <a:solidFill>
+                  <a:schemeClr val="tx2"/>
+                </a:solidFill>
+                <a:latin typeface="Arial" charset="0"/>
+              </a:defRPr>
+            </a:lvl4pPr>
+            <a:lvl5pPr algn="l" rtl="0" fontAlgn="base">
+              <a:spcBef>
+                <a:spcPct val="0"/>
+              </a:spcBef>
+              <a:spcAft>
+                <a:spcPct val="0"/>
+              </a:spcAft>
+              <a:defRPr sz="3200">
+                <a:solidFill>
+                  <a:schemeClr val="tx2"/>
+                </a:solidFill>
+                <a:latin typeface="Arial" charset="0"/>
+              </a:defRPr>
+            </a:lvl5pPr>
+            <a:lvl6pPr marL="457200" algn="l" rtl="0" fontAlgn="base">
+              <a:spcBef>
+                <a:spcPct val="0"/>
+              </a:spcBef>
+              <a:spcAft>
+                <a:spcPct val="0"/>
+              </a:spcAft>
+              <a:defRPr sz="3200">
+                <a:solidFill>
+                  <a:schemeClr val="tx2"/>
+                </a:solidFill>
+                <a:latin typeface="Arial" charset="0"/>
+              </a:defRPr>
+            </a:lvl6pPr>
+            <a:lvl7pPr marL="914400" algn="l" rtl="0" fontAlgn="base">
+              <a:spcBef>
+                <a:spcPct val="0"/>
+              </a:spcBef>
+              <a:spcAft>
+                <a:spcPct val="0"/>
+              </a:spcAft>
+              <a:defRPr sz="3200">
+                <a:solidFill>
+                  <a:schemeClr val="tx2"/>
+                </a:solidFill>
+                <a:latin typeface="Arial" charset="0"/>
+              </a:defRPr>
+            </a:lvl7pPr>
+            <a:lvl8pPr marL="1371600" algn="l" rtl="0" fontAlgn="base">
+              <a:spcBef>
+                <a:spcPct val="0"/>
+              </a:spcBef>
+              <a:spcAft>
+                <a:spcPct val="0"/>
+              </a:spcAft>
+              <a:defRPr sz="3200">
+                <a:solidFill>
+                  <a:schemeClr val="tx2"/>
+                </a:solidFill>
+                <a:latin typeface="Arial" charset="0"/>
+              </a:defRPr>
+            </a:lvl8pPr>
+            <a:lvl9pPr marL="1828800" algn="l" rtl="0" fontAlgn="base">
+              <a:spcBef>
+                <a:spcPct val="0"/>
+              </a:spcBef>
+              <a:spcAft>
+                <a:spcPct val="0"/>
+              </a:spcAft>
+              <a:defRPr sz="3200">
+                <a:solidFill>
+                  <a:schemeClr val="tx2"/>
+                </a:solidFill>
+                <a:latin typeface="Arial" charset="0"/>
+              </a:defRPr>
+            </a:lvl9pPr>
+          </a:lstStyle>
+          <a:p>
+            <a:pPr algn="r" rtl="1"/>
+            <a:r>
+              <a:rPr lang="he-IL" sz="5400" kern="0">
+                <a:latin typeface="Aharoni" panose="02010803020104030203" pitchFamily="2" charset="-79"/>
+                <a:cs typeface="Aharoni" panose="02010803020104030203" pitchFamily="2" charset="-79"/>
+              </a:rPr>
+              <a:t>חלופה 2</a:t>
+            </a:r>
+            <a:endParaRPr lang="en-IL" sz="5400" kern="0" dirty="0">
+              <a:latin typeface="Aharoni" panose="02010803020104030203" pitchFamily="2" charset="-79"/>
+              <a:cs typeface="Aharoni" panose="02010803020104030203" pitchFamily="2" charset="-79"/>
+            </a:endParaRPr>
+          </a:p>
+        </p:txBody>
+      </p:sp>
+      <p:sp>
+        <p:nvSpPr>
+          <p:cNvPr id="3" name="TextBox 5">
+            <a:extLst>
+              <a:ext uri="{FF2B5EF4-FFF2-40B4-BE49-F238E27FC236}">
+                <a16:creationId xmlns:a16="http://schemas.microsoft.com/office/drawing/2014/main" id="{A20AD2BE-2BCB-7958-F7D4-A2D1DF858A72}"/>
+              </a:ext>
+            </a:extLst>
+          </p:cNvPr>
+          <p:cNvSpPr txBox="1"/>
+          <p:nvPr/>
+        </p:nvSpPr>
+        <p:spPr>
+          <a:xfrm>
+            <a:off x="4943872" y="2348880"/>
+            <a:ext cx="6900672" cy="2985433"/>
+          </a:xfrm>
+          <a:prstGeom prst="rect">
+            <a:avLst/>
+          </a:prstGeom>
+          <a:noFill/>
+        </p:spPr>
+        <p:txBody>
+          <a:bodyPr wrap="square" rtlCol="0">
+            <a:spAutoFit/>
+          </a:bodyPr>
+          <a:lstStyle/>
+          <a:p>
+            <a:pPr marL="0" algn="r" rtl="1"/>
+            <a:r>
+              <a:rPr lang="he-IL" sz="2800" dirty="0">
+                <a:latin typeface="Aharoni" panose="02010803020104030203" pitchFamily="2" charset="-79"/>
+                <a:cs typeface="Aharoni" panose="02010803020104030203" pitchFamily="2" charset="-79"/>
+              </a:rPr>
+              <a:t>יתרונות –</a:t>
+            </a:r>
+          </a:p>
+          <a:p>
+            <a:pPr marL="285750" indent="-285750" algn="r" rtl="1">
+              <a:buFont typeface="Wingdings" pitchFamily="2" charset="2"/>
+              <a:buChar char="ü"/>
+            </a:pPr>
+            <a:r>
+              <a:rPr lang="he-IL" sz="2200" dirty="0">
+                <a:latin typeface="Aharoni" panose="02010803020104030203" pitchFamily="2" charset="-79"/>
+                <a:cs typeface="Aharoni" panose="02010803020104030203" pitchFamily="2" charset="-79"/>
+              </a:rPr>
+              <a:t>מטריצת הפיזור מאפשרת זיהוי דפוסים מורכבים ונקודות חריגות בצורה יעילה.</a:t>
+            </a:r>
+          </a:p>
+          <a:p>
+            <a:pPr marL="285750" indent="-285750" algn="r" rtl="1">
+              <a:buFont typeface="Wingdings" pitchFamily="2" charset="2"/>
+              <a:buChar char="ü"/>
+            </a:pPr>
+            <a:r>
+              <a:rPr lang="he-IL" sz="2200" dirty="0">
+                <a:latin typeface="Aharoni" panose="02010803020104030203" pitchFamily="2" charset="-79"/>
+                <a:cs typeface="Aharoni" panose="02010803020104030203" pitchFamily="2" charset="-79"/>
+              </a:rPr>
+              <a:t>היא מסייעת לאתר ערכים יוצאי דופן, להבין האם קיימים קשרים לא ליניאריים בין משתנים</a:t>
+            </a:r>
+            <a:endParaRPr lang="he-IL" sz="2800" dirty="0">
+              <a:latin typeface="Aharoni" panose="02010803020104030203" pitchFamily="2" charset="-79"/>
+              <a:cs typeface="Aharoni" panose="02010803020104030203" pitchFamily="2" charset="-79"/>
+            </a:endParaRPr>
+          </a:p>
+          <a:p>
+            <a:pPr algn="r" rtl="1"/>
+            <a:r>
+              <a:rPr lang="he-IL" sz="2800" dirty="0">
+                <a:latin typeface="Aharoni" panose="02010803020104030203" pitchFamily="2" charset="-79"/>
+                <a:cs typeface="Aharoni" panose="02010803020104030203" pitchFamily="2" charset="-79"/>
+              </a:rPr>
+              <a:t>חסרונות –</a:t>
+            </a:r>
+          </a:p>
+          <a:p>
+            <a:pPr marL="285750" indent="-285750" algn="r" defTabSz="914400" rtl="1" eaLnBrk="1" latinLnBrk="0" hangingPunct="1">
+              <a:buFont typeface="System Font Regular"/>
+              <a:buChar char="X"/>
+            </a:pPr>
+            <a:r>
+              <a:rPr lang="he-IL" sz="2200" dirty="0">
+                <a:latin typeface="Aharoni" panose="02010803020104030203" pitchFamily="2" charset="-79"/>
+                <a:cs typeface="Aharoni" panose="02010803020104030203" pitchFamily="2" charset="-79"/>
+              </a:rPr>
+              <a:t>כאשר כמות המשתנים גדולה או הנתונים צפופים מאוד, הגרף עלול להפוך לעמוס וקשה לקריאה.</a:t>
+            </a:r>
+          </a:p>
+        </p:txBody>
+      </p:sp>
+      <p:cxnSp>
+        <p:nvCxnSpPr>
+          <p:cNvPr id="4" name="Straight Connector 6">
+            <a:extLst>
+              <a:ext uri="{FF2B5EF4-FFF2-40B4-BE49-F238E27FC236}">
+                <a16:creationId xmlns:a16="http://schemas.microsoft.com/office/drawing/2014/main" id="{0F53EA7A-ABCA-5A06-9692-C1F1F4435769}"/>
+              </a:ext>
+            </a:extLst>
+          </p:cNvPr>
+          <p:cNvCxnSpPr>
+            <a:cxnSpLocks/>
+          </p:cNvCxnSpPr>
+          <p:nvPr/>
+        </p:nvCxnSpPr>
+        <p:spPr>
+          <a:xfrm>
+            <a:off x="6345952" y="1961544"/>
+            <a:ext cx="5376672" cy="0"/>
+          </a:xfrm>
+          <a:prstGeom prst="line">
+            <a:avLst/>
+          </a:prstGeom>
+          <a:ln/>
+        </p:spPr>
+        <p:style>
+          <a:lnRef idx="3">
+            <a:schemeClr val="dk1"/>
+          </a:lnRef>
+          <a:fillRef idx="0">
+            <a:schemeClr val="dk1"/>
+          </a:fillRef>
+          <a:effectRef idx="2">
+            <a:schemeClr val="dk1"/>
+          </a:effectRef>
+          <a:fontRef idx="minor">
+            <a:schemeClr val="tx1"/>
+          </a:fontRef>
+        </p:style>
+      </p:cxnSp>
+      <p:pic>
+        <p:nvPicPr>
+          <p:cNvPr id="8" name="תמונה 7">
+            <a:extLst>
+              <a:ext uri="{FF2B5EF4-FFF2-40B4-BE49-F238E27FC236}">
+                <a16:creationId xmlns:a16="http://schemas.microsoft.com/office/drawing/2014/main" id="{292B26B3-1B9D-E593-8194-742E51D76E49}"/>
+              </a:ext>
+            </a:extLst>
+          </p:cNvPr>
+          <p:cNvPicPr>
+            <a:picLocks noChangeAspect="1"/>
+          </p:cNvPicPr>
+          <p:nvPr/>
+        </p:nvPicPr>
+        <p:blipFill>
+          <a:blip r:embed="rId2"/>
+          <a:stretch>
+            <a:fillRect/>
+          </a:stretch>
+        </p:blipFill>
+        <p:spPr>
+          <a:xfrm>
+            <a:off x="295312" y="836712"/>
+            <a:ext cx="4692372" cy="4875192"/>
+          </a:xfrm>
+          <a:prstGeom prst="rect">
+            <a:avLst/>
+          </a:prstGeom>
+          <a:ln>
+            <a:noFill/>
+          </a:ln>
+          <a:effectLst>
+            <a:outerShdw blurRad="292100" dist="139700" dir="2700000" algn="tl" rotWithShape="0">
+              <a:srgbClr val="333333">
+                <a:alpha val="65000"/>
+              </a:srgbClr>
+            </a:outerShdw>
+          </a:effectLst>
+        </p:spPr>
+      </p:pic>
+    </p:spTree>
+    <p:extLst>
+      <p:ext uri="{BB962C8B-B14F-4D97-AF65-F5344CB8AC3E}">
+        <p14:creationId xmlns:p14="http://schemas.microsoft.com/office/powerpoint/2010/main" val="4229242271"/>
+      </p:ext>
+    </p:extLst>
+  </p:cSld>
+  <p:clrMapOvr>
+    <a:masterClrMapping/>
+  </p:clrMapOvr>
+  <mc:AlternateContent xmlns:mc="http://schemas.openxmlformats.org/markup-compatibility/2006" xmlns:p14="http://schemas.microsoft.com/office/powerpoint/2010/main">
+    <mc:Choice Requires="p14">
+      <p:transition spd="slow" p14:dur="1200">
+        <p14:prism/>
+      </p:transition>
+    </mc:Choice>
+    <mc:Fallback xmlns="">
+      <p:transition spd="slow">
+        <p:fade/>
+      </p:transition>
+    </mc:Fallback>
+  </mc:AlternateContent>
+</p:sld>
+</file>
+
+<file path=ppt/slides/slide11.xml><?xml version="1.0" encoding="utf-8"?>
+<p:sld xmlns:a="http://schemas.openxmlformats.org/drawingml/2006/main" xmlns:r="http://schemas.openxmlformats.org/officeDocument/2006/relationships" xmlns:p="http://schemas.openxmlformats.org/presentationml/2006/main">
+  <p:cSld>
+    <p:spTree>
+      <p:nvGrpSpPr>
+        <p:cNvPr id="1" name=""/>
+        <p:cNvGrpSpPr/>
+        <p:nvPr/>
+      </p:nvGrpSpPr>
+      <p:grpSpPr>
+        <a:xfrm>
+          <a:off x="0" y="0"/>
+          <a:ext cx="0" cy="0"/>
+          <a:chOff x="0" y="0"/>
+          <a:chExt cx="0" cy="0"/>
+        </a:xfrm>
+      </p:grpSpPr>
+      <p:sp>
+        <p:nvSpPr>
+          <p:cNvPr id="2" name="כותרת 1">
+            <a:extLst>
+              <a:ext uri="{FF2B5EF4-FFF2-40B4-BE49-F238E27FC236}">
+                <a16:creationId xmlns:a16="http://schemas.microsoft.com/office/drawing/2014/main" id="{15A8477D-9A26-101F-79D4-2C7DEE9D74D7}"/>
+              </a:ext>
+            </a:extLst>
+          </p:cNvPr>
+          <p:cNvSpPr>
+            <a:spLocks noGrp="1"/>
+          </p:cNvSpPr>
+          <p:nvPr>
+            <p:ph type="title"/>
+          </p:nvPr>
+        </p:nvSpPr>
+        <p:spPr>
+          <a:xfrm>
+            <a:off x="4079776" y="403226"/>
+            <a:ext cx="4032448" cy="939701"/>
+          </a:xfrm>
+        </p:spPr>
+        <p:txBody>
+          <a:bodyPr/>
+          <a:lstStyle/>
+          <a:p>
+            <a:pPr algn="ctr"/>
+            <a:r>
+              <a:rPr lang="en-US" sz="5400" b="1" dirty="0"/>
+              <a:t>Dashboard</a:t>
+            </a:r>
+            <a:endParaRPr lang="en-US" b="1" dirty="0"/>
+          </a:p>
+        </p:txBody>
+      </p:sp>
+      <p:sp>
+        <p:nvSpPr>
+          <p:cNvPr id="3" name="מציין מיקום תוכן 2">
+            <a:extLst>
+              <a:ext uri="{FF2B5EF4-FFF2-40B4-BE49-F238E27FC236}">
+                <a16:creationId xmlns:a16="http://schemas.microsoft.com/office/drawing/2014/main" id="{4AD3EE39-0A55-F859-A1E9-1B7C094600E4}"/>
+              </a:ext>
+            </a:extLst>
+          </p:cNvPr>
+          <p:cNvSpPr>
+            <a:spLocks noGrp="1"/>
+          </p:cNvSpPr>
+          <p:nvPr>
+            <p:ph idx="1"/>
+          </p:nvPr>
+        </p:nvSpPr>
+        <p:spPr>
+          <a:xfrm>
+            <a:off x="2424114" y="2348880"/>
+            <a:ext cx="7343775" cy="2952329"/>
+          </a:xfrm>
+        </p:spPr>
+        <p:txBody>
+          <a:bodyPr/>
+          <a:lstStyle/>
+          <a:p>
+            <a:endParaRPr lang="en-US" dirty="0"/>
+          </a:p>
+        </p:txBody>
+      </p:sp>
+      <p:pic>
+        <p:nvPicPr>
+          <p:cNvPr id="1026" name="Picture 2" descr="Building your first Streamlit app for non-python users | by Adam Morton |  Snowflake Builders Blog: Data Engineers, App Developers, AI/ML, &amp; Data  Science | Medium">
+            <a:hlinkClick r:id="rId2"/>
+            <a:extLst>
+              <a:ext uri="{FF2B5EF4-FFF2-40B4-BE49-F238E27FC236}">
+                <a16:creationId xmlns:a16="http://schemas.microsoft.com/office/drawing/2014/main" id="{4EF06839-915A-70A9-96AC-FB475F43909F}"/>
+              </a:ext>
+            </a:extLst>
+          </p:cNvPr>
+          <p:cNvPicPr>
+            <a:picLocks noChangeAspect="1" noChangeArrowheads="1"/>
+          </p:cNvPicPr>
+          <p:nvPr/>
+        </p:nvPicPr>
+        <p:blipFill>
+          <a:blip r:embed="rId3">
+            <a:extLst>
+              <a:ext uri="{28A0092B-C50C-407E-A947-70E740481C1C}">
+                <a14:useLocalDpi xmlns:a14="http://schemas.microsoft.com/office/drawing/2010/main" val="0"/>
+              </a:ext>
+            </a:extLst>
+          </a:blip>
+          <a:srcRect/>
+          <a:stretch>
+            <a:fillRect/>
+          </a:stretch>
+        </p:blipFill>
+        <p:spPr bwMode="auto">
+          <a:xfrm>
+            <a:off x="2243572" y="1700808"/>
+            <a:ext cx="7704856" cy="4026322"/>
+          </a:xfrm>
+          <a:prstGeom prst="rect">
+            <a:avLst/>
+          </a:prstGeom>
+          <a:solidFill>
+            <a:srgbClr val="FFFFFF">
+              <a:shade val="85000"/>
+            </a:srgbClr>
+          </a:solidFill>
+          <a:ln w="190500" cap="sq">
+            <a:solidFill>
+              <a:srgbClr val="FFFFFF"/>
+            </a:solidFill>
+            <a:miter lim="800000"/>
+          </a:ln>
+          <a:effectLst>
+            <a:outerShdw blurRad="65000" dist="50800" dir="12900000" kx="195000" ky="145000" algn="tl" rotWithShape="0">
+              <a:srgbClr val="000000">
+                <a:alpha val="30000"/>
+              </a:srgbClr>
+            </a:outerShdw>
+          </a:effectLst>
+          <a:scene3d>
+            <a:camera prst="orthographicFront">
+              <a:rot lat="0" lon="0" rev="360000"/>
+            </a:camera>
+            <a:lightRig rig="twoPt" dir="t">
+              <a:rot lat="0" lon="0" rev="7200000"/>
+            </a:lightRig>
+          </a:scene3d>
+          <a:sp3d contourW="12700">
+            <a:bevelT w="25400" h="19050"/>
+            <a:contourClr>
+              <a:srgbClr val="969696"/>
+            </a:contourClr>
+          </a:sp3d>
+          <a:extLst>
+            <a:ext uri="{909E8E84-426E-40DD-AFC4-6F175D3DCCD1}">
+              <a14:hiddenFill xmlns:a14="http://schemas.microsoft.com/office/drawing/2010/main">
+                <a:solidFill>
+                  <a:srgbClr val="FFFFFF"/>
+                </a:solidFill>
+              </a14:hiddenFill>
+            </a:ext>
+          </a:extLst>
+        </p:spPr>
+      </p:pic>
+    </p:spTree>
+    <p:extLst>
+      <p:ext uri="{BB962C8B-B14F-4D97-AF65-F5344CB8AC3E}">
+        <p14:creationId xmlns:p14="http://schemas.microsoft.com/office/powerpoint/2010/main" val="2104904782"/>
+      </p:ext>
+    </p:extLst>
+  </p:cSld>
+  <p:clrMapOvr>
+    <a:masterClrMapping/>
+  </p:clrMapOvr>
+  <mc:AlternateContent xmlns:mc="http://schemas.openxmlformats.org/markup-compatibility/2006" xmlns:p14="http://schemas.microsoft.com/office/powerpoint/2010/main">
+    <mc:Choice Requires="p14">
+      <p:transition spd="slow" p14:dur="1200">
+        <p14:prism/>
+      </p:transition>
+    </mc:Choice>
+    <mc:Fallback xmlns="">
+      <p:transition spd="slow">
+        <p:fade/>
+      </p:transition>
+    </mc:Fallback>
+  </mc:AlternateContent>
+</p:sld>
+</file>
+
+<file path=ppt/slides/slide12.xml><?xml version="1.0" encoding="utf-8"?>
 <p:sld xmlns:a="http://schemas.openxmlformats.org/drawingml/2006/main" xmlns:r="http://schemas.openxmlformats.org/officeDocument/2006/relationships" xmlns:p="http://schemas.openxmlformats.org/presentationml/2006/main">
   <p:cSld>
     <p:spTree>
@@ -6665,13 +7253,7 @@
   <p:cSld>
     <p:spTree>
       <p:nvGrpSpPr>
-        <p:cNvPr id="1" name="">
-          <a:extLst>
-            <a:ext uri="{FF2B5EF4-FFF2-40B4-BE49-F238E27FC236}">
-              <a16:creationId xmlns:a16="http://schemas.microsoft.com/office/drawing/2014/main" id="{10B2665E-DA9A-C77B-C646-34EA233B056C}"/>
-            </a:ext>
-          </a:extLst>
-        </p:cNvPr>
+        <p:cNvPr id="1" name=""/>
         <p:cNvGrpSpPr/>
         <p:nvPr/>
       </p:nvGrpSpPr>
@@ -6685,1304 +7267,241 @@
       </p:grpSpPr>
       <p:sp>
         <p:nvSpPr>
-          <p:cNvPr id="36866" name="Rectangle 2">
+          <p:cNvPr id="2" name="כותרת 1">
             <a:extLst>
               <a:ext uri="{FF2B5EF4-FFF2-40B4-BE49-F238E27FC236}">
-                <a16:creationId xmlns:a16="http://schemas.microsoft.com/office/drawing/2014/main" id="{63E2C606-FBC4-6E7C-6583-CB46034B573D}"/>
+                <a16:creationId xmlns:a16="http://schemas.microsoft.com/office/drawing/2014/main" id="{99B437A8-8691-6220-519F-27EA20E1EEDE}"/>
               </a:ext>
             </a:extLst>
           </p:cNvPr>
           <p:cNvSpPr>
-            <a:spLocks noGrp="1" noChangeArrowheads="1"/>
+            <a:spLocks noGrp="1"/>
           </p:cNvSpPr>
           <p:nvPr>
             <p:ph type="title"/>
           </p:nvPr>
         </p:nvSpPr>
-        <p:spPr>
-          <a:xfrm>
-            <a:off x="2927351" y="0"/>
-            <a:ext cx="4321175" cy="649288"/>
-          </a:xfrm>
-        </p:spPr>
+        <p:spPr/>
         <p:txBody>
           <a:bodyPr/>
           <a:lstStyle/>
           <a:p>
             <a:r>
-              <a:rPr lang="en-US" sz="3600" b="1" dirty="0">
-                <a:latin typeface="Tahoma" charset="0"/>
-              </a:rPr>
-              <a:t>Task 3</a:t>
-            </a:r>
-            <a:endParaRPr lang="uk-UA" sz="3600" b="1" dirty="0">
-              <a:latin typeface="Tahoma" charset="0"/>
-            </a:endParaRPr>
+              <a:rPr lang="he-IL" dirty="0"/>
+              <a:t> </a:t>
+            </a:r>
           </a:p>
         </p:txBody>
       </p:sp>
       <p:sp>
         <p:nvSpPr>
-          <p:cNvPr id="36867" name="Rectangle 3">
+          <p:cNvPr id="4" name="Title 1">
             <a:extLst>
               <a:ext uri="{FF2B5EF4-FFF2-40B4-BE49-F238E27FC236}">
-                <a16:creationId xmlns:a16="http://schemas.microsoft.com/office/drawing/2014/main" id="{C717D8C0-F857-976C-EB66-F73B58ABF5BE}"/>
+                <a16:creationId xmlns:a16="http://schemas.microsoft.com/office/drawing/2014/main" id="{0A8AE8B9-C67A-C0F3-963F-3FAFA2725EA9}"/>
               </a:ext>
             </a:extLst>
           </p:cNvPr>
-          <p:cNvSpPr>
-            <a:spLocks noGrp="1" noChangeArrowheads="1"/>
+          <p:cNvSpPr txBox="1">
+            <a:spLocks/>
           </p:cNvSpPr>
-          <p:nvPr>
-            <p:ph type="body" idx="1"/>
-          </p:nvPr>
+          <p:nvPr/>
         </p:nvSpPr>
-        <p:spPr>
+        <p:spPr bwMode="auto">
           <a:xfrm>
-            <a:off x="2711450" y="981076"/>
-            <a:ext cx="6502400" cy="4900613"/>
+            <a:off x="2207568" y="3068960"/>
+            <a:ext cx="8072374" cy="953162"/>
           </a:xfrm>
+          <a:prstGeom prst="rect">
+            <a:avLst/>
+          </a:prstGeom>
+          <a:noFill/>
+          <a:ln w="9525">
+            <a:noFill/>
+            <a:miter lim="800000"/>
+            <a:headEnd/>
+            <a:tailEnd/>
+          </a:ln>
+          <a:effectLst>
+            <a:outerShdw dist="17961" dir="2700000" algn="ctr" rotWithShape="0">
+              <a:schemeClr val="bg1"/>
+            </a:outerShdw>
+          </a:effectLst>
         </p:spPr>
         <p:txBody>
-          <a:bodyPr/>
-          <a:lstStyle/>
-          <a:p>
-            <a:pPr>
+          <a:bodyPr vert="horz" wrap="square" lIns="91440" tIns="45720" rIns="91440" bIns="45720" numCol="1" anchor="ctr" anchorCtr="0" compatLnSpc="1">
+            <a:prstTxWarp prst="textNoShape">
+              <a:avLst/>
+            </a:prstTxWarp>
+            <a:noAutofit/>
+          </a:bodyPr>
+          <a:lstStyle>
+            <a:lvl1pPr algn="l" rtl="0" fontAlgn="base">
+              <a:spcBef>
+                <a:spcPct val="0"/>
+              </a:spcBef>
+              <a:spcAft>
+                <a:spcPct val="0"/>
+              </a:spcAft>
+              <a:defRPr sz="3200">
+                <a:solidFill>
+                  <a:schemeClr val="tx2"/>
+                </a:solidFill>
+                <a:latin typeface="+mj-lt"/>
+                <a:ea typeface="+mj-ea"/>
+                <a:cs typeface="+mj-cs"/>
+              </a:defRPr>
+            </a:lvl1pPr>
+            <a:lvl2pPr algn="l" rtl="0" fontAlgn="base">
+              <a:spcBef>
+                <a:spcPct val="0"/>
+              </a:spcBef>
+              <a:spcAft>
+                <a:spcPct val="0"/>
+              </a:spcAft>
+              <a:defRPr sz="3200">
+                <a:solidFill>
+                  <a:schemeClr val="tx2"/>
+                </a:solidFill>
+                <a:latin typeface="Arial" charset="0"/>
+              </a:defRPr>
+            </a:lvl2pPr>
+            <a:lvl3pPr algn="l" rtl="0" fontAlgn="base">
+              <a:spcBef>
+                <a:spcPct val="0"/>
+              </a:spcBef>
+              <a:spcAft>
+                <a:spcPct val="0"/>
+              </a:spcAft>
+              <a:defRPr sz="3200">
+                <a:solidFill>
+                  <a:schemeClr val="tx2"/>
+                </a:solidFill>
+                <a:latin typeface="Arial" charset="0"/>
+              </a:defRPr>
+            </a:lvl3pPr>
+            <a:lvl4pPr algn="l" rtl="0" fontAlgn="base">
+              <a:spcBef>
+                <a:spcPct val="0"/>
+              </a:spcBef>
+              <a:spcAft>
+                <a:spcPct val="0"/>
+              </a:spcAft>
+              <a:defRPr sz="3200">
+                <a:solidFill>
+                  <a:schemeClr val="tx2"/>
+                </a:solidFill>
+                <a:latin typeface="Arial" charset="0"/>
+              </a:defRPr>
+            </a:lvl4pPr>
+            <a:lvl5pPr algn="l" rtl="0" fontAlgn="base">
+              <a:spcBef>
+                <a:spcPct val="0"/>
+              </a:spcBef>
+              <a:spcAft>
+                <a:spcPct val="0"/>
+              </a:spcAft>
+              <a:defRPr sz="3200">
+                <a:solidFill>
+                  <a:schemeClr val="tx2"/>
+                </a:solidFill>
+                <a:latin typeface="Arial" charset="0"/>
+              </a:defRPr>
+            </a:lvl5pPr>
+            <a:lvl6pPr marL="457200" algn="l" rtl="0" fontAlgn="base">
+              <a:spcBef>
+                <a:spcPct val="0"/>
+              </a:spcBef>
+              <a:spcAft>
+                <a:spcPct val="0"/>
+              </a:spcAft>
+              <a:defRPr sz="3200">
+                <a:solidFill>
+                  <a:schemeClr val="tx2"/>
+                </a:solidFill>
+                <a:latin typeface="Arial" charset="0"/>
+              </a:defRPr>
+            </a:lvl6pPr>
+            <a:lvl7pPr marL="914400" algn="l" rtl="0" fontAlgn="base">
+              <a:spcBef>
+                <a:spcPct val="0"/>
+              </a:spcBef>
+              <a:spcAft>
+                <a:spcPct val="0"/>
+              </a:spcAft>
+              <a:defRPr sz="3200">
+                <a:solidFill>
+                  <a:schemeClr val="tx2"/>
+                </a:solidFill>
+                <a:latin typeface="Arial" charset="0"/>
+              </a:defRPr>
+            </a:lvl7pPr>
+            <a:lvl8pPr marL="1371600" algn="l" rtl="0" fontAlgn="base">
+              <a:spcBef>
+                <a:spcPct val="0"/>
+              </a:spcBef>
+              <a:spcAft>
+                <a:spcPct val="0"/>
+              </a:spcAft>
+              <a:defRPr sz="3200">
+                <a:solidFill>
+                  <a:schemeClr val="tx2"/>
+                </a:solidFill>
+                <a:latin typeface="Arial" charset="0"/>
+              </a:defRPr>
+            </a:lvl8pPr>
+            <a:lvl9pPr marL="1828800" algn="l" rtl="0" fontAlgn="base">
+              <a:spcBef>
+                <a:spcPct val="0"/>
+              </a:spcBef>
+              <a:spcAft>
+                <a:spcPct val="0"/>
+              </a:spcAft>
+              <a:defRPr sz="3200">
+                <a:solidFill>
+                  <a:schemeClr val="tx2"/>
+                </a:solidFill>
+                <a:latin typeface="Arial" charset="0"/>
+              </a:defRPr>
+            </a:lvl9pPr>
+          </a:lstStyle>
+          <a:p>
+            <a:pPr algn="ctr" rtl="1">
               <a:lnSpc>
                 <a:spcPct val="90000"/>
               </a:lnSpc>
             </a:pPr>
             <a:r>
-              <a:rPr lang="en-US" altLang="ko-KR" sz="2000" dirty="0">
-                <a:latin typeface="Verdana" pitchFamily="34" charset="0"/>
-                <a:ea typeface="굴림" charset="-127"/>
-              </a:rPr>
-              <a:t>Your Text here</a:t>
-            </a:r>
-          </a:p>
-          <a:p>
-            <a:pPr>
+              <a:rPr lang="he-IL" sz="5400" b="1" dirty="0">
+                <a:latin typeface="Aharoni" panose="02010803020104030203" pitchFamily="2" charset="-79"/>
+                <a:ea typeface="+mj-ea"/>
+                <a:cs typeface="Aharoni" panose="02010803020104030203" pitchFamily="2" charset="-79"/>
+              </a:rPr>
+              <a:t>שאלה 3: האם קיים קשר בין כמות המחבלים באירוע לכמות הנפגעים?</a:t>
+            </a:r>
+            <a:endParaRPr lang="en-US" sz="5400" b="1" dirty="0">
+              <a:latin typeface="Aharoni" panose="02010803020104030203" pitchFamily="2" charset="-79"/>
+              <a:ea typeface="+mj-ea"/>
+              <a:cs typeface="Aharoni" panose="02010803020104030203" pitchFamily="2" charset="-79"/>
+            </a:endParaRPr>
+          </a:p>
+          <a:p>
+            <a:pPr algn="ctr" rtl="1">
               <a:lnSpc>
                 <a:spcPct val="90000"/>
               </a:lnSpc>
             </a:pPr>
-            <a:endParaRPr lang="en-US" altLang="ko-KR" sz="2000" dirty="0">
-              <a:latin typeface="Verdana" pitchFamily="34" charset="0"/>
-              <a:ea typeface="굴림" charset="-127"/>
+            <a:endParaRPr lang="en-IL" sz="5400" b="1" kern="0" dirty="0">
+              <a:latin typeface="Aharoni" panose="02010803020104030203" pitchFamily="2" charset="-79"/>
+              <a:cs typeface="Aharoni" panose="02010803020104030203" pitchFamily="2" charset="-79"/>
             </a:endParaRPr>
-          </a:p>
-          <a:p>
-            <a:pPr>
-              <a:lnSpc>
-                <a:spcPct val="90000"/>
-              </a:lnSpc>
-            </a:pPr>
-            <a:r>
-              <a:rPr lang="ru-RU" altLang="ko-KR" sz="2000" dirty="0" err="1">
-                <a:latin typeface="Verdana" pitchFamily="34" charset="0"/>
-                <a:ea typeface="굴림" charset="-127"/>
-              </a:rPr>
-              <a:t>Lorem</a:t>
-            </a:r>
-            <a:r>
-              <a:rPr lang="ru-RU" altLang="ko-KR" sz="2000" dirty="0">
-                <a:latin typeface="Verdana" pitchFamily="34" charset="0"/>
-                <a:ea typeface="굴림" charset="-127"/>
-              </a:rPr>
-              <a:t> </a:t>
-            </a:r>
-            <a:r>
-              <a:rPr lang="ru-RU" altLang="ko-KR" sz="2000" dirty="0" err="1">
-                <a:latin typeface="Verdana" pitchFamily="34" charset="0"/>
-                <a:ea typeface="굴림" charset="-127"/>
-              </a:rPr>
-              <a:t>ipsum</a:t>
-            </a:r>
-            <a:r>
-              <a:rPr lang="ru-RU" altLang="ko-KR" sz="2000" dirty="0">
-                <a:latin typeface="Verdana" pitchFamily="34" charset="0"/>
-                <a:ea typeface="굴림" charset="-127"/>
-              </a:rPr>
-              <a:t> </a:t>
-            </a:r>
-            <a:r>
-              <a:rPr lang="ru-RU" altLang="ko-KR" sz="2000" dirty="0" err="1">
-                <a:latin typeface="Verdana" pitchFamily="34" charset="0"/>
-                <a:ea typeface="굴림" charset="-127"/>
-              </a:rPr>
-              <a:t>dolor</a:t>
-            </a:r>
-            <a:r>
-              <a:rPr lang="ru-RU" altLang="ko-KR" sz="2000" dirty="0">
-                <a:latin typeface="Verdana" pitchFamily="34" charset="0"/>
-                <a:ea typeface="굴림" charset="-127"/>
-              </a:rPr>
-              <a:t> </a:t>
-            </a:r>
-            <a:r>
-              <a:rPr lang="ru-RU" altLang="ko-KR" sz="2000" dirty="0" err="1">
-                <a:latin typeface="Verdana" pitchFamily="34" charset="0"/>
-                <a:ea typeface="굴림" charset="-127"/>
-              </a:rPr>
-              <a:t>sit</a:t>
-            </a:r>
-            <a:r>
-              <a:rPr lang="ru-RU" altLang="ko-KR" sz="2000" dirty="0">
-                <a:latin typeface="Verdana" pitchFamily="34" charset="0"/>
-                <a:ea typeface="굴림" charset="-127"/>
-              </a:rPr>
-              <a:t> </a:t>
-            </a:r>
-            <a:r>
-              <a:rPr lang="ru-RU" altLang="ko-KR" sz="2000" dirty="0" err="1">
-                <a:latin typeface="Verdana" pitchFamily="34" charset="0"/>
-                <a:ea typeface="굴림" charset="-127"/>
-              </a:rPr>
-              <a:t>amet</a:t>
-            </a:r>
-            <a:r>
-              <a:rPr lang="ru-RU" altLang="ko-KR" sz="2000" dirty="0">
-                <a:latin typeface="Verdana" pitchFamily="34" charset="0"/>
-                <a:ea typeface="굴림" charset="-127"/>
-              </a:rPr>
-              <a:t>, </a:t>
-            </a:r>
-            <a:r>
-              <a:rPr lang="ru-RU" altLang="ko-KR" sz="2000" dirty="0" err="1">
-                <a:latin typeface="Verdana" pitchFamily="34" charset="0"/>
-                <a:ea typeface="굴림" charset="-127"/>
-              </a:rPr>
-              <a:t>consectetuer</a:t>
-            </a:r>
-            <a:r>
-              <a:rPr lang="ru-RU" altLang="ko-KR" sz="2000" dirty="0">
-                <a:latin typeface="Verdana" pitchFamily="34" charset="0"/>
-                <a:ea typeface="굴림" charset="-127"/>
-              </a:rPr>
-              <a:t> </a:t>
-            </a:r>
-            <a:r>
-              <a:rPr lang="ru-RU" altLang="ko-KR" sz="2000" dirty="0" err="1">
-                <a:latin typeface="Verdana" pitchFamily="34" charset="0"/>
-                <a:ea typeface="굴림" charset="-127"/>
-              </a:rPr>
-              <a:t>adipiscing</a:t>
-            </a:r>
-            <a:r>
-              <a:rPr lang="ru-RU" altLang="ko-KR" sz="2000" dirty="0">
-                <a:latin typeface="Verdana" pitchFamily="34" charset="0"/>
-                <a:ea typeface="굴림" charset="-127"/>
-              </a:rPr>
-              <a:t> </a:t>
-            </a:r>
-            <a:r>
-              <a:rPr lang="ru-RU" altLang="ko-KR" sz="2000" dirty="0" err="1">
-                <a:latin typeface="Verdana" pitchFamily="34" charset="0"/>
-                <a:ea typeface="굴림" charset="-127"/>
-              </a:rPr>
-              <a:t>elit</a:t>
-            </a:r>
-            <a:r>
-              <a:rPr lang="ru-RU" altLang="ko-KR" sz="2000" dirty="0">
-                <a:latin typeface="Verdana" pitchFamily="34" charset="0"/>
-                <a:ea typeface="굴림" charset="-127"/>
-              </a:rPr>
-              <a:t>, </a:t>
-            </a:r>
-            <a:r>
-              <a:rPr lang="ru-RU" altLang="ko-KR" sz="2000" dirty="0" err="1">
-                <a:latin typeface="Verdana" pitchFamily="34" charset="0"/>
-                <a:ea typeface="굴림" charset="-127"/>
-              </a:rPr>
-              <a:t>sed</a:t>
-            </a:r>
-            <a:r>
-              <a:rPr lang="ru-RU" altLang="ko-KR" sz="2000" dirty="0">
-                <a:latin typeface="Verdana" pitchFamily="34" charset="0"/>
-                <a:ea typeface="굴림" charset="-127"/>
-              </a:rPr>
-              <a:t> </a:t>
-            </a:r>
-            <a:r>
-              <a:rPr lang="ru-RU" altLang="ko-KR" sz="2000" dirty="0" err="1">
-                <a:latin typeface="Verdana" pitchFamily="34" charset="0"/>
-                <a:ea typeface="굴림" charset="-127"/>
-              </a:rPr>
-              <a:t>diam</a:t>
-            </a:r>
-            <a:r>
-              <a:rPr lang="ru-RU" altLang="ko-KR" sz="2000" dirty="0">
-                <a:latin typeface="Verdana" pitchFamily="34" charset="0"/>
-                <a:ea typeface="굴림" charset="-127"/>
-              </a:rPr>
-              <a:t> </a:t>
-            </a:r>
-            <a:r>
-              <a:rPr lang="ru-RU" altLang="ko-KR" sz="2000" dirty="0" err="1">
-                <a:latin typeface="Verdana" pitchFamily="34" charset="0"/>
-                <a:ea typeface="굴림" charset="-127"/>
-              </a:rPr>
-              <a:t>nonummy</a:t>
-            </a:r>
-            <a:r>
-              <a:rPr lang="ru-RU" altLang="ko-KR" sz="2000" dirty="0">
-                <a:latin typeface="Verdana" pitchFamily="34" charset="0"/>
-                <a:ea typeface="굴림" charset="-127"/>
-              </a:rPr>
-              <a:t> </a:t>
-            </a:r>
-            <a:r>
-              <a:rPr lang="ru-RU" altLang="ko-KR" sz="2000" dirty="0" err="1">
-                <a:latin typeface="Verdana" pitchFamily="34" charset="0"/>
-                <a:ea typeface="굴림" charset="-127"/>
-              </a:rPr>
-              <a:t>nibh</a:t>
-            </a:r>
-            <a:r>
-              <a:rPr lang="ru-RU" altLang="ko-KR" sz="2000" dirty="0">
-                <a:latin typeface="Verdana" pitchFamily="34" charset="0"/>
-                <a:ea typeface="굴림" charset="-127"/>
-              </a:rPr>
-              <a:t> </a:t>
-            </a:r>
-            <a:r>
-              <a:rPr lang="ru-RU" altLang="ko-KR" sz="2000" dirty="0" err="1">
-                <a:latin typeface="Verdana" pitchFamily="34" charset="0"/>
-                <a:ea typeface="굴림" charset="-127"/>
-              </a:rPr>
-              <a:t>euismod</a:t>
-            </a:r>
-            <a:r>
-              <a:rPr lang="ru-RU" altLang="ko-KR" sz="2000" dirty="0">
-                <a:latin typeface="Verdana" pitchFamily="34" charset="0"/>
-                <a:ea typeface="굴림" charset="-127"/>
-              </a:rPr>
-              <a:t> </a:t>
-            </a:r>
-            <a:r>
-              <a:rPr lang="ru-RU" altLang="ko-KR" sz="2000" dirty="0" err="1">
-                <a:latin typeface="Verdana" pitchFamily="34" charset="0"/>
-                <a:ea typeface="굴림" charset="-127"/>
-              </a:rPr>
-              <a:t>tincidunt</a:t>
-            </a:r>
-            <a:r>
-              <a:rPr lang="ru-RU" altLang="ko-KR" sz="2000" dirty="0">
-                <a:latin typeface="Verdana" pitchFamily="34" charset="0"/>
-                <a:ea typeface="굴림" charset="-127"/>
-              </a:rPr>
-              <a:t> </a:t>
-            </a:r>
-            <a:r>
-              <a:rPr lang="ru-RU" altLang="ko-KR" sz="2000" dirty="0" err="1">
-                <a:latin typeface="Verdana" pitchFamily="34" charset="0"/>
-                <a:ea typeface="굴림" charset="-127"/>
-              </a:rPr>
-              <a:t>ut</a:t>
-            </a:r>
-            <a:r>
-              <a:rPr lang="ru-RU" altLang="ko-KR" sz="2000" dirty="0">
-                <a:latin typeface="Verdana" pitchFamily="34" charset="0"/>
-                <a:ea typeface="굴림" charset="-127"/>
-              </a:rPr>
-              <a:t> </a:t>
-            </a:r>
-            <a:r>
-              <a:rPr lang="ru-RU" altLang="ko-KR" sz="2000" dirty="0" err="1">
-                <a:latin typeface="Verdana" pitchFamily="34" charset="0"/>
-                <a:ea typeface="굴림" charset="-127"/>
-              </a:rPr>
-              <a:t>laoreet</a:t>
-            </a:r>
-            <a:r>
-              <a:rPr lang="ru-RU" altLang="ko-KR" sz="2000" dirty="0">
-                <a:latin typeface="Verdana" pitchFamily="34" charset="0"/>
-                <a:ea typeface="굴림" charset="-127"/>
-              </a:rPr>
-              <a:t> </a:t>
-            </a:r>
-            <a:r>
-              <a:rPr lang="ru-RU" altLang="ko-KR" sz="2000" dirty="0" err="1">
-                <a:latin typeface="Verdana" pitchFamily="34" charset="0"/>
-                <a:ea typeface="굴림" charset="-127"/>
-              </a:rPr>
-              <a:t>dolore</a:t>
-            </a:r>
-            <a:r>
-              <a:rPr lang="ru-RU" altLang="ko-KR" sz="2000" dirty="0">
-                <a:latin typeface="Verdana" pitchFamily="34" charset="0"/>
-                <a:ea typeface="굴림" charset="-127"/>
-              </a:rPr>
-              <a:t> </a:t>
-            </a:r>
-            <a:r>
-              <a:rPr lang="ru-RU" altLang="ko-KR" sz="2000" dirty="0" err="1">
-                <a:latin typeface="Verdana" pitchFamily="34" charset="0"/>
-                <a:ea typeface="굴림" charset="-127"/>
-              </a:rPr>
-              <a:t>magna</a:t>
-            </a:r>
-            <a:r>
-              <a:rPr lang="ru-RU" altLang="ko-KR" sz="2000" dirty="0">
-                <a:latin typeface="Verdana" pitchFamily="34" charset="0"/>
-                <a:ea typeface="굴림" charset="-127"/>
-              </a:rPr>
-              <a:t> </a:t>
-            </a:r>
-            <a:r>
-              <a:rPr lang="ru-RU" altLang="ko-KR" sz="2000" dirty="0" err="1">
-                <a:latin typeface="Verdana" pitchFamily="34" charset="0"/>
-                <a:ea typeface="굴림" charset="-127"/>
-              </a:rPr>
-              <a:t>aliquam</a:t>
-            </a:r>
-            <a:r>
-              <a:rPr lang="ru-RU" altLang="ko-KR" sz="2000" dirty="0">
-                <a:latin typeface="Verdana" pitchFamily="34" charset="0"/>
-                <a:ea typeface="굴림" charset="-127"/>
-              </a:rPr>
-              <a:t> </a:t>
-            </a:r>
-            <a:r>
-              <a:rPr lang="ru-RU" altLang="ko-KR" sz="2000" dirty="0" err="1">
-                <a:latin typeface="Verdana" pitchFamily="34" charset="0"/>
-                <a:ea typeface="굴림" charset="-127"/>
-              </a:rPr>
-              <a:t>erat</a:t>
-            </a:r>
-            <a:r>
-              <a:rPr lang="ru-RU" altLang="ko-KR" sz="2000" dirty="0">
-                <a:latin typeface="Verdana" pitchFamily="34" charset="0"/>
-                <a:ea typeface="굴림" charset="-127"/>
-              </a:rPr>
-              <a:t> </a:t>
-            </a:r>
-            <a:r>
-              <a:rPr lang="ru-RU" altLang="ko-KR" sz="2000" dirty="0" err="1">
-                <a:latin typeface="Verdana" pitchFamily="34" charset="0"/>
-                <a:ea typeface="굴림" charset="-127"/>
-              </a:rPr>
-              <a:t>volutpat</a:t>
-            </a:r>
-            <a:r>
-              <a:rPr lang="ru-RU" altLang="ko-KR" sz="2000" dirty="0">
-                <a:latin typeface="Verdana" pitchFamily="34" charset="0"/>
-                <a:ea typeface="굴림" charset="-127"/>
-              </a:rPr>
-              <a:t>. </a:t>
-            </a:r>
-            <a:r>
-              <a:rPr lang="ru-RU" altLang="ko-KR" sz="2000" dirty="0" err="1">
-                <a:latin typeface="Verdana" pitchFamily="34" charset="0"/>
-                <a:ea typeface="굴림" charset="-127"/>
-              </a:rPr>
-              <a:t>Ut</a:t>
-            </a:r>
-            <a:r>
-              <a:rPr lang="ru-RU" altLang="ko-KR" sz="2000" dirty="0">
-                <a:latin typeface="Verdana" pitchFamily="34" charset="0"/>
-                <a:ea typeface="굴림" charset="-127"/>
-              </a:rPr>
-              <a:t> </a:t>
-            </a:r>
-            <a:r>
-              <a:rPr lang="ru-RU" altLang="ko-KR" sz="2000" dirty="0" err="1">
-                <a:latin typeface="Verdana" pitchFamily="34" charset="0"/>
-                <a:ea typeface="굴림" charset="-127"/>
-              </a:rPr>
-              <a:t>wisi</a:t>
-            </a:r>
-            <a:r>
-              <a:rPr lang="ru-RU" altLang="ko-KR" sz="2000" dirty="0">
-                <a:latin typeface="Verdana" pitchFamily="34" charset="0"/>
-                <a:ea typeface="굴림" charset="-127"/>
-              </a:rPr>
-              <a:t> </a:t>
-            </a:r>
-            <a:r>
-              <a:rPr lang="ru-RU" altLang="ko-KR" sz="2000" dirty="0" err="1">
-                <a:latin typeface="Verdana" pitchFamily="34" charset="0"/>
-                <a:ea typeface="굴림" charset="-127"/>
-              </a:rPr>
-              <a:t>enim</a:t>
-            </a:r>
-            <a:r>
-              <a:rPr lang="ru-RU" altLang="ko-KR" sz="2000" dirty="0">
-                <a:latin typeface="Verdana" pitchFamily="34" charset="0"/>
-                <a:ea typeface="굴림" charset="-127"/>
-              </a:rPr>
-              <a:t> </a:t>
-            </a:r>
-            <a:r>
-              <a:rPr lang="ru-RU" altLang="ko-KR" sz="2000" dirty="0" err="1">
-                <a:latin typeface="Verdana" pitchFamily="34" charset="0"/>
-                <a:ea typeface="굴림" charset="-127"/>
-              </a:rPr>
-              <a:t>ad</a:t>
-            </a:r>
-            <a:r>
-              <a:rPr lang="ru-RU" altLang="ko-KR" sz="2000" dirty="0">
-                <a:latin typeface="Verdana" pitchFamily="34" charset="0"/>
-                <a:ea typeface="굴림" charset="-127"/>
-              </a:rPr>
-              <a:t> </a:t>
-            </a:r>
-            <a:r>
-              <a:rPr lang="ru-RU" altLang="ko-KR" sz="2000" dirty="0" err="1">
-                <a:latin typeface="Verdana" pitchFamily="34" charset="0"/>
-                <a:ea typeface="굴림" charset="-127"/>
-              </a:rPr>
-              <a:t>minim</a:t>
-            </a:r>
-            <a:r>
-              <a:rPr lang="ru-RU" altLang="ko-KR" sz="2000" dirty="0">
-                <a:latin typeface="Verdana" pitchFamily="34" charset="0"/>
-                <a:ea typeface="굴림" charset="-127"/>
-              </a:rPr>
-              <a:t> </a:t>
-            </a:r>
-            <a:r>
-              <a:rPr lang="ru-RU" altLang="ko-KR" sz="2000" dirty="0" err="1">
-                <a:latin typeface="Verdana" pitchFamily="34" charset="0"/>
-                <a:ea typeface="굴림" charset="-127"/>
-              </a:rPr>
-              <a:t>veniam</a:t>
-            </a:r>
-            <a:r>
-              <a:rPr lang="ru-RU" altLang="ko-KR" sz="2000" dirty="0">
-                <a:latin typeface="Verdana" pitchFamily="34" charset="0"/>
-                <a:ea typeface="굴림" charset="-127"/>
-              </a:rPr>
-              <a:t>, </a:t>
-            </a:r>
-            <a:r>
-              <a:rPr lang="ru-RU" altLang="ko-KR" sz="2000" dirty="0" err="1">
-                <a:latin typeface="Verdana" pitchFamily="34" charset="0"/>
-                <a:ea typeface="굴림" charset="-127"/>
-              </a:rPr>
-              <a:t>quis</a:t>
-            </a:r>
-            <a:r>
-              <a:rPr lang="ru-RU" altLang="ko-KR" sz="2000" dirty="0">
-                <a:latin typeface="Verdana" pitchFamily="34" charset="0"/>
-                <a:ea typeface="굴림" charset="-127"/>
-              </a:rPr>
-              <a:t> </a:t>
-            </a:r>
-            <a:r>
-              <a:rPr lang="ru-RU" altLang="ko-KR" sz="2000" dirty="0" err="1">
-                <a:latin typeface="Verdana" pitchFamily="34" charset="0"/>
-                <a:ea typeface="굴림" charset="-127"/>
-              </a:rPr>
-              <a:t>nostrud</a:t>
-            </a:r>
-            <a:r>
-              <a:rPr lang="ru-RU" altLang="ko-KR" sz="2000" dirty="0">
-                <a:latin typeface="Verdana" pitchFamily="34" charset="0"/>
-                <a:ea typeface="굴림" charset="-127"/>
-              </a:rPr>
-              <a:t> </a:t>
-            </a:r>
-            <a:r>
-              <a:rPr lang="ru-RU" altLang="ko-KR" sz="2000" dirty="0" err="1">
-                <a:latin typeface="Verdana" pitchFamily="34" charset="0"/>
-                <a:ea typeface="굴림" charset="-127"/>
-              </a:rPr>
-              <a:t>exerci</a:t>
-            </a:r>
-            <a:r>
-              <a:rPr lang="ru-RU" altLang="ko-KR" sz="2000" dirty="0">
-                <a:latin typeface="Verdana" pitchFamily="34" charset="0"/>
-                <a:ea typeface="굴림" charset="-127"/>
-              </a:rPr>
-              <a:t> </a:t>
-            </a:r>
-            <a:r>
-              <a:rPr lang="ru-RU" altLang="ko-KR" sz="2000" dirty="0" err="1">
-                <a:latin typeface="Verdana" pitchFamily="34" charset="0"/>
-                <a:ea typeface="굴림" charset="-127"/>
-              </a:rPr>
-              <a:t>tation</a:t>
-            </a:r>
-            <a:r>
-              <a:rPr lang="ru-RU" altLang="ko-KR" sz="2000" dirty="0">
-                <a:latin typeface="Verdana" pitchFamily="34" charset="0"/>
-                <a:ea typeface="굴림" charset="-127"/>
-              </a:rPr>
-              <a:t> </a:t>
-            </a:r>
-            <a:r>
-              <a:rPr lang="ru-RU" altLang="ko-KR" sz="2000" dirty="0" err="1">
-                <a:latin typeface="Verdana" pitchFamily="34" charset="0"/>
-                <a:ea typeface="굴림" charset="-127"/>
-              </a:rPr>
-              <a:t>ullamcorper</a:t>
-            </a:r>
-            <a:r>
-              <a:rPr lang="ru-RU" altLang="ko-KR" sz="2000" dirty="0">
-                <a:latin typeface="Verdana" pitchFamily="34" charset="0"/>
-                <a:ea typeface="굴림" charset="-127"/>
-              </a:rPr>
-              <a:t> </a:t>
-            </a:r>
-            <a:r>
-              <a:rPr lang="ru-RU" altLang="ko-KR" sz="2000" dirty="0" err="1">
-                <a:latin typeface="Verdana" pitchFamily="34" charset="0"/>
-                <a:ea typeface="굴림" charset="-127"/>
-              </a:rPr>
-              <a:t>suscipit</a:t>
-            </a:r>
-            <a:r>
-              <a:rPr lang="ru-RU" altLang="ko-KR" sz="2000" dirty="0">
-                <a:latin typeface="Verdana" pitchFamily="34" charset="0"/>
-                <a:ea typeface="굴림" charset="-127"/>
-              </a:rPr>
-              <a:t> </a:t>
-            </a:r>
-            <a:r>
-              <a:rPr lang="ru-RU" altLang="ko-KR" sz="2000" dirty="0" err="1">
-                <a:latin typeface="Verdana" pitchFamily="34" charset="0"/>
-                <a:ea typeface="굴림" charset="-127"/>
-              </a:rPr>
-              <a:t>lobortis</a:t>
-            </a:r>
-            <a:r>
-              <a:rPr lang="ru-RU" altLang="ko-KR" sz="2000" dirty="0">
-                <a:latin typeface="Verdana" pitchFamily="34" charset="0"/>
-                <a:ea typeface="굴림" charset="-127"/>
-              </a:rPr>
-              <a:t> </a:t>
-            </a:r>
-            <a:r>
-              <a:rPr lang="ru-RU" altLang="ko-KR" sz="2000" dirty="0" err="1">
-                <a:latin typeface="Verdana" pitchFamily="34" charset="0"/>
-                <a:ea typeface="굴림" charset="-127"/>
-              </a:rPr>
-              <a:t>nisl</a:t>
-            </a:r>
-            <a:r>
-              <a:rPr lang="ru-RU" altLang="ko-KR" sz="2000" dirty="0">
-                <a:latin typeface="Verdana" pitchFamily="34" charset="0"/>
-                <a:ea typeface="굴림" charset="-127"/>
-              </a:rPr>
-              <a:t> </a:t>
-            </a:r>
-            <a:r>
-              <a:rPr lang="ru-RU" altLang="ko-KR" sz="2000" dirty="0" err="1">
-                <a:latin typeface="Verdana" pitchFamily="34" charset="0"/>
-                <a:ea typeface="굴림" charset="-127"/>
-              </a:rPr>
-              <a:t>ut</a:t>
-            </a:r>
-            <a:r>
-              <a:rPr lang="ru-RU" altLang="ko-KR" sz="2000" dirty="0">
-                <a:latin typeface="Verdana" pitchFamily="34" charset="0"/>
-                <a:ea typeface="굴림" charset="-127"/>
-              </a:rPr>
-              <a:t> </a:t>
-            </a:r>
-            <a:r>
-              <a:rPr lang="ru-RU" altLang="ko-KR" sz="2000" dirty="0" err="1">
-                <a:latin typeface="Verdana" pitchFamily="34" charset="0"/>
-                <a:ea typeface="굴림" charset="-127"/>
-              </a:rPr>
-              <a:t>aliquip</a:t>
-            </a:r>
-            <a:r>
-              <a:rPr lang="ru-RU" altLang="ko-KR" sz="2000" dirty="0">
-                <a:latin typeface="Verdana" pitchFamily="34" charset="0"/>
-                <a:ea typeface="굴림" charset="-127"/>
-              </a:rPr>
-              <a:t> </a:t>
-            </a:r>
-            <a:r>
-              <a:rPr lang="ru-RU" altLang="ko-KR" sz="2000" dirty="0" err="1">
-                <a:latin typeface="Verdana" pitchFamily="34" charset="0"/>
-                <a:ea typeface="굴림" charset="-127"/>
-              </a:rPr>
-              <a:t>ex</a:t>
-            </a:r>
-            <a:r>
-              <a:rPr lang="ru-RU" altLang="ko-KR" sz="2000" dirty="0">
-                <a:latin typeface="Verdana" pitchFamily="34" charset="0"/>
-                <a:ea typeface="굴림" charset="-127"/>
-              </a:rPr>
-              <a:t> </a:t>
-            </a:r>
-            <a:r>
-              <a:rPr lang="ru-RU" altLang="ko-KR" sz="2000" dirty="0" err="1">
-                <a:latin typeface="Verdana" pitchFamily="34" charset="0"/>
-                <a:ea typeface="굴림" charset="-127"/>
-              </a:rPr>
-              <a:t>ea</a:t>
-            </a:r>
-            <a:r>
-              <a:rPr lang="ru-RU" altLang="ko-KR" sz="2000" dirty="0">
-                <a:latin typeface="Verdana" pitchFamily="34" charset="0"/>
-                <a:ea typeface="굴림" charset="-127"/>
-              </a:rPr>
-              <a:t> </a:t>
-            </a:r>
-            <a:r>
-              <a:rPr lang="ru-RU" altLang="ko-KR" sz="2000" dirty="0" err="1">
-                <a:latin typeface="Verdana" pitchFamily="34" charset="0"/>
-                <a:ea typeface="굴림" charset="-127"/>
-              </a:rPr>
-              <a:t>commodo</a:t>
-            </a:r>
-            <a:r>
-              <a:rPr lang="ru-RU" altLang="ko-KR" sz="2000" dirty="0">
-                <a:latin typeface="Verdana" pitchFamily="34" charset="0"/>
-                <a:ea typeface="굴림" charset="-127"/>
-              </a:rPr>
-              <a:t> </a:t>
-            </a:r>
-            <a:r>
-              <a:rPr lang="ru-RU" altLang="ko-KR" sz="2000" dirty="0" err="1">
-                <a:latin typeface="Verdana" pitchFamily="34" charset="0"/>
-                <a:ea typeface="굴림" charset="-127"/>
-              </a:rPr>
-              <a:t>consequat</a:t>
-            </a:r>
-            <a:r>
-              <a:rPr lang="ru-RU" altLang="ko-KR" sz="2000" dirty="0">
-                <a:latin typeface="Verdana" pitchFamily="34" charset="0"/>
-                <a:ea typeface="굴림" charset="-127"/>
-              </a:rPr>
-              <a:t>. </a:t>
-            </a:r>
-            <a:endParaRPr lang="en-US" altLang="ko-KR" sz="2000" dirty="0">
-              <a:latin typeface="Verdana" pitchFamily="34" charset="0"/>
-              <a:ea typeface="굴림" charset="-127"/>
-            </a:endParaRPr>
-          </a:p>
-          <a:p>
-            <a:pPr>
-              <a:lnSpc>
-                <a:spcPct val="90000"/>
-              </a:lnSpc>
-            </a:pPr>
-            <a:endParaRPr lang="en-US" altLang="ko-KR" sz="2000" dirty="0">
-              <a:latin typeface="Verdana" pitchFamily="34" charset="0"/>
-              <a:ea typeface="굴림" charset="-127"/>
-            </a:endParaRPr>
-          </a:p>
-          <a:p>
-            <a:pPr>
-              <a:lnSpc>
-                <a:spcPct val="90000"/>
-              </a:lnSpc>
-            </a:pPr>
-            <a:r>
-              <a:rPr lang="ru-RU" altLang="ko-KR" sz="2000" dirty="0" err="1">
-                <a:latin typeface="Verdana" pitchFamily="34" charset="0"/>
-                <a:ea typeface="굴림" charset="-127"/>
-              </a:rPr>
-              <a:t>Duis</a:t>
-            </a:r>
-            <a:r>
-              <a:rPr lang="ru-RU" altLang="ko-KR" sz="2000" dirty="0">
-                <a:latin typeface="Verdana" pitchFamily="34" charset="0"/>
-                <a:ea typeface="굴림" charset="-127"/>
-              </a:rPr>
-              <a:t> </a:t>
-            </a:r>
-            <a:r>
-              <a:rPr lang="ru-RU" altLang="ko-KR" sz="2000" dirty="0" err="1">
-                <a:latin typeface="Verdana" pitchFamily="34" charset="0"/>
-                <a:ea typeface="굴림" charset="-127"/>
-              </a:rPr>
-              <a:t>autem</a:t>
-            </a:r>
-            <a:r>
-              <a:rPr lang="ru-RU" altLang="ko-KR" sz="2000" dirty="0">
-                <a:latin typeface="Verdana" pitchFamily="34" charset="0"/>
-                <a:ea typeface="굴림" charset="-127"/>
-              </a:rPr>
-              <a:t> </a:t>
-            </a:r>
-            <a:r>
-              <a:rPr lang="ru-RU" altLang="ko-KR" sz="2000" dirty="0" err="1">
-                <a:latin typeface="Verdana" pitchFamily="34" charset="0"/>
-                <a:ea typeface="굴림" charset="-127"/>
-              </a:rPr>
-              <a:t>vel</a:t>
-            </a:r>
-            <a:r>
-              <a:rPr lang="ru-RU" altLang="ko-KR" sz="2000" dirty="0">
-                <a:latin typeface="Verdana" pitchFamily="34" charset="0"/>
-                <a:ea typeface="굴림" charset="-127"/>
-              </a:rPr>
-              <a:t> </a:t>
-            </a:r>
-            <a:r>
-              <a:rPr lang="ru-RU" altLang="ko-KR" sz="2000" dirty="0" err="1">
-                <a:latin typeface="Verdana" pitchFamily="34" charset="0"/>
-                <a:ea typeface="굴림" charset="-127"/>
-              </a:rPr>
-              <a:t>eum</a:t>
-            </a:r>
-            <a:r>
-              <a:rPr lang="ru-RU" altLang="ko-KR" sz="2000" dirty="0">
-                <a:latin typeface="Verdana" pitchFamily="34" charset="0"/>
-                <a:ea typeface="굴림" charset="-127"/>
-              </a:rPr>
-              <a:t> </a:t>
-            </a:r>
-            <a:r>
-              <a:rPr lang="ru-RU" altLang="ko-KR" sz="2000" dirty="0" err="1">
-                <a:latin typeface="Verdana" pitchFamily="34" charset="0"/>
-                <a:ea typeface="굴림" charset="-127"/>
-              </a:rPr>
-              <a:t>iriure</a:t>
-            </a:r>
-            <a:r>
-              <a:rPr lang="ru-RU" altLang="ko-KR" sz="2000" dirty="0">
-                <a:latin typeface="Verdana" pitchFamily="34" charset="0"/>
-                <a:ea typeface="굴림" charset="-127"/>
-              </a:rPr>
-              <a:t> </a:t>
-            </a:r>
-            <a:r>
-              <a:rPr lang="ru-RU" altLang="ko-KR" sz="2000" dirty="0" err="1">
-                <a:latin typeface="Verdana" pitchFamily="34" charset="0"/>
-                <a:ea typeface="굴림" charset="-127"/>
-              </a:rPr>
-              <a:t>dolor</a:t>
-            </a:r>
-            <a:r>
-              <a:rPr lang="ru-RU" altLang="ko-KR" sz="2000" dirty="0">
-                <a:latin typeface="Verdana" pitchFamily="34" charset="0"/>
-                <a:ea typeface="굴림" charset="-127"/>
-              </a:rPr>
-              <a:t> </a:t>
-            </a:r>
-            <a:r>
-              <a:rPr lang="ru-RU" altLang="ko-KR" sz="2000" dirty="0" err="1">
-                <a:latin typeface="Verdana" pitchFamily="34" charset="0"/>
-                <a:ea typeface="굴림" charset="-127"/>
-              </a:rPr>
-              <a:t>in</a:t>
-            </a:r>
-            <a:r>
-              <a:rPr lang="ru-RU" altLang="ko-KR" sz="2000" dirty="0">
-                <a:latin typeface="Verdana" pitchFamily="34" charset="0"/>
-                <a:ea typeface="굴림" charset="-127"/>
-              </a:rPr>
-              <a:t> </a:t>
-            </a:r>
-            <a:r>
-              <a:rPr lang="ru-RU" altLang="ko-KR" sz="2000" dirty="0" err="1">
-                <a:latin typeface="Verdana" pitchFamily="34" charset="0"/>
-                <a:ea typeface="굴림" charset="-127"/>
-              </a:rPr>
-              <a:t>hendrerit</a:t>
-            </a:r>
-            <a:r>
-              <a:rPr lang="ru-RU" altLang="ko-KR" sz="2000" dirty="0">
-                <a:latin typeface="Verdana" pitchFamily="34" charset="0"/>
-                <a:ea typeface="굴림" charset="-127"/>
-              </a:rPr>
-              <a:t> </a:t>
-            </a:r>
-            <a:r>
-              <a:rPr lang="ru-RU" altLang="ko-KR" sz="2000" dirty="0" err="1">
-                <a:latin typeface="Verdana" pitchFamily="34" charset="0"/>
-                <a:ea typeface="굴림" charset="-127"/>
-              </a:rPr>
-              <a:t>in</a:t>
-            </a:r>
-            <a:r>
-              <a:rPr lang="ru-RU" altLang="ko-KR" sz="2000" dirty="0">
-                <a:latin typeface="Verdana" pitchFamily="34" charset="0"/>
-                <a:ea typeface="굴림" charset="-127"/>
-              </a:rPr>
-              <a:t> </a:t>
-            </a:r>
-            <a:r>
-              <a:rPr lang="ru-RU" altLang="ko-KR" sz="2000" dirty="0" err="1">
-                <a:latin typeface="Verdana" pitchFamily="34" charset="0"/>
-                <a:ea typeface="굴림" charset="-127"/>
-              </a:rPr>
-              <a:t>vulputate</a:t>
-            </a:r>
-            <a:r>
-              <a:rPr lang="ru-RU" altLang="ko-KR" sz="2000" dirty="0">
-                <a:latin typeface="Verdana" pitchFamily="34" charset="0"/>
-                <a:ea typeface="굴림" charset="-127"/>
-              </a:rPr>
-              <a:t> </a:t>
-            </a:r>
-            <a:r>
-              <a:rPr lang="ru-RU" altLang="ko-KR" sz="2000" dirty="0" err="1">
-                <a:latin typeface="Verdana" pitchFamily="34" charset="0"/>
-                <a:ea typeface="굴림" charset="-127"/>
-              </a:rPr>
-              <a:t>velit</a:t>
-            </a:r>
-            <a:r>
-              <a:rPr lang="ru-RU" altLang="ko-KR" sz="2000" dirty="0">
-                <a:latin typeface="Verdana" pitchFamily="34" charset="0"/>
-                <a:ea typeface="굴림" charset="-127"/>
-              </a:rPr>
-              <a:t> </a:t>
-            </a:r>
-            <a:r>
-              <a:rPr lang="ru-RU" altLang="ko-KR" sz="2000" dirty="0" err="1">
-                <a:latin typeface="Verdana" pitchFamily="34" charset="0"/>
-                <a:ea typeface="굴림" charset="-127"/>
-              </a:rPr>
-              <a:t>esse</a:t>
-            </a:r>
-            <a:r>
-              <a:rPr lang="ru-RU" altLang="ko-KR" sz="2000" dirty="0">
-                <a:latin typeface="Verdana" pitchFamily="34" charset="0"/>
-                <a:ea typeface="굴림" charset="-127"/>
-              </a:rPr>
-              <a:t> </a:t>
-            </a:r>
-            <a:r>
-              <a:rPr lang="ru-RU" altLang="ko-KR" sz="2000" dirty="0" err="1">
-                <a:latin typeface="Verdana" pitchFamily="34" charset="0"/>
-                <a:ea typeface="굴림" charset="-127"/>
-              </a:rPr>
-              <a:t>molestie</a:t>
-            </a:r>
-            <a:r>
-              <a:rPr lang="ru-RU" altLang="ko-KR" sz="2000" dirty="0">
-                <a:latin typeface="Verdana" pitchFamily="34" charset="0"/>
-                <a:ea typeface="굴림" charset="-127"/>
-              </a:rPr>
-              <a:t> </a:t>
-            </a:r>
-            <a:r>
-              <a:rPr lang="ru-RU" altLang="ko-KR" sz="2000" dirty="0" err="1">
-                <a:latin typeface="Verdana" pitchFamily="34" charset="0"/>
-                <a:ea typeface="굴림" charset="-127"/>
-              </a:rPr>
-              <a:t>consequat</a:t>
-            </a:r>
-            <a:r>
-              <a:rPr lang="ru-RU" altLang="ko-KR" sz="2000" dirty="0">
-                <a:latin typeface="Verdana" pitchFamily="34" charset="0"/>
-                <a:ea typeface="굴림" charset="-127"/>
-              </a:rPr>
-              <a:t>, </a:t>
-            </a:r>
-            <a:r>
-              <a:rPr lang="ru-RU" altLang="ko-KR" sz="2000" dirty="0" err="1">
-                <a:latin typeface="Verdana" pitchFamily="34" charset="0"/>
-                <a:ea typeface="굴림" charset="-127"/>
-              </a:rPr>
-              <a:t>vel</a:t>
-            </a:r>
-            <a:r>
-              <a:rPr lang="ru-RU" altLang="ko-KR" sz="2000" dirty="0">
-                <a:latin typeface="Verdana" pitchFamily="34" charset="0"/>
-                <a:ea typeface="굴림" charset="-127"/>
-              </a:rPr>
-              <a:t> </a:t>
-            </a:r>
-            <a:r>
-              <a:rPr lang="ru-RU" altLang="ko-KR" sz="2000" dirty="0" err="1">
-                <a:latin typeface="Verdana" pitchFamily="34" charset="0"/>
-                <a:ea typeface="굴림" charset="-127"/>
-              </a:rPr>
-              <a:t>illum</a:t>
-            </a:r>
-            <a:r>
-              <a:rPr lang="ru-RU" altLang="ko-KR" sz="2000" dirty="0">
-                <a:latin typeface="Verdana" pitchFamily="34" charset="0"/>
-                <a:ea typeface="굴림" charset="-127"/>
-              </a:rPr>
-              <a:t> </a:t>
-            </a:r>
-            <a:r>
-              <a:rPr lang="ru-RU" altLang="ko-KR" sz="2000" dirty="0" err="1">
-                <a:latin typeface="Verdana" pitchFamily="34" charset="0"/>
-                <a:ea typeface="굴림" charset="-127"/>
-              </a:rPr>
-              <a:t>dolore</a:t>
-            </a:r>
-            <a:r>
-              <a:rPr lang="ru-RU" altLang="ko-KR" sz="2000" dirty="0">
-                <a:latin typeface="Verdana" pitchFamily="34" charset="0"/>
-                <a:ea typeface="굴림" charset="-127"/>
-              </a:rPr>
-              <a:t> </a:t>
-            </a:r>
-            <a:r>
-              <a:rPr lang="ru-RU" altLang="ko-KR" sz="2000" dirty="0" err="1">
-                <a:latin typeface="Verdana" pitchFamily="34" charset="0"/>
-                <a:ea typeface="굴림" charset="-127"/>
-              </a:rPr>
-              <a:t>eu</a:t>
-            </a:r>
-            <a:r>
-              <a:rPr lang="ru-RU" altLang="ko-KR" sz="2000" dirty="0">
-                <a:latin typeface="Verdana" pitchFamily="34" charset="0"/>
-                <a:ea typeface="굴림" charset="-127"/>
-              </a:rPr>
-              <a:t> </a:t>
-            </a:r>
-            <a:r>
-              <a:rPr lang="ru-RU" altLang="ko-KR" sz="2000" dirty="0" err="1">
-                <a:latin typeface="Verdana" pitchFamily="34" charset="0"/>
-                <a:ea typeface="굴림" charset="-127"/>
-              </a:rPr>
-              <a:t>feugiat</a:t>
-            </a:r>
-            <a:r>
-              <a:rPr lang="ru-RU" altLang="ko-KR" sz="2000" dirty="0">
-                <a:latin typeface="Verdana" pitchFamily="34" charset="0"/>
-                <a:ea typeface="굴림" charset="-127"/>
-              </a:rPr>
-              <a:t> </a:t>
-            </a:r>
-            <a:r>
-              <a:rPr lang="ru-RU" altLang="ko-KR" sz="2000" dirty="0" err="1">
-                <a:latin typeface="Verdana" pitchFamily="34" charset="0"/>
-                <a:ea typeface="굴림" charset="-127"/>
-              </a:rPr>
-              <a:t>nulla</a:t>
-            </a:r>
-            <a:r>
-              <a:rPr lang="ru-RU" altLang="ko-KR" sz="2000" dirty="0">
-                <a:latin typeface="Verdana" pitchFamily="34" charset="0"/>
-                <a:ea typeface="굴림" charset="-127"/>
-              </a:rPr>
-              <a:t> </a:t>
-            </a:r>
-            <a:r>
-              <a:rPr lang="ru-RU" altLang="ko-KR" sz="2000" dirty="0" err="1">
-                <a:latin typeface="Verdana" pitchFamily="34" charset="0"/>
-                <a:ea typeface="굴림" charset="-127"/>
-              </a:rPr>
-              <a:t>facilisis</a:t>
-            </a:r>
-            <a:r>
-              <a:rPr lang="ru-RU" altLang="ko-KR" sz="2000" dirty="0">
-                <a:latin typeface="Verdana" pitchFamily="34" charset="0"/>
-                <a:ea typeface="굴림" charset="-127"/>
-              </a:rPr>
-              <a:t> </a:t>
-            </a:r>
-            <a:r>
-              <a:rPr lang="ru-RU" altLang="ko-KR" sz="2000" dirty="0" err="1">
-                <a:latin typeface="Verdana" pitchFamily="34" charset="0"/>
-                <a:ea typeface="굴림" charset="-127"/>
-              </a:rPr>
-              <a:t>at</a:t>
-            </a:r>
-            <a:r>
-              <a:rPr lang="ru-RU" altLang="ko-KR" sz="2000" dirty="0">
-                <a:latin typeface="Verdana" pitchFamily="34" charset="0"/>
-                <a:ea typeface="굴림" charset="-127"/>
-              </a:rPr>
-              <a:t> </a:t>
-            </a:r>
-            <a:r>
-              <a:rPr lang="ru-RU" altLang="ko-KR" sz="2000" dirty="0" err="1">
-                <a:latin typeface="Verdana" pitchFamily="34" charset="0"/>
-                <a:ea typeface="굴림" charset="-127"/>
-              </a:rPr>
-              <a:t>vero</a:t>
-            </a:r>
-            <a:r>
-              <a:rPr lang="ru-RU" altLang="ko-KR" sz="2000" dirty="0">
-                <a:latin typeface="Verdana" pitchFamily="34" charset="0"/>
-                <a:ea typeface="굴림" charset="-127"/>
-              </a:rPr>
-              <a:t> </a:t>
-            </a:r>
-            <a:r>
-              <a:rPr lang="ru-RU" altLang="ko-KR" sz="2000" dirty="0" err="1">
-                <a:latin typeface="Verdana" pitchFamily="34" charset="0"/>
-                <a:ea typeface="굴림" charset="-127"/>
-              </a:rPr>
-              <a:t>eros</a:t>
-            </a:r>
-            <a:r>
-              <a:rPr lang="ru-RU" altLang="ko-KR" sz="2000" dirty="0">
-                <a:latin typeface="Verdana" pitchFamily="34" charset="0"/>
-                <a:ea typeface="굴림" charset="-127"/>
-              </a:rPr>
-              <a:t> </a:t>
-            </a:r>
-            <a:r>
-              <a:rPr lang="ru-RU" altLang="ko-KR" sz="2000" dirty="0" err="1">
-                <a:latin typeface="Verdana" pitchFamily="34" charset="0"/>
-                <a:ea typeface="굴림" charset="-127"/>
-              </a:rPr>
-              <a:t>et</a:t>
-            </a:r>
-            <a:r>
-              <a:rPr lang="ru-RU" altLang="ko-KR" sz="2000" dirty="0">
-                <a:latin typeface="Verdana" pitchFamily="34" charset="0"/>
-                <a:ea typeface="굴림" charset="-127"/>
-              </a:rPr>
-              <a:t> </a:t>
-            </a:r>
-            <a:r>
-              <a:rPr lang="ru-RU" altLang="ko-KR" sz="2000" dirty="0" err="1">
-                <a:latin typeface="Verdana" pitchFamily="34" charset="0"/>
-                <a:ea typeface="굴림" charset="-127"/>
-              </a:rPr>
-              <a:t>accumsan</a:t>
-            </a:r>
-            <a:r>
-              <a:rPr lang="ru-RU" altLang="ko-KR" sz="2000" dirty="0">
-                <a:latin typeface="Verdana" pitchFamily="34" charset="0"/>
-                <a:ea typeface="굴림" charset="-127"/>
-              </a:rPr>
-              <a:t> </a:t>
-            </a:r>
-            <a:r>
-              <a:rPr lang="ru-RU" altLang="ko-KR" sz="2000" dirty="0" err="1">
-                <a:latin typeface="Verdana" pitchFamily="34" charset="0"/>
-                <a:ea typeface="굴림" charset="-127"/>
-              </a:rPr>
-              <a:t>et</a:t>
-            </a:r>
-            <a:r>
-              <a:rPr lang="ru-RU" altLang="ko-KR" sz="2000" dirty="0">
-                <a:latin typeface="Verdana" pitchFamily="34" charset="0"/>
-                <a:ea typeface="굴림" charset="-127"/>
-              </a:rPr>
-              <a:t> </a:t>
-            </a:r>
-            <a:r>
-              <a:rPr lang="ru-RU" altLang="ko-KR" sz="2000" dirty="0" err="1">
-                <a:latin typeface="Verdana" pitchFamily="34" charset="0"/>
-                <a:ea typeface="굴림" charset="-127"/>
-              </a:rPr>
-              <a:t>iusto</a:t>
-            </a:r>
-            <a:r>
-              <a:rPr lang="ru-RU" altLang="ko-KR" sz="2000" dirty="0">
-                <a:latin typeface="Verdana" pitchFamily="34" charset="0"/>
-                <a:ea typeface="굴림" charset="-127"/>
-              </a:rPr>
-              <a:t> </a:t>
-            </a:r>
-            <a:r>
-              <a:rPr lang="ru-RU" altLang="ko-KR" sz="2000" dirty="0" err="1">
-                <a:latin typeface="Verdana" pitchFamily="34" charset="0"/>
-                <a:ea typeface="굴림" charset="-127"/>
-              </a:rPr>
-              <a:t>odio</a:t>
-            </a:r>
-            <a:r>
-              <a:rPr lang="ru-RU" altLang="ko-KR" sz="2000" dirty="0">
-                <a:latin typeface="Verdana" pitchFamily="34" charset="0"/>
-                <a:ea typeface="굴림" charset="-127"/>
-              </a:rPr>
-              <a:t> </a:t>
-            </a:r>
-            <a:r>
-              <a:rPr lang="ru-RU" altLang="ko-KR" sz="2000" dirty="0" err="1">
-                <a:latin typeface="Verdana" pitchFamily="34" charset="0"/>
-                <a:ea typeface="굴림" charset="-127"/>
-              </a:rPr>
-              <a:t>dignissim</a:t>
-            </a:r>
-            <a:r>
-              <a:rPr lang="ru-RU" altLang="ko-KR" sz="2000" dirty="0">
-                <a:latin typeface="Verdana" pitchFamily="34" charset="0"/>
-                <a:ea typeface="굴림" charset="-127"/>
-              </a:rPr>
-              <a:t> </a:t>
-            </a:r>
-            <a:r>
-              <a:rPr lang="ru-RU" altLang="ko-KR" sz="2000" dirty="0" err="1">
-                <a:latin typeface="Verdana" pitchFamily="34" charset="0"/>
-                <a:ea typeface="굴림" charset="-127"/>
-              </a:rPr>
-              <a:t>qui</a:t>
-            </a:r>
-            <a:r>
-              <a:rPr lang="ru-RU" altLang="ko-KR" sz="2000" dirty="0">
-                <a:latin typeface="Verdana" pitchFamily="34" charset="0"/>
-                <a:ea typeface="굴림" charset="-127"/>
-              </a:rPr>
-              <a:t> </a:t>
-            </a:r>
-            <a:r>
-              <a:rPr lang="ru-RU" altLang="ko-KR" sz="2000" dirty="0" err="1">
-                <a:latin typeface="Verdana" pitchFamily="34" charset="0"/>
-                <a:ea typeface="굴림" charset="-127"/>
-              </a:rPr>
-              <a:t>blandit</a:t>
-            </a:r>
-            <a:r>
-              <a:rPr lang="ru-RU" altLang="ko-KR" sz="2000" dirty="0">
-                <a:latin typeface="Verdana" pitchFamily="34" charset="0"/>
-                <a:ea typeface="굴림" charset="-127"/>
-              </a:rPr>
-              <a:t> </a:t>
-            </a:r>
-            <a:r>
-              <a:rPr lang="ru-RU" altLang="ko-KR" sz="2000" dirty="0" err="1">
-                <a:latin typeface="Verdana" pitchFamily="34" charset="0"/>
-                <a:ea typeface="굴림" charset="-127"/>
-              </a:rPr>
-              <a:t>praesent</a:t>
-            </a:r>
-            <a:r>
-              <a:rPr lang="ru-RU" altLang="ko-KR" sz="2000" dirty="0">
-                <a:latin typeface="Verdana" pitchFamily="34" charset="0"/>
-                <a:ea typeface="굴림" charset="-127"/>
-              </a:rPr>
-              <a:t> </a:t>
-            </a:r>
-            <a:r>
-              <a:rPr lang="ru-RU" altLang="ko-KR" sz="2000" dirty="0" err="1">
-                <a:latin typeface="Verdana" pitchFamily="34" charset="0"/>
-                <a:ea typeface="굴림" charset="-127"/>
-              </a:rPr>
-              <a:t>luptatum</a:t>
-            </a:r>
-            <a:r>
-              <a:rPr lang="ru-RU" altLang="ko-KR" sz="2000" dirty="0">
-                <a:latin typeface="Verdana" pitchFamily="34" charset="0"/>
-                <a:ea typeface="굴림" charset="-127"/>
-              </a:rPr>
-              <a:t> </a:t>
-            </a:r>
-            <a:r>
-              <a:rPr lang="ru-RU" altLang="ko-KR" sz="2000" dirty="0" err="1">
-                <a:latin typeface="Verdana" pitchFamily="34" charset="0"/>
-                <a:ea typeface="굴림" charset="-127"/>
-              </a:rPr>
-              <a:t>zzril</a:t>
-            </a:r>
-            <a:r>
-              <a:rPr lang="ru-RU" altLang="ko-KR" sz="2000" dirty="0">
-                <a:latin typeface="Verdana" pitchFamily="34" charset="0"/>
-                <a:ea typeface="굴림" charset="-127"/>
-              </a:rPr>
-              <a:t> </a:t>
-            </a:r>
-            <a:r>
-              <a:rPr lang="ru-RU" altLang="ko-KR" sz="2000" dirty="0" err="1">
-                <a:latin typeface="Verdana" pitchFamily="34" charset="0"/>
-                <a:ea typeface="굴림" charset="-127"/>
-              </a:rPr>
-              <a:t>delenit</a:t>
-            </a:r>
-            <a:r>
-              <a:rPr lang="ru-RU" altLang="ko-KR" sz="2000" dirty="0">
-                <a:latin typeface="Verdana" pitchFamily="34" charset="0"/>
-                <a:ea typeface="굴림" charset="-127"/>
-              </a:rPr>
-              <a:t> </a:t>
-            </a:r>
-            <a:r>
-              <a:rPr lang="ru-RU" altLang="ko-KR" sz="2000" dirty="0" err="1">
-                <a:latin typeface="Verdana" pitchFamily="34" charset="0"/>
-                <a:ea typeface="굴림" charset="-127"/>
-              </a:rPr>
-              <a:t>augue</a:t>
-            </a:r>
-            <a:r>
-              <a:rPr lang="ru-RU" altLang="ko-KR" sz="2000" dirty="0">
-                <a:latin typeface="Verdana" pitchFamily="34" charset="0"/>
-                <a:ea typeface="굴림" charset="-127"/>
-              </a:rPr>
-              <a:t> </a:t>
-            </a:r>
-            <a:r>
-              <a:rPr lang="ru-RU" altLang="ko-KR" sz="2000" dirty="0" err="1">
-                <a:latin typeface="Verdana" pitchFamily="34" charset="0"/>
-                <a:ea typeface="굴림" charset="-127"/>
-              </a:rPr>
-              <a:t>duis</a:t>
-            </a:r>
-            <a:r>
-              <a:rPr lang="ru-RU" altLang="ko-KR" sz="2000" dirty="0">
-                <a:latin typeface="Verdana" pitchFamily="34" charset="0"/>
-                <a:ea typeface="굴림" charset="-127"/>
-              </a:rPr>
-              <a:t> </a:t>
-            </a:r>
-            <a:r>
-              <a:rPr lang="ru-RU" altLang="ko-KR" sz="2000" dirty="0" err="1">
-                <a:latin typeface="Verdana" pitchFamily="34" charset="0"/>
-                <a:ea typeface="굴림" charset="-127"/>
-              </a:rPr>
-              <a:t>dolore</a:t>
-            </a:r>
-            <a:r>
-              <a:rPr lang="ru-RU" altLang="ko-KR" sz="2000" dirty="0">
-                <a:latin typeface="Verdana" pitchFamily="34" charset="0"/>
-                <a:ea typeface="굴림" charset="-127"/>
-              </a:rPr>
-              <a:t> </a:t>
-            </a:r>
-            <a:r>
-              <a:rPr lang="ru-RU" altLang="ko-KR" sz="2000" dirty="0" err="1">
-                <a:latin typeface="Verdana" pitchFamily="34" charset="0"/>
-                <a:ea typeface="굴림" charset="-127"/>
-              </a:rPr>
-              <a:t>te</a:t>
-            </a:r>
-            <a:r>
-              <a:rPr lang="ru-RU" altLang="ko-KR" sz="2000" dirty="0">
-                <a:latin typeface="Verdana" pitchFamily="34" charset="0"/>
-                <a:ea typeface="굴림" charset="-127"/>
-              </a:rPr>
-              <a:t> </a:t>
-            </a:r>
-            <a:r>
-              <a:rPr lang="ru-RU" altLang="ko-KR" sz="2000" dirty="0" err="1">
-                <a:latin typeface="Verdana" pitchFamily="34" charset="0"/>
-                <a:ea typeface="굴림" charset="-127"/>
-              </a:rPr>
-              <a:t>feugait</a:t>
-            </a:r>
-            <a:r>
-              <a:rPr lang="ru-RU" altLang="ko-KR" sz="2000" dirty="0">
-                <a:latin typeface="Verdana" pitchFamily="34" charset="0"/>
-                <a:ea typeface="굴림" charset="-127"/>
-              </a:rPr>
-              <a:t> </a:t>
-            </a:r>
-            <a:r>
-              <a:rPr lang="ru-RU" altLang="ko-KR" sz="2000" dirty="0" err="1">
-                <a:latin typeface="Verdana" pitchFamily="34" charset="0"/>
-                <a:ea typeface="굴림" charset="-127"/>
-              </a:rPr>
-              <a:t>nulla</a:t>
-            </a:r>
-            <a:r>
-              <a:rPr lang="ru-RU" altLang="ko-KR" sz="2000" dirty="0">
-                <a:latin typeface="Verdana" pitchFamily="34" charset="0"/>
-                <a:ea typeface="굴림" charset="-127"/>
-              </a:rPr>
-              <a:t> </a:t>
-            </a:r>
-            <a:r>
-              <a:rPr lang="ru-RU" altLang="ko-KR" sz="2000" dirty="0" err="1">
-                <a:latin typeface="Verdana" pitchFamily="34" charset="0"/>
-                <a:ea typeface="굴림" charset="-127"/>
-              </a:rPr>
-              <a:t>facilisi</a:t>
-            </a:r>
-            <a:r>
-              <a:rPr lang="ru-RU" altLang="ko-KR" sz="2000" dirty="0">
-                <a:latin typeface="Verdana" pitchFamily="34" charset="0"/>
-                <a:ea typeface="굴림" charset="-127"/>
-              </a:rPr>
-              <a:t>. </a:t>
-            </a:r>
-            <a:endParaRPr lang="uk-UA" sz="2000" dirty="0"/>
           </a:p>
         </p:txBody>
       </p:sp>
     </p:spTree>
     <p:extLst>
       <p:ext uri="{BB962C8B-B14F-4D97-AF65-F5344CB8AC3E}">
-        <p14:creationId xmlns:p14="http://schemas.microsoft.com/office/powerpoint/2010/main" val="4202776215"/>
+        <p14:creationId xmlns:p14="http://schemas.microsoft.com/office/powerpoint/2010/main" val="1878040162"/>
       </p:ext>
     </p:extLst>
   </p:cSld>
@@ -8021,123 +7540,367 @@
           <a:chExt cx="0" cy="0"/>
         </a:xfrm>
       </p:grpSpPr>
-      <p:sp>
-        <p:nvSpPr>
-          <p:cNvPr id="2" name="כותרת 1">
+      <p:pic>
+        <p:nvPicPr>
+          <p:cNvPr id="7" name="תמונה 6">
             <a:extLst>
               <a:ext uri="{FF2B5EF4-FFF2-40B4-BE49-F238E27FC236}">
-                <a16:creationId xmlns:a16="http://schemas.microsoft.com/office/drawing/2014/main" id="{15A8477D-9A26-101F-79D4-2C7DEE9D74D7}"/>
-              </a:ext>
-            </a:extLst>
-          </p:cNvPr>
-          <p:cNvSpPr>
-            <a:spLocks noGrp="1"/>
-          </p:cNvSpPr>
-          <p:nvPr>
-            <p:ph type="title"/>
-          </p:nvPr>
-        </p:nvSpPr>
-        <p:spPr>
-          <a:xfrm>
-            <a:off x="4079776" y="403226"/>
-            <a:ext cx="4032448" cy="939701"/>
-          </a:xfrm>
-        </p:spPr>
-        <p:txBody>
-          <a:bodyPr/>
-          <a:lstStyle/>
-          <a:p>
-            <a:pPr algn="ctr"/>
-            <a:r>
-              <a:rPr lang="en-US" sz="5400" b="1" dirty="0"/>
-              <a:t>Dashboard</a:t>
-            </a:r>
-            <a:endParaRPr lang="en-US" b="1" dirty="0"/>
-          </a:p>
-        </p:txBody>
-      </p:sp>
-      <p:sp>
-        <p:nvSpPr>
-          <p:cNvPr id="3" name="מציין מיקום תוכן 2">
-            <a:extLst>
-              <a:ext uri="{FF2B5EF4-FFF2-40B4-BE49-F238E27FC236}">
-                <a16:creationId xmlns:a16="http://schemas.microsoft.com/office/drawing/2014/main" id="{4AD3EE39-0A55-F859-A1E9-1B7C094600E4}"/>
-              </a:ext>
-            </a:extLst>
-          </p:cNvPr>
-          <p:cNvSpPr>
-            <a:spLocks noGrp="1"/>
-          </p:cNvSpPr>
-          <p:nvPr>
-            <p:ph idx="1"/>
-          </p:nvPr>
-        </p:nvSpPr>
-        <p:spPr>
-          <a:xfrm>
-            <a:off x="2424114" y="2348880"/>
-            <a:ext cx="7343775" cy="2952329"/>
-          </a:xfrm>
-        </p:spPr>
-        <p:txBody>
-          <a:bodyPr/>
-          <a:lstStyle/>
-          <a:p>
-            <a:endParaRPr lang="en-US" dirty="0"/>
-          </a:p>
-        </p:txBody>
-      </p:sp>
-      <p:pic>
-        <p:nvPicPr>
-          <p:cNvPr id="1026" name="Picture 2" descr="Building your first Streamlit app for non-python users | by Adam Morton |  Snowflake Builders Blog: Data Engineers, App Developers, AI/ML, &amp; Data  Science | Medium">
-            <a:hlinkClick r:id="rId2"/>
-            <a:extLst>
-              <a:ext uri="{FF2B5EF4-FFF2-40B4-BE49-F238E27FC236}">
-                <a16:creationId xmlns:a16="http://schemas.microsoft.com/office/drawing/2014/main" id="{4EF06839-915A-70A9-96AC-FB475F43909F}"/>
+                <a16:creationId xmlns:a16="http://schemas.microsoft.com/office/drawing/2014/main" id="{FC45F1B8-C42C-7C55-9E4E-B0E9BFD528A5}"/>
               </a:ext>
             </a:extLst>
           </p:cNvPr>
           <p:cNvPicPr>
-            <a:picLocks noChangeAspect="1" noChangeArrowheads="1"/>
+            <a:picLocks noChangeAspect="1"/>
           </p:cNvPicPr>
           <p:nvPr/>
         </p:nvPicPr>
         <p:blipFill>
-          <a:blip r:embed="rId3">
-            <a:extLst>
-              <a:ext uri="{28A0092B-C50C-407E-A947-70E740481C1C}">
-                <a14:useLocalDpi xmlns:a14="http://schemas.microsoft.com/office/drawing/2010/main" val="0"/>
-              </a:ext>
-            </a:extLst>
-          </a:blip>
-          <a:srcRect/>
+          <a:blip r:embed="rId2"/>
           <a:stretch>
             <a:fillRect/>
           </a:stretch>
         </p:blipFill>
+        <p:spPr>
+          <a:xfrm>
+            <a:off x="988377" y="980728"/>
+            <a:ext cx="5325637" cy="4464496"/>
+          </a:xfrm>
+          <a:prstGeom prst="rect">
+            <a:avLst/>
+          </a:prstGeom>
+          <a:ln>
+            <a:noFill/>
+          </a:ln>
+          <a:effectLst>
+            <a:outerShdw blurRad="292100" dist="139700" dir="2700000" algn="tl" rotWithShape="0">
+              <a:srgbClr val="333333">
+                <a:alpha val="65000"/>
+              </a:srgbClr>
+            </a:outerShdw>
+          </a:effectLst>
+        </p:spPr>
+      </p:pic>
+      <p:sp>
+        <p:nvSpPr>
+          <p:cNvPr id="4" name="Title 1">
+            <a:extLst>
+              <a:ext uri="{FF2B5EF4-FFF2-40B4-BE49-F238E27FC236}">
+                <a16:creationId xmlns:a16="http://schemas.microsoft.com/office/drawing/2014/main" id="{64D3F46B-2B59-3BB6-5644-A4B8AC5E812A}"/>
+              </a:ext>
+            </a:extLst>
+          </p:cNvPr>
+          <p:cNvSpPr txBox="1">
+            <a:spLocks/>
+          </p:cNvSpPr>
+          <p:nvPr/>
+        </p:nvSpPr>
         <p:spPr bwMode="auto">
           <a:xfrm>
-            <a:off x="2243572" y="1700808"/>
-            <a:ext cx="7704856" cy="4026322"/>
+            <a:off x="8828837" y="775264"/>
+            <a:ext cx="2372868" cy="895975"/>
           </a:xfrm>
           <a:prstGeom prst="rect">
             <a:avLst/>
           </a:prstGeom>
           <a:noFill/>
-          <a:extLst>
-            <a:ext uri="{909E8E84-426E-40DD-AFC4-6F175D3DCCD1}">
-              <a14:hiddenFill xmlns:a14="http://schemas.microsoft.com/office/drawing/2010/main">
+          <a:ln w="9525">
+            <a:noFill/>
+            <a:miter lim="800000"/>
+            <a:headEnd/>
+            <a:tailEnd/>
+          </a:ln>
+          <a:effectLst>
+            <a:outerShdw dist="17961" dir="2700000" algn="ctr" rotWithShape="0">
+              <a:schemeClr val="bg1"/>
+            </a:outerShdw>
+          </a:effectLst>
+        </p:spPr>
+        <p:txBody>
+          <a:bodyPr vert="horz" wrap="square" lIns="91440" tIns="45720" rIns="91440" bIns="45720" numCol="1" anchor="t" anchorCtr="0" compatLnSpc="1">
+            <a:prstTxWarp prst="textNoShape">
+              <a:avLst/>
+            </a:prstTxWarp>
+            <a:normAutofit fontScale="90000" lnSpcReduction="10000"/>
+          </a:bodyPr>
+          <a:lstStyle>
+            <a:lvl1pPr algn="l" rtl="0" fontAlgn="base">
+              <a:spcBef>
+                <a:spcPct val="0"/>
+              </a:spcBef>
+              <a:spcAft>
+                <a:spcPct val="0"/>
+              </a:spcAft>
+              <a:defRPr sz="4000" b="1" cap="all">
                 <a:solidFill>
-                  <a:srgbClr val="FFFFFF"/>
+                  <a:schemeClr val="tx2"/>
                 </a:solidFill>
-              </a14:hiddenFill>
-            </a:ext>
-          </a:extLst>
+                <a:latin typeface="+mj-lt"/>
+                <a:ea typeface="+mj-ea"/>
+                <a:cs typeface="+mj-cs"/>
+              </a:defRPr>
+            </a:lvl1pPr>
+            <a:lvl2pPr algn="l" rtl="0" fontAlgn="base">
+              <a:spcBef>
+                <a:spcPct val="0"/>
+              </a:spcBef>
+              <a:spcAft>
+                <a:spcPct val="0"/>
+              </a:spcAft>
+              <a:defRPr sz="3200">
+                <a:solidFill>
+                  <a:schemeClr val="tx2"/>
+                </a:solidFill>
+                <a:latin typeface="Arial" charset="0"/>
+              </a:defRPr>
+            </a:lvl2pPr>
+            <a:lvl3pPr algn="l" rtl="0" fontAlgn="base">
+              <a:spcBef>
+                <a:spcPct val="0"/>
+              </a:spcBef>
+              <a:spcAft>
+                <a:spcPct val="0"/>
+              </a:spcAft>
+              <a:defRPr sz="3200">
+                <a:solidFill>
+                  <a:schemeClr val="tx2"/>
+                </a:solidFill>
+                <a:latin typeface="Arial" charset="0"/>
+              </a:defRPr>
+            </a:lvl3pPr>
+            <a:lvl4pPr algn="l" rtl="0" fontAlgn="base">
+              <a:spcBef>
+                <a:spcPct val="0"/>
+              </a:spcBef>
+              <a:spcAft>
+                <a:spcPct val="0"/>
+              </a:spcAft>
+              <a:defRPr sz="3200">
+                <a:solidFill>
+                  <a:schemeClr val="tx2"/>
+                </a:solidFill>
+                <a:latin typeface="Arial" charset="0"/>
+              </a:defRPr>
+            </a:lvl4pPr>
+            <a:lvl5pPr algn="l" rtl="0" fontAlgn="base">
+              <a:spcBef>
+                <a:spcPct val="0"/>
+              </a:spcBef>
+              <a:spcAft>
+                <a:spcPct val="0"/>
+              </a:spcAft>
+              <a:defRPr sz="3200">
+                <a:solidFill>
+                  <a:schemeClr val="tx2"/>
+                </a:solidFill>
+                <a:latin typeface="Arial" charset="0"/>
+              </a:defRPr>
+            </a:lvl5pPr>
+            <a:lvl6pPr marL="457200" algn="l" rtl="0" fontAlgn="base">
+              <a:spcBef>
+                <a:spcPct val="0"/>
+              </a:spcBef>
+              <a:spcAft>
+                <a:spcPct val="0"/>
+              </a:spcAft>
+              <a:defRPr sz="3200">
+                <a:solidFill>
+                  <a:schemeClr val="tx2"/>
+                </a:solidFill>
+                <a:latin typeface="Arial" charset="0"/>
+              </a:defRPr>
+            </a:lvl6pPr>
+            <a:lvl7pPr marL="914400" algn="l" rtl="0" fontAlgn="base">
+              <a:spcBef>
+                <a:spcPct val="0"/>
+              </a:spcBef>
+              <a:spcAft>
+                <a:spcPct val="0"/>
+              </a:spcAft>
+              <a:defRPr sz="3200">
+                <a:solidFill>
+                  <a:schemeClr val="tx2"/>
+                </a:solidFill>
+                <a:latin typeface="Arial" charset="0"/>
+              </a:defRPr>
+            </a:lvl7pPr>
+            <a:lvl8pPr marL="1371600" algn="l" rtl="0" fontAlgn="base">
+              <a:spcBef>
+                <a:spcPct val="0"/>
+              </a:spcBef>
+              <a:spcAft>
+                <a:spcPct val="0"/>
+              </a:spcAft>
+              <a:defRPr sz="3200">
+                <a:solidFill>
+                  <a:schemeClr val="tx2"/>
+                </a:solidFill>
+                <a:latin typeface="Arial" charset="0"/>
+              </a:defRPr>
+            </a:lvl8pPr>
+            <a:lvl9pPr marL="1828800" algn="l" rtl="0" fontAlgn="base">
+              <a:spcBef>
+                <a:spcPct val="0"/>
+              </a:spcBef>
+              <a:spcAft>
+                <a:spcPct val="0"/>
+              </a:spcAft>
+              <a:defRPr sz="3200">
+                <a:solidFill>
+                  <a:schemeClr val="tx2"/>
+                </a:solidFill>
+                <a:latin typeface="Arial" charset="0"/>
+              </a:defRPr>
+            </a:lvl9pPr>
+          </a:lstStyle>
+          <a:p>
+            <a:pPr algn="r" rtl="1"/>
+            <a:r>
+              <a:rPr lang="he-IL" sz="6000" kern="0">
+                <a:latin typeface="Aharoni" panose="02010803020104030203" pitchFamily="2" charset="-79"/>
+                <a:cs typeface="Aharoni" panose="02010803020104030203" pitchFamily="2" charset="-79"/>
+              </a:rPr>
+              <a:t>חלופה 1</a:t>
+            </a:r>
+            <a:endParaRPr lang="en-IL" sz="6000" kern="0" dirty="0">
+              <a:latin typeface="Aharoni" panose="02010803020104030203" pitchFamily="2" charset="-79"/>
+              <a:cs typeface="Aharoni" panose="02010803020104030203" pitchFamily="2" charset="-79"/>
+            </a:endParaRPr>
+          </a:p>
+        </p:txBody>
+      </p:sp>
+      <p:sp>
+        <p:nvSpPr>
+          <p:cNvPr id="5" name="TextBox 5">
+            <a:extLst>
+              <a:ext uri="{FF2B5EF4-FFF2-40B4-BE49-F238E27FC236}">
+                <a16:creationId xmlns:a16="http://schemas.microsoft.com/office/drawing/2014/main" id="{1D1D39FD-6945-E9F1-C658-E70861C72C06}"/>
+              </a:ext>
+            </a:extLst>
+          </p:cNvPr>
+          <p:cNvSpPr txBox="1"/>
+          <p:nvPr/>
+        </p:nvSpPr>
+        <p:spPr>
+          <a:xfrm>
+            <a:off x="6528048" y="2348880"/>
+            <a:ext cx="4849818" cy="2985433"/>
+          </a:xfrm>
+          <a:prstGeom prst="rect">
+            <a:avLst/>
+          </a:prstGeom>
+          <a:noFill/>
         </p:spPr>
-      </p:pic>
+        <p:txBody>
+          <a:bodyPr wrap="square" rtlCol="0">
+            <a:spAutoFit/>
+          </a:bodyPr>
+          <a:lstStyle/>
+          <a:p>
+            <a:pPr marL="0" algn="r" defTabSz="914400" rtl="1" eaLnBrk="1" latinLnBrk="0" hangingPunct="1"/>
+            <a:r>
+              <a:rPr lang="he-IL" sz="2000" dirty="0">
+                <a:latin typeface="Aharoni" panose="02010803020104030203" pitchFamily="2" charset="-79"/>
+                <a:cs typeface="Aharoni" panose="02010803020104030203" pitchFamily="2" charset="-79"/>
+              </a:rPr>
+              <a:t> </a:t>
+            </a:r>
+            <a:r>
+              <a:rPr lang="he-IL" sz="2800" dirty="0">
+                <a:latin typeface="Aharoni" panose="02010803020104030203" pitchFamily="2" charset="-79"/>
+                <a:cs typeface="Aharoni" panose="02010803020104030203" pitchFamily="2" charset="-79"/>
+              </a:rPr>
+              <a:t>יתרונות –</a:t>
+            </a:r>
+          </a:p>
+          <a:p>
+            <a:pPr marL="285750" indent="-285750" algn="r" defTabSz="914400" rtl="1" eaLnBrk="1" latinLnBrk="0" hangingPunct="1">
+              <a:buFont typeface="Wingdings" pitchFamily="2" charset="2"/>
+              <a:buChar char="ü"/>
+            </a:pPr>
+            <a:r>
+              <a:rPr lang="he-IL" sz="2200" dirty="0">
+                <a:latin typeface="Aharoni" panose="02010803020104030203" pitchFamily="2" charset="-79"/>
+                <a:cs typeface="Aharoni" panose="02010803020104030203" pitchFamily="2" charset="-79"/>
+              </a:rPr>
+              <a:t>קלה לקריאה ומהירה להבנה: ניתן להבין בקלות אילו משתנים קשורים אחד לשני בעוצמה חזקה או חלשה</a:t>
+            </a:r>
+            <a:endParaRPr lang="he-IL" sz="2000" dirty="0">
+              <a:latin typeface="Aharoni" panose="02010803020104030203" pitchFamily="2" charset="-79"/>
+              <a:cs typeface="Aharoni" panose="02010803020104030203" pitchFamily="2" charset="-79"/>
+            </a:endParaRPr>
+          </a:p>
+          <a:p>
+            <a:pPr algn="r" defTabSz="914400" rtl="1" eaLnBrk="1" latinLnBrk="0" hangingPunct="1"/>
+            <a:r>
+              <a:rPr lang="he-IL" sz="2800" dirty="0">
+                <a:latin typeface="Aharoni" panose="02010803020104030203" pitchFamily="2" charset="-79"/>
+                <a:cs typeface="Aharoni" panose="02010803020104030203" pitchFamily="2" charset="-79"/>
+              </a:rPr>
+              <a:t>חסרונות –</a:t>
+            </a:r>
+          </a:p>
+          <a:p>
+            <a:pPr marL="285750" indent="-285750" algn="r" defTabSz="914400" rtl="1" eaLnBrk="1" latinLnBrk="0" hangingPunct="1">
+              <a:buFont typeface="System Font Regular"/>
+              <a:buChar char="X"/>
+            </a:pPr>
+            <a:r>
+              <a:rPr lang="he-IL" sz="2200" dirty="0">
+                <a:latin typeface="Aharoni" panose="02010803020104030203" pitchFamily="2" charset="-79"/>
+                <a:cs typeface="Aharoni" panose="02010803020104030203" pitchFamily="2" charset="-79"/>
+              </a:rPr>
+              <a:t>מוגבלת רק לקשרים ליניאריים , וגם אינה חושפת מידע על חריגות או פיזור בתוך הקשרים</a:t>
+            </a:r>
+            <a:endParaRPr lang="en-IL" sz="2000" dirty="0">
+              <a:latin typeface="Aharoni" panose="02010803020104030203" pitchFamily="2" charset="-79"/>
+              <a:cs typeface="Aharoni" panose="02010803020104030203" pitchFamily="2" charset="-79"/>
+            </a:endParaRPr>
+          </a:p>
+        </p:txBody>
+      </p:sp>
+      <p:cxnSp>
+        <p:nvCxnSpPr>
+          <p:cNvPr id="6" name="Straight Connector 9">
+            <a:extLst>
+              <a:ext uri="{FF2B5EF4-FFF2-40B4-BE49-F238E27FC236}">
+                <a16:creationId xmlns:a16="http://schemas.microsoft.com/office/drawing/2014/main" id="{1E6E4F74-5A47-7688-CC08-6B4A366F0E78}"/>
+              </a:ext>
+            </a:extLst>
+          </p:cNvPr>
+          <p:cNvCxnSpPr>
+            <a:cxnSpLocks/>
+          </p:cNvCxnSpPr>
+          <p:nvPr/>
+        </p:nvCxnSpPr>
+        <p:spPr>
+          <a:xfrm>
+            <a:off x="7493813" y="1876802"/>
+            <a:ext cx="3707892" cy="0"/>
+          </a:xfrm>
+          <a:prstGeom prst="line">
+            <a:avLst/>
+          </a:prstGeom>
+          <a:ln/>
+        </p:spPr>
+        <p:style>
+          <a:lnRef idx="3">
+            <a:schemeClr val="dk1"/>
+          </a:lnRef>
+          <a:fillRef idx="0">
+            <a:schemeClr val="dk1"/>
+          </a:fillRef>
+          <a:effectRef idx="2">
+            <a:schemeClr val="dk1"/>
+          </a:effectRef>
+          <a:fontRef idx="minor">
+            <a:schemeClr val="tx1"/>
+          </a:fontRef>
+        </p:style>
+      </p:cxnSp>
     </p:spTree>
     <p:extLst>
       <p:ext uri="{BB962C8B-B14F-4D97-AF65-F5344CB8AC3E}">
-        <p14:creationId xmlns:p14="http://schemas.microsoft.com/office/powerpoint/2010/main" val="2104904782"/>
+        <p14:creationId xmlns:p14="http://schemas.microsoft.com/office/powerpoint/2010/main" val="540600183"/>
       </p:ext>
     </p:extLst>
   </p:cSld>

--- a/Presentation/פרזנטציה פרויקט ויזואליזציה.pptx
+++ b/Presentation/פרזנטציה פרויקט ויזואליזציה.pptx
@@ -5,10 +5,10 @@
     <p:sldMasterId id="2147483648" r:id="rId1"/>
   </p:sldMasterIdLst>
   <p:notesMasterIdLst>
-    <p:notesMasterId r:id="rId14"/>
+    <p:notesMasterId r:id="rId16"/>
   </p:notesMasterIdLst>
   <p:handoutMasterIdLst>
-    <p:handoutMasterId r:id="rId15"/>
+    <p:handoutMasterId r:id="rId17"/>
   </p:handoutMasterIdLst>
   <p:sldIdLst>
     <p:sldId id="256" r:id="rId2"/>
@@ -17,12 +17,14 @@
     <p:sldId id="259" r:id="rId5"/>
     <p:sldId id="266" r:id="rId6"/>
     <p:sldId id="267" r:id="rId7"/>
-    <p:sldId id="260" r:id="rId8"/>
-    <p:sldId id="269" r:id="rId9"/>
-    <p:sldId id="268" r:id="rId10"/>
-    <p:sldId id="270" r:id="rId11"/>
-    <p:sldId id="263" r:id="rId12"/>
-    <p:sldId id="265" r:id="rId13"/>
+    <p:sldId id="274" r:id="rId8"/>
+    <p:sldId id="271" r:id="rId9"/>
+    <p:sldId id="273" r:id="rId10"/>
+    <p:sldId id="269" r:id="rId11"/>
+    <p:sldId id="268" r:id="rId12"/>
+    <p:sldId id="270" r:id="rId13"/>
+    <p:sldId id="263" r:id="rId14"/>
+    <p:sldId id="265" r:id="rId15"/>
   </p:sldIdLst>
   <p:sldSz cx="12192000" cy="6858000"/>
   <p:notesSz cx="6858000" cy="9144000"/>
@@ -3137,6 +3139,454 @@
   <p:clrMapOvr>
     <a:masterClrMapping/>
   </p:clrMapOvr>
+  <mc:AlternateContent xmlns:mc="http://schemas.openxmlformats.org/markup-compatibility/2006">
+    <mc:Choice xmlns:p14="http://schemas.microsoft.com/office/powerpoint/2010/main" Requires="p14">
+      <p:transition p14:dur="0"/>
+    </mc:Choice>
+    <mc:Fallback>
+      <p:transition/>
+    </mc:Fallback>
+  </mc:AlternateContent>
+  <p:timing>
+    <p:tnLst>
+      <p:par>
+        <p:cTn id="1" dur="indefinite" restart="never" nodeType="tmRoot">
+          <p:childTnLst>
+            <p:seq concurrent="1" nextAc="seek">
+              <p:cTn id="2" dur="indefinite" nodeType="mainSeq">
+                <p:childTnLst>
+                  <p:par>
+                    <p:cTn id="3" fill="hold">
+                      <p:stCondLst>
+                        <p:cond delay="indefinite"/>
+                        <p:cond evt="onBegin" delay="0">
+                          <p:tn val="2"/>
+                        </p:cond>
+                      </p:stCondLst>
+                      <p:childTnLst>
+                        <p:par>
+                          <p:cTn id="4" fill="hold">
+                            <p:stCondLst>
+                              <p:cond delay="0"/>
+                            </p:stCondLst>
+                            <p:childTnLst>
+                              <p:par>
+                                <p:cTn id="5" presetID="10" presetClass="entr" presetSubtype="0" fill="hold" grpId="0" nodeType="afterEffect">
+                                  <p:stCondLst>
+                                    <p:cond delay="0"/>
+                                  </p:stCondLst>
+                                  <p:childTnLst>
+                                    <p:set>
+                                      <p:cBhvr>
+                                        <p:cTn id="6" dur="1" fill="hold">
+                                          <p:stCondLst>
+                                            <p:cond delay="0"/>
+                                          </p:stCondLst>
+                                        </p:cTn>
+                                        <p:tgtEl>
+                                          <p:spTgt spid="6"/>
+                                        </p:tgtEl>
+                                        <p:attrNameLst>
+                                          <p:attrName>style.visibility</p:attrName>
+                                        </p:attrNameLst>
+                                      </p:cBhvr>
+                                      <p:to>
+                                        <p:strVal val="visible"/>
+                                      </p:to>
+                                    </p:set>
+                                    <p:animEffect transition="in" filter="fade">
+                                      <p:cBhvr>
+                                        <p:cTn id="7" dur="500"/>
+                                        <p:tgtEl>
+                                          <p:spTgt spid="6"/>
+                                        </p:tgtEl>
+                                      </p:cBhvr>
+                                    </p:animEffect>
+                                  </p:childTnLst>
+                                </p:cTn>
+                              </p:par>
+                            </p:childTnLst>
+                          </p:cTn>
+                        </p:par>
+                      </p:childTnLst>
+                    </p:cTn>
+                  </p:par>
+                </p:childTnLst>
+              </p:cTn>
+              <p:prevCondLst>
+                <p:cond evt="onPrev" delay="0">
+                  <p:tgtEl>
+                    <p:sldTgt/>
+                  </p:tgtEl>
+                </p:cond>
+              </p:prevCondLst>
+              <p:nextCondLst>
+                <p:cond evt="onNext" delay="0">
+                  <p:tgtEl>
+                    <p:sldTgt/>
+                  </p:tgtEl>
+                </p:cond>
+              </p:nextCondLst>
+            </p:seq>
+          </p:childTnLst>
+        </p:cTn>
+      </p:par>
+    </p:tnLst>
+    <p:bldLst>
+      <p:bldP spid="6" grpId="0"/>
+    </p:bldLst>
+  </p:timing>
+</p:sld>
+</file>
+
+<file path=ppt/slides/slide10.xml><?xml version="1.0" encoding="utf-8"?>
+<p:sld xmlns:a="http://schemas.openxmlformats.org/drawingml/2006/main" xmlns:r="http://schemas.openxmlformats.org/officeDocument/2006/relationships" xmlns:p="http://schemas.openxmlformats.org/presentationml/2006/main">
+  <p:cSld>
+    <p:spTree>
+      <p:nvGrpSpPr>
+        <p:cNvPr id="1" name=""/>
+        <p:cNvGrpSpPr/>
+        <p:nvPr/>
+      </p:nvGrpSpPr>
+      <p:grpSpPr>
+        <a:xfrm>
+          <a:off x="0" y="0"/>
+          <a:ext cx="0" cy="0"/>
+          <a:chOff x="0" y="0"/>
+          <a:chExt cx="0" cy="0"/>
+        </a:xfrm>
+      </p:grpSpPr>
+      <p:sp>
+        <p:nvSpPr>
+          <p:cNvPr id="2" name="כותרת 1">
+            <a:extLst>
+              <a:ext uri="{FF2B5EF4-FFF2-40B4-BE49-F238E27FC236}">
+                <a16:creationId xmlns:a16="http://schemas.microsoft.com/office/drawing/2014/main" id="{99B437A8-8691-6220-519F-27EA20E1EEDE}"/>
+              </a:ext>
+            </a:extLst>
+          </p:cNvPr>
+          <p:cNvSpPr>
+            <a:spLocks noGrp="1"/>
+          </p:cNvSpPr>
+          <p:nvPr>
+            <p:ph type="title"/>
+          </p:nvPr>
+        </p:nvSpPr>
+        <p:spPr/>
+        <p:txBody>
+          <a:bodyPr/>
+          <a:lstStyle/>
+          <a:p>
+            <a:r>
+              <a:rPr lang="he-IL" dirty="0"/>
+              <a:t> </a:t>
+            </a:r>
+          </a:p>
+        </p:txBody>
+      </p:sp>
+      <p:sp>
+        <p:nvSpPr>
+          <p:cNvPr id="4" name="Title 1">
+            <a:extLst>
+              <a:ext uri="{FF2B5EF4-FFF2-40B4-BE49-F238E27FC236}">
+                <a16:creationId xmlns:a16="http://schemas.microsoft.com/office/drawing/2014/main" id="{0A8AE8B9-C67A-C0F3-963F-3FAFA2725EA9}"/>
+              </a:ext>
+            </a:extLst>
+          </p:cNvPr>
+          <p:cNvSpPr txBox="1">
+            <a:spLocks/>
+          </p:cNvSpPr>
+          <p:nvPr/>
+        </p:nvSpPr>
+        <p:spPr bwMode="auto">
+          <a:xfrm>
+            <a:off x="2207568" y="3068960"/>
+            <a:ext cx="8072374" cy="953162"/>
+          </a:xfrm>
+          <a:prstGeom prst="rect">
+            <a:avLst/>
+          </a:prstGeom>
+          <a:noFill/>
+          <a:ln w="9525">
+            <a:noFill/>
+            <a:miter lim="800000"/>
+            <a:headEnd/>
+            <a:tailEnd/>
+          </a:ln>
+          <a:effectLst>
+            <a:outerShdw dist="17961" dir="2700000" algn="ctr" rotWithShape="0">
+              <a:schemeClr val="bg1"/>
+            </a:outerShdw>
+          </a:effectLst>
+        </p:spPr>
+        <p:txBody>
+          <a:bodyPr vert="horz" wrap="square" lIns="91440" tIns="45720" rIns="91440" bIns="45720" numCol="1" anchor="ctr" anchorCtr="0" compatLnSpc="1">
+            <a:prstTxWarp prst="textNoShape">
+              <a:avLst/>
+            </a:prstTxWarp>
+            <a:noAutofit/>
+          </a:bodyPr>
+          <a:lstStyle>
+            <a:lvl1pPr algn="l" rtl="0" fontAlgn="base">
+              <a:spcBef>
+                <a:spcPct val="0"/>
+              </a:spcBef>
+              <a:spcAft>
+                <a:spcPct val="0"/>
+              </a:spcAft>
+              <a:defRPr sz="3200">
+                <a:solidFill>
+                  <a:schemeClr val="tx2"/>
+                </a:solidFill>
+                <a:latin typeface="+mj-lt"/>
+                <a:ea typeface="+mj-ea"/>
+                <a:cs typeface="+mj-cs"/>
+              </a:defRPr>
+            </a:lvl1pPr>
+            <a:lvl2pPr algn="l" rtl="0" fontAlgn="base">
+              <a:spcBef>
+                <a:spcPct val="0"/>
+              </a:spcBef>
+              <a:spcAft>
+                <a:spcPct val="0"/>
+              </a:spcAft>
+              <a:defRPr sz="3200">
+                <a:solidFill>
+                  <a:schemeClr val="tx2"/>
+                </a:solidFill>
+                <a:latin typeface="Arial" charset="0"/>
+              </a:defRPr>
+            </a:lvl2pPr>
+            <a:lvl3pPr algn="l" rtl="0" fontAlgn="base">
+              <a:spcBef>
+                <a:spcPct val="0"/>
+              </a:spcBef>
+              <a:spcAft>
+                <a:spcPct val="0"/>
+              </a:spcAft>
+              <a:defRPr sz="3200">
+                <a:solidFill>
+                  <a:schemeClr val="tx2"/>
+                </a:solidFill>
+                <a:latin typeface="Arial" charset="0"/>
+              </a:defRPr>
+            </a:lvl3pPr>
+            <a:lvl4pPr algn="l" rtl="0" fontAlgn="base">
+              <a:spcBef>
+                <a:spcPct val="0"/>
+              </a:spcBef>
+              <a:spcAft>
+                <a:spcPct val="0"/>
+              </a:spcAft>
+              <a:defRPr sz="3200">
+                <a:solidFill>
+                  <a:schemeClr val="tx2"/>
+                </a:solidFill>
+                <a:latin typeface="Arial" charset="0"/>
+              </a:defRPr>
+            </a:lvl4pPr>
+            <a:lvl5pPr algn="l" rtl="0" fontAlgn="base">
+              <a:spcBef>
+                <a:spcPct val="0"/>
+              </a:spcBef>
+              <a:spcAft>
+                <a:spcPct val="0"/>
+              </a:spcAft>
+              <a:defRPr sz="3200">
+                <a:solidFill>
+                  <a:schemeClr val="tx2"/>
+                </a:solidFill>
+                <a:latin typeface="Arial" charset="0"/>
+              </a:defRPr>
+            </a:lvl5pPr>
+            <a:lvl6pPr marL="457200" algn="l" rtl="0" fontAlgn="base">
+              <a:spcBef>
+                <a:spcPct val="0"/>
+              </a:spcBef>
+              <a:spcAft>
+                <a:spcPct val="0"/>
+              </a:spcAft>
+              <a:defRPr sz="3200">
+                <a:solidFill>
+                  <a:schemeClr val="tx2"/>
+                </a:solidFill>
+                <a:latin typeface="Arial" charset="0"/>
+              </a:defRPr>
+            </a:lvl6pPr>
+            <a:lvl7pPr marL="914400" algn="l" rtl="0" fontAlgn="base">
+              <a:spcBef>
+                <a:spcPct val="0"/>
+              </a:spcBef>
+              <a:spcAft>
+                <a:spcPct val="0"/>
+              </a:spcAft>
+              <a:defRPr sz="3200">
+                <a:solidFill>
+                  <a:schemeClr val="tx2"/>
+                </a:solidFill>
+                <a:latin typeface="Arial" charset="0"/>
+              </a:defRPr>
+            </a:lvl7pPr>
+            <a:lvl8pPr marL="1371600" algn="l" rtl="0" fontAlgn="base">
+              <a:spcBef>
+                <a:spcPct val="0"/>
+              </a:spcBef>
+              <a:spcAft>
+                <a:spcPct val="0"/>
+              </a:spcAft>
+              <a:defRPr sz="3200">
+                <a:solidFill>
+                  <a:schemeClr val="tx2"/>
+                </a:solidFill>
+                <a:latin typeface="Arial" charset="0"/>
+              </a:defRPr>
+            </a:lvl8pPr>
+            <a:lvl9pPr marL="1828800" algn="l" rtl="0" fontAlgn="base">
+              <a:spcBef>
+                <a:spcPct val="0"/>
+              </a:spcBef>
+              <a:spcAft>
+                <a:spcPct val="0"/>
+              </a:spcAft>
+              <a:defRPr sz="3200">
+                <a:solidFill>
+                  <a:schemeClr val="tx2"/>
+                </a:solidFill>
+                <a:latin typeface="Arial" charset="0"/>
+              </a:defRPr>
+            </a:lvl9pPr>
+          </a:lstStyle>
+          <a:p>
+            <a:pPr algn="ctr" rtl="1">
+              <a:lnSpc>
+                <a:spcPct val="90000"/>
+              </a:lnSpc>
+            </a:pPr>
+            <a:r>
+              <a:rPr lang="he-IL" sz="5400" b="1" dirty="0">
+                <a:latin typeface="Aharoni" panose="02010803020104030203" pitchFamily="2" charset="-79"/>
+                <a:ea typeface="+mj-ea"/>
+                <a:cs typeface="Aharoni" panose="02010803020104030203" pitchFamily="2" charset="-79"/>
+              </a:rPr>
+              <a:t>שאלה 3</a:t>
+            </a:r>
+          </a:p>
+          <a:p>
+            <a:pPr algn="ctr" rtl="1">
+              <a:lnSpc>
+                <a:spcPct val="90000"/>
+              </a:lnSpc>
+            </a:pPr>
+            <a:r>
+              <a:rPr lang="he-IL" sz="5400" b="1" dirty="0">
+                <a:latin typeface="Aharoni" panose="02010803020104030203" pitchFamily="2" charset="-79"/>
+                <a:ea typeface="+mj-ea"/>
+                <a:cs typeface="Aharoni" panose="02010803020104030203" pitchFamily="2" charset="-79"/>
+              </a:rPr>
+              <a:t> האם קיים קשר בין כמות המחבלים באירוע לכמות הנפגעים?</a:t>
+            </a:r>
+            <a:endParaRPr lang="en-US" sz="5400" b="1" dirty="0">
+              <a:latin typeface="Aharoni" panose="02010803020104030203" pitchFamily="2" charset="-79"/>
+              <a:ea typeface="+mj-ea"/>
+              <a:cs typeface="Aharoni" panose="02010803020104030203" pitchFamily="2" charset="-79"/>
+            </a:endParaRPr>
+          </a:p>
+          <a:p>
+            <a:pPr algn="ctr" rtl="1">
+              <a:lnSpc>
+                <a:spcPct val="90000"/>
+              </a:lnSpc>
+            </a:pPr>
+            <a:endParaRPr lang="en-IL" sz="5400" b="1" kern="0" dirty="0">
+              <a:latin typeface="Aharoni" panose="02010803020104030203" pitchFamily="2" charset="-79"/>
+              <a:cs typeface="Aharoni" panose="02010803020104030203" pitchFamily="2" charset="-79"/>
+            </a:endParaRPr>
+          </a:p>
+        </p:txBody>
+      </p:sp>
+      <p:pic>
+        <p:nvPicPr>
+          <p:cNvPr id="5" name="תמונה 4">
+            <a:extLst>
+              <a:ext uri="{FF2B5EF4-FFF2-40B4-BE49-F238E27FC236}">
+                <a16:creationId xmlns:a16="http://schemas.microsoft.com/office/drawing/2014/main" id="{073F7991-0F0D-EEDE-E312-F42992DD8062}"/>
+              </a:ext>
+            </a:extLst>
+          </p:cNvPr>
+          <p:cNvPicPr>
+            <a:picLocks noChangeAspect="1"/>
+          </p:cNvPicPr>
+          <p:nvPr/>
+        </p:nvPicPr>
+        <p:blipFill>
+          <a:blip r:embed="rId2">
+            <a:extLst>
+              <a:ext uri="{BEBA8EAE-BF5A-486C-A8C5-ECC9F3942E4B}">
+                <a14:imgProps xmlns:a14="http://schemas.microsoft.com/office/drawing/2010/main">
+                  <a14:imgLayer r:embed="rId3">
+                    <a14:imgEffect>
+                      <a14:backgroundRemoval t="9694" b="96939" l="5648" r="97010">
+                        <a14:foregroundMark x1="92691" y1="53571" x2="92691" y2="53571"/>
+                        <a14:foregroundMark x1="97342" y1="29592" x2="97342" y2="29592"/>
+                        <a14:foregroundMark x1="16279" y1="79082" x2="16279" y2="79082"/>
+                        <a14:foregroundMark x1="17276" y1="59694" x2="17276" y2="59694"/>
+                        <a14:foregroundMark x1="18937" y1="52551" x2="18937" y2="52551"/>
+                        <a14:foregroundMark x1="32890" y1="61224" x2="32890" y2="61224"/>
+                        <a14:foregroundMark x1="40864" y1="62755" x2="40864" y2="62755"/>
+                        <a14:foregroundMark x1="28239" y1="62245" x2="28239" y2="62245"/>
+                        <a14:foregroundMark x1="21262" y1="64796" x2="21262" y2="64796"/>
+                        <a14:foregroundMark x1="9302" y1="73469" x2="9302" y2="73469"/>
+                        <a14:foregroundMark x1="15615" y1="73980" x2="15615" y2="73980"/>
+                        <a14:foregroundMark x1="32890" y1="71429" x2="32890" y2="71429"/>
+                        <a14:foregroundMark x1="29236" y1="82653" x2="29236" y2="82653"/>
+                        <a14:foregroundMark x1="13953" y1="87245" x2="13953" y2="87245"/>
+                        <a14:foregroundMark x1="10631" y1="96939" x2="10631" y2="96939"/>
+                        <a14:foregroundMark x1="5648" y1="96939" x2="5648" y2="96939"/>
+                        <a14:foregroundMark x1="92359" y1="32143" x2="92359" y2="32143"/>
+                        <a14:foregroundMark x1="72425" y1="59694" x2="72425" y2="59694"/>
+                        <a14:foregroundMark x1="63787" y1="69898" x2="63787" y2="69898"/>
+                        <a14:foregroundMark x1="56146" y1="80612" x2="56146" y2="80612"/>
+                        <a14:foregroundMark x1="47841" y1="87245" x2="47841" y2="87245"/>
+                        <a14:foregroundMark x1="48837" y1="84184" x2="48837" y2="84184"/>
+                        <a14:foregroundMark x1="57475" y1="76531" x2="57475" y2="76531"/>
+                        <a14:foregroundMark x1="60797" y1="64796" x2="60797" y2="64796"/>
+                        <a14:foregroundMark x1="72093" y1="54082" x2="72093" y2="54082"/>
+                        <a14:foregroundMark x1="88704" y1="58673" x2="88704" y2="58673"/>
+                        <a14:foregroundMark x1="80399" y1="72449" x2="80399" y2="72449"/>
+                        <a14:foregroundMark x1="88040" y1="64286" x2="88040" y2="64286"/>
+                        <a14:foregroundMark x1="93688" y1="52551" x2="93688" y2="52551"/>
+                        <a14:foregroundMark x1="93688" y1="27041" x2="93688" y2="27041"/>
+                      </a14:backgroundRemoval>
+                    </a14:imgEffect>
+                  </a14:imgLayer>
+                </a14:imgProps>
+              </a:ext>
+            </a:extLst>
+          </a:blip>
+          <a:stretch>
+            <a:fillRect/>
+          </a:stretch>
+        </p:blipFill>
+        <p:spPr>
+          <a:xfrm>
+            <a:off x="7464152" y="2996952"/>
+            <a:ext cx="4818089" cy="3137361"/>
+          </a:xfrm>
+          <a:prstGeom prst="rect">
+            <a:avLst/>
+          </a:prstGeom>
+        </p:spPr>
+      </p:pic>
+    </p:spTree>
+    <p:extLst>
+      <p:ext uri="{BB962C8B-B14F-4D97-AF65-F5344CB8AC3E}">
+        <p14:creationId xmlns:p14="http://schemas.microsoft.com/office/powerpoint/2010/main" val="1878040162"/>
+      </p:ext>
+    </p:extLst>
+  </p:cSld>
+  <p:clrMapOvr>
+    <a:masterClrMapping/>
+  </p:clrMapOvr>
   <mc:AlternateContent xmlns:mc="http://schemas.openxmlformats.org/markup-compatibility/2006" xmlns:p14="http://schemas.microsoft.com/office/powerpoint/2010/main">
     <mc:Choice Requires="p14">
       <p:transition spd="slow" p14:dur="1200">
@@ -3152,7 +3602,622 @@
 </p:sld>
 </file>
 
-<file path=ppt/slides/slide10.xml><?xml version="1.0" encoding="utf-8"?>
+<file path=ppt/slides/slide11.xml><?xml version="1.0" encoding="utf-8"?>
+<p:sld xmlns:a="http://schemas.openxmlformats.org/drawingml/2006/main" xmlns:r="http://schemas.openxmlformats.org/officeDocument/2006/relationships" xmlns:p="http://schemas.openxmlformats.org/presentationml/2006/main">
+  <p:cSld>
+    <p:spTree>
+      <p:nvGrpSpPr>
+        <p:cNvPr id="1" name=""/>
+        <p:cNvGrpSpPr/>
+        <p:nvPr/>
+      </p:nvGrpSpPr>
+      <p:grpSpPr>
+        <a:xfrm>
+          <a:off x="0" y="0"/>
+          <a:ext cx="0" cy="0"/>
+          <a:chOff x="0" y="0"/>
+          <a:chExt cx="0" cy="0"/>
+        </a:xfrm>
+      </p:grpSpPr>
+      <p:pic>
+        <p:nvPicPr>
+          <p:cNvPr id="7" name="תמונה 6">
+            <a:extLst>
+              <a:ext uri="{FF2B5EF4-FFF2-40B4-BE49-F238E27FC236}">
+                <a16:creationId xmlns:a16="http://schemas.microsoft.com/office/drawing/2014/main" id="{FC45F1B8-C42C-7C55-9E4E-B0E9BFD528A5}"/>
+              </a:ext>
+            </a:extLst>
+          </p:cNvPr>
+          <p:cNvPicPr>
+            <a:picLocks noChangeAspect="1"/>
+          </p:cNvPicPr>
+          <p:nvPr/>
+        </p:nvPicPr>
+        <p:blipFill>
+          <a:blip r:embed="rId2"/>
+          <a:stretch>
+            <a:fillRect/>
+          </a:stretch>
+        </p:blipFill>
+        <p:spPr>
+          <a:xfrm>
+            <a:off x="988377" y="980728"/>
+            <a:ext cx="5325637" cy="4464496"/>
+          </a:xfrm>
+          <a:prstGeom prst="rect">
+            <a:avLst/>
+          </a:prstGeom>
+          <a:ln>
+            <a:noFill/>
+          </a:ln>
+          <a:effectLst>
+            <a:outerShdw blurRad="292100" dist="139700" dir="2700000" algn="tl" rotWithShape="0">
+              <a:srgbClr val="333333">
+                <a:alpha val="65000"/>
+              </a:srgbClr>
+            </a:outerShdw>
+          </a:effectLst>
+        </p:spPr>
+      </p:pic>
+      <p:sp>
+        <p:nvSpPr>
+          <p:cNvPr id="4" name="Title 1">
+            <a:extLst>
+              <a:ext uri="{FF2B5EF4-FFF2-40B4-BE49-F238E27FC236}">
+                <a16:creationId xmlns:a16="http://schemas.microsoft.com/office/drawing/2014/main" id="{64D3F46B-2B59-3BB6-5644-A4B8AC5E812A}"/>
+              </a:ext>
+            </a:extLst>
+          </p:cNvPr>
+          <p:cNvSpPr txBox="1">
+            <a:spLocks/>
+          </p:cNvSpPr>
+          <p:nvPr/>
+        </p:nvSpPr>
+        <p:spPr bwMode="auto">
+          <a:xfrm>
+            <a:off x="8828837" y="775264"/>
+            <a:ext cx="2372868" cy="895975"/>
+          </a:xfrm>
+          <a:prstGeom prst="rect">
+            <a:avLst/>
+          </a:prstGeom>
+          <a:noFill/>
+          <a:ln w="9525">
+            <a:noFill/>
+            <a:miter lim="800000"/>
+            <a:headEnd/>
+            <a:tailEnd/>
+          </a:ln>
+          <a:effectLst>
+            <a:outerShdw dist="17961" dir="2700000" algn="ctr" rotWithShape="0">
+              <a:schemeClr val="bg1"/>
+            </a:outerShdw>
+          </a:effectLst>
+        </p:spPr>
+        <p:txBody>
+          <a:bodyPr vert="horz" wrap="square" lIns="91440" tIns="45720" rIns="91440" bIns="45720" numCol="1" anchor="t" anchorCtr="0" compatLnSpc="1">
+            <a:prstTxWarp prst="textNoShape">
+              <a:avLst/>
+            </a:prstTxWarp>
+            <a:normAutofit fontScale="90000" lnSpcReduction="10000"/>
+          </a:bodyPr>
+          <a:lstStyle>
+            <a:lvl1pPr algn="l" rtl="0" fontAlgn="base">
+              <a:spcBef>
+                <a:spcPct val="0"/>
+              </a:spcBef>
+              <a:spcAft>
+                <a:spcPct val="0"/>
+              </a:spcAft>
+              <a:defRPr sz="4000" b="1" cap="all">
+                <a:solidFill>
+                  <a:schemeClr val="tx2"/>
+                </a:solidFill>
+                <a:latin typeface="+mj-lt"/>
+                <a:ea typeface="+mj-ea"/>
+                <a:cs typeface="+mj-cs"/>
+              </a:defRPr>
+            </a:lvl1pPr>
+            <a:lvl2pPr algn="l" rtl="0" fontAlgn="base">
+              <a:spcBef>
+                <a:spcPct val="0"/>
+              </a:spcBef>
+              <a:spcAft>
+                <a:spcPct val="0"/>
+              </a:spcAft>
+              <a:defRPr sz="3200">
+                <a:solidFill>
+                  <a:schemeClr val="tx2"/>
+                </a:solidFill>
+                <a:latin typeface="Arial" charset="0"/>
+              </a:defRPr>
+            </a:lvl2pPr>
+            <a:lvl3pPr algn="l" rtl="0" fontAlgn="base">
+              <a:spcBef>
+                <a:spcPct val="0"/>
+              </a:spcBef>
+              <a:spcAft>
+                <a:spcPct val="0"/>
+              </a:spcAft>
+              <a:defRPr sz="3200">
+                <a:solidFill>
+                  <a:schemeClr val="tx2"/>
+                </a:solidFill>
+                <a:latin typeface="Arial" charset="0"/>
+              </a:defRPr>
+            </a:lvl3pPr>
+            <a:lvl4pPr algn="l" rtl="0" fontAlgn="base">
+              <a:spcBef>
+                <a:spcPct val="0"/>
+              </a:spcBef>
+              <a:spcAft>
+                <a:spcPct val="0"/>
+              </a:spcAft>
+              <a:defRPr sz="3200">
+                <a:solidFill>
+                  <a:schemeClr val="tx2"/>
+                </a:solidFill>
+                <a:latin typeface="Arial" charset="0"/>
+              </a:defRPr>
+            </a:lvl4pPr>
+            <a:lvl5pPr algn="l" rtl="0" fontAlgn="base">
+              <a:spcBef>
+                <a:spcPct val="0"/>
+              </a:spcBef>
+              <a:spcAft>
+                <a:spcPct val="0"/>
+              </a:spcAft>
+              <a:defRPr sz="3200">
+                <a:solidFill>
+                  <a:schemeClr val="tx2"/>
+                </a:solidFill>
+                <a:latin typeface="Arial" charset="0"/>
+              </a:defRPr>
+            </a:lvl5pPr>
+            <a:lvl6pPr marL="457200" algn="l" rtl="0" fontAlgn="base">
+              <a:spcBef>
+                <a:spcPct val="0"/>
+              </a:spcBef>
+              <a:spcAft>
+                <a:spcPct val="0"/>
+              </a:spcAft>
+              <a:defRPr sz="3200">
+                <a:solidFill>
+                  <a:schemeClr val="tx2"/>
+                </a:solidFill>
+                <a:latin typeface="Arial" charset="0"/>
+              </a:defRPr>
+            </a:lvl6pPr>
+            <a:lvl7pPr marL="914400" algn="l" rtl="0" fontAlgn="base">
+              <a:spcBef>
+                <a:spcPct val="0"/>
+              </a:spcBef>
+              <a:spcAft>
+                <a:spcPct val="0"/>
+              </a:spcAft>
+              <a:defRPr sz="3200">
+                <a:solidFill>
+                  <a:schemeClr val="tx2"/>
+                </a:solidFill>
+                <a:latin typeface="Arial" charset="0"/>
+              </a:defRPr>
+            </a:lvl7pPr>
+            <a:lvl8pPr marL="1371600" algn="l" rtl="0" fontAlgn="base">
+              <a:spcBef>
+                <a:spcPct val="0"/>
+              </a:spcBef>
+              <a:spcAft>
+                <a:spcPct val="0"/>
+              </a:spcAft>
+              <a:defRPr sz="3200">
+                <a:solidFill>
+                  <a:schemeClr val="tx2"/>
+                </a:solidFill>
+                <a:latin typeface="Arial" charset="0"/>
+              </a:defRPr>
+            </a:lvl8pPr>
+            <a:lvl9pPr marL="1828800" algn="l" rtl="0" fontAlgn="base">
+              <a:spcBef>
+                <a:spcPct val="0"/>
+              </a:spcBef>
+              <a:spcAft>
+                <a:spcPct val="0"/>
+              </a:spcAft>
+              <a:defRPr sz="3200">
+                <a:solidFill>
+                  <a:schemeClr val="tx2"/>
+                </a:solidFill>
+                <a:latin typeface="Arial" charset="0"/>
+              </a:defRPr>
+            </a:lvl9pPr>
+          </a:lstStyle>
+          <a:p>
+            <a:pPr algn="r" rtl="1"/>
+            <a:r>
+              <a:rPr lang="he-IL" sz="6000" kern="0">
+                <a:latin typeface="Aharoni" panose="02010803020104030203" pitchFamily="2" charset="-79"/>
+                <a:cs typeface="Aharoni" panose="02010803020104030203" pitchFamily="2" charset="-79"/>
+              </a:rPr>
+              <a:t>חלופה 1</a:t>
+            </a:r>
+            <a:endParaRPr lang="en-IL" sz="6000" kern="0" dirty="0">
+              <a:latin typeface="Aharoni" panose="02010803020104030203" pitchFamily="2" charset="-79"/>
+              <a:cs typeface="Aharoni" panose="02010803020104030203" pitchFamily="2" charset="-79"/>
+            </a:endParaRPr>
+          </a:p>
+        </p:txBody>
+      </p:sp>
+      <p:sp>
+        <p:nvSpPr>
+          <p:cNvPr id="5" name="TextBox 5">
+            <a:extLst>
+              <a:ext uri="{FF2B5EF4-FFF2-40B4-BE49-F238E27FC236}">
+                <a16:creationId xmlns:a16="http://schemas.microsoft.com/office/drawing/2014/main" id="{1D1D39FD-6945-E9F1-C658-E70861C72C06}"/>
+              </a:ext>
+            </a:extLst>
+          </p:cNvPr>
+          <p:cNvSpPr txBox="1"/>
+          <p:nvPr/>
+        </p:nvSpPr>
+        <p:spPr>
+          <a:xfrm>
+            <a:off x="6528048" y="2348880"/>
+            <a:ext cx="4849818" cy="2985433"/>
+          </a:xfrm>
+          <a:prstGeom prst="rect">
+            <a:avLst/>
+          </a:prstGeom>
+          <a:noFill/>
+        </p:spPr>
+        <p:txBody>
+          <a:bodyPr wrap="square" rtlCol="0">
+            <a:spAutoFit/>
+          </a:bodyPr>
+          <a:lstStyle/>
+          <a:p>
+            <a:pPr marL="0" algn="r" defTabSz="914400" rtl="1" eaLnBrk="1" latinLnBrk="0" hangingPunct="1"/>
+            <a:r>
+              <a:rPr lang="he-IL" sz="2000" dirty="0">
+                <a:latin typeface="Aharoni" panose="02010803020104030203" pitchFamily="2" charset="-79"/>
+                <a:cs typeface="Aharoni" panose="02010803020104030203" pitchFamily="2" charset="-79"/>
+              </a:rPr>
+              <a:t> </a:t>
+            </a:r>
+            <a:r>
+              <a:rPr lang="he-IL" sz="2800" dirty="0">
+                <a:latin typeface="Aharoni" panose="02010803020104030203" pitchFamily="2" charset="-79"/>
+                <a:cs typeface="Aharoni" panose="02010803020104030203" pitchFamily="2" charset="-79"/>
+              </a:rPr>
+              <a:t>יתרונות –</a:t>
+            </a:r>
+          </a:p>
+          <a:p>
+            <a:pPr marL="285750" indent="-285750" algn="r" defTabSz="914400" rtl="1" eaLnBrk="1" latinLnBrk="0" hangingPunct="1">
+              <a:buFont typeface="Wingdings" pitchFamily="2" charset="2"/>
+              <a:buChar char="ü"/>
+            </a:pPr>
+            <a:r>
+              <a:rPr lang="he-IL" sz="2200" dirty="0">
+                <a:latin typeface="Aharoni" panose="02010803020104030203" pitchFamily="2" charset="-79"/>
+                <a:cs typeface="Aharoni" panose="02010803020104030203" pitchFamily="2" charset="-79"/>
+              </a:rPr>
+              <a:t>קלה לקריאה ומהירה להבנה: ניתן להבין בקלות אילו משתנים קשורים אחד לשני בעוצמה חזקה או חלשה</a:t>
+            </a:r>
+            <a:endParaRPr lang="he-IL" sz="2000" dirty="0">
+              <a:latin typeface="Aharoni" panose="02010803020104030203" pitchFamily="2" charset="-79"/>
+              <a:cs typeface="Aharoni" panose="02010803020104030203" pitchFamily="2" charset="-79"/>
+            </a:endParaRPr>
+          </a:p>
+          <a:p>
+            <a:pPr algn="r" defTabSz="914400" rtl="1" eaLnBrk="1" latinLnBrk="0" hangingPunct="1"/>
+            <a:r>
+              <a:rPr lang="he-IL" sz="2800" dirty="0">
+                <a:latin typeface="Aharoni" panose="02010803020104030203" pitchFamily="2" charset="-79"/>
+                <a:cs typeface="Aharoni" panose="02010803020104030203" pitchFamily="2" charset="-79"/>
+              </a:rPr>
+              <a:t>חסרונות –</a:t>
+            </a:r>
+          </a:p>
+          <a:p>
+            <a:pPr marL="285750" indent="-285750" algn="r" defTabSz="914400" rtl="1" eaLnBrk="1" latinLnBrk="0" hangingPunct="1">
+              <a:buFont typeface="System Font Regular"/>
+              <a:buChar char="X"/>
+            </a:pPr>
+            <a:r>
+              <a:rPr lang="he-IL" sz="2200" dirty="0">
+                <a:latin typeface="Aharoni" panose="02010803020104030203" pitchFamily="2" charset="-79"/>
+                <a:cs typeface="Aharoni" panose="02010803020104030203" pitchFamily="2" charset="-79"/>
+              </a:rPr>
+              <a:t>מוגבלת רק לקשרים ליניאריים , וגם אינה חושפת מידע על חריגות או פיזור בתוך הקשרים</a:t>
+            </a:r>
+            <a:endParaRPr lang="en-IL" sz="2000" dirty="0">
+              <a:latin typeface="Aharoni" panose="02010803020104030203" pitchFamily="2" charset="-79"/>
+              <a:cs typeface="Aharoni" panose="02010803020104030203" pitchFamily="2" charset="-79"/>
+            </a:endParaRPr>
+          </a:p>
+        </p:txBody>
+      </p:sp>
+      <p:cxnSp>
+        <p:nvCxnSpPr>
+          <p:cNvPr id="6" name="Straight Connector 9">
+            <a:extLst>
+              <a:ext uri="{FF2B5EF4-FFF2-40B4-BE49-F238E27FC236}">
+                <a16:creationId xmlns:a16="http://schemas.microsoft.com/office/drawing/2014/main" id="{1E6E4F74-5A47-7688-CC08-6B4A366F0E78}"/>
+              </a:ext>
+            </a:extLst>
+          </p:cNvPr>
+          <p:cNvCxnSpPr>
+            <a:cxnSpLocks/>
+          </p:cNvCxnSpPr>
+          <p:nvPr/>
+        </p:nvCxnSpPr>
+        <p:spPr>
+          <a:xfrm>
+            <a:off x="7493813" y="1876802"/>
+            <a:ext cx="3707892" cy="0"/>
+          </a:xfrm>
+          <a:prstGeom prst="line">
+            <a:avLst/>
+          </a:prstGeom>
+          <a:ln/>
+        </p:spPr>
+        <p:style>
+          <a:lnRef idx="3">
+            <a:schemeClr val="dk1"/>
+          </a:lnRef>
+          <a:fillRef idx="0">
+            <a:schemeClr val="dk1"/>
+          </a:fillRef>
+          <a:effectRef idx="2">
+            <a:schemeClr val="dk1"/>
+          </a:effectRef>
+          <a:fontRef idx="minor">
+            <a:schemeClr val="tx1"/>
+          </a:fontRef>
+        </p:style>
+      </p:cxnSp>
+    </p:spTree>
+    <p:extLst>
+      <p:ext uri="{BB962C8B-B14F-4D97-AF65-F5344CB8AC3E}">
+        <p14:creationId xmlns:p14="http://schemas.microsoft.com/office/powerpoint/2010/main" val="540600183"/>
+      </p:ext>
+    </p:extLst>
+  </p:cSld>
+  <p:clrMapOvr>
+    <a:masterClrMapping/>
+  </p:clrMapOvr>
+  <mc:AlternateContent xmlns:mc="http://schemas.openxmlformats.org/markup-compatibility/2006" xmlns:p14="http://schemas.microsoft.com/office/powerpoint/2010/main">
+    <mc:Choice Requires="p14">
+      <p:transition spd="slow" p14:dur="1200">
+        <p14:prism/>
+      </p:transition>
+    </mc:Choice>
+    <mc:Fallback xmlns="">
+      <p:transition spd="slow">
+        <p:fade/>
+      </p:transition>
+    </mc:Fallback>
+  </mc:AlternateContent>
+  <p:timing>
+    <p:tnLst>
+      <p:par>
+        <p:cTn id="1" dur="indefinite" restart="never" nodeType="tmRoot">
+          <p:childTnLst>
+            <p:seq concurrent="1" nextAc="seek">
+              <p:cTn id="2" dur="indefinite" nodeType="mainSeq">
+                <p:childTnLst>
+                  <p:par>
+                    <p:cTn id="3" fill="hold">
+                      <p:stCondLst>
+                        <p:cond delay="indefinite"/>
+                        <p:cond evt="onBegin" delay="0">
+                          <p:tn val="2"/>
+                        </p:cond>
+                      </p:stCondLst>
+                      <p:childTnLst>
+                        <p:par>
+                          <p:cTn id="4" fill="hold">
+                            <p:stCondLst>
+                              <p:cond delay="0"/>
+                            </p:stCondLst>
+                            <p:childTnLst>
+                              <p:par>
+                                <p:cTn id="5" presetID="42" presetClass="entr" presetSubtype="0" fill="hold" nodeType="withEffect">
+                                  <p:stCondLst>
+                                    <p:cond delay="0"/>
+                                  </p:stCondLst>
+                                  <p:childTnLst>
+                                    <p:set>
+                                      <p:cBhvr>
+                                        <p:cTn id="6" dur="1" fill="hold">
+                                          <p:stCondLst>
+                                            <p:cond delay="0"/>
+                                          </p:stCondLst>
+                                        </p:cTn>
+                                        <p:tgtEl>
+                                          <p:spTgt spid="7"/>
+                                        </p:tgtEl>
+                                        <p:attrNameLst>
+                                          <p:attrName>style.visibility</p:attrName>
+                                        </p:attrNameLst>
+                                      </p:cBhvr>
+                                      <p:to>
+                                        <p:strVal val="visible"/>
+                                      </p:to>
+                                    </p:set>
+                                    <p:animEffect transition="in" filter="fade">
+                                      <p:cBhvr>
+                                        <p:cTn id="7" dur="1000"/>
+                                        <p:tgtEl>
+                                          <p:spTgt spid="7"/>
+                                        </p:tgtEl>
+                                      </p:cBhvr>
+                                    </p:animEffect>
+                                    <p:anim calcmode="lin" valueType="num">
+                                      <p:cBhvr>
+                                        <p:cTn id="8" dur="1000" fill="hold"/>
+                                        <p:tgtEl>
+                                          <p:spTgt spid="7"/>
+                                        </p:tgtEl>
+                                        <p:attrNameLst>
+                                          <p:attrName>ppt_x</p:attrName>
+                                        </p:attrNameLst>
+                                      </p:cBhvr>
+                                      <p:tavLst>
+                                        <p:tav tm="0">
+                                          <p:val>
+                                            <p:strVal val="#ppt_x"/>
+                                          </p:val>
+                                        </p:tav>
+                                        <p:tav tm="100000">
+                                          <p:val>
+                                            <p:strVal val="#ppt_x"/>
+                                          </p:val>
+                                        </p:tav>
+                                      </p:tavLst>
+                                    </p:anim>
+                                    <p:anim calcmode="lin" valueType="num">
+                                      <p:cBhvr>
+                                        <p:cTn id="9" dur="1000" fill="hold"/>
+                                        <p:tgtEl>
+                                          <p:spTgt spid="7"/>
+                                        </p:tgtEl>
+                                        <p:attrNameLst>
+                                          <p:attrName>ppt_y</p:attrName>
+                                        </p:attrNameLst>
+                                      </p:cBhvr>
+                                      <p:tavLst>
+                                        <p:tav tm="0">
+                                          <p:val>
+                                            <p:strVal val="#ppt_y+.1"/>
+                                          </p:val>
+                                        </p:tav>
+                                        <p:tav tm="100000">
+                                          <p:val>
+                                            <p:strVal val="#ppt_y"/>
+                                          </p:val>
+                                        </p:tav>
+                                      </p:tavLst>
+                                    </p:anim>
+                                  </p:childTnLst>
+                                </p:cTn>
+                              </p:par>
+                              <p:par>
+                                <p:cTn id="10" presetID="42" presetClass="entr" presetSubtype="0" fill="hold" grpId="0" nodeType="withEffect">
+                                  <p:stCondLst>
+                                    <p:cond delay="0"/>
+                                  </p:stCondLst>
+                                  <p:childTnLst>
+                                    <p:set>
+                                      <p:cBhvr>
+                                        <p:cTn id="11" dur="1" fill="hold">
+                                          <p:stCondLst>
+                                            <p:cond delay="0"/>
+                                          </p:stCondLst>
+                                        </p:cTn>
+                                        <p:tgtEl>
+                                          <p:spTgt spid="5"/>
+                                        </p:tgtEl>
+                                        <p:attrNameLst>
+                                          <p:attrName>style.visibility</p:attrName>
+                                        </p:attrNameLst>
+                                      </p:cBhvr>
+                                      <p:to>
+                                        <p:strVal val="visible"/>
+                                      </p:to>
+                                    </p:set>
+                                    <p:animEffect transition="in" filter="fade">
+                                      <p:cBhvr>
+                                        <p:cTn id="12" dur="1000"/>
+                                        <p:tgtEl>
+                                          <p:spTgt spid="5"/>
+                                        </p:tgtEl>
+                                      </p:cBhvr>
+                                    </p:animEffect>
+                                    <p:anim calcmode="lin" valueType="num">
+                                      <p:cBhvr>
+                                        <p:cTn id="13" dur="1000" fill="hold"/>
+                                        <p:tgtEl>
+                                          <p:spTgt spid="5"/>
+                                        </p:tgtEl>
+                                        <p:attrNameLst>
+                                          <p:attrName>ppt_x</p:attrName>
+                                        </p:attrNameLst>
+                                      </p:cBhvr>
+                                      <p:tavLst>
+                                        <p:tav tm="0">
+                                          <p:val>
+                                            <p:strVal val="#ppt_x"/>
+                                          </p:val>
+                                        </p:tav>
+                                        <p:tav tm="100000">
+                                          <p:val>
+                                            <p:strVal val="#ppt_x"/>
+                                          </p:val>
+                                        </p:tav>
+                                      </p:tavLst>
+                                    </p:anim>
+                                    <p:anim calcmode="lin" valueType="num">
+                                      <p:cBhvr>
+                                        <p:cTn id="14" dur="1000" fill="hold"/>
+                                        <p:tgtEl>
+                                          <p:spTgt spid="5"/>
+                                        </p:tgtEl>
+                                        <p:attrNameLst>
+                                          <p:attrName>ppt_y</p:attrName>
+                                        </p:attrNameLst>
+                                      </p:cBhvr>
+                                      <p:tavLst>
+                                        <p:tav tm="0">
+                                          <p:val>
+                                            <p:strVal val="#ppt_y+.1"/>
+                                          </p:val>
+                                        </p:tav>
+                                        <p:tav tm="100000">
+                                          <p:val>
+                                            <p:strVal val="#ppt_y"/>
+                                          </p:val>
+                                        </p:tav>
+                                      </p:tavLst>
+                                    </p:anim>
+                                  </p:childTnLst>
+                                </p:cTn>
+                              </p:par>
+                            </p:childTnLst>
+                          </p:cTn>
+                        </p:par>
+                      </p:childTnLst>
+                    </p:cTn>
+                  </p:par>
+                </p:childTnLst>
+              </p:cTn>
+              <p:prevCondLst>
+                <p:cond evt="onPrev" delay="0">
+                  <p:tgtEl>
+                    <p:sldTgt/>
+                  </p:tgtEl>
+                </p:cond>
+              </p:prevCondLst>
+              <p:nextCondLst>
+                <p:cond evt="onNext" delay="0">
+                  <p:tgtEl>
+                    <p:sldTgt/>
+                  </p:tgtEl>
+                </p:cond>
+              </p:nextCondLst>
+            </p:seq>
+          </p:childTnLst>
+        </p:cTn>
+      </p:par>
+    </p:tnLst>
+    <p:bldLst>
+      <p:bldP spid="5" grpId="0"/>
+    </p:bldLst>
+  </p:timing>
+</p:sld>
+</file>
+
+<file path=ppt/slides/slide12.xml><?xml version="1.0" encoding="utf-8"?>
 <p:sld xmlns:a="http://schemas.openxmlformats.org/drawingml/2006/main" xmlns:r="http://schemas.openxmlformats.org/officeDocument/2006/relationships" xmlns:p="http://schemas.openxmlformats.org/presentationml/2006/main">
   <p:cSld>
     <p:spTree>
@@ -3549,10 +4614,226 @@
       </p:transition>
     </mc:Fallback>
   </mc:AlternateContent>
+  <p:timing>
+    <p:tnLst>
+      <p:par>
+        <p:cTn id="1" dur="indefinite" restart="never" nodeType="tmRoot">
+          <p:childTnLst>
+            <p:seq concurrent="1" nextAc="seek">
+              <p:cTn id="2" dur="indefinite" nodeType="mainSeq">
+                <p:childTnLst>
+                  <p:par>
+                    <p:cTn id="3" fill="hold">
+                      <p:stCondLst>
+                        <p:cond delay="indefinite"/>
+                        <p:cond evt="onBegin" delay="0">
+                          <p:tn val="2"/>
+                        </p:cond>
+                      </p:stCondLst>
+                      <p:childTnLst>
+                        <p:par>
+                          <p:cTn id="4" fill="hold">
+                            <p:stCondLst>
+                              <p:cond delay="0"/>
+                            </p:stCondLst>
+                            <p:childTnLst>
+                              <p:par>
+                                <p:cTn id="5" presetID="42" presetClass="entr" presetSubtype="0" fill="hold" nodeType="withEffect">
+                                  <p:stCondLst>
+                                    <p:cond delay="0"/>
+                                  </p:stCondLst>
+                                  <p:childTnLst>
+                                    <p:set>
+                                      <p:cBhvr>
+                                        <p:cTn id="6" dur="1" fill="hold">
+                                          <p:stCondLst>
+                                            <p:cond delay="0"/>
+                                          </p:stCondLst>
+                                        </p:cTn>
+                                        <p:tgtEl>
+                                          <p:spTgt spid="8"/>
+                                        </p:tgtEl>
+                                        <p:attrNameLst>
+                                          <p:attrName>style.visibility</p:attrName>
+                                        </p:attrNameLst>
+                                      </p:cBhvr>
+                                      <p:to>
+                                        <p:strVal val="visible"/>
+                                      </p:to>
+                                    </p:set>
+                                    <p:animEffect transition="in" filter="fade">
+                                      <p:cBhvr>
+                                        <p:cTn id="7" dur="1000"/>
+                                        <p:tgtEl>
+                                          <p:spTgt spid="8"/>
+                                        </p:tgtEl>
+                                      </p:cBhvr>
+                                    </p:animEffect>
+                                    <p:anim calcmode="lin" valueType="num">
+                                      <p:cBhvr>
+                                        <p:cTn id="8" dur="1000" fill="hold"/>
+                                        <p:tgtEl>
+                                          <p:spTgt spid="8"/>
+                                        </p:tgtEl>
+                                        <p:attrNameLst>
+                                          <p:attrName>ppt_x</p:attrName>
+                                        </p:attrNameLst>
+                                      </p:cBhvr>
+                                      <p:tavLst>
+                                        <p:tav tm="0">
+                                          <p:val>
+                                            <p:strVal val="#ppt_x"/>
+                                          </p:val>
+                                        </p:tav>
+                                        <p:tav tm="100000">
+                                          <p:val>
+                                            <p:strVal val="#ppt_x"/>
+                                          </p:val>
+                                        </p:tav>
+                                      </p:tavLst>
+                                    </p:anim>
+                                    <p:anim calcmode="lin" valueType="num">
+                                      <p:cBhvr>
+                                        <p:cTn id="9" dur="1000" fill="hold"/>
+                                        <p:tgtEl>
+                                          <p:spTgt spid="8"/>
+                                        </p:tgtEl>
+                                        <p:attrNameLst>
+                                          <p:attrName>ppt_y</p:attrName>
+                                        </p:attrNameLst>
+                                      </p:cBhvr>
+                                      <p:tavLst>
+                                        <p:tav tm="0">
+                                          <p:val>
+                                            <p:strVal val="#ppt_y+.1"/>
+                                          </p:val>
+                                        </p:tav>
+                                        <p:tav tm="100000">
+                                          <p:val>
+                                            <p:strVal val="#ppt_y"/>
+                                          </p:val>
+                                        </p:tav>
+                                      </p:tavLst>
+                                    </p:anim>
+                                  </p:childTnLst>
+                                </p:cTn>
+                              </p:par>
+                              <p:par>
+                                <p:cTn id="10" presetID="42" presetClass="entr" presetSubtype="0" fill="hold" grpId="0" nodeType="withEffect">
+                                  <p:stCondLst>
+                                    <p:cond delay="0"/>
+                                  </p:stCondLst>
+                                  <p:childTnLst>
+                                    <p:set>
+                                      <p:cBhvr>
+                                        <p:cTn id="11" dur="1" fill="hold">
+                                          <p:stCondLst>
+                                            <p:cond delay="0"/>
+                                          </p:stCondLst>
+                                        </p:cTn>
+                                        <p:tgtEl>
+                                          <p:spTgt spid="3"/>
+                                        </p:tgtEl>
+                                        <p:attrNameLst>
+                                          <p:attrName>style.visibility</p:attrName>
+                                        </p:attrNameLst>
+                                      </p:cBhvr>
+                                      <p:to>
+                                        <p:strVal val="visible"/>
+                                      </p:to>
+                                    </p:set>
+                                    <p:animEffect transition="in" filter="fade">
+                                      <p:cBhvr>
+                                        <p:cTn id="12" dur="1000"/>
+                                        <p:tgtEl>
+                                          <p:spTgt spid="3"/>
+                                        </p:tgtEl>
+                                      </p:cBhvr>
+                                    </p:animEffect>
+                                    <p:anim calcmode="lin" valueType="num">
+                                      <p:cBhvr>
+                                        <p:cTn id="13" dur="1000" fill="hold"/>
+                                        <p:tgtEl>
+                                          <p:spTgt spid="3"/>
+                                        </p:tgtEl>
+                                        <p:attrNameLst>
+                                          <p:attrName>ppt_x</p:attrName>
+                                        </p:attrNameLst>
+                                      </p:cBhvr>
+                                      <p:tavLst>
+                                        <p:tav tm="0">
+                                          <p:val>
+                                            <p:strVal val="#ppt_x"/>
+                                          </p:val>
+                                        </p:tav>
+                                        <p:tav tm="100000">
+                                          <p:val>
+                                            <p:strVal val="#ppt_x"/>
+                                          </p:val>
+                                        </p:tav>
+                                      </p:tavLst>
+                                    </p:anim>
+                                    <p:anim calcmode="lin" valueType="num">
+                                      <p:cBhvr>
+                                        <p:cTn id="14" dur="1000" fill="hold"/>
+                                        <p:tgtEl>
+                                          <p:spTgt spid="3"/>
+                                        </p:tgtEl>
+                                        <p:attrNameLst>
+                                          <p:attrName>ppt_y</p:attrName>
+                                        </p:attrNameLst>
+                                      </p:cBhvr>
+                                      <p:tavLst>
+                                        <p:tav tm="0">
+                                          <p:val>
+                                            <p:strVal val="#ppt_y+.1"/>
+                                          </p:val>
+                                        </p:tav>
+                                        <p:tav tm="100000">
+                                          <p:val>
+                                            <p:strVal val="#ppt_y"/>
+                                          </p:val>
+                                        </p:tav>
+                                      </p:tavLst>
+                                    </p:anim>
+                                  </p:childTnLst>
+                                </p:cTn>
+                              </p:par>
+                            </p:childTnLst>
+                          </p:cTn>
+                        </p:par>
+                      </p:childTnLst>
+                    </p:cTn>
+                  </p:par>
+                </p:childTnLst>
+              </p:cTn>
+              <p:prevCondLst>
+                <p:cond evt="onPrev" delay="0">
+                  <p:tgtEl>
+                    <p:sldTgt/>
+                  </p:tgtEl>
+                </p:cond>
+              </p:prevCondLst>
+              <p:nextCondLst>
+                <p:cond evt="onNext" delay="0">
+                  <p:tgtEl>
+                    <p:sldTgt/>
+                  </p:tgtEl>
+                </p:cond>
+              </p:nextCondLst>
+            </p:seq>
+          </p:childTnLst>
+        </p:cTn>
+      </p:par>
+    </p:tnLst>
+    <p:bldLst>
+      <p:bldP spid="3" grpId="0"/>
+    </p:bldLst>
+  </p:timing>
 </p:sld>
 </file>
 
-<file path=ppt/slides/slide11.xml><?xml version="1.0" encoding="utf-8"?>
+<file path=ppt/slides/slide13.xml><?xml version="1.0" encoding="utf-8"?>
 <p:sld xmlns:a="http://schemas.openxmlformats.org/drawingml/2006/main" xmlns:r="http://schemas.openxmlformats.org/officeDocument/2006/relationships" xmlns:p="http://schemas.openxmlformats.org/presentationml/2006/main">
   <p:cSld>
     <p:spTree>
@@ -3702,15 +4983,6 @@
               <a:srgbClr val="969696"/>
             </a:contourClr>
           </a:sp3d>
-          <a:extLst>
-            <a:ext uri="{909E8E84-426E-40DD-AFC4-6F175D3DCCD1}">
-              <a14:hiddenFill xmlns:a14="http://schemas.microsoft.com/office/drawing/2010/main">
-                <a:solidFill>
-                  <a:srgbClr val="FFFFFF"/>
-                </a:solidFill>
-              </a14:hiddenFill>
-            </a:ext>
-          </a:extLst>
         </p:spPr>
       </p:pic>
     </p:spTree>
@@ -3738,7 +5010,7 @@
 </p:sld>
 </file>
 
-<file path=ppt/slides/slide12.xml><?xml version="1.0" encoding="utf-8"?>
+<file path=ppt/slides/slide14.xml><?xml version="1.0" encoding="utf-8"?>
 <p:sld xmlns:a="http://schemas.openxmlformats.org/drawingml/2006/main" xmlns:r="http://schemas.openxmlformats.org/officeDocument/2006/relationships" xmlns:p="http://schemas.openxmlformats.org/presentationml/2006/main">
   <p:cSld>
     <p:spTree>
@@ -5095,7 +6367,21 @@
                 <a:latin typeface="Aharoni" panose="02010803020104030203" pitchFamily="2" charset="-79"/>
                 <a:cs typeface="Aharoni" panose="02010803020104030203" pitchFamily="2" charset="-79"/>
               </a:rPr>
-              <a:t>שאלה 1: התפלגות תקיפות הטרור בישראל לפי אזורים שונים </a:t>
+              <a:t>שאלה 1</a:t>
+            </a:r>
+          </a:p>
+          <a:p>
+            <a:pPr algn="ctr" rtl="1">
+              <a:lnSpc>
+                <a:spcPct val="90000"/>
+              </a:lnSpc>
+            </a:pPr>
+            <a:r>
+              <a:rPr lang="he-IL" sz="5400" b="1" kern="0" dirty="0">
+                <a:latin typeface="Aharoni" panose="02010803020104030203" pitchFamily="2" charset="-79"/>
+                <a:cs typeface="Aharoni" panose="02010803020104030203" pitchFamily="2" charset="-79"/>
+              </a:rPr>
+              <a:t>התפלגות תקיפות הטרור בישראל לפי אזורים שונים </a:t>
             </a:r>
             <a:endParaRPr lang="en-IL" sz="5400" b="1" kern="0" dirty="0">
               <a:latin typeface="Aharoni" panose="02010803020104030203" pitchFamily="2" charset="-79"/>
@@ -5304,6 +6590,52 @@
           </a:p>
         </p:txBody>
       </p:sp>
+      <p:pic>
+        <p:nvPicPr>
+          <p:cNvPr id="8" name="תמונה 7">
+            <a:extLst>
+              <a:ext uri="{FF2B5EF4-FFF2-40B4-BE49-F238E27FC236}">
+                <a16:creationId xmlns:a16="http://schemas.microsoft.com/office/drawing/2014/main" id="{9AB14ED1-C241-B7A9-C0D6-C7CB729F9410}"/>
+              </a:ext>
+            </a:extLst>
+          </p:cNvPr>
+          <p:cNvPicPr>
+            <a:picLocks noChangeAspect="1"/>
+          </p:cNvPicPr>
+          <p:nvPr/>
+        </p:nvPicPr>
+        <p:blipFill>
+          <a:blip r:embed="rId2">
+            <a:extLst>
+              <a:ext uri="{BEBA8EAE-BF5A-486C-A8C5-ECC9F3942E4B}">
+                <a14:imgProps xmlns:a14="http://schemas.microsoft.com/office/drawing/2010/main">
+                  <a14:imgLayer r:embed="rId3">
+                    <a14:imgEffect>
+                      <a14:backgroundRemoval t="6551" b="96524" l="9921" r="89815">
+                        <a14:foregroundMark x1="82937" y1="6818" x2="82937" y2="6818"/>
+                        <a14:foregroundMark x1="48016" y1="92246" x2="48016" y2="92246"/>
+                        <a14:foregroundMark x1="41799" y1="96524" x2="41799" y2="96524"/>
+                      </a14:backgroundRemoval>
+                    </a14:imgEffect>
+                  </a14:imgLayer>
+                </a14:imgProps>
+              </a:ext>
+            </a:extLst>
+          </a:blip>
+          <a:stretch>
+            <a:fillRect/>
+          </a:stretch>
+        </p:blipFill>
+        <p:spPr>
+          <a:xfrm>
+            <a:off x="6816080" y="753344"/>
+            <a:ext cx="6231244" cy="6165305"/>
+          </a:xfrm>
+          <a:prstGeom prst="rect">
+            <a:avLst/>
+          </a:prstGeom>
+        </p:spPr>
+      </p:pic>
     </p:spTree>
     <p:extLst>
       <p:ext uri="{BB962C8B-B14F-4D97-AF65-F5344CB8AC3E}">
@@ -5620,6 +6952,720 @@
       </p:transition>
     </mc:Fallback>
   </mc:AlternateContent>
+  <p:timing>
+    <p:tnLst>
+      <p:par>
+        <p:cTn id="1" dur="indefinite" restart="never" nodeType="tmRoot">
+          <p:childTnLst>
+            <p:seq concurrent="1" nextAc="seek">
+              <p:cTn id="2" dur="indefinite" nodeType="mainSeq">
+                <p:childTnLst>
+                  <p:par>
+                    <p:cTn id="3" fill="hold">
+                      <p:stCondLst>
+                        <p:cond delay="indefinite"/>
+                        <p:cond evt="onBegin" delay="0">
+                          <p:tn val="2"/>
+                        </p:cond>
+                      </p:stCondLst>
+                      <p:childTnLst>
+                        <p:par>
+                          <p:cTn id="4" fill="hold">
+                            <p:stCondLst>
+                              <p:cond delay="0"/>
+                            </p:stCondLst>
+                            <p:childTnLst>
+                              <p:par>
+                                <p:cTn id="5" presetID="42" presetClass="entr" presetSubtype="0" fill="hold" nodeType="withEffect">
+                                  <p:stCondLst>
+                                    <p:cond delay="0"/>
+                                  </p:stCondLst>
+                                  <p:childTnLst>
+                                    <p:set>
+                                      <p:cBhvr>
+                                        <p:cTn id="6" dur="1" fill="hold">
+                                          <p:stCondLst>
+                                            <p:cond delay="0"/>
+                                          </p:stCondLst>
+                                        </p:cTn>
+                                        <p:tgtEl>
+                                          <p:spTgt spid="11">
+                                            <p:txEl>
+                                              <p:pRg st="0" end="0"/>
+                                            </p:txEl>
+                                          </p:spTgt>
+                                        </p:tgtEl>
+                                        <p:attrNameLst>
+                                          <p:attrName>style.visibility</p:attrName>
+                                        </p:attrNameLst>
+                                      </p:cBhvr>
+                                      <p:to>
+                                        <p:strVal val="visible"/>
+                                      </p:to>
+                                    </p:set>
+                                    <p:animEffect transition="in" filter="fade">
+                                      <p:cBhvr>
+                                        <p:cTn id="7" dur="1000"/>
+                                        <p:tgtEl>
+                                          <p:spTgt spid="11">
+                                            <p:txEl>
+                                              <p:pRg st="0" end="0"/>
+                                            </p:txEl>
+                                          </p:spTgt>
+                                        </p:tgtEl>
+                                      </p:cBhvr>
+                                    </p:animEffect>
+                                    <p:anim calcmode="lin" valueType="num">
+                                      <p:cBhvr>
+                                        <p:cTn id="8" dur="1000" fill="hold"/>
+                                        <p:tgtEl>
+                                          <p:spTgt spid="11">
+                                            <p:txEl>
+                                              <p:pRg st="0" end="0"/>
+                                            </p:txEl>
+                                          </p:spTgt>
+                                        </p:tgtEl>
+                                        <p:attrNameLst>
+                                          <p:attrName>ppt_x</p:attrName>
+                                        </p:attrNameLst>
+                                      </p:cBhvr>
+                                      <p:tavLst>
+                                        <p:tav tm="0">
+                                          <p:val>
+                                            <p:strVal val="#ppt_x"/>
+                                          </p:val>
+                                        </p:tav>
+                                        <p:tav tm="100000">
+                                          <p:val>
+                                            <p:strVal val="#ppt_x"/>
+                                          </p:val>
+                                        </p:tav>
+                                      </p:tavLst>
+                                    </p:anim>
+                                    <p:anim calcmode="lin" valueType="num">
+                                      <p:cBhvr>
+                                        <p:cTn id="9" dur="1000" fill="hold"/>
+                                        <p:tgtEl>
+                                          <p:spTgt spid="11">
+                                            <p:txEl>
+                                              <p:pRg st="0" end="0"/>
+                                            </p:txEl>
+                                          </p:spTgt>
+                                        </p:tgtEl>
+                                        <p:attrNameLst>
+                                          <p:attrName>ppt_y</p:attrName>
+                                        </p:attrNameLst>
+                                      </p:cBhvr>
+                                      <p:tavLst>
+                                        <p:tav tm="0">
+                                          <p:val>
+                                            <p:strVal val="#ppt_y+.1"/>
+                                          </p:val>
+                                        </p:tav>
+                                        <p:tav tm="100000">
+                                          <p:val>
+                                            <p:strVal val="#ppt_y"/>
+                                          </p:val>
+                                        </p:tav>
+                                      </p:tavLst>
+                                    </p:anim>
+                                  </p:childTnLst>
+                                </p:cTn>
+                              </p:par>
+                              <p:par>
+                                <p:cTn id="10" presetID="42" presetClass="entr" presetSubtype="0" fill="hold" nodeType="withEffect">
+                                  <p:stCondLst>
+                                    <p:cond delay="0"/>
+                                  </p:stCondLst>
+                                  <p:childTnLst>
+                                    <p:set>
+                                      <p:cBhvr>
+                                        <p:cTn id="11" dur="1" fill="hold">
+                                          <p:stCondLst>
+                                            <p:cond delay="0"/>
+                                          </p:stCondLst>
+                                        </p:cTn>
+                                        <p:tgtEl>
+                                          <p:spTgt spid="11">
+                                            <p:txEl>
+                                              <p:pRg st="1" end="1"/>
+                                            </p:txEl>
+                                          </p:spTgt>
+                                        </p:tgtEl>
+                                        <p:attrNameLst>
+                                          <p:attrName>style.visibility</p:attrName>
+                                        </p:attrNameLst>
+                                      </p:cBhvr>
+                                      <p:to>
+                                        <p:strVal val="visible"/>
+                                      </p:to>
+                                    </p:set>
+                                    <p:animEffect transition="in" filter="fade">
+                                      <p:cBhvr>
+                                        <p:cTn id="12" dur="1000"/>
+                                        <p:tgtEl>
+                                          <p:spTgt spid="11">
+                                            <p:txEl>
+                                              <p:pRg st="1" end="1"/>
+                                            </p:txEl>
+                                          </p:spTgt>
+                                        </p:tgtEl>
+                                      </p:cBhvr>
+                                    </p:animEffect>
+                                    <p:anim calcmode="lin" valueType="num">
+                                      <p:cBhvr>
+                                        <p:cTn id="13" dur="1000" fill="hold"/>
+                                        <p:tgtEl>
+                                          <p:spTgt spid="11">
+                                            <p:txEl>
+                                              <p:pRg st="1" end="1"/>
+                                            </p:txEl>
+                                          </p:spTgt>
+                                        </p:tgtEl>
+                                        <p:attrNameLst>
+                                          <p:attrName>ppt_x</p:attrName>
+                                        </p:attrNameLst>
+                                      </p:cBhvr>
+                                      <p:tavLst>
+                                        <p:tav tm="0">
+                                          <p:val>
+                                            <p:strVal val="#ppt_x"/>
+                                          </p:val>
+                                        </p:tav>
+                                        <p:tav tm="100000">
+                                          <p:val>
+                                            <p:strVal val="#ppt_x"/>
+                                          </p:val>
+                                        </p:tav>
+                                      </p:tavLst>
+                                    </p:anim>
+                                    <p:anim calcmode="lin" valueType="num">
+                                      <p:cBhvr>
+                                        <p:cTn id="14" dur="1000" fill="hold"/>
+                                        <p:tgtEl>
+                                          <p:spTgt spid="11">
+                                            <p:txEl>
+                                              <p:pRg st="1" end="1"/>
+                                            </p:txEl>
+                                          </p:spTgt>
+                                        </p:tgtEl>
+                                        <p:attrNameLst>
+                                          <p:attrName>ppt_y</p:attrName>
+                                        </p:attrNameLst>
+                                      </p:cBhvr>
+                                      <p:tavLst>
+                                        <p:tav tm="0">
+                                          <p:val>
+                                            <p:strVal val="#ppt_y+.1"/>
+                                          </p:val>
+                                        </p:tav>
+                                        <p:tav tm="100000">
+                                          <p:val>
+                                            <p:strVal val="#ppt_y"/>
+                                          </p:val>
+                                        </p:tav>
+                                      </p:tavLst>
+                                    </p:anim>
+                                  </p:childTnLst>
+                                </p:cTn>
+                              </p:par>
+                              <p:par>
+                                <p:cTn id="15" presetID="42" presetClass="entr" presetSubtype="0" fill="hold" nodeType="withEffect">
+                                  <p:stCondLst>
+                                    <p:cond delay="0"/>
+                                  </p:stCondLst>
+                                  <p:childTnLst>
+                                    <p:set>
+                                      <p:cBhvr>
+                                        <p:cTn id="16" dur="1" fill="hold">
+                                          <p:stCondLst>
+                                            <p:cond delay="0"/>
+                                          </p:stCondLst>
+                                        </p:cTn>
+                                        <p:tgtEl>
+                                          <p:spTgt spid="11">
+                                            <p:txEl>
+                                              <p:pRg st="2" end="2"/>
+                                            </p:txEl>
+                                          </p:spTgt>
+                                        </p:tgtEl>
+                                        <p:attrNameLst>
+                                          <p:attrName>style.visibility</p:attrName>
+                                        </p:attrNameLst>
+                                      </p:cBhvr>
+                                      <p:to>
+                                        <p:strVal val="visible"/>
+                                      </p:to>
+                                    </p:set>
+                                    <p:animEffect transition="in" filter="fade">
+                                      <p:cBhvr>
+                                        <p:cTn id="17" dur="1000"/>
+                                        <p:tgtEl>
+                                          <p:spTgt spid="11">
+                                            <p:txEl>
+                                              <p:pRg st="2" end="2"/>
+                                            </p:txEl>
+                                          </p:spTgt>
+                                        </p:tgtEl>
+                                      </p:cBhvr>
+                                    </p:animEffect>
+                                    <p:anim calcmode="lin" valueType="num">
+                                      <p:cBhvr>
+                                        <p:cTn id="18" dur="1000" fill="hold"/>
+                                        <p:tgtEl>
+                                          <p:spTgt spid="11">
+                                            <p:txEl>
+                                              <p:pRg st="2" end="2"/>
+                                            </p:txEl>
+                                          </p:spTgt>
+                                        </p:tgtEl>
+                                        <p:attrNameLst>
+                                          <p:attrName>ppt_x</p:attrName>
+                                        </p:attrNameLst>
+                                      </p:cBhvr>
+                                      <p:tavLst>
+                                        <p:tav tm="0">
+                                          <p:val>
+                                            <p:strVal val="#ppt_x"/>
+                                          </p:val>
+                                        </p:tav>
+                                        <p:tav tm="100000">
+                                          <p:val>
+                                            <p:strVal val="#ppt_x"/>
+                                          </p:val>
+                                        </p:tav>
+                                      </p:tavLst>
+                                    </p:anim>
+                                    <p:anim calcmode="lin" valueType="num">
+                                      <p:cBhvr>
+                                        <p:cTn id="19" dur="1000" fill="hold"/>
+                                        <p:tgtEl>
+                                          <p:spTgt spid="11">
+                                            <p:txEl>
+                                              <p:pRg st="2" end="2"/>
+                                            </p:txEl>
+                                          </p:spTgt>
+                                        </p:tgtEl>
+                                        <p:attrNameLst>
+                                          <p:attrName>ppt_y</p:attrName>
+                                        </p:attrNameLst>
+                                      </p:cBhvr>
+                                      <p:tavLst>
+                                        <p:tav tm="0">
+                                          <p:val>
+                                            <p:strVal val="#ppt_y+.1"/>
+                                          </p:val>
+                                        </p:tav>
+                                        <p:tav tm="100000">
+                                          <p:val>
+                                            <p:strVal val="#ppt_y"/>
+                                          </p:val>
+                                        </p:tav>
+                                      </p:tavLst>
+                                    </p:anim>
+                                  </p:childTnLst>
+                                </p:cTn>
+                              </p:par>
+                              <p:par>
+                                <p:cTn id="20" presetID="42" presetClass="entr" presetSubtype="0" fill="hold" nodeType="withEffect">
+                                  <p:stCondLst>
+                                    <p:cond delay="0"/>
+                                  </p:stCondLst>
+                                  <p:childTnLst>
+                                    <p:set>
+                                      <p:cBhvr>
+                                        <p:cTn id="21" dur="1" fill="hold">
+                                          <p:stCondLst>
+                                            <p:cond delay="0"/>
+                                          </p:stCondLst>
+                                        </p:cTn>
+                                        <p:tgtEl>
+                                          <p:spTgt spid="11">
+                                            <p:txEl>
+                                              <p:pRg st="4" end="4"/>
+                                            </p:txEl>
+                                          </p:spTgt>
+                                        </p:tgtEl>
+                                        <p:attrNameLst>
+                                          <p:attrName>style.visibility</p:attrName>
+                                        </p:attrNameLst>
+                                      </p:cBhvr>
+                                      <p:to>
+                                        <p:strVal val="visible"/>
+                                      </p:to>
+                                    </p:set>
+                                    <p:animEffect transition="in" filter="fade">
+                                      <p:cBhvr>
+                                        <p:cTn id="22" dur="1000"/>
+                                        <p:tgtEl>
+                                          <p:spTgt spid="11">
+                                            <p:txEl>
+                                              <p:pRg st="4" end="4"/>
+                                            </p:txEl>
+                                          </p:spTgt>
+                                        </p:tgtEl>
+                                      </p:cBhvr>
+                                    </p:animEffect>
+                                    <p:anim calcmode="lin" valueType="num">
+                                      <p:cBhvr>
+                                        <p:cTn id="23" dur="1000" fill="hold"/>
+                                        <p:tgtEl>
+                                          <p:spTgt spid="11">
+                                            <p:txEl>
+                                              <p:pRg st="4" end="4"/>
+                                            </p:txEl>
+                                          </p:spTgt>
+                                        </p:tgtEl>
+                                        <p:attrNameLst>
+                                          <p:attrName>ppt_x</p:attrName>
+                                        </p:attrNameLst>
+                                      </p:cBhvr>
+                                      <p:tavLst>
+                                        <p:tav tm="0">
+                                          <p:val>
+                                            <p:strVal val="#ppt_x"/>
+                                          </p:val>
+                                        </p:tav>
+                                        <p:tav tm="100000">
+                                          <p:val>
+                                            <p:strVal val="#ppt_x"/>
+                                          </p:val>
+                                        </p:tav>
+                                      </p:tavLst>
+                                    </p:anim>
+                                    <p:anim calcmode="lin" valueType="num">
+                                      <p:cBhvr>
+                                        <p:cTn id="24" dur="1000" fill="hold"/>
+                                        <p:tgtEl>
+                                          <p:spTgt spid="11">
+                                            <p:txEl>
+                                              <p:pRg st="4" end="4"/>
+                                            </p:txEl>
+                                          </p:spTgt>
+                                        </p:tgtEl>
+                                        <p:attrNameLst>
+                                          <p:attrName>ppt_y</p:attrName>
+                                        </p:attrNameLst>
+                                      </p:cBhvr>
+                                      <p:tavLst>
+                                        <p:tav tm="0">
+                                          <p:val>
+                                            <p:strVal val="#ppt_y+.1"/>
+                                          </p:val>
+                                        </p:tav>
+                                        <p:tav tm="100000">
+                                          <p:val>
+                                            <p:strVal val="#ppt_y"/>
+                                          </p:val>
+                                        </p:tav>
+                                      </p:tavLst>
+                                    </p:anim>
+                                  </p:childTnLst>
+                                </p:cTn>
+                              </p:par>
+                              <p:par>
+                                <p:cTn id="25" presetID="42" presetClass="entr" presetSubtype="0" fill="hold" nodeType="withEffect">
+                                  <p:stCondLst>
+                                    <p:cond delay="0"/>
+                                  </p:stCondLst>
+                                  <p:childTnLst>
+                                    <p:set>
+                                      <p:cBhvr>
+                                        <p:cTn id="26" dur="1" fill="hold">
+                                          <p:stCondLst>
+                                            <p:cond delay="0"/>
+                                          </p:stCondLst>
+                                        </p:cTn>
+                                        <p:tgtEl>
+                                          <p:spTgt spid="11">
+                                            <p:txEl>
+                                              <p:pRg st="5" end="5"/>
+                                            </p:txEl>
+                                          </p:spTgt>
+                                        </p:tgtEl>
+                                        <p:attrNameLst>
+                                          <p:attrName>style.visibility</p:attrName>
+                                        </p:attrNameLst>
+                                      </p:cBhvr>
+                                      <p:to>
+                                        <p:strVal val="visible"/>
+                                      </p:to>
+                                    </p:set>
+                                    <p:animEffect transition="in" filter="fade">
+                                      <p:cBhvr>
+                                        <p:cTn id="27" dur="1000"/>
+                                        <p:tgtEl>
+                                          <p:spTgt spid="11">
+                                            <p:txEl>
+                                              <p:pRg st="5" end="5"/>
+                                            </p:txEl>
+                                          </p:spTgt>
+                                        </p:tgtEl>
+                                      </p:cBhvr>
+                                    </p:animEffect>
+                                    <p:anim calcmode="lin" valueType="num">
+                                      <p:cBhvr>
+                                        <p:cTn id="28" dur="1000" fill="hold"/>
+                                        <p:tgtEl>
+                                          <p:spTgt spid="11">
+                                            <p:txEl>
+                                              <p:pRg st="5" end="5"/>
+                                            </p:txEl>
+                                          </p:spTgt>
+                                        </p:tgtEl>
+                                        <p:attrNameLst>
+                                          <p:attrName>ppt_x</p:attrName>
+                                        </p:attrNameLst>
+                                      </p:cBhvr>
+                                      <p:tavLst>
+                                        <p:tav tm="0">
+                                          <p:val>
+                                            <p:strVal val="#ppt_x"/>
+                                          </p:val>
+                                        </p:tav>
+                                        <p:tav tm="100000">
+                                          <p:val>
+                                            <p:strVal val="#ppt_x"/>
+                                          </p:val>
+                                        </p:tav>
+                                      </p:tavLst>
+                                    </p:anim>
+                                    <p:anim calcmode="lin" valueType="num">
+                                      <p:cBhvr>
+                                        <p:cTn id="29" dur="1000" fill="hold"/>
+                                        <p:tgtEl>
+                                          <p:spTgt spid="11">
+                                            <p:txEl>
+                                              <p:pRg st="5" end="5"/>
+                                            </p:txEl>
+                                          </p:spTgt>
+                                        </p:tgtEl>
+                                        <p:attrNameLst>
+                                          <p:attrName>ppt_y</p:attrName>
+                                        </p:attrNameLst>
+                                      </p:cBhvr>
+                                      <p:tavLst>
+                                        <p:tav tm="0">
+                                          <p:val>
+                                            <p:strVal val="#ppt_y+.1"/>
+                                          </p:val>
+                                        </p:tav>
+                                        <p:tav tm="100000">
+                                          <p:val>
+                                            <p:strVal val="#ppt_y"/>
+                                          </p:val>
+                                        </p:tav>
+                                      </p:tavLst>
+                                    </p:anim>
+                                  </p:childTnLst>
+                                </p:cTn>
+                              </p:par>
+                              <p:par>
+                                <p:cTn id="30" presetID="42" presetClass="entr" presetSubtype="0" fill="hold" nodeType="withEffect">
+                                  <p:stCondLst>
+                                    <p:cond delay="0"/>
+                                  </p:stCondLst>
+                                  <p:childTnLst>
+                                    <p:set>
+                                      <p:cBhvr>
+                                        <p:cTn id="31" dur="1" fill="hold">
+                                          <p:stCondLst>
+                                            <p:cond delay="0"/>
+                                          </p:stCondLst>
+                                        </p:cTn>
+                                        <p:tgtEl>
+                                          <p:spTgt spid="11">
+                                            <p:txEl>
+                                              <p:pRg st="6" end="6"/>
+                                            </p:txEl>
+                                          </p:spTgt>
+                                        </p:tgtEl>
+                                        <p:attrNameLst>
+                                          <p:attrName>style.visibility</p:attrName>
+                                        </p:attrNameLst>
+                                      </p:cBhvr>
+                                      <p:to>
+                                        <p:strVal val="visible"/>
+                                      </p:to>
+                                    </p:set>
+                                    <p:animEffect transition="in" filter="fade">
+                                      <p:cBhvr>
+                                        <p:cTn id="32" dur="1000"/>
+                                        <p:tgtEl>
+                                          <p:spTgt spid="11">
+                                            <p:txEl>
+                                              <p:pRg st="6" end="6"/>
+                                            </p:txEl>
+                                          </p:spTgt>
+                                        </p:tgtEl>
+                                      </p:cBhvr>
+                                    </p:animEffect>
+                                    <p:anim calcmode="lin" valueType="num">
+                                      <p:cBhvr>
+                                        <p:cTn id="33" dur="1000" fill="hold"/>
+                                        <p:tgtEl>
+                                          <p:spTgt spid="11">
+                                            <p:txEl>
+                                              <p:pRg st="6" end="6"/>
+                                            </p:txEl>
+                                          </p:spTgt>
+                                        </p:tgtEl>
+                                        <p:attrNameLst>
+                                          <p:attrName>ppt_x</p:attrName>
+                                        </p:attrNameLst>
+                                      </p:cBhvr>
+                                      <p:tavLst>
+                                        <p:tav tm="0">
+                                          <p:val>
+                                            <p:strVal val="#ppt_x"/>
+                                          </p:val>
+                                        </p:tav>
+                                        <p:tav tm="100000">
+                                          <p:val>
+                                            <p:strVal val="#ppt_x"/>
+                                          </p:val>
+                                        </p:tav>
+                                      </p:tavLst>
+                                    </p:anim>
+                                    <p:anim calcmode="lin" valueType="num">
+                                      <p:cBhvr>
+                                        <p:cTn id="34" dur="1000" fill="hold"/>
+                                        <p:tgtEl>
+                                          <p:spTgt spid="11">
+                                            <p:txEl>
+                                              <p:pRg st="6" end="6"/>
+                                            </p:txEl>
+                                          </p:spTgt>
+                                        </p:tgtEl>
+                                        <p:attrNameLst>
+                                          <p:attrName>ppt_y</p:attrName>
+                                        </p:attrNameLst>
+                                      </p:cBhvr>
+                                      <p:tavLst>
+                                        <p:tav tm="0">
+                                          <p:val>
+                                            <p:strVal val="#ppt_y+.1"/>
+                                          </p:val>
+                                        </p:tav>
+                                        <p:tav tm="100000">
+                                          <p:val>
+                                            <p:strVal val="#ppt_y"/>
+                                          </p:val>
+                                        </p:tav>
+                                      </p:tavLst>
+                                    </p:anim>
+                                  </p:childTnLst>
+                                </p:cTn>
+                              </p:par>
+                              <p:par>
+                                <p:cTn id="35" presetID="42" presetClass="entr" presetSubtype="0" fill="hold" nodeType="withEffect">
+                                  <p:stCondLst>
+                                    <p:cond delay="0"/>
+                                  </p:stCondLst>
+                                  <p:childTnLst>
+                                    <p:set>
+                                      <p:cBhvr>
+                                        <p:cTn id="36" dur="1" fill="hold">
+                                          <p:stCondLst>
+                                            <p:cond delay="0"/>
+                                          </p:stCondLst>
+                                        </p:cTn>
+                                        <p:tgtEl>
+                                          <p:spTgt spid="10"/>
+                                        </p:tgtEl>
+                                        <p:attrNameLst>
+                                          <p:attrName>style.visibility</p:attrName>
+                                        </p:attrNameLst>
+                                      </p:cBhvr>
+                                      <p:to>
+                                        <p:strVal val="visible"/>
+                                      </p:to>
+                                    </p:set>
+                                    <p:animEffect transition="in" filter="fade">
+                                      <p:cBhvr>
+                                        <p:cTn id="37" dur="1000"/>
+                                        <p:tgtEl>
+                                          <p:spTgt spid="10"/>
+                                        </p:tgtEl>
+                                      </p:cBhvr>
+                                    </p:animEffect>
+                                    <p:anim calcmode="lin" valueType="num">
+                                      <p:cBhvr>
+                                        <p:cTn id="38" dur="1000" fill="hold"/>
+                                        <p:tgtEl>
+                                          <p:spTgt spid="10"/>
+                                        </p:tgtEl>
+                                        <p:attrNameLst>
+                                          <p:attrName>ppt_x</p:attrName>
+                                        </p:attrNameLst>
+                                      </p:cBhvr>
+                                      <p:tavLst>
+                                        <p:tav tm="0">
+                                          <p:val>
+                                            <p:strVal val="#ppt_x"/>
+                                          </p:val>
+                                        </p:tav>
+                                        <p:tav tm="100000">
+                                          <p:val>
+                                            <p:strVal val="#ppt_x"/>
+                                          </p:val>
+                                        </p:tav>
+                                      </p:tavLst>
+                                    </p:anim>
+                                    <p:anim calcmode="lin" valueType="num">
+                                      <p:cBhvr>
+                                        <p:cTn id="39" dur="1000" fill="hold"/>
+                                        <p:tgtEl>
+                                          <p:spTgt spid="10"/>
+                                        </p:tgtEl>
+                                        <p:attrNameLst>
+                                          <p:attrName>ppt_y</p:attrName>
+                                        </p:attrNameLst>
+                                      </p:cBhvr>
+                                      <p:tavLst>
+                                        <p:tav tm="0">
+                                          <p:val>
+                                            <p:strVal val="#ppt_y+.1"/>
+                                          </p:val>
+                                        </p:tav>
+                                        <p:tav tm="100000">
+                                          <p:val>
+                                            <p:strVal val="#ppt_y"/>
+                                          </p:val>
+                                        </p:tav>
+                                      </p:tavLst>
+                                    </p:anim>
+                                  </p:childTnLst>
+                                </p:cTn>
+                              </p:par>
+                            </p:childTnLst>
+                          </p:cTn>
+                        </p:par>
+                      </p:childTnLst>
+                    </p:cTn>
+                  </p:par>
+                </p:childTnLst>
+              </p:cTn>
+              <p:prevCondLst>
+                <p:cond evt="onPrev" delay="0">
+                  <p:tgtEl>
+                    <p:sldTgt/>
+                  </p:tgtEl>
+                </p:cond>
+              </p:prevCondLst>
+              <p:nextCondLst>
+                <p:cond evt="onNext" delay="0">
+                  <p:tgtEl>
+                    <p:sldTgt/>
+                  </p:tgtEl>
+                </p:cond>
+              </p:nextCondLst>
+            </p:seq>
+          </p:childTnLst>
+        </p:cTn>
+      </p:par>
+    </p:tnLst>
+  </p:timing>
 </p:sld>
 </file>
 
@@ -5901,6 +7947,222 @@
       </p:transition>
     </mc:Fallback>
   </mc:AlternateContent>
+  <p:timing>
+    <p:tnLst>
+      <p:par>
+        <p:cTn id="1" dur="indefinite" restart="never" nodeType="tmRoot">
+          <p:childTnLst>
+            <p:seq concurrent="1" nextAc="seek">
+              <p:cTn id="2" dur="indefinite" nodeType="mainSeq">
+                <p:childTnLst>
+                  <p:par>
+                    <p:cTn id="3" fill="hold">
+                      <p:stCondLst>
+                        <p:cond delay="indefinite"/>
+                        <p:cond evt="onBegin" delay="0">
+                          <p:tn val="2"/>
+                        </p:cond>
+                      </p:stCondLst>
+                      <p:childTnLst>
+                        <p:par>
+                          <p:cTn id="4" fill="hold">
+                            <p:stCondLst>
+                              <p:cond delay="0"/>
+                            </p:stCondLst>
+                            <p:childTnLst>
+                              <p:par>
+                                <p:cTn id="5" presetID="42" presetClass="entr" presetSubtype="0" fill="hold" grpId="0" nodeType="withEffect">
+                                  <p:stCondLst>
+                                    <p:cond delay="0"/>
+                                  </p:stCondLst>
+                                  <p:childTnLst>
+                                    <p:set>
+                                      <p:cBhvr>
+                                        <p:cTn id="6" dur="1" fill="hold">
+                                          <p:stCondLst>
+                                            <p:cond delay="0"/>
+                                          </p:stCondLst>
+                                        </p:cTn>
+                                        <p:tgtEl>
+                                          <p:spTgt spid="6"/>
+                                        </p:tgtEl>
+                                        <p:attrNameLst>
+                                          <p:attrName>style.visibility</p:attrName>
+                                        </p:attrNameLst>
+                                      </p:cBhvr>
+                                      <p:to>
+                                        <p:strVal val="visible"/>
+                                      </p:to>
+                                    </p:set>
+                                    <p:animEffect transition="in" filter="fade">
+                                      <p:cBhvr>
+                                        <p:cTn id="7" dur="1000"/>
+                                        <p:tgtEl>
+                                          <p:spTgt spid="6"/>
+                                        </p:tgtEl>
+                                      </p:cBhvr>
+                                    </p:animEffect>
+                                    <p:anim calcmode="lin" valueType="num">
+                                      <p:cBhvr>
+                                        <p:cTn id="8" dur="1000" fill="hold"/>
+                                        <p:tgtEl>
+                                          <p:spTgt spid="6"/>
+                                        </p:tgtEl>
+                                        <p:attrNameLst>
+                                          <p:attrName>ppt_x</p:attrName>
+                                        </p:attrNameLst>
+                                      </p:cBhvr>
+                                      <p:tavLst>
+                                        <p:tav tm="0">
+                                          <p:val>
+                                            <p:strVal val="#ppt_x"/>
+                                          </p:val>
+                                        </p:tav>
+                                        <p:tav tm="100000">
+                                          <p:val>
+                                            <p:strVal val="#ppt_x"/>
+                                          </p:val>
+                                        </p:tav>
+                                      </p:tavLst>
+                                    </p:anim>
+                                    <p:anim calcmode="lin" valueType="num">
+                                      <p:cBhvr>
+                                        <p:cTn id="9" dur="1000" fill="hold"/>
+                                        <p:tgtEl>
+                                          <p:spTgt spid="6"/>
+                                        </p:tgtEl>
+                                        <p:attrNameLst>
+                                          <p:attrName>ppt_y</p:attrName>
+                                        </p:attrNameLst>
+                                      </p:cBhvr>
+                                      <p:tavLst>
+                                        <p:tav tm="0">
+                                          <p:val>
+                                            <p:strVal val="#ppt_y+.1"/>
+                                          </p:val>
+                                        </p:tav>
+                                        <p:tav tm="100000">
+                                          <p:val>
+                                            <p:strVal val="#ppt_y"/>
+                                          </p:val>
+                                        </p:tav>
+                                      </p:tavLst>
+                                    </p:anim>
+                                  </p:childTnLst>
+                                </p:cTn>
+                              </p:par>
+                              <p:par>
+                                <p:cTn id="10" presetID="42" presetClass="entr" presetSubtype="0" fill="hold" nodeType="withEffect">
+                                  <p:stCondLst>
+                                    <p:cond delay="0"/>
+                                  </p:stCondLst>
+                                  <p:childTnLst>
+                                    <p:set>
+                                      <p:cBhvr>
+                                        <p:cTn id="11" dur="1" fill="hold">
+                                          <p:stCondLst>
+                                            <p:cond delay="0"/>
+                                          </p:stCondLst>
+                                        </p:cTn>
+                                        <p:tgtEl>
+                                          <p:spTgt spid="5"/>
+                                        </p:tgtEl>
+                                        <p:attrNameLst>
+                                          <p:attrName>style.visibility</p:attrName>
+                                        </p:attrNameLst>
+                                      </p:cBhvr>
+                                      <p:to>
+                                        <p:strVal val="visible"/>
+                                      </p:to>
+                                    </p:set>
+                                    <p:animEffect transition="in" filter="fade">
+                                      <p:cBhvr>
+                                        <p:cTn id="12" dur="1000"/>
+                                        <p:tgtEl>
+                                          <p:spTgt spid="5"/>
+                                        </p:tgtEl>
+                                      </p:cBhvr>
+                                    </p:animEffect>
+                                    <p:anim calcmode="lin" valueType="num">
+                                      <p:cBhvr>
+                                        <p:cTn id="13" dur="1000" fill="hold"/>
+                                        <p:tgtEl>
+                                          <p:spTgt spid="5"/>
+                                        </p:tgtEl>
+                                        <p:attrNameLst>
+                                          <p:attrName>ppt_x</p:attrName>
+                                        </p:attrNameLst>
+                                      </p:cBhvr>
+                                      <p:tavLst>
+                                        <p:tav tm="0">
+                                          <p:val>
+                                            <p:strVal val="#ppt_x"/>
+                                          </p:val>
+                                        </p:tav>
+                                        <p:tav tm="100000">
+                                          <p:val>
+                                            <p:strVal val="#ppt_x"/>
+                                          </p:val>
+                                        </p:tav>
+                                      </p:tavLst>
+                                    </p:anim>
+                                    <p:anim calcmode="lin" valueType="num">
+                                      <p:cBhvr>
+                                        <p:cTn id="14" dur="1000" fill="hold"/>
+                                        <p:tgtEl>
+                                          <p:spTgt spid="5"/>
+                                        </p:tgtEl>
+                                        <p:attrNameLst>
+                                          <p:attrName>ppt_y</p:attrName>
+                                        </p:attrNameLst>
+                                      </p:cBhvr>
+                                      <p:tavLst>
+                                        <p:tav tm="0">
+                                          <p:val>
+                                            <p:strVal val="#ppt_y+.1"/>
+                                          </p:val>
+                                        </p:tav>
+                                        <p:tav tm="100000">
+                                          <p:val>
+                                            <p:strVal val="#ppt_y"/>
+                                          </p:val>
+                                        </p:tav>
+                                      </p:tavLst>
+                                    </p:anim>
+                                  </p:childTnLst>
+                                </p:cTn>
+                              </p:par>
+                            </p:childTnLst>
+                          </p:cTn>
+                        </p:par>
+                      </p:childTnLst>
+                    </p:cTn>
+                  </p:par>
+                </p:childTnLst>
+              </p:cTn>
+              <p:prevCondLst>
+                <p:cond evt="onPrev" delay="0">
+                  <p:tgtEl>
+                    <p:sldTgt/>
+                  </p:tgtEl>
+                </p:cond>
+              </p:prevCondLst>
+              <p:nextCondLst>
+                <p:cond evt="onNext" delay="0">
+                  <p:tgtEl>
+                    <p:sldTgt/>
+                  </p:tgtEl>
+                </p:cond>
+              </p:nextCondLst>
+            </p:seq>
+          </p:childTnLst>
+        </p:cTn>
+      </p:par>
+    </p:tnLst>
+    <p:bldLst>
+      <p:bldP spid="6" grpId="0"/>
+    </p:bldLst>
+  </p:timing>
 </p:sld>
 </file>
 
@@ -5912,7 +8174,7 @@
         <p:cNvPr id="1" name="">
           <a:extLst>
             <a:ext uri="{FF2B5EF4-FFF2-40B4-BE49-F238E27FC236}">
-              <a16:creationId xmlns:a16="http://schemas.microsoft.com/office/drawing/2014/main" id="{D7161BD1-1FBF-F8F9-3B20-4590B9456DCA}"/>
+              <a16:creationId xmlns:a16="http://schemas.microsoft.com/office/drawing/2014/main" id="{DA58C1CC-94F6-370A-D66B-F1BFED9F9E35}"/>
             </a:ext>
           </a:extLst>
         </p:cNvPr>
@@ -5929,1376 +8191,10 @@
       </p:grpSpPr>
       <p:sp>
         <p:nvSpPr>
-          <p:cNvPr id="36866" name="Rectangle 2">
+          <p:cNvPr id="2" name="Title 1">
             <a:extLst>
               <a:ext uri="{FF2B5EF4-FFF2-40B4-BE49-F238E27FC236}">
-                <a16:creationId xmlns:a16="http://schemas.microsoft.com/office/drawing/2014/main" id="{0F3E375F-E821-EF17-511D-2BBD6BC68F05}"/>
-              </a:ext>
-            </a:extLst>
-          </p:cNvPr>
-          <p:cNvSpPr>
-            <a:spLocks noGrp="1" noChangeArrowheads="1"/>
-          </p:cNvSpPr>
-          <p:nvPr>
-            <p:ph type="title"/>
-          </p:nvPr>
-        </p:nvSpPr>
-        <p:spPr>
-          <a:xfrm>
-            <a:off x="2927351" y="0"/>
-            <a:ext cx="4321175" cy="649288"/>
-          </a:xfrm>
-        </p:spPr>
-        <p:txBody>
-          <a:bodyPr/>
-          <a:lstStyle/>
-          <a:p>
-            <a:r>
-              <a:rPr lang="en-US" sz="3600" b="1" dirty="0">
-                <a:latin typeface="Tahoma" charset="0"/>
-              </a:rPr>
-              <a:t>Task 2</a:t>
-            </a:r>
-            <a:endParaRPr lang="uk-UA" sz="3600" b="1" dirty="0">
-              <a:latin typeface="Tahoma" charset="0"/>
-            </a:endParaRPr>
-          </a:p>
-        </p:txBody>
-      </p:sp>
-      <p:sp>
-        <p:nvSpPr>
-          <p:cNvPr id="36867" name="Rectangle 3">
-            <a:extLst>
-              <a:ext uri="{FF2B5EF4-FFF2-40B4-BE49-F238E27FC236}">
-                <a16:creationId xmlns:a16="http://schemas.microsoft.com/office/drawing/2014/main" id="{FAA4480C-20C4-DB5C-3E0F-F5DDB6FB03A2}"/>
-              </a:ext>
-            </a:extLst>
-          </p:cNvPr>
-          <p:cNvSpPr>
-            <a:spLocks noGrp="1" noChangeArrowheads="1"/>
-          </p:cNvSpPr>
-          <p:nvPr>
-            <p:ph type="body" idx="1"/>
-          </p:nvPr>
-        </p:nvSpPr>
-        <p:spPr>
-          <a:xfrm>
-            <a:off x="2711450" y="981076"/>
-            <a:ext cx="6502400" cy="4900613"/>
-          </a:xfrm>
-        </p:spPr>
-        <p:txBody>
-          <a:bodyPr/>
-          <a:lstStyle/>
-          <a:p>
-            <a:pPr>
-              <a:lnSpc>
-                <a:spcPct val="90000"/>
-              </a:lnSpc>
-            </a:pPr>
-            <a:r>
-              <a:rPr lang="en-US" altLang="ko-KR" sz="2000" dirty="0">
-                <a:latin typeface="Verdana" pitchFamily="34" charset="0"/>
-                <a:ea typeface="굴림" charset="-127"/>
-              </a:rPr>
-              <a:t>Your Text here</a:t>
-            </a:r>
-          </a:p>
-          <a:p>
-            <a:pPr>
-              <a:lnSpc>
-                <a:spcPct val="90000"/>
-              </a:lnSpc>
-            </a:pPr>
-            <a:endParaRPr lang="en-US" altLang="ko-KR" sz="2000" dirty="0">
-              <a:latin typeface="Verdana" pitchFamily="34" charset="0"/>
-              <a:ea typeface="굴림" charset="-127"/>
-            </a:endParaRPr>
-          </a:p>
-          <a:p>
-            <a:pPr>
-              <a:lnSpc>
-                <a:spcPct val="90000"/>
-              </a:lnSpc>
-            </a:pPr>
-            <a:r>
-              <a:rPr lang="ru-RU" altLang="ko-KR" sz="2000" dirty="0" err="1">
-                <a:latin typeface="Verdana" pitchFamily="34" charset="0"/>
-                <a:ea typeface="굴림" charset="-127"/>
-              </a:rPr>
-              <a:t>Lorem</a:t>
-            </a:r>
-            <a:r>
-              <a:rPr lang="ru-RU" altLang="ko-KR" sz="2000" dirty="0">
-                <a:latin typeface="Verdana" pitchFamily="34" charset="0"/>
-                <a:ea typeface="굴림" charset="-127"/>
-              </a:rPr>
-              <a:t> </a:t>
-            </a:r>
-            <a:r>
-              <a:rPr lang="ru-RU" altLang="ko-KR" sz="2000" dirty="0" err="1">
-                <a:latin typeface="Verdana" pitchFamily="34" charset="0"/>
-                <a:ea typeface="굴림" charset="-127"/>
-              </a:rPr>
-              <a:t>ipsum</a:t>
-            </a:r>
-            <a:r>
-              <a:rPr lang="ru-RU" altLang="ko-KR" sz="2000" dirty="0">
-                <a:latin typeface="Verdana" pitchFamily="34" charset="0"/>
-                <a:ea typeface="굴림" charset="-127"/>
-              </a:rPr>
-              <a:t> </a:t>
-            </a:r>
-            <a:r>
-              <a:rPr lang="ru-RU" altLang="ko-KR" sz="2000" dirty="0" err="1">
-                <a:latin typeface="Verdana" pitchFamily="34" charset="0"/>
-                <a:ea typeface="굴림" charset="-127"/>
-              </a:rPr>
-              <a:t>dolor</a:t>
-            </a:r>
-            <a:r>
-              <a:rPr lang="ru-RU" altLang="ko-KR" sz="2000" dirty="0">
-                <a:latin typeface="Verdana" pitchFamily="34" charset="0"/>
-                <a:ea typeface="굴림" charset="-127"/>
-              </a:rPr>
-              <a:t> </a:t>
-            </a:r>
-            <a:r>
-              <a:rPr lang="ru-RU" altLang="ko-KR" sz="2000" dirty="0" err="1">
-                <a:latin typeface="Verdana" pitchFamily="34" charset="0"/>
-                <a:ea typeface="굴림" charset="-127"/>
-              </a:rPr>
-              <a:t>sit</a:t>
-            </a:r>
-            <a:r>
-              <a:rPr lang="ru-RU" altLang="ko-KR" sz="2000" dirty="0">
-                <a:latin typeface="Verdana" pitchFamily="34" charset="0"/>
-                <a:ea typeface="굴림" charset="-127"/>
-              </a:rPr>
-              <a:t> </a:t>
-            </a:r>
-            <a:r>
-              <a:rPr lang="ru-RU" altLang="ko-KR" sz="2000" dirty="0" err="1">
-                <a:latin typeface="Verdana" pitchFamily="34" charset="0"/>
-                <a:ea typeface="굴림" charset="-127"/>
-              </a:rPr>
-              <a:t>amet</a:t>
-            </a:r>
-            <a:r>
-              <a:rPr lang="ru-RU" altLang="ko-KR" sz="2000" dirty="0">
-                <a:latin typeface="Verdana" pitchFamily="34" charset="0"/>
-                <a:ea typeface="굴림" charset="-127"/>
-              </a:rPr>
-              <a:t>, </a:t>
-            </a:r>
-            <a:r>
-              <a:rPr lang="ru-RU" altLang="ko-KR" sz="2000" dirty="0" err="1">
-                <a:latin typeface="Verdana" pitchFamily="34" charset="0"/>
-                <a:ea typeface="굴림" charset="-127"/>
-              </a:rPr>
-              <a:t>consectetuer</a:t>
-            </a:r>
-            <a:r>
-              <a:rPr lang="ru-RU" altLang="ko-KR" sz="2000" dirty="0">
-                <a:latin typeface="Verdana" pitchFamily="34" charset="0"/>
-                <a:ea typeface="굴림" charset="-127"/>
-              </a:rPr>
-              <a:t> </a:t>
-            </a:r>
-            <a:r>
-              <a:rPr lang="ru-RU" altLang="ko-KR" sz="2000" dirty="0" err="1">
-                <a:latin typeface="Verdana" pitchFamily="34" charset="0"/>
-                <a:ea typeface="굴림" charset="-127"/>
-              </a:rPr>
-              <a:t>adipiscing</a:t>
-            </a:r>
-            <a:r>
-              <a:rPr lang="ru-RU" altLang="ko-KR" sz="2000" dirty="0">
-                <a:latin typeface="Verdana" pitchFamily="34" charset="0"/>
-                <a:ea typeface="굴림" charset="-127"/>
-              </a:rPr>
-              <a:t> </a:t>
-            </a:r>
-            <a:r>
-              <a:rPr lang="ru-RU" altLang="ko-KR" sz="2000" dirty="0" err="1">
-                <a:latin typeface="Verdana" pitchFamily="34" charset="0"/>
-                <a:ea typeface="굴림" charset="-127"/>
-              </a:rPr>
-              <a:t>elit</a:t>
-            </a:r>
-            <a:r>
-              <a:rPr lang="ru-RU" altLang="ko-KR" sz="2000" dirty="0">
-                <a:latin typeface="Verdana" pitchFamily="34" charset="0"/>
-                <a:ea typeface="굴림" charset="-127"/>
-              </a:rPr>
-              <a:t>, </a:t>
-            </a:r>
-            <a:r>
-              <a:rPr lang="ru-RU" altLang="ko-KR" sz="2000" dirty="0" err="1">
-                <a:latin typeface="Verdana" pitchFamily="34" charset="0"/>
-                <a:ea typeface="굴림" charset="-127"/>
-              </a:rPr>
-              <a:t>sed</a:t>
-            </a:r>
-            <a:r>
-              <a:rPr lang="ru-RU" altLang="ko-KR" sz="2000" dirty="0">
-                <a:latin typeface="Verdana" pitchFamily="34" charset="0"/>
-                <a:ea typeface="굴림" charset="-127"/>
-              </a:rPr>
-              <a:t> </a:t>
-            </a:r>
-            <a:r>
-              <a:rPr lang="ru-RU" altLang="ko-KR" sz="2000" dirty="0" err="1">
-                <a:latin typeface="Verdana" pitchFamily="34" charset="0"/>
-                <a:ea typeface="굴림" charset="-127"/>
-              </a:rPr>
-              <a:t>diam</a:t>
-            </a:r>
-            <a:r>
-              <a:rPr lang="ru-RU" altLang="ko-KR" sz="2000" dirty="0">
-                <a:latin typeface="Verdana" pitchFamily="34" charset="0"/>
-                <a:ea typeface="굴림" charset="-127"/>
-              </a:rPr>
-              <a:t> </a:t>
-            </a:r>
-            <a:r>
-              <a:rPr lang="ru-RU" altLang="ko-KR" sz="2000" dirty="0" err="1">
-                <a:latin typeface="Verdana" pitchFamily="34" charset="0"/>
-                <a:ea typeface="굴림" charset="-127"/>
-              </a:rPr>
-              <a:t>nonummy</a:t>
-            </a:r>
-            <a:r>
-              <a:rPr lang="ru-RU" altLang="ko-KR" sz="2000" dirty="0">
-                <a:latin typeface="Verdana" pitchFamily="34" charset="0"/>
-                <a:ea typeface="굴림" charset="-127"/>
-              </a:rPr>
-              <a:t> </a:t>
-            </a:r>
-            <a:r>
-              <a:rPr lang="ru-RU" altLang="ko-KR" sz="2000" dirty="0" err="1">
-                <a:latin typeface="Verdana" pitchFamily="34" charset="0"/>
-                <a:ea typeface="굴림" charset="-127"/>
-              </a:rPr>
-              <a:t>nibh</a:t>
-            </a:r>
-            <a:r>
-              <a:rPr lang="ru-RU" altLang="ko-KR" sz="2000" dirty="0">
-                <a:latin typeface="Verdana" pitchFamily="34" charset="0"/>
-                <a:ea typeface="굴림" charset="-127"/>
-              </a:rPr>
-              <a:t> </a:t>
-            </a:r>
-            <a:r>
-              <a:rPr lang="ru-RU" altLang="ko-KR" sz="2000" dirty="0" err="1">
-                <a:latin typeface="Verdana" pitchFamily="34" charset="0"/>
-                <a:ea typeface="굴림" charset="-127"/>
-              </a:rPr>
-              <a:t>euismod</a:t>
-            </a:r>
-            <a:r>
-              <a:rPr lang="ru-RU" altLang="ko-KR" sz="2000" dirty="0">
-                <a:latin typeface="Verdana" pitchFamily="34" charset="0"/>
-                <a:ea typeface="굴림" charset="-127"/>
-              </a:rPr>
-              <a:t> </a:t>
-            </a:r>
-            <a:r>
-              <a:rPr lang="ru-RU" altLang="ko-KR" sz="2000" dirty="0" err="1">
-                <a:latin typeface="Verdana" pitchFamily="34" charset="0"/>
-                <a:ea typeface="굴림" charset="-127"/>
-              </a:rPr>
-              <a:t>tincidunt</a:t>
-            </a:r>
-            <a:r>
-              <a:rPr lang="ru-RU" altLang="ko-KR" sz="2000" dirty="0">
-                <a:latin typeface="Verdana" pitchFamily="34" charset="0"/>
-                <a:ea typeface="굴림" charset="-127"/>
-              </a:rPr>
-              <a:t> </a:t>
-            </a:r>
-            <a:r>
-              <a:rPr lang="ru-RU" altLang="ko-KR" sz="2000" dirty="0" err="1">
-                <a:latin typeface="Verdana" pitchFamily="34" charset="0"/>
-                <a:ea typeface="굴림" charset="-127"/>
-              </a:rPr>
-              <a:t>ut</a:t>
-            </a:r>
-            <a:r>
-              <a:rPr lang="ru-RU" altLang="ko-KR" sz="2000" dirty="0">
-                <a:latin typeface="Verdana" pitchFamily="34" charset="0"/>
-                <a:ea typeface="굴림" charset="-127"/>
-              </a:rPr>
-              <a:t> </a:t>
-            </a:r>
-            <a:r>
-              <a:rPr lang="ru-RU" altLang="ko-KR" sz="2000" dirty="0" err="1">
-                <a:latin typeface="Verdana" pitchFamily="34" charset="0"/>
-                <a:ea typeface="굴림" charset="-127"/>
-              </a:rPr>
-              <a:t>laoreet</a:t>
-            </a:r>
-            <a:r>
-              <a:rPr lang="ru-RU" altLang="ko-KR" sz="2000" dirty="0">
-                <a:latin typeface="Verdana" pitchFamily="34" charset="0"/>
-                <a:ea typeface="굴림" charset="-127"/>
-              </a:rPr>
-              <a:t> </a:t>
-            </a:r>
-            <a:r>
-              <a:rPr lang="ru-RU" altLang="ko-KR" sz="2000" dirty="0" err="1">
-                <a:latin typeface="Verdana" pitchFamily="34" charset="0"/>
-                <a:ea typeface="굴림" charset="-127"/>
-              </a:rPr>
-              <a:t>dolore</a:t>
-            </a:r>
-            <a:r>
-              <a:rPr lang="ru-RU" altLang="ko-KR" sz="2000" dirty="0">
-                <a:latin typeface="Verdana" pitchFamily="34" charset="0"/>
-                <a:ea typeface="굴림" charset="-127"/>
-              </a:rPr>
-              <a:t> </a:t>
-            </a:r>
-            <a:r>
-              <a:rPr lang="ru-RU" altLang="ko-KR" sz="2000" dirty="0" err="1">
-                <a:latin typeface="Verdana" pitchFamily="34" charset="0"/>
-                <a:ea typeface="굴림" charset="-127"/>
-              </a:rPr>
-              <a:t>magna</a:t>
-            </a:r>
-            <a:r>
-              <a:rPr lang="ru-RU" altLang="ko-KR" sz="2000" dirty="0">
-                <a:latin typeface="Verdana" pitchFamily="34" charset="0"/>
-                <a:ea typeface="굴림" charset="-127"/>
-              </a:rPr>
-              <a:t> </a:t>
-            </a:r>
-            <a:r>
-              <a:rPr lang="ru-RU" altLang="ko-KR" sz="2000" dirty="0" err="1">
-                <a:latin typeface="Verdana" pitchFamily="34" charset="0"/>
-                <a:ea typeface="굴림" charset="-127"/>
-              </a:rPr>
-              <a:t>aliquam</a:t>
-            </a:r>
-            <a:r>
-              <a:rPr lang="ru-RU" altLang="ko-KR" sz="2000" dirty="0">
-                <a:latin typeface="Verdana" pitchFamily="34" charset="0"/>
-                <a:ea typeface="굴림" charset="-127"/>
-              </a:rPr>
-              <a:t> </a:t>
-            </a:r>
-            <a:r>
-              <a:rPr lang="ru-RU" altLang="ko-KR" sz="2000" dirty="0" err="1">
-                <a:latin typeface="Verdana" pitchFamily="34" charset="0"/>
-                <a:ea typeface="굴림" charset="-127"/>
-              </a:rPr>
-              <a:t>erat</a:t>
-            </a:r>
-            <a:r>
-              <a:rPr lang="ru-RU" altLang="ko-KR" sz="2000" dirty="0">
-                <a:latin typeface="Verdana" pitchFamily="34" charset="0"/>
-                <a:ea typeface="굴림" charset="-127"/>
-              </a:rPr>
-              <a:t> </a:t>
-            </a:r>
-            <a:r>
-              <a:rPr lang="ru-RU" altLang="ko-KR" sz="2000" dirty="0" err="1">
-                <a:latin typeface="Verdana" pitchFamily="34" charset="0"/>
-                <a:ea typeface="굴림" charset="-127"/>
-              </a:rPr>
-              <a:t>volutpat</a:t>
-            </a:r>
-            <a:r>
-              <a:rPr lang="ru-RU" altLang="ko-KR" sz="2000" dirty="0">
-                <a:latin typeface="Verdana" pitchFamily="34" charset="0"/>
-                <a:ea typeface="굴림" charset="-127"/>
-              </a:rPr>
-              <a:t>. </a:t>
-            </a:r>
-            <a:r>
-              <a:rPr lang="ru-RU" altLang="ko-KR" sz="2000" dirty="0" err="1">
-                <a:latin typeface="Verdana" pitchFamily="34" charset="0"/>
-                <a:ea typeface="굴림" charset="-127"/>
-              </a:rPr>
-              <a:t>Ut</a:t>
-            </a:r>
-            <a:r>
-              <a:rPr lang="ru-RU" altLang="ko-KR" sz="2000" dirty="0">
-                <a:latin typeface="Verdana" pitchFamily="34" charset="0"/>
-                <a:ea typeface="굴림" charset="-127"/>
-              </a:rPr>
-              <a:t> </a:t>
-            </a:r>
-            <a:r>
-              <a:rPr lang="ru-RU" altLang="ko-KR" sz="2000" dirty="0" err="1">
-                <a:latin typeface="Verdana" pitchFamily="34" charset="0"/>
-                <a:ea typeface="굴림" charset="-127"/>
-              </a:rPr>
-              <a:t>wisi</a:t>
-            </a:r>
-            <a:r>
-              <a:rPr lang="ru-RU" altLang="ko-KR" sz="2000" dirty="0">
-                <a:latin typeface="Verdana" pitchFamily="34" charset="0"/>
-                <a:ea typeface="굴림" charset="-127"/>
-              </a:rPr>
-              <a:t> </a:t>
-            </a:r>
-            <a:r>
-              <a:rPr lang="ru-RU" altLang="ko-KR" sz="2000" dirty="0" err="1">
-                <a:latin typeface="Verdana" pitchFamily="34" charset="0"/>
-                <a:ea typeface="굴림" charset="-127"/>
-              </a:rPr>
-              <a:t>enim</a:t>
-            </a:r>
-            <a:r>
-              <a:rPr lang="ru-RU" altLang="ko-KR" sz="2000" dirty="0">
-                <a:latin typeface="Verdana" pitchFamily="34" charset="0"/>
-                <a:ea typeface="굴림" charset="-127"/>
-              </a:rPr>
-              <a:t> </a:t>
-            </a:r>
-            <a:r>
-              <a:rPr lang="ru-RU" altLang="ko-KR" sz="2000" dirty="0" err="1">
-                <a:latin typeface="Verdana" pitchFamily="34" charset="0"/>
-                <a:ea typeface="굴림" charset="-127"/>
-              </a:rPr>
-              <a:t>ad</a:t>
-            </a:r>
-            <a:r>
-              <a:rPr lang="ru-RU" altLang="ko-KR" sz="2000" dirty="0">
-                <a:latin typeface="Verdana" pitchFamily="34" charset="0"/>
-                <a:ea typeface="굴림" charset="-127"/>
-              </a:rPr>
-              <a:t> </a:t>
-            </a:r>
-            <a:r>
-              <a:rPr lang="ru-RU" altLang="ko-KR" sz="2000" dirty="0" err="1">
-                <a:latin typeface="Verdana" pitchFamily="34" charset="0"/>
-                <a:ea typeface="굴림" charset="-127"/>
-              </a:rPr>
-              <a:t>minim</a:t>
-            </a:r>
-            <a:r>
-              <a:rPr lang="ru-RU" altLang="ko-KR" sz="2000" dirty="0">
-                <a:latin typeface="Verdana" pitchFamily="34" charset="0"/>
-                <a:ea typeface="굴림" charset="-127"/>
-              </a:rPr>
-              <a:t> </a:t>
-            </a:r>
-            <a:r>
-              <a:rPr lang="ru-RU" altLang="ko-KR" sz="2000" dirty="0" err="1">
-                <a:latin typeface="Verdana" pitchFamily="34" charset="0"/>
-                <a:ea typeface="굴림" charset="-127"/>
-              </a:rPr>
-              <a:t>veniam</a:t>
-            </a:r>
-            <a:r>
-              <a:rPr lang="ru-RU" altLang="ko-KR" sz="2000" dirty="0">
-                <a:latin typeface="Verdana" pitchFamily="34" charset="0"/>
-                <a:ea typeface="굴림" charset="-127"/>
-              </a:rPr>
-              <a:t>, </a:t>
-            </a:r>
-            <a:r>
-              <a:rPr lang="ru-RU" altLang="ko-KR" sz="2000" dirty="0" err="1">
-                <a:latin typeface="Verdana" pitchFamily="34" charset="0"/>
-                <a:ea typeface="굴림" charset="-127"/>
-              </a:rPr>
-              <a:t>quis</a:t>
-            </a:r>
-            <a:r>
-              <a:rPr lang="ru-RU" altLang="ko-KR" sz="2000" dirty="0">
-                <a:latin typeface="Verdana" pitchFamily="34" charset="0"/>
-                <a:ea typeface="굴림" charset="-127"/>
-              </a:rPr>
-              <a:t> </a:t>
-            </a:r>
-            <a:r>
-              <a:rPr lang="ru-RU" altLang="ko-KR" sz="2000" dirty="0" err="1">
-                <a:latin typeface="Verdana" pitchFamily="34" charset="0"/>
-                <a:ea typeface="굴림" charset="-127"/>
-              </a:rPr>
-              <a:t>nostrud</a:t>
-            </a:r>
-            <a:r>
-              <a:rPr lang="ru-RU" altLang="ko-KR" sz="2000" dirty="0">
-                <a:latin typeface="Verdana" pitchFamily="34" charset="0"/>
-                <a:ea typeface="굴림" charset="-127"/>
-              </a:rPr>
-              <a:t> </a:t>
-            </a:r>
-            <a:r>
-              <a:rPr lang="ru-RU" altLang="ko-KR" sz="2000" dirty="0" err="1">
-                <a:latin typeface="Verdana" pitchFamily="34" charset="0"/>
-                <a:ea typeface="굴림" charset="-127"/>
-              </a:rPr>
-              <a:t>exerci</a:t>
-            </a:r>
-            <a:r>
-              <a:rPr lang="ru-RU" altLang="ko-KR" sz="2000" dirty="0">
-                <a:latin typeface="Verdana" pitchFamily="34" charset="0"/>
-                <a:ea typeface="굴림" charset="-127"/>
-              </a:rPr>
-              <a:t> </a:t>
-            </a:r>
-            <a:r>
-              <a:rPr lang="ru-RU" altLang="ko-KR" sz="2000" dirty="0" err="1">
-                <a:latin typeface="Verdana" pitchFamily="34" charset="0"/>
-                <a:ea typeface="굴림" charset="-127"/>
-              </a:rPr>
-              <a:t>tation</a:t>
-            </a:r>
-            <a:r>
-              <a:rPr lang="ru-RU" altLang="ko-KR" sz="2000" dirty="0">
-                <a:latin typeface="Verdana" pitchFamily="34" charset="0"/>
-                <a:ea typeface="굴림" charset="-127"/>
-              </a:rPr>
-              <a:t> </a:t>
-            </a:r>
-            <a:r>
-              <a:rPr lang="ru-RU" altLang="ko-KR" sz="2000" dirty="0" err="1">
-                <a:latin typeface="Verdana" pitchFamily="34" charset="0"/>
-                <a:ea typeface="굴림" charset="-127"/>
-              </a:rPr>
-              <a:t>ullamcorper</a:t>
-            </a:r>
-            <a:r>
-              <a:rPr lang="ru-RU" altLang="ko-KR" sz="2000" dirty="0">
-                <a:latin typeface="Verdana" pitchFamily="34" charset="0"/>
-                <a:ea typeface="굴림" charset="-127"/>
-              </a:rPr>
-              <a:t> </a:t>
-            </a:r>
-            <a:r>
-              <a:rPr lang="ru-RU" altLang="ko-KR" sz="2000" dirty="0" err="1">
-                <a:latin typeface="Verdana" pitchFamily="34" charset="0"/>
-                <a:ea typeface="굴림" charset="-127"/>
-              </a:rPr>
-              <a:t>suscipit</a:t>
-            </a:r>
-            <a:r>
-              <a:rPr lang="ru-RU" altLang="ko-KR" sz="2000" dirty="0">
-                <a:latin typeface="Verdana" pitchFamily="34" charset="0"/>
-                <a:ea typeface="굴림" charset="-127"/>
-              </a:rPr>
-              <a:t> </a:t>
-            </a:r>
-            <a:r>
-              <a:rPr lang="ru-RU" altLang="ko-KR" sz="2000" dirty="0" err="1">
-                <a:latin typeface="Verdana" pitchFamily="34" charset="0"/>
-                <a:ea typeface="굴림" charset="-127"/>
-              </a:rPr>
-              <a:t>lobortis</a:t>
-            </a:r>
-            <a:r>
-              <a:rPr lang="ru-RU" altLang="ko-KR" sz="2000" dirty="0">
-                <a:latin typeface="Verdana" pitchFamily="34" charset="0"/>
-                <a:ea typeface="굴림" charset="-127"/>
-              </a:rPr>
-              <a:t> </a:t>
-            </a:r>
-            <a:r>
-              <a:rPr lang="ru-RU" altLang="ko-KR" sz="2000" dirty="0" err="1">
-                <a:latin typeface="Verdana" pitchFamily="34" charset="0"/>
-                <a:ea typeface="굴림" charset="-127"/>
-              </a:rPr>
-              <a:t>nisl</a:t>
-            </a:r>
-            <a:r>
-              <a:rPr lang="ru-RU" altLang="ko-KR" sz="2000" dirty="0">
-                <a:latin typeface="Verdana" pitchFamily="34" charset="0"/>
-                <a:ea typeface="굴림" charset="-127"/>
-              </a:rPr>
-              <a:t> </a:t>
-            </a:r>
-            <a:r>
-              <a:rPr lang="ru-RU" altLang="ko-KR" sz="2000" dirty="0" err="1">
-                <a:latin typeface="Verdana" pitchFamily="34" charset="0"/>
-                <a:ea typeface="굴림" charset="-127"/>
-              </a:rPr>
-              <a:t>ut</a:t>
-            </a:r>
-            <a:r>
-              <a:rPr lang="ru-RU" altLang="ko-KR" sz="2000" dirty="0">
-                <a:latin typeface="Verdana" pitchFamily="34" charset="0"/>
-                <a:ea typeface="굴림" charset="-127"/>
-              </a:rPr>
-              <a:t> </a:t>
-            </a:r>
-            <a:r>
-              <a:rPr lang="ru-RU" altLang="ko-KR" sz="2000" dirty="0" err="1">
-                <a:latin typeface="Verdana" pitchFamily="34" charset="0"/>
-                <a:ea typeface="굴림" charset="-127"/>
-              </a:rPr>
-              <a:t>aliquip</a:t>
-            </a:r>
-            <a:r>
-              <a:rPr lang="ru-RU" altLang="ko-KR" sz="2000" dirty="0">
-                <a:latin typeface="Verdana" pitchFamily="34" charset="0"/>
-                <a:ea typeface="굴림" charset="-127"/>
-              </a:rPr>
-              <a:t> </a:t>
-            </a:r>
-            <a:r>
-              <a:rPr lang="ru-RU" altLang="ko-KR" sz="2000" dirty="0" err="1">
-                <a:latin typeface="Verdana" pitchFamily="34" charset="0"/>
-                <a:ea typeface="굴림" charset="-127"/>
-              </a:rPr>
-              <a:t>ex</a:t>
-            </a:r>
-            <a:r>
-              <a:rPr lang="ru-RU" altLang="ko-KR" sz="2000" dirty="0">
-                <a:latin typeface="Verdana" pitchFamily="34" charset="0"/>
-                <a:ea typeface="굴림" charset="-127"/>
-              </a:rPr>
-              <a:t> </a:t>
-            </a:r>
-            <a:r>
-              <a:rPr lang="ru-RU" altLang="ko-KR" sz="2000" dirty="0" err="1">
-                <a:latin typeface="Verdana" pitchFamily="34" charset="0"/>
-                <a:ea typeface="굴림" charset="-127"/>
-              </a:rPr>
-              <a:t>ea</a:t>
-            </a:r>
-            <a:r>
-              <a:rPr lang="ru-RU" altLang="ko-KR" sz="2000" dirty="0">
-                <a:latin typeface="Verdana" pitchFamily="34" charset="0"/>
-                <a:ea typeface="굴림" charset="-127"/>
-              </a:rPr>
-              <a:t> </a:t>
-            </a:r>
-            <a:r>
-              <a:rPr lang="ru-RU" altLang="ko-KR" sz="2000" dirty="0" err="1">
-                <a:latin typeface="Verdana" pitchFamily="34" charset="0"/>
-                <a:ea typeface="굴림" charset="-127"/>
-              </a:rPr>
-              <a:t>commodo</a:t>
-            </a:r>
-            <a:r>
-              <a:rPr lang="ru-RU" altLang="ko-KR" sz="2000" dirty="0">
-                <a:latin typeface="Verdana" pitchFamily="34" charset="0"/>
-                <a:ea typeface="굴림" charset="-127"/>
-              </a:rPr>
-              <a:t> </a:t>
-            </a:r>
-            <a:r>
-              <a:rPr lang="ru-RU" altLang="ko-KR" sz="2000" dirty="0" err="1">
-                <a:latin typeface="Verdana" pitchFamily="34" charset="0"/>
-                <a:ea typeface="굴림" charset="-127"/>
-              </a:rPr>
-              <a:t>consequat</a:t>
-            </a:r>
-            <a:r>
-              <a:rPr lang="ru-RU" altLang="ko-KR" sz="2000" dirty="0">
-                <a:latin typeface="Verdana" pitchFamily="34" charset="0"/>
-                <a:ea typeface="굴림" charset="-127"/>
-              </a:rPr>
-              <a:t>. </a:t>
-            </a:r>
-            <a:endParaRPr lang="en-US" altLang="ko-KR" sz="2000" dirty="0">
-              <a:latin typeface="Verdana" pitchFamily="34" charset="0"/>
-              <a:ea typeface="굴림" charset="-127"/>
-            </a:endParaRPr>
-          </a:p>
-          <a:p>
-            <a:pPr>
-              <a:lnSpc>
-                <a:spcPct val="90000"/>
-              </a:lnSpc>
-            </a:pPr>
-            <a:endParaRPr lang="en-US" altLang="ko-KR" sz="2000" dirty="0">
-              <a:latin typeface="Verdana" pitchFamily="34" charset="0"/>
-              <a:ea typeface="굴림" charset="-127"/>
-            </a:endParaRPr>
-          </a:p>
-          <a:p>
-            <a:pPr>
-              <a:lnSpc>
-                <a:spcPct val="90000"/>
-              </a:lnSpc>
-            </a:pPr>
-            <a:r>
-              <a:rPr lang="ru-RU" altLang="ko-KR" sz="2000" dirty="0" err="1">
-                <a:latin typeface="Verdana" pitchFamily="34" charset="0"/>
-                <a:ea typeface="굴림" charset="-127"/>
-              </a:rPr>
-              <a:t>Duis</a:t>
-            </a:r>
-            <a:r>
-              <a:rPr lang="ru-RU" altLang="ko-KR" sz="2000" dirty="0">
-                <a:latin typeface="Verdana" pitchFamily="34" charset="0"/>
-                <a:ea typeface="굴림" charset="-127"/>
-              </a:rPr>
-              <a:t> </a:t>
-            </a:r>
-            <a:r>
-              <a:rPr lang="ru-RU" altLang="ko-KR" sz="2000" dirty="0" err="1">
-                <a:latin typeface="Verdana" pitchFamily="34" charset="0"/>
-                <a:ea typeface="굴림" charset="-127"/>
-              </a:rPr>
-              <a:t>autem</a:t>
-            </a:r>
-            <a:r>
-              <a:rPr lang="ru-RU" altLang="ko-KR" sz="2000" dirty="0">
-                <a:latin typeface="Verdana" pitchFamily="34" charset="0"/>
-                <a:ea typeface="굴림" charset="-127"/>
-              </a:rPr>
-              <a:t> </a:t>
-            </a:r>
-            <a:r>
-              <a:rPr lang="ru-RU" altLang="ko-KR" sz="2000" dirty="0" err="1">
-                <a:latin typeface="Verdana" pitchFamily="34" charset="0"/>
-                <a:ea typeface="굴림" charset="-127"/>
-              </a:rPr>
-              <a:t>vel</a:t>
-            </a:r>
-            <a:r>
-              <a:rPr lang="ru-RU" altLang="ko-KR" sz="2000" dirty="0">
-                <a:latin typeface="Verdana" pitchFamily="34" charset="0"/>
-                <a:ea typeface="굴림" charset="-127"/>
-              </a:rPr>
-              <a:t> </a:t>
-            </a:r>
-            <a:r>
-              <a:rPr lang="ru-RU" altLang="ko-KR" sz="2000" dirty="0" err="1">
-                <a:latin typeface="Verdana" pitchFamily="34" charset="0"/>
-                <a:ea typeface="굴림" charset="-127"/>
-              </a:rPr>
-              <a:t>eum</a:t>
-            </a:r>
-            <a:r>
-              <a:rPr lang="ru-RU" altLang="ko-KR" sz="2000" dirty="0">
-                <a:latin typeface="Verdana" pitchFamily="34" charset="0"/>
-                <a:ea typeface="굴림" charset="-127"/>
-              </a:rPr>
-              <a:t> </a:t>
-            </a:r>
-            <a:r>
-              <a:rPr lang="ru-RU" altLang="ko-KR" sz="2000" dirty="0" err="1">
-                <a:latin typeface="Verdana" pitchFamily="34" charset="0"/>
-                <a:ea typeface="굴림" charset="-127"/>
-              </a:rPr>
-              <a:t>iriure</a:t>
-            </a:r>
-            <a:r>
-              <a:rPr lang="ru-RU" altLang="ko-KR" sz="2000" dirty="0">
-                <a:latin typeface="Verdana" pitchFamily="34" charset="0"/>
-                <a:ea typeface="굴림" charset="-127"/>
-              </a:rPr>
-              <a:t> </a:t>
-            </a:r>
-            <a:r>
-              <a:rPr lang="ru-RU" altLang="ko-KR" sz="2000" dirty="0" err="1">
-                <a:latin typeface="Verdana" pitchFamily="34" charset="0"/>
-                <a:ea typeface="굴림" charset="-127"/>
-              </a:rPr>
-              <a:t>dolor</a:t>
-            </a:r>
-            <a:r>
-              <a:rPr lang="ru-RU" altLang="ko-KR" sz="2000" dirty="0">
-                <a:latin typeface="Verdana" pitchFamily="34" charset="0"/>
-                <a:ea typeface="굴림" charset="-127"/>
-              </a:rPr>
-              <a:t> </a:t>
-            </a:r>
-            <a:r>
-              <a:rPr lang="ru-RU" altLang="ko-KR" sz="2000" dirty="0" err="1">
-                <a:latin typeface="Verdana" pitchFamily="34" charset="0"/>
-                <a:ea typeface="굴림" charset="-127"/>
-              </a:rPr>
-              <a:t>in</a:t>
-            </a:r>
-            <a:r>
-              <a:rPr lang="ru-RU" altLang="ko-KR" sz="2000" dirty="0">
-                <a:latin typeface="Verdana" pitchFamily="34" charset="0"/>
-                <a:ea typeface="굴림" charset="-127"/>
-              </a:rPr>
-              <a:t> </a:t>
-            </a:r>
-            <a:r>
-              <a:rPr lang="ru-RU" altLang="ko-KR" sz="2000" dirty="0" err="1">
-                <a:latin typeface="Verdana" pitchFamily="34" charset="0"/>
-                <a:ea typeface="굴림" charset="-127"/>
-              </a:rPr>
-              <a:t>hendrerit</a:t>
-            </a:r>
-            <a:r>
-              <a:rPr lang="ru-RU" altLang="ko-KR" sz="2000" dirty="0">
-                <a:latin typeface="Verdana" pitchFamily="34" charset="0"/>
-                <a:ea typeface="굴림" charset="-127"/>
-              </a:rPr>
-              <a:t> </a:t>
-            </a:r>
-            <a:r>
-              <a:rPr lang="ru-RU" altLang="ko-KR" sz="2000" dirty="0" err="1">
-                <a:latin typeface="Verdana" pitchFamily="34" charset="0"/>
-                <a:ea typeface="굴림" charset="-127"/>
-              </a:rPr>
-              <a:t>in</a:t>
-            </a:r>
-            <a:r>
-              <a:rPr lang="ru-RU" altLang="ko-KR" sz="2000" dirty="0">
-                <a:latin typeface="Verdana" pitchFamily="34" charset="0"/>
-                <a:ea typeface="굴림" charset="-127"/>
-              </a:rPr>
-              <a:t> </a:t>
-            </a:r>
-            <a:r>
-              <a:rPr lang="ru-RU" altLang="ko-KR" sz="2000" dirty="0" err="1">
-                <a:latin typeface="Verdana" pitchFamily="34" charset="0"/>
-                <a:ea typeface="굴림" charset="-127"/>
-              </a:rPr>
-              <a:t>vulputate</a:t>
-            </a:r>
-            <a:r>
-              <a:rPr lang="ru-RU" altLang="ko-KR" sz="2000" dirty="0">
-                <a:latin typeface="Verdana" pitchFamily="34" charset="0"/>
-                <a:ea typeface="굴림" charset="-127"/>
-              </a:rPr>
-              <a:t> </a:t>
-            </a:r>
-            <a:r>
-              <a:rPr lang="ru-RU" altLang="ko-KR" sz="2000" dirty="0" err="1">
-                <a:latin typeface="Verdana" pitchFamily="34" charset="0"/>
-                <a:ea typeface="굴림" charset="-127"/>
-              </a:rPr>
-              <a:t>velit</a:t>
-            </a:r>
-            <a:r>
-              <a:rPr lang="ru-RU" altLang="ko-KR" sz="2000" dirty="0">
-                <a:latin typeface="Verdana" pitchFamily="34" charset="0"/>
-                <a:ea typeface="굴림" charset="-127"/>
-              </a:rPr>
-              <a:t> </a:t>
-            </a:r>
-            <a:r>
-              <a:rPr lang="ru-RU" altLang="ko-KR" sz="2000" dirty="0" err="1">
-                <a:latin typeface="Verdana" pitchFamily="34" charset="0"/>
-                <a:ea typeface="굴림" charset="-127"/>
-              </a:rPr>
-              <a:t>esse</a:t>
-            </a:r>
-            <a:r>
-              <a:rPr lang="ru-RU" altLang="ko-KR" sz="2000" dirty="0">
-                <a:latin typeface="Verdana" pitchFamily="34" charset="0"/>
-                <a:ea typeface="굴림" charset="-127"/>
-              </a:rPr>
-              <a:t> </a:t>
-            </a:r>
-            <a:r>
-              <a:rPr lang="ru-RU" altLang="ko-KR" sz="2000" dirty="0" err="1">
-                <a:latin typeface="Verdana" pitchFamily="34" charset="0"/>
-                <a:ea typeface="굴림" charset="-127"/>
-              </a:rPr>
-              <a:t>molestie</a:t>
-            </a:r>
-            <a:r>
-              <a:rPr lang="ru-RU" altLang="ko-KR" sz="2000" dirty="0">
-                <a:latin typeface="Verdana" pitchFamily="34" charset="0"/>
-                <a:ea typeface="굴림" charset="-127"/>
-              </a:rPr>
-              <a:t> </a:t>
-            </a:r>
-            <a:r>
-              <a:rPr lang="ru-RU" altLang="ko-KR" sz="2000" dirty="0" err="1">
-                <a:latin typeface="Verdana" pitchFamily="34" charset="0"/>
-                <a:ea typeface="굴림" charset="-127"/>
-              </a:rPr>
-              <a:t>consequat</a:t>
-            </a:r>
-            <a:r>
-              <a:rPr lang="ru-RU" altLang="ko-KR" sz="2000" dirty="0">
-                <a:latin typeface="Verdana" pitchFamily="34" charset="0"/>
-                <a:ea typeface="굴림" charset="-127"/>
-              </a:rPr>
-              <a:t>, </a:t>
-            </a:r>
-            <a:r>
-              <a:rPr lang="ru-RU" altLang="ko-KR" sz="2000" dirty="0" err="1">
-                <a:latin typeface="Verdana" pitchFamily="34" charset="0"/>
-                <a:ea typeface="굴림" charset="-127"/>
-              </a:rPr>
-              <a:t>vel</a:t>
-            </a:r>
-            <a:r>
-              <a:rPr lang="ru-RU" altLang="ko-KR" sz="2000" dirty="0">
-                <a:latin typeface="Verdana" pitchFamily="34" charset="0"/>
-                <a:ea typeface="굴림" charset="-127"/>
-              </a:rPr>
-              <a:t> </a:t>
-            </a:r>
-            <a:r>
-              <a:rPr lang="ru-RU" altLang="ko-KR" sz="2000" dirty="0" err="1">
-                <a:latin typeface="Verdana" pitchFamily="34" charset="0"/>
-                <a:ea typeface="굴림" charset="-127"/>
-              </a:rPr>
-              <a:t>illum</a:t>
-            </a:r>
-            <a:r>
-              <a:rPr lang="ru-RU" altLang="ko-KR" sz="2000" dirty="0">
-                <a:latin typeface="Verdana" pitchFamily="34" charset="0"/>
-                <a:ea typeface="굴림" charset="-127"/>
-              </a:rPr>
-              <a:t> </a:t>
-            </a:r>
-            <a:r>
-              <a:rPr lang="ru-RU" altLang="ko-KR" sz="2000" dirty="0" err="1">
-                <a:latin typeface="Verdana" pitchFamily="34" charset="0"/>
-                <a:ea typeface="굴림" charset="-127"/>
-              </a:rPr>
-              <a:t>dolore</a:t>
-            </a:r>
-            <a:r>
-              <a:rPr lang="ru-RU" altLang="ko-KR" sz="2000" dirty="0">
-                <a:latin typeface="Verdana" pitchFamily="34" charset="0"/>
-                <a:ea typeface="굴림" charset="-127"/>
-              </a:rPr>
-              <a:t> </a:t>
-            </a:r>
-            <a:r>
-              <a:rPr lang="ru-RU" altLang="ko-KR" sz="2000" dirty="0" err="1">
-                <a:latin typeface="Verdana" pitchFamily="34" charset="0"/>
-                <a:ea typeface="굴림" charset="-127"/>
-              </a:rPr>
-              <a:t>eu</a:t>
-            </a:r>
-            <a:r>
-              <a:rPr lang="ru-RU" altLang="ko-KR" sz="2000" dirty="0">
-                <a:latin typeface="Verdana" pitchFamily="34" charset="0"/>
-                <a:ea typeface="굴림" charset="-127"/>
-              </a:rPr>
-              <a:t> </a:t>
-            </a:r>
-            <a:r>
-              <a:rPr lang="ru-RU" altLang="ko-KR" sz="2000" dirty="0" err="1">
-                <a:latin typeface="Verdana" pitchFamily="34" charset="0"/>
-                <a:ea typeface="굴림" charset="-127"/>
-              </a:rPr>
-              <a:t>feugiat</a:t>
-            </a:r>
-            <a:r>
-              <a:rPr lang="ru-RU" altLang="ko-KR" sz="2000" dirty="0">
-                <a:latin typeface="Verdana" pitchFamily="34" charset="0"/>
-                <a:ea typeface="굴림" charset="-127"/>
-              </a:rPr>
-              <a:t> </a:t>
-            </a:r>
-            <a:r>
-              <a:rPr lang="ru-RU" altLang="ko-KR" sz="2000" dirty="0" err="1">
-                <a:latin typeface="Verdana" pitchFamily="34" charset="0"/>
-                <a:ea typeface="굴림" charset="-127"/>
-              </a:rPr>
-              <a:t>nulla</a:t>
-            </a:r>
-            <a:r>
-              <a:rPr lang="ru-RU" altLang="ko-KR" sz="2000" dirty="0">
-                <a:latin typeface="Verdana" pitchFamily="34" charset="0"/>
-                <a:ea typeface="굴림" charset="-127"/>
-              </a:rPr>
-              <a:t> </a:t>
-            </a:r>
-            <a:r>
-              <a:rPr lang="ru-RU" altLang="ko-KR" sz="2000" dirty="0" err="1">
-                <a:latin typeface="Verdana" pitchFamily="34" charset="0"/>
-                <a:ea typeface="굴림" charset="-127"/>
-              </a:rPr>
-              <a:t>facilisis</a:t>
-            </a:r>
-            <a:r>
-              <a:rPr lang="ru-RU" altLang="ko-KR" sz="2000" dirty="0">
-                <a:latin typeface="Verdana" pitchFamily="34" charset="0"/>
-                <a:ea typeface="굴림" charset="-127"/>
-              </a:rPr>
-              <a:t> </a:t>
-            </a:r>
-            <a:r>
-              <a:rPr lang="ru-RU" altLang="ko-KR" sz="2000" dirty="0" err="1">
-                <a:latin typeface="Verdana" pitchFamily="34" charset="0"/>
-                <a:ea typeface="굴림" charset="-127"/>
-              </a:rPr>
-              <a:t>at</a:t>
-            </a:r>
-            <a:r>
-              <a:rPr lang="ru-RU" altLang="ko-KR" sz="2000" dirty="0">
-                <a:latin typeface="Verdana" pitchFamily="34" charset="0"/>
-                <a:ea typeface="굴림" charset="-127"/>
-              </a:rPr>
-              <a:t> </a:t>
-            </a:r>
-            <a:r>
-              <a:rPr lang="ru-RU" altLang="ko-KR" sz="2000" dirty="0" err="1">
-                <a:latin typeface="Verdana" pitchFamily="34" charset="0"/>
-                <a:ea typeface="굴림" charset="-127"/>
-              </a:rPr>
-              <a:t>vero</a:t>
-            </a:r>
-            <a:r>
-              <a:rPr lang="ru-RU" altLang="ko-KR" sz="2000" dirty="0">
-                <a:latin typeface="Verdana" pitchFamily="34" charset="0"/>
-                <a:ea typeface="굴림" charset="-127"/>
-              </a:rPr>
-              <a:t> </a:t>
-            </a:r>
-            <a:r>
-              <a:rPr lang="ru-RU" altLang="ko-KR" sz="2000" dirty="0" err="1">
-                <a:latin typeface="Verdana" pitchFamily="34" charset="0"/>
-                <a:ea typeface="굴림" charset="-127"/>
-              </a:rPr>
-              <a:t>eros</a:t>
-            </a:r>
-            <a:r>
-              <a:rPr lang="ru-RU" altLang="ko-KR" sz="2000" dirty="0">
-                <a:latin typeface="Verdana" pitchFamily="34" charset="0"/>
-                <a:ea typeface="굴림" charset="-127"/>
-              </a:rPr>
-              <a:t> </a:t>
-            </a:r>
-            <a:r>
-              <a:rPr lang="ru-RU" altLang="ko-KR" sz="2000" dirty="0" err="1">
-                <a:latin typeface="Verdana" pitchFamily="34" charset="0"/>
-                <a:ea typeface="굴림" charset="-127"/>
-              </a:rPr>
-              <a:t>et</a:t>
-            </a:r>
-            <a:r>
-              <a:rPr lang="ru-RU" altLang="ko-KR" sz="2000" dirty="0">
-                <a:latin typeface="Verdana" pitchFamily="34" charset="0"/>
-                <a:ea typeface="굴림" charset="-127"/>
-              </a:rPr>
-              <a:t> </a:t>
-            </a:r>
-            <a:r>
-              <a:rPr lang="ru-RU" altLang="ko-KR" sz="2000" dirty="0" err="1">
-                <a:latin typeface="Verdana" pitchFamily="34" charset="0"/>
-                <a:ea typeface="굴림" charset="-127"/>
-              </a:rPr>
-              <a:t>accumsan</a:t>
-            </a:r>
-            <a:r>
-              <a:rPr lang="ru-RU" altLang="ko-KR" sz="2000" dirty="0">
-                <a:latin typeface="Verdana" pitchFamily="34" charset="0"/>
-                <a:ea typeface="굴림" charset="-127"/>
-              </a:rPr>
-              <a:t> </a:t>
-            </a:r>
-            <a:r>
-              <a:rPr lang="ru-RU" altLang="ko-KR" sz="2000" dirty="0" err="1">
-                <a:latin typeface="Verdana" pitchFamily="34" charset="0"/>
-                <a:ea typeface="굴림" charset="-127"/>
-              </a:rPr>
-              <a:t>et</a:t>
-            </a:r>
-            <a:r>
-              <a:rPr lang="ru-RU" altLang="ko-KR" sz="2000" dirty="0">
-                <a:latin typeface="Verdana" pitchFamily="34" charset="0"/>
-                <a:ea typeface="굴림" charset="-127"/>
-              </a:rPr>
-              <a:t> </a:t>
-            </a:r>
-            <a:r>
-              <a:rPr lang="ru-RU" altLang="ko-KR" sz="2000" dirty="0" err="1">
-                <a:latin typeface="Verdana" pitchFamily="34" charset="0"/>
-                <a:ea typeface="굴림" charset="-127"/>
-              </a:rPr>
-              <a:t>iusto</a:t>
-            </a:r>
-            <a:r>
-              <a:rPr lang="ru-RU" altLang="ko-KR" sz="2000" dirty="0">
-                <a:latin typeface="Verdana" pitchFamily="34" charset="0"/>
-                <a:ea typeface="굴림" charset="-127"/>
-              </a:rPr>
-              <a:t> </a:t>
-            </a:r>
-            <a:r>
-              <a:rPr lang="ru-RU" altLang="ko-KR" sz="2000" dirty="0" err="1">
-                <a:latin typeface="Verdana" pitchFamily="34" charset="0"/>
-                <a:ea typeface="굴림" charset="-127"/>
-              </a:rPr>
-              <a:t>odio</a:t>
-            </a:r>
-            <a:r>
-              <a:rPr lang="ru-RU" altLang="ko-KR" sz="2000" dirty="0">
-                <a:latin typeface="Verdana" pitchFamily="34" charset="0"/>
-                <a:ea typeface="굴림" charset="-127"/>
-              </a:rPr>
-              <a:t> </a:t>
-            </a:r>
-            <a:r>
-              <a:rPr lang="ru-RU" altLang="ko-KR" sz="2000" dirty="0" err="1">
-                <a:latin typeface="Verdana" pitchFamily="34" charset="0"/>
-                <a:ea typeface="굴림" charset="-127"/>
-              </a:rPr>
-              <a:t>dignissim</a:t>
-            </a:r>
-            <a:r>
-              <a:rPr lang="ru-RU" altLang="ko-KR" sz="2000" dirty="0">
-                <a:latin typeface="Verdana" pitchFamily="34" charset="0"/>
-                <a:ea typeface="굴림" charset="-127"/>
-              </a:rPr>
-              <a:t> </a:t>
-            </a:r>
-            <a:r>
-              <a:rPr lang="ru-RU" altLang="ko-KR" sz="2000" dirty="0" err="1">
-                <a:latin typeface="Verdana" pitchFamily="34" charset="0"/>
-                <a:ea typeface="굴림" charset="-127"/>
-              </a:rPr>
-              <a:t>qui</a:t>
-            </a:r>
-            <a:r>
-              <a:rPr lang="ru-RU" altLang="ko-KR" sz="2000" dirty="0">
-                <a:latin typeface="Verdana" pitchFamily="34" charset="0"/>
-                <a:ea typeface="굴림" charset="-127"/>
-              </a:rPr>
-              <a:t> </a:t>
-            </a:r>
-            <a:r>
-              <a:rPr lang="ru-RU" altLang="ko-KR" sz="2000" dirty="0" err="1">
-                <a:latin typeface="Verdana" pitchFamily="34" charset="0"/>
-                <a:ea typeface="굴림" charset="-127"/>
-              </a:rPr>
-              <a:t>blandit</a:t>
-            </a:r>
-            <a:r>
-              <a:rPr lang="ru-RU" altLang="ko-KR" sz="2000" dirty="0">
-                <a:latin typeface="Verdana" pitchFamily="34" charset="0"/>
-                <a:ea typeface="굴림" charset="-127"/>
-              </a:rPr>
-              <a:t> </a:t>
-            </a:r>
-            <a:r>
-              <a:rPr lang="ru-RU" altLang="ko-KR" sz="2000" dirty="0" err="1">
-                <a:latin typeface="Verdana" pitchFamily="34" charset="0"/>
-                <a:ea typeface="굴림" charset="-127"/>
-              </a:rPr>
-              <a:t>praesent</a:t>
-            </a:r>
-            <a:r>
-              <a:rPr lang="ru-RU" altLang="ko-KR" sz="2000" dirty="0">
-                <a:latin typeface="Verdana" pitchFamily="34" charset="0"/>
-                <a:ea typeface="굴림" charset="-127"/>
-              </a:rPr>
-              <a:t> </a:t>
-            </a:r>
-            <a:r>
-              <a:rPr lang="ru-RU" altLang="ko-KR" sz="2000" dirty="0" err="1">
-                <a:latin typeface="Verdana" pitchFamily="34" charset="0"/>
-                <a:ea typeface="굴림" charset="-127"/>
-              </a:rPr>
-              <a:t>luptatum</a:t>
-            </a:r>
-            <a:r>
-              <a:rPr lang="ru-RU" altLang="ko-KR" sz="2000" dirty="0">
-                <a:latin typeface="Verdana" pitchFamily="34" charset="0"/>
-                <a:ea typeface="굴림" charset="-127"/>
-              </a:rPr>
-              <a:t> </a:t>
-            </a:r>
-            <a:r>
-              <a:rPr lang="ru-RU" altLang="ko-KR" sz="2000" dirty="0" err="1">
-                <a:latin typeface="Verdana" pitchFamily="34" charset="0"/>
-                <a:ea typeface="굴림" charset="-127"/>
-              </a:rPr>
-              <a:t>zzril</a:t>
-            </a:r>
-            <a:r>
-              <a:rPr lang="ru-RU" altLang="ko-KR" sz="2000" dirty="0">
-                <a:latin typeface="Verdana" pitchFamily="34" charset="0"/>
-                <a:ea typeface="굴림" charset="-127"/>
-              </a:rPr>
-              <a:t> </a:t>
-            </a:r>
-            <a:r>
-              <a:rPr lang="ru-RU" altLang="ko-KR" sz="2000" dirty="0" err="1">
-                <a:latin typeface="Verdana" pitchFamily="34" charset="0"/>
-                <a:ea typeface="굴림" charset="-127"/>
-              </a:rPr>
-              <a:t>delenit</a:t>
-            </a:r>
-            <a:r>
-              <a:rPr lang="ru-RU" altLang="ko-KR" sz="2000" dirty="0">
-                <a:latin typeface="Verdana" pitchFamily="34" charset="0"/>
-                <a:ea typeface="굴림" charset="-127"/>
-              </a:rPr>
-              <a:t> </a:t>
-            </a:r>
-            <a:r>
-              <a:rPr lang="ru-RU" altLang="ko-KR" sz="2000" dirty="0" err="1">
-                <a:latin typeface="Verdana" pitchFamily="34" charset="0"/>
-                <a:ea typeface="굴림" charset="-127"/>
-              </a:rPr>
-              <a:t>augue</a:t>
-            </a:r>
-            <a:r>
-              <a:rPr lang="ru-RU" altLang="ko-KR" sz="2000" dirty="0">
-                <a:latin typeface="Verdana" pitchFamily="34" charset="0"/>
-                <a:ea typeface="굴림" charset="-127"/>
-              </a:rPr>
-              <a:t> </a:t>
-            </a:r>
-            <a:r>
-              <a:rPr lang="ru-RU" altLang="ko-KR" sz="2000" dirty="0" err="1">
-                <a:latin typeface="Verdana" pitchFamily="34" charset="0"/>
-                <a:ea typeface="굴림" charset="-127"/>
-              </a:rPr>
-              <a:t>duis</a:t>
-            </a:r>
-            <a:r>
-              <a:rPr lang="ru-RU" altLang="ko-KR" sz="2000" dirty="0">
-                <a:latin typeface="Verdana" pitchFamily="34" charset="0"/>
-                <a:ea typeface="굴림" charset="-127"/>
-              </a:rPr>
-              <a:t> </a:t>
-            </a:r>
-            <a:r>
-              <a:rPr lang="ru-RU" altLang="ko-KR" sz="2000" dirty="0" err="1">
-                <a:latin typeface="Verdana" pitchFamily="34" charset="0"/>
-                <a:ea typeface="굴림" charset="-127"/>
-              </a:rPr>
-              <a:t>dolore</a:t>
-            </a:r>
-            <a:r>
-              <a:rPr lang="ru-RU" altLang="ko-KR" sz="2000" dirty="0">
-                <a:latin typeface="Verdana" pitchFamily="34" charset="0"/>
-                <a:ea typeface="굴림" charset="-127"/>
-              </a:rPr>
-              <a:t> </a:t>
-            </a:r>
-            <a:r>
-              <a:rPr lang="ru-RU" altLang="ko-KR" sz="2000" dirty="0" err="1">
-                <a:latin typeface="Verdana" pitchFamily="34" charset="0"/>
-                <a:ea typeface="굴림" charset="-127"/>
-              </a:rPr>
-              <a:t>te</a:t>
-            </a:r>
-            <a:r>
-              <a:rPr lang="ru-RU" altLang="ko-KR" sz="2000" dirty="0">
-                <a:latin typeface="Verdana" pitchFamily="34" charset="0"/>
-                <a:ea typeface="굴림" charset="-127"/>
-              </a:rPr>
-              <a:t> </a:t>
-            </a:r>
-            <a:r>
-              <a:rPr lang="ru-RU" altLang="ko-KR" sz="2000" dirty="0" err="1">
-                <a:latin typeface="Verdana" pitchFamily="34" charset="0"/>
-                <a:ea typeface="굴림" charset="-127"/>
-              </a:rPr>
-              <a:t>feugait</a:t>
-            </a:r>
-            <a:r>
-              <a:rPr lang="ru-RU" altLang="ko-KR" sz="2000" dirty="0">
-                <a:latin typeface="Verdana" pitchFamily="34" charset="0"/>
-                <a:ea typeface="굴림" charset="-127"/>
-              </a:rPr>
-              <a:t> </a:t>
-            </a:r>
-            <a:r>
-              <a:rPr lang="ru-RU" altLang="ko-KR" sz="2000" dirty="0" err="1">
-                <a:latin typeface="Verdana" pitchFamily="34" charset="0"/>
-                <a:ea typeface="굴림" charset="-127"/>
-              </a:rPr>
-              <a:t>nulla</a:t>
-            </a:r>
-            <a:r>
-              <a:rPr lang="ru-RU" altLang="ko-KR" sz="2000" dirty="0">
-                <a:latin typeface="Verdana" pitchFamily="34" charset="0"/>
-                <a:ea typeface="굴림" charset="-127"/>
-              </a:rPr>
-              <a:t> </a:t>
-            </a:r>
-            <a:r>
-              <a:rPr lang="ru-RU" altLang="ko-KR" sz="2000" dirty="0" err="1">
-                <a:latin typeface="Verdana" pitchFamily="34" charset="0"/>
-                <a:ea typeface="굴림" charset="-127"/>
-              </a:rPr>
-              <a:t>facilisi</a:t>
-            </a:r>
-            <a:r>
-              <a:rPr lang="ru-RU" altLang="ko-KR" sz="2000" dirty="0">
-                <a:latin typeface="Verdana" pitchFamily="34" charset="0"/>
-                <a:ea typeface="굴림" charset="-127"/>
-              </a:rPr>
-              <a:t>. </a:t>
-            </a:r>
-            <a:endParaRPr lang="uk-UA" sz="2000" dirty="0"/>
-          </a:p>
-        </p:txBody>
-      </p:sp>
-    </p:spTree>
-    <p:extLst>
-      <p:ext uri="{BB962C8B-B14F-4D97-AF65-F5344CB8AC3E}">
-        <p14:creationId xmlns:p14="http://schemas.microsoft.com/office/powerpoint/2010/main" val="3736009940"/>
-      </p:ext>
-    </p:extLst>
-  </p:cSld>
-  <p:clrMapOvr>
-    <a:masterClrMapping/>
-  </p:clrMapOvr>
-  <mc:AlternateContent xmlns:mc="http://schemas.openxmlformats.org/markup-compatibility/2006" xmlns:p14="http://schemas.microsoft.com/office/powerpoint/2010/main">
-    <mc:Choice Requires="p14">
-      <p:transition spd="slow" p14:dur="1200">
-        <p14:prism/>
-      </p:transition>
-    </mc:Choice>
-    <mc:Fallback xmlns="">
-      <p:transition spd="slow">
-        <p:fade/>
-      </p:transition>
-    </mc:Fallback>
-  </mc:AlternateContent>
-</p:sld>
-</file>
-
-<file path=ppt/slides/slide8.xml><?xml version="1.0" encoding="utf-8"?>
-<p:sld xmlns:a="http://schemas.openxmlformats.org/drawingml/2006/main" xmlns:r="http://schemas.openxmlformats.org/officeDocument/2006/relationships" xmlns:p="http://schemas.openxmlformats.org/presentationml/2006/main">
-  <p:cSld>
-    <p:spTree>
-      <p:nvGrpSpPr>
-        <p:cNvPr id="1" name=""/>
-        <p:cNvGrpSpPr/>
-        <p:nvPr/>
-      </p:nvGrpSpPr>
-      <p:grpSpPr>
-        <a:xfrm>
-          <a:off x="0" y="0"/>
-          <a:ext cx="0" cy="0"/>
-          <a:chOff x="0" y="0"/>
-          <a:chExt cx="0" cy="0"/>
-        </a:xfrm>
-      </p:grpSpPr>
-      <p:sp>
-        <p:nvSpPr>
-          <p:cNvPr id="2" name="כותרת 1">
-            <a:extLst>
-              <a:ext uri="{FF2B5EF4-FFF2-40B4-BE49-F238E27FC236}">
-                <a16:creationId xmlns:a16="http://schemas.microsoft.com/office/drawing/2014/main" id="{99B437A8-8691-6220-519F-27EA20E1EEDE}"/>
-              </a:ext>
-            </a:extLst>
-          </p:cNvPr>
-          <p:cNvSpPr>
-            <a:spLocks noGrp="1"/>
-          </p:cNvSpPr>
-          <p:nvPr>
-            <p:ph type="title"/>
-          </p:nvPr>
-        </p:nvSpPr>
-        <p:spPr/>
-        <p:txBody>
-          <a:bodyPr/>
-          <a:lstStyle/>
-          <a:p>
-            <a:r>
-              <a:rPr lang="he-IL" dirty="0"/>
-              <a:t> </a:t>
-            </a:r>
-          </a:p>
-        </p:txBody>
-      </p:sp>
-      <p:sp>
-        <p:nvSpPr>
-          <p:cNvPr id="4" name="Title 1">
-            <a:extLst>
-              <a:ext uri="{FF2B5EF4-FFF2-40B4-BE49-F238E27FC236}">
-                <a16:creationId xmlns:a16="http://schemas.microsoft.com/office/drawing/2014/main" id="{0A8AE8B9-C67A-C0F3-963F-3FAFA2725EA9}"/>
+                <a16:creationId xmlns:a16="http://schemas.microsoft.com/office/drawing/2014/main" id="{C96C3533-51F7-1DDB-DED5-1B3A5871A464}"/>
               </a:ext>
             </a:extLst>
           </p:cNvPr>
@@ -7309,7 +8205,7 @@
         </p:nvSpPr>
         <p:spPr bwMode="auto">
           <a:xfrm>
-            <a:off x="2207568" y="3068960"/>
+            <a:off x="2059813" y="1844824"/>
             <a:ext cx="8072374" cy="953162"/>
           </a:xfrm>
           <a:prstGeom prst="rect">
@@ -7472,18 +8368,12 @@
               </a:lnSpc>
             </a:pPr>
             <a:r>
-              <a:rPr lang="he-IL" sz="5400" b="1" dirty="0">
+              <a:rPr lang="he-IL" sz="5400" b="1" kern="0" dirty="0">
                 <a:latin typeface="Aharoni" panose="02010803020104030203" pitchFamily="2" charset="-79"/>
-                <a:ea typeface="+mj-ea"/>
                 <a:cs typeface="Aharoni" panose="02010803020104030203" pitchFamily="2" charset="-79"/>
               </a:rPr>
-              <a:t>שאלה 3: האם קיים קשר בין כמות המחבלים באירוע לכמות הנפגעים?</a:t>
-            </a:r>
-            <a:endParaRPr lang="en-US" sz="5400" b="1" dirty="0">
-              <a:latin typeface="Aharoni" panose="02010803020104030203" pitchFamily="2" charset="-79"/>
-              <a:ea typeface="+mj-ea"/>
-              <a:cs typeface="Aharoni" panose="02010803020104030203" pitchFamily="2" charset="-79"/>
-            </a:endParaRPr>
+              <a:t>שאלה 2</a:t>
+            </a:r>
           </a:p>
           <a:p>
             <a:pPr algn="ctr" rtl="1">
@@ -7491,6 +8381,20 @@
                 <a:spcPct val="90000"/>
               </a:lnSpc>
             </a:pPr>
+            <a:r>
+              <a:rPr lang="he-IL" sz="5400" b="1" kern="0" dirty="0">
+                <a:latin typeface="Aharoni" panose="02010803020104030203" pitchFamily="2" charset="-79"/>
+                <a:cs typeface="Aharoni" panose="02010803020104030203" pitchFamily="2" charset="-79"/>
+              </a:rPr>
+              <a:t> </a:t>
+            </a:r>
+            <a:r>
+              <a:rPr lang="he-IL" sz="3600" b="1" dirty="0">
+                <a:latin typeface="Aharoni" panose="02010803020104030203" pitchFamily="2" charset="-79"/>
+                <a:cs typeface="Aharoni" panose="02010803020104030203" pitchFamily="2" charset="-79"/>
+              </a:rPr>
+              <a:t>אילו קטגוריות נשק אחראיות למספר הגבוה ביותר של פצועים והרוגים ביחס לכמות שימושם?</a:t>
+            </a:r>
             <a:endParaRPr lang="en-IL" sz="5400" b="1" kern="0" dirty="0">
               <a:latin typeface="Aharoni" panose="02010803020104030203" pitchFamily="2" charset="-79"/>
               <a:cs typeface="Aharoni" panose="02010803020104030203" pitchFamily="2" charset="-79"/>
@@ -7498,10 +8402,72 @@
           </a:p>
         </p:txBody>
       </p:sp>
+      <p:pic>
+        <p:nvPicPr>
+          <p:cNvPr id="5" name="תמונה 4">
+            <a:extLst>
+              <a:ext uri="{FF2B5EF4-FFF2-40B4-BE49-F238E27FC236}">
+                <a16:creationId xmlns:a16="http://schemas.microsoft.com/office/drawing/2014/main" id="{09B18F3C-661B-1067-B5D6-E4DB3FF08B5B}"/>
+              </a:ext>
+            </a:extLst>
+          </p:cNvPr>
+          <p:cNvPicPr>
+            <a:picLocks noChangeAspect="1"/>
+          </p:cNvPicPr>
+          <p:nvPr/>
+        </p:nvPicPr>
+        <p:blipFill>
+          <a:blip r:embed="rId2">
+            <a:extLst>
+              <a:ext uri="{BEBA8EAE-BF5A-486C-A8C5-ECC9F3942E4B}">
+                <a14:imgProps xmlns:a14="http://schemas.microsoft.com/office/drawing/2010/main">
+                  <a14:imgLayer r:embed="rId3">
+                    <a14:imgEffect>
+                      <a14:backgroundRemoval t="1423" b="89858" l="9695" r="96813">
+                        <a14:foregroundMark x1="92297" y1="56940" x2="92297" y2="56940"/>
+                        <a14:foregroundMark x1="90837" y1="36833" x2="90837" y2="36833"/>
+                        <a14:foregroundMark x1="93227" y1="24911" x2="93227" y2="24911"/>
+                        <a14:foregroundMark x1="96813" y1="21352" x2="96813" y2="21352"/>
+                        <a14:foregroundMark x1="94290" y1="8363" x2="94290" y2="8363"/>
+                        <a14:foregroundMark x1="89907" y1="12811" x2="89907" y2="12811"/>
+                        <a14:foregroundMark x1="83400" y1="2313" x2="83400" y2="2313"/>
+                        <a14:foregroundMark x1="74900" y1="1779" x2="74900" y2="1779"/>
+                        <a14:foregroundMark x1="66401" y1="19217" x2="66401" y2="19217"/>
+                        <a14:foregroundMark x1="55246" y1="3737" x2="55246" y2="3737"/>
+                        <a14:foregroundMark x1="48606" y1="11032" x2="48606" y2="11032"/>
+                        <a14:foregroundMark x1="40372" y1="6762" x2="40372" y2="6762"/>
+                        <a14:foregroundMark x1="31740" y1="1423" x2="31740" y2="1423"/>
+                        <a14:foregroundMark x1="19256" y1="8007" x2="19256" y2="8007"/>
+                        <a14:foregroundMark x1="40505" y1="45730" x2="40505" y2="45730"/>
+                        <a14:foregroundMark x1="40505" y1="45730" x2="40505" y2="45730"/>
+                        <a14:foregroundMark x1="22576" y1="22242" x2="22576" y2="22242"/>
+                        <a14:foregroundMark x1="14608" y1="22420" x2="14608" y2="22420"/>
+                        <a14:foregroundMark x1="14475" y1="35231" x2="14475" y2="35231"/>
+                      </a14:backgroundRemoval>
+                    </a14:imgEffect>
+                  </a14:imgLayer>
+                </a14:imgProps>
+              </a:ext>
+            </a:extLst>
+          </a:blip>
+          <a:stretch>
+            <a:fillRect/>
+          </a:stretch>
+        </p:blipFill>
+        <p:spPr>
+          <a:xfrm>
+            <a:off x="2639616" y="3394112"/>
+            <a:ext cx="6408712" cy="4783129"/>
+          </a:xfrm>
+          <a:prstGeom prst="rect">
+            <a:avLst/>
+          </a:prstGeom>
+        </p:spPr>
+      </p:pic>
     </p:spTree>
     <p:extLst>
       <p:ext uri="{BB962C8B-B14F-4D97-AF65-F5344CB8AC3E}">
-        <p14:creationId xmlns:p14="http://schemas.microsoft.com/office/powerpoint/2010/main" val="1878040162"/>
+        <p14:creationId xmlns:p14="http://schemas.microsoft.com/office/powerpoint/2010/main" val="1737903024"/>
       </p:ext>
     </p:extLst>
   </p:cSld>
@@ -7523,12 +8489,18 @@
 </p:sld>
 </file>
 
-<file path=ppt/slides/slide9.xml><?xml version="1.0" encoding="utf-8"?>
+<file path=ppt/slides/slide8.xml><?xml version="1.0" encoding="utf-8"?>
 <p:sld xmlns:a="http://schemas.openxmlformats.org/drawingml/2006/main" xmlns:r="http://schemas.openxmlformats.org/officeDocument/2006/relationships" xmlns:p="http://schemas.openxmlformats.org/presentationml/2006/main">
   <p:cSld>
     <p:spTree>
       <p:nvGrpSpPr>
-        <p:cNvPr id="1" name=""/>
+        <p:cNvPr id="1" name="">
+          <a:extLst>
+            <a:ext uri="{FF2B5EF4-FFF2-40B4-BE49-F238E27FC236}">
+              <a16:creationId xmlns:a16="http://schemas.microsoft.com/office/drawing/2014/main" id="{A8D9FEB2-4E6D-42F1-31F7-008861A564F2}"/>
+            </a:ext>
+          </a:extLst>
+        </p:cNvPr>
         <p:cNvGrpSpPr/>
         <p:nvPr/>
       </p:nvGrpSpPr>
@@ -7540,228 +8512,43 @@
           <a:chExt cx="0" cy="0"/>
         </a:xfrm>
       </p:grpSpPr>
-      <p:pic>
-        <p:nvPicPr>
-          <p:cNvPr id="7" name="תמונה 6">
+      <p:sp>
+        <p:nvSpPr>
+          <p:cNvPr id="9" name="Title 1">
             <a:extLst>
               <a:ext uri="{FF2B5EF4-FFF2-40B4-BE49-F238E27FC236}">
-                <a16:creationId xmlns:a16="http://schemas.microsoft.com/office/drawing/2014/main" id="{FC45F1B8-C42C-7C55-9E4E-B0E9BFD528A5}"/>
+                <a16:creationId xmlns:a16="http://schemas.microsoft.com/office/drawing/2014/main" id="{9B551BF1-ACCE-F2E6-7DAC-B1055EB411E7}"/>
               </a:ext>
             </a:extLst>
           </p:cNvPr>
-          <p:cNvPicPr>
-            <a:picLocks noChangeAspect="1"/>
-          </p:cNvPicPr>
-          <p:nvPr/>
-        </p:nvPicPr>
-        <p:blipFill>
-          <a:blip r:embed="rId2"/>
-          <a:stretch>
-            <a:fillRect/>
-          </a:stretch>
-        </p:blipFill>
+          <p:cNvSpPr>
+            <a:spLocks noGrp="1"/>
+          </p:cNvSpPr>
+          <p:nvPr>
+            <p:ph type="title"/>
+          </p:nvPr>
+        </p:nvSpPr>
         <p:spPr>
           <a:xfrm>
-            <a:off x="988377" y="980728"/>
-            <a:ext cx="5325637" cy="4464496"/>
-          </a:xfrm>
-          <a:prstGeom prst="rect">
-            <a:avLst/>
-          </a:prstGeom>
-          <a:ln>
-            <a:noFill/>
-          </a:ln>
-          <a:effectLst>
-            <a:outerShdw blurRad="292100" dist="139700" dir="2700000" algn="tl" rotWithShape="0">
-              <a:srgbClr val="333333">
-                <a:alpha val="65000"/>
-              </a:srgbClr>
-            </a:outerShdw>
-          </a:effectLst>
-        </p:spPr>
-      </p:pic>
-      <p:sp>
-        <p:nvSpPr>
-          <p:cNvPr id="4" name="Title 1">
-            <a:extLst>
-              <a:ext uri="{FF2B5EF4-FFF2-40B4-BE49-F238E27FC236}">
-                <a16:creationId xmlns:a16="http://schemas.microsoft.com/office/drawing/2014/main" id="{64D3F46B-2B59-3BB6-5644-A4B8AC5E812A}"/>
-              </a:ext>
-            </a:extLst>
-          </p:cNvPr>
-          <p:cNvSpPr txBox="1">
-            <a:spLocks/>
-          </p:cNvSpPr>
-          <p:nvPr/>
-        </p:nvSpPr>
-        <p:spPr bwMode="auto">
-          <a:xfrm>
-            <a:off x="8828837" y="775264"/>
+            <a:off x="9336360" y="209806"/>
             <a:ext cx="2372868" cy="895975"/>
           </a:xfrm>
-          <a:prstGeom prst="rect">
-            <a:avLst/>
-          </a:prstGeom>
-          <a:noFill/>
-          <a:ln w="9525">
-            <a:noFill/>
-            <a:miter lim="800000"/>
-            <a:headEnd/>
-            <a:tailEnd/>
-          </a:ln>
-          <a:effectLst>
-            <a:outerShdw dist="17961" dir="2700000" algn="ctr" rotWithShape="0">
-              <a:schemeClr val="bg1"/>
-            </a:outerShdw>
-          </a:effectLst>
         </p:spPr>
         <p:txBody>
-          <a:bodyPr vert="horz" wrap="square" lIns="91440" tIns="45720" rIns="91440" bIns="45720" numCol="1" anchor="t" anchorCtr="0" compatLnSpc="1">
-            <a:prstTxWarp prst="textNoShape">
-              <a:avLst/>
-            </a:prstTxWarp>
-            <a:normAutofit fontScale="90000" lnSpcReduction="10000"/>
+          <a:bodyPr>
+            <a:normAutofit fontScale="90000"/>
           </a:bodyPr>
-          <a:lstStyle>
-            <a:lvl1pPr algn="l" rtl="0" fontAlgn="base">
-              <a:spcBef>
-                <a:spcPct val="0"/>
-              </a:spcBef>
-              <a:spcAft>
-                <a:spcPct val="0"/>
-              </a:spcAft>
-              <a:defRPr sz="4000" b="1" cap="all">
-                <a:solidFill>
-                  <a:schemeClr val="tx2"/>
-                </a:solidFill>
-                <a:latin typeface="+mj-lt"/>
-                <a:ea typeface="+mj-ea"/>
-                <a:cs typeface="+mj-cs"/>
-              </a:defRPr>
-            </a:lvl1pPr>
-            <a:lvl2pPr algn="l" rtl="0" fontAlgn="base">
-              <a:spcBef>
-                <a:spcPct val="0"/>
-              </a:spcBef>
-              <a:spcAft>
-                <a:spcPct val="0"/>
-              </a:spcAft>
-              <a:defRPr sz="3200">
-                <a:solidFill>
-                  <a:schemeClr val="tx2"/>
-                </a:solidFill>
-                <a:latin typeface="Arial" charset="0"/>
-              </a:defRPr>
-            </a:lvl2pPr>
-            <a:lvl3pPr algn="l" rtl="0" fontAlgn="base">
-              <a:spcBef>
-                <a:spcPct val="0"/>
-              </a:spcBef>
-              <a:spcAft>
-                <a:spcPct val="0"/>
-              </a:spcAft>
-              <a:defRPr sz="3200">
-                <a:solidFill>
-                  <a:schemeClr val="tx2"/>
-                </a:solidFill>
-                <a:latin typeface="Arial" charset="0"/>
-              </a:defRPr>
-            </a:lvl3pPr>
-            <a:lvl4pPr algn="l" rtl="0" fontAlgn="base">
-              <a:spcBef>
-                <a:spcPct val="0"/>
-              </a:spcBef>
-              <a:spcAft>
-                <a:spcPct val="0"/>
-              </a:spcAft>
-              <a:defRPr sz="3200">
-                <a:solidFill>
-                  <a:schemeClr val="tx2"/>
-                </a:solidFill>
-                <a:latin typeface="Arial" charset="0"/>
-              </a:defRPr>
-            </a:lvl4pPr>
-            <a:lvl5pPr algn="l" rtl="0" fontAlgn="base">
-              <a:spcBef>
-                <a:spcPct val="0"/>
-              </a:spcBef>
-              <a:spcAft>
-                <a:spcPct val="0"/>
-              </a:spcAft>
-              <a:defRPr sz="3200">
-                <a:solidFill>
-                  <a:schemeClr val="tx2"/>
-                </a:solidFill>
-                <a:latin typeface="Arial" charset="0"/>
-              </a:defRPr>
-            </a:lvl5pPr>
-            <a:lvl6pPr marL="457200" algn="l" rtl="0" fontAlgn="base">
-              <a:spcBef>
-                <a:spcPct val="0"/>
-              </a:spcBef>
-              <a:spcAft>
-                <a:spcPct val="0"/>
-              </a:spcAft>
-              <a:defRPr sz="3200">
-                <a:solidFill>
-                  <a:schemeClr val="tx2"/>
-                </a:solidFill>
-                <a:latin typeface="Arial" charset="0"/>
-              </a:defRPr>
-            </a:lvl6pPr>
-            <a:lvl7pPr marL="914400" algn="l" rtl="0" fontAlgn="base">
-              <a:spcBef>
-                <a:spcPct val="0"/>
-              </a:spcBef>
-              <a:spcAft>
-                <a:spcPct val="0"/>
-              </a:spcAft>
-              <a:defRPr sz="3200">
-                <a:solidFill>
-                  <a:schemeClr val="tx2"/>
-                </a:solidFill>
-                <a:latin typeface="Arial" charset="0"/>
-              </a:defRPr>
-            </a:lvl7pPr>
-            <a:lvl8pPr marL="1371600" algn="l" rtl="0" fontAlgn="base">
-              <a:spcBef>
-                <a:spcPct val="0"/>
-              </a:spcBef>
-              <a:spcAft>
-                <a:spcPct val="0"/>
-              </a:spcAft>
-              <a:defRPr sz="3200">
-                <a:solidFill>
-                  <a:schemeClr val="tx2"/>
-                </a:solidFill>
-                <a:latin typeface="Arial" charset="0"/>
-              </a:defRPr>
-            </a:lvl8pPr>
-            <a:lvl9pPr marL="1828800" algn="l" rtl="0" fontAlgn="base">
-              <a:spcBef>
-                <a:spcPct val="0"/>
-              </a:spcBef>
-              <a:spcAft>
-                <a:spcPct val="0"/>
-              </a:spcAft>
-              <a:defRPr sz="3200">
-                <a:solidFill>
-                  <a:schemeClr val="tx2"/>
-                </a:solidFill>
-                <a:latin typeface="Arial" charset="0"/>
-              </a:defRPr>
-            </a:lvl9pPr>
-          </a:lstStyle>
+          <a:lstStyle/>
           <a:p>
             <a:pPr algn="r" rtl="1"/>
             <a:r>
-              <a:rPr lang="he-IL" sz="6000" kern="0">
+              <a:rPr lang="he-IL" sz="6000" dirty="0">
                 <a:latin typeface="Aharoni" panose="02010803020104030203" pitchFamily="2" charset="-79"/>
                 <a:cs typeface="Aharoni" panose="02010803020104030203" pitchFamily="2" charset="-79"/>
               </a:rPr>
               <a:t>חלופה 1</a:t>
             </a:r>
-            <a:endParaRPr lang="en-IL" sz="6000" kern="0" dirty="0">
+            <a:endParaRPr lang="en-IL" sz="6000" dirty="0">
               <a:latin typeface="Aharoni" panose="02010803020104030203" pitchFamily="2" charset="-79"/>
               <a:cs typeface="Aharoni" panose="02010803020104030203" pitchFamily="2" charset="-79"/>
             </a:endParaRPr>
@@ -7770,10 +8557,10 @@
       </p:sp>
       <p:sp>
         <p:nvSpPr>
-          <p:cNvPr id="5" name="TextBox 5">
+          <p:cNvPr id="11" name="TextBox 5">
             <a:extLst>
               <a:ext uri="{FF2B5EF4-FFF2-40B4-BE49-F238E27FC236}">
-                <a16:creationId xmlns:a16="http://schemas.microsoft.com/office/drawing/2014/main" id="{1D1D39FD-6945-E9F1-C658-E70861C72C06}"/>
+                <a16:creationId xmlns:a16="http://schemas.microsoft.com/office/drawing/2014/main" id="{036FE8B1-59E9-796D-965C-83ABDA857311}"/>
               </a:ext>
             </a:extLst>
           </p:cNvPr>
@@ -7782,8 +8569,8 @@
         </p:nvSpPr>
         <p:spPr>
           <a:xfrm>
-            <a:off x="6528048" y="2348880"/>
-            <a:ext cx="4849818" cy="2985433"/>
+            <a:off x="7370307" y="1196765"/>
+            <a:ext cx="4606985" cy="4154984"/>
           </a:xfrm>
           <a:prstGeom prst="rect">
             <a:avLst/>
@@ -7818,13 +8605,30 @@
               <a:buChar char="ü"/>
             </a:pPr>
             <a:r>
-              <a:rPr lang="he-IL" sz="2200" dirty="0">
+              <a:rPr lang="he-IL" sz="1800" dirty="0">
+                <a:effectLst/>
                 <a:latin typeface="Aharoni" panose="02010803020104030203" pitchFamily="2" charset="-79"/>
+                <a:ea typeface="Batang" panose="02030600000101010101" pitchFamily="18" charset="-127"/>
                 <a:cs typeface="Aharoni" panose="02010803020104030203" pitchFamily="2" charset="-79"/>
               </a:rPr>
-              <a:t>קלה לקריאה ומהירה להבנה: ניתן להבין בקלות אילו משתנים קשורים אחד לשני בעוצמה חזקה או חלשה</a:t>
-            </a:r>
-            <a:endParaRPr lang="he-IL" sz="2000" dirty="0">
+              <a:t>מאפשר קריאה והשוואה פשוטה של כמות ההרוגים והפצועים בין הקטגוריות בצורה מובנית וברורה.</a:t>
+            </a:r>
+          </a:p>
+          <a:p>
+            <a:pPr marL="285750" indent="-285750" algn="r" defTabSz="914400" rtl="1" eaLnBrk="1" latinLnBrk="0" hangingPunct="1">
+              <a:buFont typeface="Wingdings" pitchFamily="2" charset="2"/>
+              <a:buChar char="ü"/>
+            </a:pPr>
+            <a:r>
+              <a:rPr lang="he-IL" dirty="0">
+                <a:effectLst/>
+                <a:latin typeface="Aharoni" panose="02010803020104030203" pitchFamily="2" charset="-79"/>
+                <a:ea typeface="Batang" panose="02030600000101010101" pitchFamily="18" charset="-127"/>
+                <a:cs typeface="Aharoni" panose="02010803020104030203" pitchFamily="2" charset="-79"/>
+              </a:rPr>
+              <a:t>הנקודות השחורות מתחת לכל עמודה עם מספר הפיגועים מספקות מידע נוסף.</a:t>
+            </a:r>
+            <a:endParaRPr lang="he-IL" dirty="0">
               <a:latin typeface="Aharoni" panose="02010803020104030203" pitchFamily="2" charset="-79"/>
               <a:cs typeface="Aharoni" panose="02010803020104030203" pitchFamily="2" charset="-79"/>
             </a:endParaRPr>
@@ -7845,12 +8649,30 @@
               <a:buChar char="X"/>
             </a:pPr>
             <a:r>
-              <a:rPr lang="he-IL" sz="2200" dirty="0">
+              <a:rPr lang="he-IL" sz="1800" dirty="0">
+                <a:effectLst/>
+                <a:latin typeface="Aharoni" panose="02010803020104030203" pitchFamily="2" charset="-79"/>
+                <a:ea typeface="Batang" panose="02030600000101010101" pitchFamily="18" charset="-127"/>
+                <a:cs typeface="Aharoni" panose="02010803020104030203" pitchFamily="2" charset="-79"/>
+              </a:rPr>
+              <a:t>קטגוריות עם מספר אירועים נמוך עלולות להיראות זניחות, במיוחד אם העמודות שלהן קטנות מאוד ביחס לקטגוריות בולטות יותר, מה שעלול לטשטש את המשמעות שלהן בתוך הגרף</a:t>
+            </a:r>
+          </a:p>
+          <a:p>
+            <a:pPr marL="285750" indent="-285750" algn="r" defTabSz="914400" rtl="1" eaLnBrk="1" latinLnBrk="0" hangingPunct="1">
+              <a:buFont typeface="System Font Regular"/>
+              <a:buChar char="X"/>
+            </a:pPr>
+            <a:r>
+              <a:rPr lang="he-IL" dirty="0">
                 <a:latin typeface="Aharoni" panose="02010803020104030203" pitchFamily="2" charset="-79"/>
                 <a:cs typeface="Aharoni" panose="02010803020104030203" pitchFamily="2" charset="-79"/>
               </a:rPr>
-              <a:t>מוגבלת רק לקשרים ליניאריים , וגם אינה חושפת מידע על חריגות או פיזור בתוך הקשרים</a:t>
-            </a:r>
+              <a:t>קושי בהשוואה של מספר הרוגים/פצועים ביחס למספר האירועים</a:t>
+            </a:r>
+          </a:p>
+          <a:p>
+            <a:pPr marL="0" algn="r" defTabSz="914400" rtl="1" eaLnBrk="1" latinLnBrk="0" hangingPunct="1"/>
             <a:endParaRPr lang="en-IL" sz="2000" dirty="0">
               <a:latin typeface="Aharoni" panose="02010803020104030203" pitchFamily="2" charset="-79"/>
               <a:cs typeface="Aharoni" panose="02010803020104030203" pitchFamily="2" charset="-79"/>
@@ -7860,10 +8682,10 @@
       </p:sp>
       <p:cxnSp>
         <p:nvCxnSpPr>
-          <p:cNvPr id="6" name="Straight Connector 9">
+          <p:cNvPr id="12" name="Straight Connector 9">
             <a:extLst>
               <a:ext uri="{FF2B5EF4-FFF2-40B4-BE49-F238E27FC236}">
-                <a16:creationId xmlns:a16="http://schemas.microsoft.com/office/drawing/2014/main" id="{1E6E4F74-5A47-7688-CC08-6B4A366F0E78}"/>
+                <a16:creationId xmlns:a16="http://schemas.microsoft.com/office/drawing/2014/main" id="{13BFAC9F-4EE5-3E21-FCE3-21619D8EFC51}"/>
               </a:ext>
             </a:extLst>
           </p:cNvPr>
@@ -7874,8 +8696,8 @@
         </p:nvCxnSpPr>
         <p:spPr>
           <a:xfrm>
-            <a:off x="7493813" y="1876802"/>
-            <a:ext cx="3707892" cy="0"/>
+            <a:off x="9552384" y="1052736"/>
+            <a:ext cx="2156844" cy="0"/>
           </a:xfrm>
           <a:prstGeom prst="line">
             <a:avLst/>
@@ -7897,10 +8719,40 @@
           </a:fontRef>
         </p:style>
       </p:cxnSp>
+      <p:pic>
+        <p:nvPicPr>
+          <p:cNvPr id="4" name="תמונה 3">
+            <a:extLst>
+              <a:ext uri="{FF2B5EF4-FFF2-40B4-BE49-F238E27FC236}">
+                <a16:creationId xmlns:a16="http://schemas.microsoft.com/office/drawing/2014/main" id="{27BC8446-BD31-A1EA-E630-C9D1E566D67E}"/>
+              </a:ext>
+            </a:extLst>
+          </p:cNvPr>
+          <p:cNvPicPr>
+            <a:picLocks noChangeAspect="1"/>
+          </p:cNvPicPr>
+          <p:nvPr/>
+        </p:nvPicPr>
+        <p:blipFill>
+          <a:blip r:embed="rId2"/>
+          <a:stretch>
+            <a:fillRect/>
+          </a:stretch>
+        </p:blipFill>
+        <p:spPr>
+          <a:xfrm>
+            <a:off x="119336" y="1097176"/>
+            <a:ext cx="7250972" cy="4564059"/>
+          </a:xfrm>
+          <a:prstGeom prst="rect">
+            <a:avLst/>
+          </a:prstGeom>
+        </p:spPr>
+      </p:pic>
     </p:spTree>
     <p:extLst>
       <p:ext uri="{BB962C8B-B14F-4D97-AF65-F5344CB8AC3E}">
-        <p14:creationId xmlns:p14="http://schemas.microsoft.com/office/powerpoint/2010/main" val="540600183"/>
+        <p14:creationId xmlns:p14="http://schemas.microsoft.com/office/powerpoint/2010/main" val="718400059"/>
       </p:ext>
     </p:extLst>
   </p:cSld>
@@ -7919,6 +8771,742 @@
       </p:transition>
     </mc:Fallback>
   </mc:AlternateContent>
+  <p:timing>
+    <p:tnLst>
+      <p:par>
+        <p:cTn id="1" dur="indefinite" restart="never" nodeType="tmRoot">
+          <p:childTnLst>
+            <p:seq concurrent="1" nextAc="seek">
+              <p:cTn id="2" dur="indefinite" nodeType="mainSeq">
+                <p:childTnLst>
+                  <p:par>
+                    <p:cTn id="3" fill="hold">
+                      <p:stCondLst>
+                        <p:cond delay="indefinite"/>
+                        <p:cond evt="onBegin" delay="0">
+                          <p:tn val="2"/>
+                        </p:cond>
+                      </p:stCondLst>
+                      <p:childTnLst>
+                        <p:par>
+                          <p:cTn id="4" fill="hold">
+                            <p:stCondLst>
+                              <p:cond delay="0"/>
+                            </p:stCondLst>
+                            <p:childTnLst>
+                              <p:par>
+                                <p:cTn id="5" presetID="42" presetClass="entr" presetSubtype="0" fill="hold" grpId="0" nodeType="withEffect">
+                                  <p:stCondLst>
+                                    <p:cond delay="0"/>
+                                  </p:stCondLst>
+                                  <p:childTnLst>
+                                    <p:set>
+                                      <p:cBhvr>
+                                        <p:cTn id="6" dur="1" fill="hold">
+                                          <p:stCondLst>
+                                            <p:cond delay="0"/>
+                                          </p:stCondLst>
+                                        </p:cTn>
+                                        <p:tgtEl>
+                                          <p:spTgt spid="11"/>
+                                        </p:tgtEl>
+                                        <p:attrNameLst>
+                                          <p:attrName>style.visibility</p:attrName>
+                                        </p:attrNameLst>
+                                      </p:cBhvr>
+                                      <p:to>
+                                        <p:strVal val="visible"/>
+                                      </p:to>
+                                    </p:set>
+                                    <p:animEffect transition="in" filter="fade">
+                                      <p:cBhvr>
+                                        <p:cTn id="7" dur="1000"/>
+                                        <p:tgtEl>
+                                          <p:spTgt spid="11"/>
+                                        </p:tgtEl>
+                                      </p:cBhvr>
+                                    </p:animEffect>
+                                    <p:anim calcmode="lin" valueType="num">
+                                      <p:cBhvr>
+                                        <p:cTn id="8" dur="1000" fill="hold"/>
+                                        <p:tgtEl>
+                                          <p:spTgt spid="11"/>
+                                        </p:tgtEl>
+                                        <p:attrNameLst>
+                                          <p:attrName>ppt_x</p:attrName>
+                                        </p:attrNameLst>
+                                      </p:cBhvr>
+                                      <p:tavLst>
+                                        <p:tav tm="0">
+                                          <p:val>
+                                            <p:strVal val="#ppt_x"/>
+                                          </p:val>
+                                        </p:tav>
+                                        <p:tav tm="100000">
+                                          <p:val>
+                                            <p:strVal val="#ppt_x"/>
+                                          </p:val>
+                                        </p:tav>
+                                      </p:tavLst>
+                                    </p:anim>
+                                    <p:anim calcmode="lin" valueType="num">
+                                      <p:cBhvr>
+                                        <p:cTn id="9" dur="1000" fill="hold"/>
+                                        <p:tgtEl>
+                                          <p:spTgt spid="11"/>
+                                        </p:tgtEl>
+                                        <p:attrNameLst>
+                                          <p:attrName>ppt_y</p:attrName>
+                                        </p:attrNameLst>
+                                      </p:cBhvr>
+                                      <p:tavLst>
+                                        <p:tav tm="0">
+                                          <p:val>
+                                            <p:strVal val="#ppt_y+.1"/>
+                                          </p:val>
+                                        </p:tav>
+                                        <p:tav tm="100000">
+                                          <p:val>
+                                            <p:strVal val="#ppt_y"/>
+                                          </p:val>
+                                        </p:tav>
+                                      </p:tavLst>
+                                    </p:anim>
+                                  </p:childTnLst>
+                                </p:cTn>
+                              </p:par>
+                              <p:par>
+                                <p:cTn id="10" presetID="42" presetClass="entr" presetSubtype="0" fill="hold" nodeType="withEffect">
+                                  <p:stCondLst>
+                                    <p:cond delay="0"/>
+                                  </p:stCondLst>
+                                  <p:childTnLst>
+                                    <p:set>
+                                      <p:cBhvr>
+                                        <p:cTn id="11" dur="1" fill="hold">
+                                          <p:stCondLst>
+                                            <p:cond delay="0"/>
+                                          </p:stCondLst>
+                                        </p:cTn>
+                                        <p:tgtEl>
+                                          <p:spTgt spid="4"/>
+                                        </p:tgtEl>
+                                        <p:attrNameLst>
+                                          <p:attrName>style.visibility</p:attrName>
+                                        </p:attrNameLst>
+                                      </p:cBhvr>
+                                      <p:to>
+                                        <p:strVal val="visible"/>
+                                      </p:to>
+                                    </p:set>
+                                    <p:animEffect transition="in" filter="fade">
+                                      <p:cBhvr>
+                                        <p:cTn id="12" dur="1000"/>
+                                        <p:tgtEl>
+                                          <p:spTgt spid="4"/>
+                                        </p:tgtEl>
+                                      </p:cBhvr>
+                                    </p:animEffect>
+                                    <p:anim calcmode="lin" valueType="num">
+                                      <p:cBhvr>
+                                        <p:cTn id="13" dur="1000" fill="hold"/>
+                                        <p:tgtEl>
+                                          <p:spTgt spid="4"/>
+                                        </p:tgtEl>
+                                        <p:attrNameLst>
+                                          <p:attrName>ppt_x</p:attrName>
+                                        </p:attrNameLst>
+                                      </p:cBhvr>
+                                      <p:tavLst>
+                                        <p:tav tm="0">
+                                          <p:val>
+                                            <p:strVal val="#ppt_x"/>
+                                          </p:val>
+                                        </p:tav>
+                                        <p:tav tm="100000">
+                                          <p:val>
+                                            <p:strVal val="#ppt_x"/>
+                                          </p:val>
+                                        </p:tav>
+                                      </p:tavLst>
+                                    </p:anim>
+                                    <p:anim calcmode="lin" valueType="num">
+                                      <p:cBhvr>
+                                        <p:cTn id="14" dur="1000" fill="hold"/>
+                                        <p:tgtEl>
+                                          <p:spTgt spid="4"/>
+                                        </p:tgtEl>
+                                        <p:attrNameLst>
+                                          <p:attrName>ppt_y</p:attrName>
+                                        </p:attrNameLst>
+                                      </p:cBhvr>
+                                      <p:tavLst>
+                                        <p:tav tm="0">
+                                          <p:val>
+                                            <p:strVal val="#ppt_y+.1"/>
+                                          </p:val>
+                                        </p:tav>
+                                        <p:tav tm="100000">
+                                          <p:val>
+                                            <p:strVal val="#ppt_y"/>
+                                          </p:val>
+                                        </p:tav>
+                                      </p:tavLst>
+                                    </p:anim>
+                                  </p:childTnLst>
+                                </p:cTn>
+                              </p:par>
+                            </p:childTnLst>
+                          </p:cTn>
+                        </p:par>
+                      </p:childTnLst>
+                    </p:cTn>
+                  </p:par>
+                </p:childTnLst>
+              </p:cTn>
+              <p:prevCondLst>
+                <p:cond evt="onPrev" delay="0">
+                  <p:tgtEl>
+                    <p:sldTgt/>
+                  </p:tgtEl>
+                </p:cond>
+              </p:prevCondLst>
+              <p:nextCondLst>
+                <p:cond evt="onNext" delay="0">
+                  <p:tgtEl>
+                    <p:sldTgt/>
+                  </p:tgtEl>
+                </p:cond>
+              </p:nextCondLst>
+            </p:seq>
+          </p:childTnLst>
+        </p:cTn>
+      </p:par>
+    </p:tnLst>
+    <p:bldLst>
+      <p:bldP spid="11" grpId="0"/>
+    </p:bldLst>
+  </p:timing>
+</p:sld>
+</file>
+
+<file path=ppt/slides/slide9.xml><?xml version="1.0" encoding="utf-8"?>
+<p:sld xmlns:a="http://schemas.openxmlformats.org/drawingml/2006/main" xmlns:r="http://schemas.openxmlformats.org/officeDocument/2006/relationships" xmlns:p="http://schemas.openxmlformats.org/presentationml/2006/main">
+  <p:cSld>
+    <p:spTree>
+      <p:nvGrpSpPr>
+        <p:cNvPr id="1" name="">
+          <a:extLst>
+            <a:ext uri="{FF2B5EF4-FFF2-40B4-BE49-F238E27FC236}">
+              <a16:creationId xmlns:a16="http://schemas.microsoft.com/office/drawing/2014/main" id="{C1D08616-AC71-FD47-157D-5BC12B2E186A}"/>
+            </a:ext>
+          </a:extLst>
+        </p:cNvPr>
+        <p:cNvGrpSpPr/>
+        <p:nvPr/>
+      </p:nvGrpSpPr>
+      <p:grpSpPr>
+        <a:xfrm>
+          <a:off x="0" y="0"/>
+          <a:ext cx="0" cy="0"/>
+          <a:chOff x="0" y="0"/>
+          <a:chExt cx="0" cy="0"/>
+        </a:xfrm>
+      </p:grpSpPr>
+      <p:sp>
+        <p:nvSpPr>
+          <p:cNvPr id="9" name="Title 1">
+            <a:extLst>
+              <a:ext uri="{FF2B5EF4-FFF2-40B4-BE49-F238E27FC236}">
+                <a16:creationId xmlns:a16="http://schemas.microsoft.com/office/drawing/2014/main" id="{64808453-EA70-3E45-8BC0-F82507702291}"/>
+              </a:ext>
+            </a:extLst>
+          </p:cNvPr>
+          <p:cNvSpPr>
+            <a:spLocks noGrp="1"/>
+          </p:cNvSpPr>
+          <p:nvPr>
+            <p:ph type="title"/>
+          </p:nvPr>
+        </p:nvSpPr>
+        <p:spPr>
+          <a:xfrm>
+            <a:off x="9336360" y="209806"/>
+            <a:ext cx="2372868" cy="895975"/>
+          </a:xfrm>
+        </p:spPr>
+        <p:txBody>
+          <a:bodyPr>
+            <a:normAutofit fontScale="90000"/>
+          </a:bodyPr>
+          <a:lstStyle/>
+          <a:p>
+            <a:pPr algn="r" rtl="1"/>
+            <a:r>
+              <a:rPr lang="he-IL" sz="6000" dirty="0">
+                <a:latin typeface="Aharoni" panose="02010803020104030203" pitchFamily="2" charset="-79"/>
+                <a:cs typeface="Aharoni" panose="02010803020104030203" pitchFamily="2" charset="-79"/>
+              </a:rPr>
+              <a:t>חלופה 2</a:t>
+            </a:r>
+            <a:endParaRPr lang="en-IL" sz="6000" dirty="0">
+              <a:latin typeface="Aharoni" panose="02010803020104030203" pitchFamily="2" charset="-79"/>
+              <a:cs typeface="Aharoni" panose="02010803020104030203" pitchFamily="2" charset="-79"/>
+            </a:endParaRPr>
+          </a:p>
+        </p:txBody>
+      </p:sp>
+      <p:sp>
+        <p:nvSpPr>
+          <p:cNvPr id="11" name="TextBox 5">
+            <a:extLst>
+              <a:ext uri="{FF2B5EF4-FFF2-40B4-BE49-F238E27FC236}">
+                <a16:creationId xmlns:a16="http://schemas.microsoft.com/office/drawing/2014/main" id="{BE3CF39B-590F-13BC-6968-742A392F18C3}"/>
+              </a:ext>
+            </a:extLst>
+          </p:cNvPr>
+          <p:cNvSpPr txBox="1"/>
+          <p:nvPr/>
+        </p:nvSpPr>
+        <p:spPr>
+          <a:xfrm>
+            <a:off x="7261199" y="1196765"/>
+            <a:ext cx="4716094" cy="3170099"/>
+          </a:xfrm>
+          <a:prstGeom prst="rect">
+            <a:avLst/>
+          </a:prstGeom>
+          <a:noFill/>
+        </p:spPr>
+        <p:txBody>
+          <a:bodyPr wrap="square" rtlCol="0">
+            <a:spAutoFit/>
+          </a:bodyPr>
+          <a:lstStyle/>
+          <a:p>
+            <a:pPr marL="0" algn="r" defTabSz="914400" rtl="1" eaLnBrk="1" latinLnBrk="0" hangingPunct="1"/>
+            <a:r>
+              <a:rPr lang="he-IL" sz="2000" dirty="0">
+                <a:latin typeface="Aharoni" panose="02010803020104030203" pitchFamily="2" charset="-79"/>
+                <a:cs typeface="Aharoni" panose="02010803020104030203" pitchFamily="2" charset="-79"/>
+              </a:rPr>
+              <a:t> </a:t>
+            </a:r>
+            <a:r>
+              <a:rPr lang="he-IL" sz="2800" dirty="0">
+                <a:latin typeface="Aharoni" panose="02010803020104030203" pitchFamily="2" charset="-79"/>
+                <a:cs typeface="Aharoni" panose="02010803020104030203" pitchFamily="2" charset="-79"/>
+              </a:rPr>
+              <a:t>יתרונות –</a:t>
+            </a:r>
+          </a:p>
+          <a:p>
+            <a:pPr marL="285750" indent="-285750" algn="r" defTabSz="914400" rtl="1" eaLnBrk="1" latinLnBrk="0" hangingPunct="1">
+              <a:buFont typeface="Wingdings" pitchFamily="2" charset="2"/>
+              <a:buChar char="ü"/>
+            </a:pPr>
+            <a:r>
+              <a:rPr lang="he-IL" sz="1800" dirty="0">
+                <a:effectLst/>
+                <a:latin typeface="Aharoni" panose="02010803020104030203" pitchFamily="2" charset="-79"/>
+                <a:ea typeface="Batang" panose="02030600000101010101" pitchFamily="18" charset="-127"/>
+                <a:cs typeface="Aharoni" panose="02010803020104030203" pitchFamily="2" charset="-79"/>
+              </a:rPr>
+              <a:t>מאפשר הצגת קשר בין שני משתנים כמותיים, כמו פצועים והרוגים, באמצעות מיקום בצירים, </a:t>
+            </a:r>
+          </a:p>
+          <a:p>
+            <a:pPr marL="285750" indent="-285750" algn="r" defTabSz="914400" rtl="1" eaLnBrk="1" latinLnBrk="0" hangingPunct="1">
+              <a:buFont typeface="Wingdings" pitchFamily="2" charset="2"/>
+              <a:buChar char="ü"/>
+            </a:pPr>
+            <a:r>
+              <a:rPr lang="he-IL" dirty="0">
+                <a:latin typeface="Aharoni" panose="02010803020104030203" pitchFamily="2" charset="-79"/>
+                <a:ea typeface="Batang" panose="02030600000101010101" pitchFamily="18" charset="-127"/>
+                <a:cs typeface="Aharoni" panose="02010803020104030203" pitchFamily="2" charset="-79"/>
+              </a:rPr>
+              <a:t>הצגה ויזואלית של כמות האירועים שבוצעו בעזרת נשק </a:t>
+            </a:r>
+            <a:r>
+              <a:rPr lang="he-IL" dirty="0" err="1">
+                <a:latin typeface="Aharoni" panose="02010803020104030203" pitchFamily="2" charset="-79"/>
+                <a:ea typeface="Batang" panose="02030600000101010101" pitchFamily="18" charset="-127"/>
+                <a:cs typeface="Aharoni" panose="02010803020104030203" pitchFamily="2" charset="-79"/>
+              </a:rPr>
+              <a:t>מסויים</a:t>
+            </a:r>
+            <a:r>
+              <a:rPr lang="he-IL" dirty="0">
+                <a:latin typeface="Aharoni" panose="02010803020104030203" pitchFamily="2" charset="-79"/>
+                <a:ea typeface="Batang" panose="02030600000101010101" pitchFamily="18" charset="-127"/>
+                <a:cs typeface="Aharoni" panose="02010803020104030203" pitchFamily="2" charset="-79"/>
+              </a:rPr>
+              <a:t> אל מול נשק אחר מבלי לגשת למקרא.</a:t>
+            </a:r>
+            <a:endParaRPr lang="he-IL" sz="1800" dirty="0">
+              <a:effectLst/>
+              <a:latin typeface="Aharoni" panose="02010803020104030203" pitchFamily="2" charset="-79"/>
+              <a:ea typeface="Batang" panose="02030600000101010101" pitchFamily="18" charset="-127"/>
+              <a:cs typeface="Aharoni" panose="02010803020104030203" pitchFamily="2" charset="-79"/>
+            </a:endParaRPr>
+          </a:p>
+          <a:p>
+            <a:pPr marL="285750" indent="-285750" algn="r" defTabSz="914400" rtl="1" eaLnBrk="1" latinLnBrk="0" hangingPunct="1">
+              <a:buFont typeface="Wingdings" pitchFamily="2" charset="2"/>
+              <a:buChar char="ü"/>
+            </a:pPr>
+            <a:r>
+              <a:rPr lang="he-IL" sz="2800" dirty="0">
+                <a:latin typeface="Aharoni" panose="02010803020104030203" pitchFamily="2" charset="-79"/>
+                <a:cs typeface="Aharoni" panose="02010803020104030203" pitchFamily="2" charset="-79"/>
+              </a:rPr>
+              <a:t>חסרונות –</a:t>
+            </a:r>
+          </a:p>
+          <a:p>
+            <a:pPr marL="285750" indent="-285750" algn="r" defTabSz="914400" rtl="1" eaLnBrk="1" latinLnBrk="0" hangingPunct="1">
+              <a:buFont typeface="System Font Regular"/>
+              <a:buChar char="X"/>
+            </a:pPr>
+            <a:r>
+              <a:rPr lang="he-IL" sz="1800" dirty="0">
+                <a:effectLst/>
+                <a:latin typeface="Aharoni" panose="02010803020104030203" pitchFamily="2" charset="-79"/>
+                <a:ea typeface="Batang" panose="02030600000101010101" pitchFamily="18" charset="-127"/>
+                <a:cs typeface="Aharoni" panose="02010803020104030203" pitchFamily="2" charset="-79"/>
+              </a:rPr>
+              <a:t>התלות בציר לוגריתמי עשויה להקשות על הבנת הנתונים.</a:t>
+            </a:r>
+          </a:p>
+          <a:p>
+            <a:pPr marL="285750" indent="-285750" algn="r" defTabSz="914400" rtl="1" eaLnBrk="1" latinLnBrk="0" hangingPunct="1">
+              <a:buFont typeface="System Font Regular"/>
+              <a:buChar char="X"/>
+            </a:pPr>
+            <a:r>
+              <a:rPr lang="he-IL" sz="1800" dirty="0">
+                <a:effectLst/>
+                <a:latin typeface="Aharoni" panose="02010803020104030203" pitchFamily="2" charset="-79"/>
+                <a:ea typeface="Batang" panose="02030600000101010101" pitchFamily="18" charset="-127"/>
+                <a:cs typeface="Aharoni" panose="02010803020104030203" pitchFamily="2" charset="-79"/>
+              </a:rPr>
+              <a:t>גרף הבועות עלול להיות פחות קריא כאשר קיימות קטגוריות רבות, מה שעלול לגרום לצפיפות יתר בגרף. </a:t>
+            </a:r>
+            <a:endParaRPr lang="en-IL" sz="2000" dirty="0">
+              <a:latin typeface="Aharoni" panose="02010803020104030203" pitchFamily="2" charset="-79"/>
+              <a:cs typeface="Aharoni" panose="02010803020104030203" pitchFamily="2" charset="-79"/>
+            </a:endParaRPr>
+          </a:p>
+        </p:txBody>
+      </p:sp>
+      <p:cxnSp>
+        <p:nvCxnSpPr>
+          <p:cNvPr id="12" name="Straight Connector 9">
+            <a:extLst>
+              <a:ext uri="{FF2B5EF4-FFF2-40B4-BE49-F238E27FC236}">
+                <a16:creationId xmlns:a16="http://schemas.microsoft.com/office/drawing/2014/main" id="{E3926234-E5EA-7F16-6144-9CABA9F3B636}"/>
+              </a:ext>
+            </a:extLst>
+          </p:cNvPr>
+          <p:cNvCxnSpPr>
+            <a:cxnSpLocks/>
+          </p:cNvCxnSpPr>
+          <p:nvPr/>
+        </p:nvCxnSpPr>
+        <p:spPr>
+          <a:xfrm>
+            <a:off x="9552384" y="1052736"/>
+            <a:ext cx="2156844" cy="0"/>
+          </a:xfrm>
+          <a:prstGeom prst="line">
+            <a:avLst/>
+          </a:prstGeom>
+          <a:ln/>
+        </p:spPr>
+        <p:style>
+          <a:lnRef idx="3">
+            <a:schemeClr val="dk1"/>
+          </a:lnRef>
+          <a:fillRef idx="0">
+            <a:schemeClr val="dk1"/>
+          </a:fillRef>
+          <a:effectRef idx="2">
+            <a:schemeClr val="dk1"/>
+          </a:effectRef>
+          <a:fontRef idx="minor">
+            <a:schemeClr val="tx1"/>
+          </a:fontRef>
+        </p:style>
+      </p:cxnSp>
+      <p:pic>
+        <p:nvPicPr>
+          <p:cNvPr id="5" name="תמונה 4">
+            <a:extLst>
+              <a:ext uri="{FF2B5EF4-FFF2-40B4-BE49-F238E27FC236}">
+                <a16:creationId xmlns:a16="http://schemas.microsoft.com/office/drawing/2014/main" id="{7E6D4BD0-AE29-8FDE-76B1-4C209683B09D}"/>
+              </a:ext>
+            </a:extLst>
+          </p:cNvPr>
+          <p:cNvPicPr>
+            <a:picLocks noChangeAspect="1"/>
+          </p:cNvPicPr>
+          <p:nvPr/>
+        </p:nvPicPr>
+        <p:blipFill>
+          <a:blip r:embed="rId2"/>
+          <a:stretch>
+            <a:fillRect/>
+          </a:stretch>
+        </p:blipFill>
+        <p:spPr>
+          <a:xfrm>
+            <a:off x="106695" y="1056108"/>
+            <a:ext cx="7154504" cy="4605127"/>
+          </a:xfrm>
+          <a:prstGeom prst="rect">
+            <a:avLst/>
+          </a:prstGeom>
+        </p:spPr>
+      </p:pic>
+    </p:spTree>
+    <p:extLst>
+      <p:ext uri="{BB962C8B-B14F-4D97-AF65-F5344CB8AC3E}">
+        <p14:creationId xmlns:p14="http://schemas.microsoft.com/office/powerpoint/2010/main" val="1070085815"/>
+      </p:ext>
+    </p:extLst>
+  </p:cSld>
+  <p:clrMapOvr>
+    <a:masterClrMapping/>
+  </p:clrMapOvr>
+  <mc:AlternateContent xmlns:mc="http://schemas.openxmlformats.org/markup-compatibility/2006" xmlns:p14="http://schemas.microsoft.com/office/powerpoint/2010/main">
+    <mc:Choice Requires="p14">
+      <p:transition spd="slow" p14:dur="1200">
+        <p14:prism/>
+      </p:transition>
+    </mc:Choice>
+    <mc:Fallback xmlns="">
+      <p:transition spd="slow">
+        <p:fade/>
+      </p:transition>
+    </mc:Fallback>
+  </mc:AlternateContent>
+  <p:timing>
+    <p:tnLst>
+      <p:par>
+        <p:cTn id="1" dur="indefinite" restart="never" nodeType="tmRoot">
+          <p:childTnLst>
+            <p:seq concurrent="1" nextAc="seek">
+              <p:cTn id="2" dur="indefinite" nodeType="mainSeq">
+                <p:childTnLst>
+                  <p:par>
+                    <p:cTn id="3" fill="hold">
+                      <p:stCondLst>
+                        <p:cond delay="indefinite"/>
+                        <p:cond evt="onBegin" delay="0">
+                          <p:tn val="2"/>
+                        </p:cond>
+                      </p:stCondLst>
+                      <p:childTnLst>
+                        <p:par>
+                          <p:cTn id="4" fill="hold">
+                            <p:stCondLst>
+                              <p:cond delay="0"/>
+                            </p:stCondLst>
+                            <p:childTnLst>
+                              <p:par>
+                                <p:cTn id="5" presetID="42" presetClass="entr" presetSubtype="0" fill="hold" grpId="0" nodeType="withEffect">
+                                  <p:stCondLst>
+                                    <p:cond delay="0"/>
+                                  </p:stCondLst>
+                                  <p:childTnLst>
+                                    <p:set>
+                                      <p:cBhvr>
+                                        <p:cTn id="6" dur="1" fill="hold">
+                                          <p:stCondLst>
+                                            <p:cond delay="0"/>
+                                          </p:stCondLst>
+                                        </p:cTn>
+                                        <p:tgtEl>
+                                          <p:spTgt spid="11"/>
+                                        </p:tgtEl>
+                                        <p:attrNameLst>
+                                          <p:attrName>style.visibility</p:attrName>
+                                        </p:attrNameLst>
+                                      </p:cBhvr>
+                                      <p:to>
+                                        <p:strVal val="visible"/>
+                                      </p:to>
+                                    </p:set>
+                                    <p:animEffect transition="in" filter="fade">
+                                      <p:cBhvr>
+                                        <p:cTn id="7" dur="1000"/>
+                                        <p:tgtEl>
+                                          <p:spTgt spid="11"/>
+                                        </p:tgtEl>
+                                      </p:cBhvr>
+                                    </p:animEffect>
+                                    <p:anim calcmode="lin" valueType="num">
+                                      <p:cBhvr>
+                                        <p:cTn id="8" dur="1000" fill="hold"/>
+                                        <p:tgtEl>
+                                          <p:spTgt spid="11"/>
+                                        </p:tgtEl>
+                                        <p:attrNameLst>
+                                          <p:attrName>ppt_x</p:attrName>
+                                        </p:attrNameLst>
+                                      </p:cBhvr>
+                                      <p:tavLst>
+                                        <p:tav tm="0">
+                                          <p:val>
+                                            <p:strVal val="#ppt_x"/>
+                                          </p:val>
+                                        </p:tav>
+                                        <p:tav tm="100000">
+                                          <p:val>
+                                            <p:strVal val="#ppt_x"/>
+                                          </p:val>
+                                        </p:tav>
+                                      </p:tavLst>
+                                    </p:anim>
+                                    <p:anim calcmode="lin" valueType="num">
+                                      <p:cBhvr>
+                                        <p:cTn id="9" dur="1000" fill="hold"/>
+                                        <p:tgtEl>
+                                          <p:spTgt spid="11"/>
+                                        </p:tgtEl>
+                                        <p:attrNameLst>
+                                          <p:attrName>ppt_y</p:attrName>
+                                        </p:attrNameLst>
+                                      </p:cBhvr>
+                                      <p:tavLst>
+                                        <p:tav tm="0">
+                                          <p:val>
+                                            <p:strVal val="#ppt_y+.1"/>
+                                          </p:val>
+                                        </p:tav>
+                                        <p:tav tm="100000">
+                                          <p:val>
+                                            <p:strVal val="#ppt_y"/>
+                                          </p:val>
+                                        </p:tav>
+                                      </p:tavLst>
+                                    </p:anim>
+                                  </p:childTnLst>
+                                </p:cTn>
+                              </p:par>
+                              <p:par>
+                                <p:cTn id="10" presetID="42" presetClass="entr" presetSubtype="0" fill="hold" nodeType="withEffect">
+                                  <p:stCondLst>
+                                    <p:cond delay="0"/>
+                                  </p:stCondLst>
+                                  <p:childTnLst>
+                                    <p:set>
+                                      <p:cBhvr>
+                                        <p:cTn id="11" dur="1" fill="hold">
+                                          <p:stCondLst>
+                                            <p:cond delay="0"/>
+                                          </p:stCondLst>
+                                        </p:cTn>
+                                        <p:tgtEl>
+                                          <p:spTgt spid="5"/>
+                                        </p:tgtEl>
+                                        <p:attrNameLst>
+                                          <p:attrName>style.visibility</p:attrName>
+                                        </p:attrNameLst>
+                                      </p:cBhvr>
+                                      <p:to>
+                                        <p:strVal val="visible"/>
+                                      </p:to>
+                                    </p:set>
+                                    <p:animEffect transition="in" filter="fade">
+                                      <p:cBhvr>
+                                        <p:cTn id="12" dur="1000"/>
+                                        <p:tgtEl>
+                                          <p:spTgt spid="5"/>
+                                        </p:tgtEl>
+                                      </p:cBhvr>
+                                    </p:animEffect>
+                                    <p:anim calcmode="lin" valueType="num">
+                                      <p:cBhvr>
+                                        <p:cTn id="13" dur="1000" fill="hold"/>
+                                        <p:tgtEl>
+                                          <p:spTgt spid="5"/>
+                                        </p:tgtEl>
+                                        <p:attrNameLst>
+                                          <p:attrName>ppt_x</p:attrName>
+                                        </p:attrNameLst>
+                                      </p:cBhvr>
+                                      <p:tavLst>
+                                        <p:tav tm="0">
+                                          <p:val>
+                                            <p:strVal val="#ppt_x"/>
+                                          </p:val>
+                                        </p:tav>
+                                        <p:tav tm="100000">
+                                          <p:val>
+                                            <p:strVal val="#ppt_x"/>
+                                          </p:val>
+                                        </p:tav>
+                                      </p:tavLst>
+                                    </p:anim>
+                                    <p:anim calcmode="lin" valueType="num">
+                                      <p:cBhvr>
+                                        <p:cTn id="14" dur="1000" fill="hold"/>
+                                        <p:tgtEl>
+                                          <p:spTgt spid="5"/>
+                                        </p:tgtEl>
+                                        <p:attrNameLst>
+                                          <p:attrName>ppt_y</p:attrName>
+                                        </p:attrNameLst>
+                                      </p:cBhvr>
+                                      <p:tavLst>
+                                        <p:tav tm="0">
+                                          <p:val>
+                                            <p:strVal val="#ppt_y+.1"/>
+                                          </p:val>
+                                        </p:tav>
+                                        <p:tav tm="100000">
+                                          <p:val>
+                                            <p:strVal val="#ppt_y"/>
+                                          </p:val>
+                                        </p:tav>
+                                      </p:tavLst>
+                                    </p:anim>
+                                  </p:childTnLst>
+                                </p:cTn>
+                              </p:par>
+                            </p:childTnLst>
+                          </p:cTn>
+                        </p:par>
+                      </p:childTnLst>
+                    </p:cTn>
+                  </p:par>
+                </p:childTnLst>
+              </p:cTn>
+              <p:prevCondLst>
+                <p:cond evt="onPrev" delay="0">
+                  <p:tgtEl>
+                    <p:sldTgt/>
+                  </p:tgtEl>
+                </p:cond>
+              </p:prevCondLst>
+              <p:nextCondLst>
+                <p:cond evt="onNext" delay="0">
+                  <p:tgtEl>
+                    <p:sldTgt/>
+                  </p:tgtEl>
+                </p:cond>
+              </p:nextCondLst>
+            </p:seq>
+          </p:childTnLst>
+        </p:cTn>
+      </p:par>
+    </p:tnLst>
+    <p:bldLst>
+      <p:bldP spid="11" grpId="0"/>
+    </p:bldLst>
+  </p:timing>
 </p:sld>
 </file>
 

--- a/Presentation/פרזנטציה פרויקט ויזואליזציה.pptx
+++ b/Presentation/פרזנטציה פרויקט ויזואליזציה.pptx
@@ -3139,11 +3139,11 @@
   <p:clrMapOvr>
     <a:masterClrMapping/>
   </p:clrMapOvr>
-  <mc:AlternateContent xmlns:mc="http://schemas.openxmlformats.org/markup-compatibility/2006">
-    <mc:Choice xmlns:p14="http://schemas.microsoft.com/office/powerpoint/2010/main" Requires="p14">
+  <mc:AlternateContent xmlns:mc="http://schemas.openxmlformats.org/markup-compatibility/2006" xmlns:p14="http://schemas.microsoft.com/office/powerpoint/2010/main">
+    <mc:Choice Requires="p14">
       <p:transition p14:dur="0"/>
     </mc:Choice>
-    <mc:Fallback>
+    <mc:Fallback xmlns="">
       <p:transition/>
     </mc:Fallback>
   </mc:AlternateContent>
@@ -3641,7 +3641,7 @@
         </p:blipFill>
         <p:spPr>
           <a:xfrm>
-            <a:off x="988377" y="980728"/>
+            <a:off x="623392" y="1340768"/>
             <a:ext cx="5325637" cy="4464496"/>
           </a:xfrm>
           <a:prstGeom prst="rect">
@@ -3861,8 +3861,8 @@
         </p:nvSpPr>
         <p:spPr>
           <a:xfrm>
-            <a:off x="6528048" y="2348880"/>
-            <a:ext cx="4849818" cy="2985433"/>
+            <a:off x="6600056" y="1902360"/>
+            <a:ext cx="4849818" cy="3662541"/>
           </a:xfrm>
           <a:prstGeom prst="rect">
             <a:avLst/>
@@ -3901,7 +3901,20 @@
                 <a:latin typeface="Aharoni" panose="02010803020104030203" pitchFamily="2" charset="-79"/>
                 <a:cs typeface="Aharoni" panose="02010803020104030203" pitchFamily="2" charset="-79"/>
               </a:rPr>
-              <a:t>קלה לקריאה ומהירה להבנה: ניתן להבין בקלות אילו משתנים קשורים אחד לשני בעוצמה חזקה או חלשה</a:t>
+              <a:t>מציגה קורלציה והשוואה בין המשתנים השונים</a:t>
+            </a:r>
+          </a:p>
+          <a:p>
+            <a:pPr marL="285750" indent="-285750" algn="r" defTabSz="914400" rtl="1" eaLnBrk="1" latinLnBrk="0" hangingPunct="1">
+              <a:buFont typeface="Wingdings" pitchFamily="2" charset="2"/>
+              <a:buChar char="ü"/>
+            </a:pPr>
+            <a:r>
+              <a:rPr lang="he-IL" sz="2200" dirty="0">
+                <a:latin typeface="Aharoni" panose="02010803020104030203" pitchFamily="2" charset="-79"/>
+                <a:cs typeface="Aharoni" panose="02010803020104030203" pitchFamily="2" charset="-79"/>
+              </a:rPr>
+              <a:t>שימוש בסקאלה צבעונית המאפשרת הבחנה בין קשרים חזקים ופחות חזקים (בנוסף למספר המייצג את חוזק הקשר).</a:t>
             </a:r>
             <a:endParaRPr lang="he-IL" sz="2000" dirty="0">
               <a:latin typeface="Aharoni" panose="02010803020104030203" pitchFamily="2" charset="-79"/>
@@ -8747,6 +8760,16 @@
           <a:prstGeom prst="rect">
             <a:avLst/>
           </a:prstGeom>
+          <a:ln>
+            <a:noFill/>
+          </a:ln>
+          <a:effectLst>
+            <a:outerShdw blurRad="292100" dist="139700" dir="2700000" algn="tl" rotWithShape="0">
+              <a:srgbClr val="333333">
+                <a:alpha val="65000"/>
+              </a:srgbClr>
+            </a:outerShdw>
+          </a:effectLst>
         </p:spPr>
       </p:pic>
     </p:spTree>
@@ -9267,6 +9290,16 @@
           <a:prstGeom prst="rect">
             <a:avLst/>
           </a:prstGeom>
+          <a:ln>
+            <a:noFill/>
+          </a:ln>
+          <a:effectLst>
+            <a:outerShdw blurRad="292100" dist="139700" dir="2700000" algn="tl" rotWithShape="0">
+              <a:srgbClr val="333333">
+                <a:alpha val="65000"/>
+              </a:srgbClr>
+            </a:outerShdw>
+          </a:effectLst>
         </p:spPr>
       </p:pic>
     </p:spTree>
